--- a/Data/Results/Presentation/Praktik E23 - Statistisk Risikovurdering.pptx
+++ b/Data/Results/Presentation/Praktik E23 - Statistisk Risikovurdering.pptx
@@ -5,10 +5,10 @@
     <p:sldMasterId id="2147483648" r:id="rId1"/>
   </p:sldMasterIdLst>
   <p:notesMasterIdLst>
-    <p:notesMasterId r:id="rId11"/>
+    <p:notesMasterId r:id="rId12"/>
   </p:notesMasterIdLst>
   <p:handoutMasterIdLst>
-    <p:handoutMasterId r:id="rId12"/>
+    <p:handoutMasterId r:id="rId13"/>
   </p:handoutMasterIdLst>
   <p:sldIdLst>
     <p:sldId id="305" r:id="rId2"/>
@@ -19,12 +19,13 @@
     <p:sldId id="311" r:id="rId7"/>
     <p:sldId id="314" r:id="rId8"/>
     <p:sldId id="316" r:id="rId9"/>
-    <p:sldId id="315" r:id="rId10"/>
+    <p:sldId id="317" r:id="rId10"/>
+    <p:sldId id="315" r:id="rId11"/>
   </p:sldIdLst>
   <p:sldSz cx="12192000" cy="6858000"/>
   <p:notesSz cx="7104063" cy="10234613"/>
   <p:custDataLst>
-    <p:tags r:id="rId13"/>
+    <p:tags r:id="rId14"/>
   </p:custDataLst>
   <p:defaultTextStyle>
     <a:defPPr>
@@ -135,7 +136,7 @@
 <file path=ppt/revisionInfo.xml><?xml version="1.0" encoding="utf-8"?>
 <p1510:revInfo xmlns:a="http://schemas.openxmlformats.org/drawingml/2006/main" xmlns:r="http://schemas.openxmlformats.org/officeDocument/2006/relationships" xmlns:p1510="http://schemas.microsoft.com/office/powerpoint/2015/10/main">
   <p1510:revLst>
-    <p1510:client id="{344DCB79-8AE8-40A1-9FD2-3DFC52767FE3}" v="748" dt="2023-08-28T07:25:38.256"/>
+    <p1510:client id="{344DCB79-8AE8-40A1-9FD2-3DFC52767FE3}" v="757" dt="2023-08-28T13:20:27.060"/>
   </p1510:revLst>
 </p1510:revInfo>
 </file>
@@ -145,7 +146,7 @@
   <pc:docChgLst>
     <pc:chgData name="Tobias Brammer" userId="80a1e1bd-3b82-47a5-b259-da62a397db92" providerId="ADAL" clId="{344DCB79-8AE8-40A1-9FD2-3DFC52767FE3}"/>
     <pc:docChg chg="undo custSel addSld delSld modSld replTag">
-      <pc:chgData name="Tobias Brammer" userId="80a1e1bd-3b82-47a5-b259-da62a397db92" providerId="ADAL" clId="{344DCB79-8AE8-40A1-9FD2-3DFC52767FE3}" dt="2023-08-28T07:25:38.256" v="1135"/>
+      <pc:chgData name="Tobias Brammer" userId="80a1e1bd-3b82-47a5-b259-da62a397db92" providerId="ADAL" clId="{344DCB79-8AE8-40A1-9FD2-3DFC52767FE3}" dt="2023-08-28T13:20:27.060" v="1168"/>
       <pc:docMkLst>
         <pc:docMk/>
       </pc:docMkLst>
@@ -360,6 +361,45 @@
             <ac:graphicFrameMk id="4" creationId="{916B0171-55CA-34B6-3803-978FADA4CC7E}"/>
           </ac:graphicFrameMkLst>
         </pc:graphicFrameChg>
+      </pc:sldChg>
+      <pc:sldChg chg="addSp delSp modSp new add mod">
+        <pc:chgData name="Tobias Brammer" userId="80a1e1bd-3b82-47a5-b259-da62a397db92" providerId="ADAL" clId="{344DCB79-8AE8-40A1-9FD2-3DFC52767FE3}" dt="2023-08-28T13:20:27.060" v="1168"/>
+        <pc:sldMkLst>
+          <pc:docMk/>
+          <pc:sldMk cId="3397296693" sldId="317"/>
+        </pc:sldMkLst>
+        <pc:spChg chg="del">
+          <ac:chgData name="Tobias Brammer" userId="80a1e1bd-3b82-47a5-b259-da62a397db92" providerId="ADAL" clId="{344DCB79-8AE8-40A1-9FD2-3DFC52767FE3}" dt="2023-08-28T13:20:26.545" v="1150" actId="478"/>
+          <ac:spMkLst>
+            <pc:docMk/>
+            <pc:sldMk cId="3397296693" sldId="317"/>
+            <ac:spMk id="2" creationId="{D34E364C-B701-4EF1-FF20-D01C7D08B3E6}"/>
+          </ac:spMkLst>
+        </pc:spChg>
+        <pc:spChg chg="del">
+          <ac:chgData name="Tobias Brammer" userId="80a1e1bd-3b82-47a5-b259-da62a397db92" providerId="ADAL" clId="{344DCB79-8AE8-40A1-9FD2-3DFC52767FE3}" dt="2023-08-28T13:19:55.997" v="1138"/>
+          <ac:spMkLst>
+            <pc:docMk/>
+            <pc:sldMk cId="3397296693" sldId="317"/>
+            <ac:spMk id="3" creationId="{0E0ABA47-6A2D-4338-12D1-C60FED175811}"/>
+          </ac:spMkLst>
+        </pc:spChg>
+        <pc:graphicFrameChg chg="add mod ord modVis replST">
+          <ac:chgData name="Tobias Brammer" userId="80a1e1bd-3b82-47a5-b259-da62a397db92" providerId="ADAL" clId="{344DCB79-8AE8-40A1-9FD2-3DFC52767FE3}" dt="2023-08-28T13:20:27.060" v="1168"/>
+          <ac:graphicFrameMkLst>
+            <pc:docMk/>
+            <pc:sldMk cId="3397296693" sldId="317"/>
+            <ac:graphicFrameMk id="6" creationId="{F5FE1D0F-2634-853A-8CB7-E60EF91E0658}"/>
+          </ac:graphicFrameMkLst>
+        </pc:graphicFrameChg>
+        <pc:picChg chg="add mod">
+          <ac:chgData name="Tobias Brammer" userId="80a1e1bd-3b82-47a5-b259-da62a397db92" providerId="ADAL" clId="{344DCB79-8AE8-40A1-9FD2-3DFC52767FE3}" dt="2023-08-28T13:20:24.370" v="1149" actId="1076"/>
+          <ac:picMkLst>
+            <pc:docMk/>
+            <pc:sldMk cId="3397296693" sldId="317"/>
+            <ac:picMk id="5" creationId="{3F90B2EF-94A9-6ADD-940C-1700EB1EAC82}"/>
+          </ac:picMkLst>
+        </pc:picChg>
       </pc:sldChg>
     </pc:docChg>
   </pc:docChgLst>
@@ -8344,7 +8384,7 @@
             <a:fld id="{CA4D1251-08EB-4C47-AB06-FBA54C2E1AEF}" type="slidenum">
               <a:rPr lang="en-US" smtClean="0"/>
               <a:pPr/>
-              <a:t>9</a:t>
+              <a:t>10</a:t>
             </a:fld>
             <a:endParaRPr lang="en-US" dirty="0"/>
           </a:p>
@@ -21803,4494 +21843,7 @@
 </p:sld>
 </file>
 
-<file path=ppt/slides/slide2.xml><?xml version="1.0" encoding="utf-8"?>
-<p:sld xmlns:a="http://schemas.openxmlformats.org/drawingml/2006/main" xmlns:r="http://schemas.openxmlformats.org/officeDocument/2006/relationships" xmlns:p="http://schemas.openxmlformats.org/presentationml/2006/main">
-  <p:cSld>
-    <p:spTree>
-      <p:nvGrpSpPr>
-        <p:cNvPr id="1" name=""/>
-        <p:cNvGrpSpPr/>
-        <p:nvPr/>
-      </p:nvGrpSpPr>
-      <p:grpSpPr>
-        <a:xfrm>
-          <a:off x="0" y="0"/>
-          <a:ext cx="0" cy="0"/>
-          <a:chOff x="0" y="0"/>
-          <a:chExt cx="0" cy="0"/>
-        </a:xfrm>
-      </p:grpSpPr>
-      <p:graphicFrame>
-        <p:nvGraphicFramePr>
-          <p:cNvPr id="3" name="Objekt 2" hidden="1">
-            <a:extLst>
-              <a:ext uri="{FF2B5EF4-FFF2-40B4-BE49-F238E27FC236}">
-                <a16:creationId xmlns:a16="http://schemas.microsoft.com/office/drawing/2014/main" id="{AB86B848-EDE9-F4A9-108A-F58D243B51C5}"/>
-              </a:ext>
-            </a:extLst>
-          </p:cNvPr>
-          <p:cNvGraphicFramePr>
-            <a:graphicFrameLocks noChangeAspect="1"/>
-          </p:cNvGraphicFramePr>
-          <p:nvPr>
-            <p:custDataLst>
-              <p:tags r:id="rId1"/>
-            </p:custDataLst>
-            <p:extLst>
-              <p:ext uri="{D42A27DB-BD31-4B8C-83A1-F6EECF244321}">
-                <p14:modId xmlns:p14="http://schemas.microsoft.com/office/powerpoint/2010/main" val="4213455095"/>
-              </p:ext>
-            </p:extLst>
-          </p:nvPr>
-        </p:nvGraphicFramePr>
-        <p:xfrm>
-          <a:off x="1588" y="1588"/>
-          <a:ext cx="1588" cy="1588"/>
-        </p:xfrm>
-        <a:graphic>
-          <a:graphicData uri="http://schemas.openxmlformats.org/presentationml/2006/ole">
-            <mc:AlternateContent xmlns:mc="http://schemas.openxmlformats.org/markup-compatibility/2006">
-              <mc:Choice xmlns:v="urn:schemas-microsoft-com:vml" Requires="v">
-                <p:oleObj name="think-cell Slide" r:id="rId4" imgW="347" imgH="348" progId="TCLayout.ActiveDocument.1">
-                  <p:embed/>
-                </p:oleObj>
-              </mc:Choice>
-              <mc:Fallback>
-                <p:oleObj name="think-cell Slide" r:id="rId4" imgW="347" imgH="348" progId="TCLayout.ActiveDocument.1">
-                  <p:embed/>
-                  <p:pic>
-                    <p:nvPicPr>
-                      <p:cNvPr id="3" name="Objekt 2" hidden="1">
-                        <a:extLst>
-                          <a:ext uri="{FF2B5EF4-FFF2-40B4-BE49-F238E27FC236}">
-                            <a16:creationId xmlns:a16="http://schemas.microsoft.com/office/drawing/2014/main" id="{AB86B848-EDE9-F4A9-108A-F58D243B51C5}"/>
-                          </a:ext>
-                        </a:extLst>
-                      </p:cNvPr>
-                      <p:cNvPicPr/>
-                      <p:nvPr/>
-                    </p:nvPicPr>
-                    <p:blipFill>
-                      <a:blip r:embed="rId5"/>
-                      <a:stretch>
-                        <a:fillRect/>
-                      </a:stretch>
-                    </p:blipFill>
-                    <p:spPr>
-                      <a:xfrm>
-                        <a:off x="1588" y="1588"/>
-                        <a:ext cx="1588" cy="1588"/>
-                      </a:xfrm>
-                      <a:prstGeom prst="rect">
-                        <a:avLst/>
-                      </a:prstGeom>
-                    </p:spPr>
-                  </p:pic>
-                </p:oleObj>
-              </mc:Fallback>
-            </mc:AlternateContent>
-          </a:graphicData>
-        </a:graphic>
-      </p:graphicFrame>
-      <p:pic>
-        <p:nvPicPr>
-          <p:cNvPr id="22" name="Pladsholder til billede 21" descr="Et billede, der indeholder person, mand, udendørs&#10;&#10;Automatisk genereret beskrivelse">
-            <a:extLst>
-              <a:ext uri="{FF2B5EF4-FFF2-40B4-BE49-F238E27FC236}">
-                <a16:creationId xmlns:a16="http://schemas.microsoft.com/office/drawing/2014/main" id="{5CEAF9BE-0C77-42EF-A843-2DD67A37E7E0}"/>
-              </a:ext>
-            </a:extLst>
-          </p:cNvPr>
-          <p:cNvPicPr>
-            <a:picLocks noGrp="1" noChangeAspect="1"/>
-          </p:cNvPicPr>
-          <p:nvPr>
-            <p:ph type="pic" sz="quarter" idx="13"/>
-          </p:nvPr>
-        </p:nvPicPr>
-        <p:blipFill rotWithShape="1">
-          <a:blip r:embed="rId6"/>
-          <a:srcRect l="13996" r="46840"/>
-          <a:stretch/>
-        </p:blipFill>
-        <p:spPr>
-          <a:xfrm>
-            <a:off x="8161784" y="0"/>
-            <a:ext cx="4030217" cy="6858000"/>
-          </a:xfrm>
-        </p:spPr>
-      </p:pic>
-      <p:sp>
-        <p:nvSpPr>
-          <p:cNvPr id="2" name="Titel 1">
-            <a:extLst>
-              <a:ext uri="{FF2B5EF4-FFF2-40B4-BE49-F238E27FC236}">
-                <a16:creationId xmlns:a16="http://schemas.microsoft.com/office/drawing/2014/main" id="{3C6F285B-6BE8-47BE-BAD4-8ACEEFC175A8}"/>
-              </a:ext>
-            </a:extLst>
-          </p:cNvPr>
-          <p:cNvSpPr>
-            <a:spLocks noGrp="1"/>
-          </p:cNvSpPr>
-          <p:nvPr>
-            <p:ph type="title"/>
-          </p:nvPr>
-        </p:nvSpPr>
-        <p:spPr/>
-        <p:txBody>
-          <a:bodyPr vert="horz"/>
-          <a:lstStyle/>
-          <a:p>
-            <a:r>
-              <a:rPr lang="en-US" dirty="0"/>
-              <a:t>Outline</a:t>
-            </a:r>
-          </a:p>
-        </p:txBody>
-      </p:sp>
-      <p:sp>
-        <p:nvSpPr>
-          <p:cNvPr id="6" name="TextBox 5">
-            <a:extLst>
-              <a:ext uri="{FF2B5EF4-FFF2-40B4-BE49-F238E27FC236}">
-                <a16:creationId xmlns:a16="http://schemas.microsoft.com/office/drawing/2014/main" id="{CDC222EA-31E5-4543-973D-6351289EEE35}"/>
-              </a:ext>
-            </a:extLst>
-          </p:cNvPr>
-          <p:cNvSpPr txBox="1">
-            <a:spLocks/>
-          </p:cNvSpPr>
-          <p:nvPr/>
-        </p:nvSpPr>
-        <p:spPr>
-          <a:xfrm>
-            <a:off x="1899176" y="2359328"/>
-            <a:ext cx="4064000" cy="276999"/>
-          </a:xfrm>
-          <a:prstGeom prst="rect">
-            <a:avLst/>
-          </a:prstGeom>
-        </p:spPr>
-        <p:txBody>
-          <a:bodyPr vert="horz" lIns="0" tIns="0" rIns="0" bIns="0" rtlCol="0">
-            <a:spAutoFit/>
-          </a:bodyPr>
-          <a:lstStyle>
-            <a:lvl1pPr marL="179388" indent="-179388" algn="l" defTabSz="914400" rtl="0" eaLnBrk="1" latinLnBrk="0" hangingPunct="1">
-              <a:lnSpc>
-                <a:spcPct val="90000"/>
-              </a:lnSpc>
-              <a:spcBef>
-                <a:spcPts val="600"/>
-              </a:spcBef>
-              <a:buFont typeface="Arial" pitchFamily="34" charset="0"/>
-              <a:buChar char="•"/>
-              <a:defRPr sz="2000" kern="1200">
-                <a:solidFill>
-                  <a:schemeClr val="accent1"/>
-                </a:solidFill>
-                <a:latin typeface="+mn-lt"/>
-                <a:ea typeface="+mn-ea"/>
-                <a:cs typeface="+mn-cs"/>
-              </a:defRPr>
-            </a:lvl1pPr>
-            <a:lvl2pPr marL="360000" indent="-180975" algn="l" defTabSz="914400" rtl="0" eaLnBrk="1" latinLnBrk="0" hangingPunct="1">
-              <a:lnSpc>
-                <a:spcPct val="90000"/>
-              </a:lnSpc>
-              <a:spcBef>
-                <a:spcPts val="600"/>
-              </a:spcBef>
-              <a:buFont typeface="Arial" panose="020B0604020202020204" pitchFamily="34" charset="0"/>
-              <a:buChar char="•"/>
-              <a:defRPr sz="2000" kern="1200">
-                <a:solidFill>
-                  <a:schemeClr val="accent1"/>
-                </a:solidFill>
-                <a:latin typeface="+mn-lt"/>
-                <a:ea typeface="+mn-ea"/>
-                <a:cs typeface="+mn-cs"/>
-              </a:defRPr>
-            </a:lvl2pPr>
-            <a:lvl3pPr marL="540000" indent="-180975" algn="l" defTabSz="914400" rtl="0" eaLnBrk="1" latinLnBrk="0" hangingPunct="1">
-              <a:lnSpc>
-                <a:spcPct val="90000"/>
-              </a:lnSpc>
-              <a:spcBef>
-                <a:spcPts val="600"/>
-              </a:spcBef>
-              <a:buFont typeface="Arial" pitchFamily="34" charset="0"/>
-              <a:buChar char="•"/>
-              <a:defRPr sz="2000" kern="1200">
-                <a:solidFill>
-                  <a:schemeClr val="accent1"/>
-                </a:solidFill>
-                <a:latin typeface="+mn-lt"/>
-                <a:ea typeface="+mn-ea"/>
-                <a:cs typeface="+mn-cs"/>
-              </a:defRPr>
-            </a:lvl3pPr>
-            <a:lvl4pPr marL="720000" indent="-180000" algn="l" defTabSz="914400" rtl="0" eaLnBrk="1" latinLnBrk="0" hangingPunct="1">
-              <a:lnSpc>
-                <a:spcPct val="90000"/>
-              </a:lnSpc>
-              <a:spcBef>
-                <a:spcPts val="600"/>
-              </a:spcBef>
-              <a:buFont typeface="Arial" panose="020B0604020202020204" pitchFamily="34" charset="0"/>
-              <a:buChar char="•"/>
-              <a:defRPr sz="2000" kern="1200">
-                <a:solidFill>
-                  <a:schemeClr val="accent1"/>
-                </a:solidFill>
-                <a:latin typeface="+mn-lt"/>
-                <a:ea typeface="+mn-ea"/>
-                <a:cs typeface="+mn-cs"/>
-              </a:defRPr>
-            </a:lvl4pPr>
-            <a:lvl5pPr marL="900000" indent="-180975" algn="l" defTabSz="914400" rtl="0" eaLnBrk="1" latinLnBrk="0" hangingPunct="1">
-              <a:lnSpc>
-                <a:spcPct val="90000"/>
-              </a:lnSpc>
-              <a:spcBef>
-                <a:spcPts val="600"/>
-              </a:spcBef>
-              <a:buFont typeface="Arial" panose="020B0604020202020204" pitchFamily="34" charset="0"/>
-              <a:buChar char="•"/>
-              <a:defRPr sz="2000" kern="1200">
-                <a:solidFill>
-                  <a:schemeClr val="accent1"/>
-                </a:solidFill>
-                <a:latin typeface="+mn-lt"/>
-                <a:ea typeface="+mn-ea"/>
-                <a:cs typeface="+mn-cs"/>
-              </a:defRPr>
-            </a:lvl5pPr>
-            <a:lvl6pPr marL="2514600" indent="-228600" algn="l" defTabSz="914400" rtl="0" eaLnBrk="1" latinLnBrk="0" hangingPunct="1">
-              <a:spcBef>
-                <a:spcPct val="20000"/>
-              </a:spcBef>
-              <a:buFont typeface="Arial" pitchFamily="34" charset="0"/>
-              <a:buChar char="•"/>
-              <a:defRPr sz="2000" kern="1200">
-                <a:solidFill>
-                  <a:schemeClr val="tx1"/>
-                </a:solidFill>
-                <a:latin typeface="+mn-lt"/>
-                <a:ea typeface="+mn-ea"/>
-                <a:cs typeface="+mn-cs"/>
-              </a:defRPr>
-            </a:lvl6pPr>
-            <a:lvl7pPr marL="2971800" indent="-228600" algn="l" defTabSz="914400" rtl="0" eaLnBrk="1" latinLnBrk="0" hangingPunct="1">
-              <a:spcBef>
-                <a:spcPct val="20000"/>
-              </a:spcBef>
-              <a:buFont typeface="Arial" pitchFamily="34" charset="0"/>
-              <a:buChar char="•"/>
-              <a:defRPr sz="2000" kern="1200">
-                <a:solidFill>
-                  <a:schemeClr val="tx1"/>
-                </a:solidFill>
-                <a:latin typeface="+mn-lt"/>
-                <a:ea typeface="+mn-ea"/>
-                <a:cs typeface="+mn-cs"/>
-              </a:defRPr>
-            </a:lvl7pPr>
-            <a:lvl8pPr marL="3429000" indent="-228600" algn="l" defTabSz="914400" rtl="0" eaLnBrk="1" latinLnBrk="0" hangingPunct="1">
-              <a:spcBef>
-                <a:spcPct val="20000"/>
-              </a:spcBef>
-              <a:buFont typeface="Arial" pitchFamily="34" charset="0"/>
-              <a:buChar char="•"/>
-              <a:defRPr sz="2000" kern="1200">
-                <a:solidFill>
-                  <a:schemeClr val="tx1"/>
-                </a:solidFill>
-                <a:latin typeface="+mn-lt"/>
-                <a:ea typeface="+mn-ea"/>
-                <a:cs typeface="+mn-cs"/>
-              </a:defRPr>
-            </a:lvl8pPr>
-            <a:lvl9pPr marL="3886200" indent="-228600" algn="l" defTabSz="914400" rtl="0" eaLnBrk="1" latinLnBrk="0" hangingPunct="1">
-              <a:spcBef>
-                <a:spcPct val="20000"/>
-              </a:spcBef>
-              <a:buFont typeface="Arial" pitchFamily="34" charset="0"/>
-              <a:buChar char="•"/>
-              <a:defRPr sz="2000" kern="1200">
-                <a:solidFill>
-                  <a:schemeClr val="tx1"/>
-                </a:solidFill>
-                <a:latin typeface="+mn-lt"/>
-                <a:ea typeface="+mn-ea"/>
-                <a:cs typeface="+mn-cs"/>
-              </a:defRPr>
-            </a:lvl9pPr>
-          </a:lstStyle>
-          <a:p>
-            <a:pPr marL="0" indent="0">
-              <a:buNone/>
-            </a:pPr>
-            <a:r>
-              <a:rPr lang="en-US"/>
-              <a:t>Motivation</a:t>
-            </a:r>
-            <a:endParaRPr lang="en-US" dirty="0"/>
-          </a:p>
-        </p:txBody>
-      </p:sp>
-      <p:sp>
-        <p:nvSpPr>
-          <p:cNvPr id="7" name="TextBox 5">
-            <a:extLst>
-              <a:ext uri="{FF2B5EF4-FFF2-40B4-BE49-F238E27FC236}">
-                <a16:creationId xmlns:a16="http://schemas.microsoft.com/office/drawing/2014/main" id="{F787AB7F-95DA-4686-8C4E-D8E93F97EFAD}"/>
-              </a:ext>
-            </a:extLst>
-          </p:cNvPr>
-          <p:cNvSpPr txBox="1">
-            <a:spLocks/>
-          </p:cNvSpPr>
-          <p:nvPr/>
-        </p:nvSpPr>
-        <p:spPr>
-          <a:xfrm>
-            <a:off x="982663" y="2022279"/>
-            <a:ext cx="700513" cy="747897"/>
-          </a:xfrm>
-          <a:prstGeom prst="rect">
-            <a:avLst/>
-          </a:prstGeom>
-        </p:spPr>
-        <p:txBody>
-          <a:bodyPr vert="horz" wrap="none" lIns="0" tIns="0" rIns="0" bIns="0" rtlCol="0">
-            <a:spAutoFit/>
-          </a:bodyPr>
-          <a:lstStyle>
-            <a:lvl1pPr marL="179388" indent="-179388" algn="l" defTabSz="914400" rtl="0" eaLnBrk="1" latinLnBrk="0" hangingPunct="1">
-              <a:lnSpc>
-                <a:spcPct val="90000"/>
-              </a:lnSpc>
-              <a:spcBef>
-                <a:spcPts val="600"/>
-              </a:spcBef>
-              <a:buFont typeface="Arial" pitchFamily="34" charset="0"/>
-              <a:buChar char="•"/>
-              <a:defRPr sz="2000" kern="1200">
-                <a:solidFill>
-                  <a:schemeClr val="accent1"/>
-                </a:solidFill>
-                <a:latin typeface="+mn-lt"/>
-                <a:ea typeface="+mn-ea"/>
-                <a:cs typeface="+mn-cs"/>
-              </a:defRPr>
-            </a:lvl1pPr>
-            <a:lvl2pPr marL="360000" indent="-180975" algn="l" defTabSz="914400" rtl="0" eaLnBrk="1" latinLnBrk="0" hangingPunct="1">
-              <a:lnSpc>
-                <a:spcPct val="90000"/>
-              </a:lnSpc>
-              <a:spcBef>
-                <a:spcPts val="600"/>
-              </a:spcBef>
-              <a:buFont typeface="Arial" panose="020B0604020202020204" pitchFamily="34" charset="0"/>
-              <a:buChar char="•"/>
-              <a:defRPr sz="2000" kern="1200">
-                <a:solidFill>
-                  <a:schemeClr val="accent1"/>
-                </a:solidFill>
-                <a:latin typeface="+mn-lt"/>
-                <a:ea typeface="+mn-ea"/>
-                <a:cs typeface="+mn-cs"/>
-              </a:defRPr>
-            </a:lvl2pPr>
-            <a:lvl3pPr marL="540000" indent="-180975" algn="l" defTabSz="914400" rtl="0" eaLnBrk="1" latinLnBrk="0" hangingPunct="1">
-              <a:lnSpc>
-                <a:spcPct val="90000"/>
-              </a:lnSpc>
-              <a:spcBef>
-                <a:spcPts val="600"/>
-              </a:spcBef>
-              <a:buFont typeface="Arial" pitchFamily="34" charset="0"/>
-              <a:buChar char="•"/>
-              <a:defRPr sz="2000" kern="1200">
-                <a:solidFill>
-                  <a:schemeClr val="accent1"/>
-                </a:solidFill>
-                <a:latin typeface="+mn-lt"/>
-                <a:ea typeface="+mn-ea"/>
-                <a:cs typeface="+mn-cs"/>
-              </a:defRPr>
-            </a:lvl3pPr>
-            <a:lvl4pPr marL="720000" indent="-180000" algn="l" defTabSz="914400" rtl="0" eaLnBrk="1" latinLnBrk="0" hangingPunct="1">
-              <a:lnSpc>
-                <a:spcPct val="90000"/>
-              </a:lnSpc>
-              <a:spcBef>
-                <a:spcPts val="600"/>
-              </a:spcBef>
-              <a:buFont typeface="Arial" panose="020B0604020202020204" pitchFamily="34" charset="0"/>
-              <a:buChar char="•"/>
-              <a:defRPr sz="2000" kern="1200">
-                <a:solidFill>
-                  <a:schemeClr val="accent1"/>
-                </a:solidFill>
-                <a:latin typeface="+mn-lt"/>
-                <a:ea typeface="+mn-ea"/>
-                <a:cs typeface="+mn-cs"/>
-              </a:defRPr>
-            </a:lvl4pPr>
-            <a:lvl5pPr marL="900000" indent="-180975" algn="l" defTabSz="914400" rtl="0" eaLnBrk="1" latinLnBrk="0" hangingPunct="1">
-              <a:lnSpc>
-                <a:spcPct val="90000"/>
-              </a:lnSpc>
-              <a:spcBef>
-                <a:spcPts val="600"/>
-              </a:spcBef>
-              <a:buFont typeface="Arial" panose="020B0604020202020204" pitchFamily="34" charset="0"/>
-              <a:buChar char="•"/>
-              <a:defRPr sz="2000" kern="1200">
-                <a:solidFill>
-                  <a:schemeClr val="accent1"/>
-                </a:solidFill>
-                <a:latin typeface="+mn-lt"/>
-                <a:ea typeface="+mn-ea"/>
-                <a:cs typeface="+mn-cs"/>
-              </a:defRPr>
-            </a:lvl5pPr>
-            <a:lvl6pPr marL="2514600" indent="-228600" algn="l" defTabSz="914400" rtl="0" eaLnBrk="1" latinLnBrk="0" hangingPunct="1">
-              <a:spcBef>
-                <a:spcPct val="20000"/>
-              </a:spcBef>
-              <a:buFont typeface="Arial" pitchFamily="34" charset="0"/>
-              <a:buChar char="•"/>
-              <a:defRPr sz="2000" kern="1200">
-                <a:solidFill>
-                  <a:schemeClr val="tx1"/>
-                </a:solidFill>
-                <a:latin typeface="+mn-lt"/>
-                <a:ea typeface="+mn-ea"/>
-                <a:cs typeface="+mn-cs"/>
-              </a:defRPr>
-            </a:lvl6pPr>
-            <a:lvl7pPr marL="2971800" indent="-228600" algn="l" defTabSz="914400" rtl="0" eaLnBrk="1" latinLnBrk="0" hangingPunct="1">
-              <a:spcBef>
-                <a:spcPct val="20000"/>
-              </a:spcBef>
-              <a:buFont typeface="Arial" pitchFamily="34" charset="0"/>
-              <a:buChar char="•"/>
-              <a:defRPr sz="2000" kern="1200">
-                <a:solidFill>
-                  <a:schemeClr val="tx1"/>
-                </a:solidFill>
-                <a:latin typeface="+mn-lt"/>
-                <a:ea typeface="+mn-ea"/>
-                <a:cs typeface="+mn-cs"/>
-              </a:defRPr>
-            </a:lvl7pPr>
-            <a:lvl8pPr marL="3429000" indent="-228600" algn="l" defTabSz="914400" rtl="0" eaLnBrk="1" latinLnBrk="0" hangingPunct="1">
-              <a:spcBef>
-                <a:spcPct val="20000"/>
-              </a:spcBef>
-              <a:buFont typeface="Arial" pitchFamily="34" charset="0"/>
-              <a:buChar char="•"/>
-              <a:defRPr sz="2000" kern="1200">
-                <a:solidFill>
-                  <a:schemeClr val="tx1"/>
-                </a:solidFill>
-                <a:latin typeface="+mn-lt"/>
-                <a:ea typeface="+mn-ea"/>
-                <a:cs typeface="+mn-cs"/>
-              </a:defRPr>
-            </a:lvl8pPr>
-            <a:lvl9pPr marL="3886200" indent="-228600" algn="l" defTabSz="914400" rtl="0" eaLnBrk="1" latinLnBrk="0" hangingPunct="1">
-              <a:spcBef>
-                <a:spcPct val="20000"/>
-              </a:spcBef>
-              <a:buFont typeface="Arial" pitchFamily="34" charset="0"/>
-              <a:buChar char="•"/>
-              <a:defRPr sz="2000" kern="1200">
-                <a:solidFill>
-                  <a:schemeClr val="tx1"/>
-                </a:solidFill>
-                <a:latin typeface="+mn-lt"/>
-                <a:ea typeface="+mn-ea"/>
-                <a:cs typeface="+mn-cs"/>
-              </a:defRPr>
-            </a:lvl9pPr>
-          </a:lstStyle>
-          <a:p>
-            <a:pPr marL="0" indent="0" algn="r">
-              <a:buNone/>
-            </a:pPr>
-            <a:r>
-              <a:rPr lang="en-US" sz="5400" b="1">
-                <a:solidFill>
-                  <a:schemeClr val="accent5"/>
-                </a:solidFill>
-              </a:rPr>
-              <a:t>01</a:t>
-            </a:r>
-            <a:endParaRPr lang="en-US" sz="5400" b="1" dirty="0">
-              <a:solidFill>
-                <a:schemeClr val="accent5"/>
-              </a:solidFill>
-            </a:endParaRPr>
-          </a:p>
-        </p:txBody>
-      </p:sp>
-      <p:sp>
-        <p:nvSpPr>
-          <p:cNvPr id="8" name="TextBox 5">
-            <a:extLst>
-              <a:ext uri="{FF2B5EF4-FFF2-40B4-BE49-F238E27FC236}">
-                <a16:creationId xmlns:a16="http://schemas.microsoft.com/office/drawing/2014/main" id="{8E492FCB-C2C0-467D-A668-B1FD59DC4F32}"/>
-              </a:ext>
-            </a:extLst>
-          </p:cNvPr>
-          <p:cNvSpPr txBox="1">
-            <a:spLocks/>
-          </p:cNvSpPr>
-          <p:nvPr/>
-        </p:nvSpPr>
-        <p:spPr>
-          <a:xfrm>
-            <a:off x="1899176" y="3036770"/>
-            <a:ext cx="4064000" cy="276999"/>
-          </a:xfrm>
-          <a:prstGeom prst="rect">
-            <a:avLst/>
-          </a:prstGeom>
-        </p:spPr>
-        <p:txBody>
-          <a:bodyPr vert="horz" lIns="0" tIns="0" rIns="0" bIns="0" rtlCol="0">
-            <a:spAutoFit/>
-          </a:bodyPr>
-          <a:lstStyle>
-            <a:lvl1pPr marL="179388" indent="-179388" algn="l" defTabSz="914400" rtl="0" eaLnBrk="1" latinLnBrk="0" hangingPunct="1">
-              <a:lnSpc>
-                <a:spcPct val="90000"/>
-              </a:lnSpc>
-              <a:spcBef>
-                <a:spcPts val="600"/>
-              </a:spcBef>
-              <a:buFont typeface="Arial" pitchFamily="34" charset="0"/>
-              <a:buChar char="•"/>
-              <a:defRPr sz="2000" kern="1200">
-                <a:solidFill>
-                  <a:schemeClr val="accent1"/>
-                </a:solidFill>
-                <a:latin typeface="+mn-lt"/>
-                <a:ea typeface="+mn-ea"/>
-                <a:cs typeface="+mn-cs"/>
-              </a:defRPr>
-            </a:lvl1pPr>
-            <a:lvl2pPr marL="360000" indent="-180975" algn="l" defTabSz="914400" rtl="0" eaLnBrk="1" latinLnBrk="0" hangingPunct="1">
-              <a:lnSpc>
-                <a:spcPct val="90000"/>
-              </a:lnSpc>
-              <a:spcBef>
-                <a:spcPts val="600"/>
-              </a:spcBef>
-              <a:buFont typeface="Arial" panose="020B0604020202020204" pitchFamily="34" charset="0"/>
-              <a:buChar char="•"/>
-              <a:defRPr sz="2000" kern="1200">
-                <a:solidFill>
-                  <a:schemeClr val="accent1"/>
-                </a:solidFill>
-                <a:latin typeface="+mn-lt"/>
-                <a:ea typeface="+mn-ea"/>
-                <a:cs typeface="+mn-cs"/>
-              </a:defRPr>
-            </a:lvl2pPr>
-            <a:lvl3pPr marL="540000" indent="-180975" algn="l" defTabSz="914400" rtl="0" eaLnBrk="1" latinLnBrk="0" hangingPunct="1">
-              <a:lnSpc>
-                <a:spcPct val="90000"/>
-              </a:lnSpc>
-              <a:spcBef>
-                <a:spcPts val="600"/>
-              </a:spcBef>
-              <a:buFont typeface="Arial" pitchFamily="34" charset="0"/>
-              <a:buChar char="•"/>
-              <a:defRPr sz="2000" kern="1200">
-                <a:solidFill>
-                  <a:schemeClr val="accent1"/>
-                </a:solidFill>
-                <a:latin typeface="+mn-lt"/>
-                <a:ea typeface="+mn-ea"/>
-                <a:cs typeface="+mn-cs"/>
-              </a:defRPr>
-            </a:lvl3pPr>
-            <a:lvl4pPr marL="720000" indent="-180000" algn="l" defTabSz="914400" rtl="0" eaLnBrk="1" latinLnBrk="0" hangingPunct="1">
-              <a:lnSpc>
-                <a:spcPct val="90000"/>
-              </a:lnSpc>
-              <a:spcBef>
-                <a:spcPts val="600"/>
-              </a:spcBef>
-              <a:buFont typeface="Arial" panose="020B0604020202020204" pitchFamily="34" charset="0"/>
-              <a:buChar char="•"/>
-              <a:defRPr sz="2000" kern="1200">
-                <a:solidFill>
-                  <a:schemeClr val="accent1"/>
-                </a:solidFill>
-                <a:latin typeface="+mn-lt"/>
-                <a:ea typeface="+mn-ea"/>
-                <a:cs typeface="+mn-cs"/>
-              </a:defRPr>
-            </a:lvl4pPr>
-            <a:lvl5pPr marL="900000" indent="-180975" algn="l" defTabSz="914400" rtl="0" eaLnBrk="1" latinLnBrk="0" hangingPunct="1">
-              <a:lnSpc>
-                <a:spcPct val="90000"/>
-              </a:lnSpc>
-              <a:spcBef>
-                <a:spcPts val="600"/>
-              </a:spcBef>
-              <a:buFont typeface="Arial" panose="020B0604020202020204" pitchFamily="34" charset="0"/>
-              <a:buChar char="•"/>
-              <a:defRPr sz="2000" kern="1200">
-                <a:solidFill>
-                  <a:schemeClr val="accent1"/>
-                </a:solidFill>
-                <a:latin typeface="+mn-lt"/>
-                <a:ea typeface="+mn-ea"/>
-                <a:cs typeface="+mn-cs"/>
-              </a:defRPr>
-            </a:lvl5pPr>
-            <a:lvl6pPr marL="2514600" indent="-228600" algn="l" defTabSz="914400" rtl="0" eaLnBrk="1" latinLnBrk="0" hangingPunct="1">
-              <a:spcBef>
-                <a:spcPct val="20000"/>
-              </a:spcBef>
-              <a:buFont typeface="Arial" pitchFamily="34" charset="0"/>
-              <a:buChar char="•"/>
-              <a:defRPr sz="2000" kern="1200">
-                <a:solidFill>
-                  <a:schemeClr val="tx1"/>
-                </a:solidFill>
-                <a:latin typeface="+mn-lt"/>
-                <a:ea typeface="+mn-ea"/>
-                <a:cs typeface="+mn-cs"/>
-              </a:defRPr>
-            </a:lvl6pPr>
-            <a:lvl7pPr marL="2971800" indent="-228600" algn="l" defTabSz="914400" rtl="0" eaLnBrk="1" latinLnBrk="0" hangingPunct="1">
-              <a:spcBef>
-                <a:spcPct val="20000"/>
-              </a:spcBef>
-              <a:buFont typeface="Arial" pitchFamily="34" charset="0"/>
-              <a:buChar char="•"/>
-              <a:defRPr sz="2000" kern="1200">
-                <a:solidFill>
-                  <a:schemeClr val="tx1"/>
-                </a:solidFill>
-                <a:latin typeface="+mn-lt"/>
-                <a:ea typeface="+mn-ea"/>
-                <a:cs typeface="+mn-cs"/>
-              </a:defRPr>
-            </a:lvl7pPr>
-            <a:lvl8pPr marL="3429000" indent="-228600" algn="l" defTabSz="914400" rtl="0" eaLnBrk="1" latinLnBrk="0" hangingPunct="1">
-              <a:spcBef>
-                <a:spcPct val="20000"/>
-              </a:spcBef>
-              <a:buFont typeface="Arial" pitchFamily="34" charset="0"/>
-              <a:buChar char="•"/>
-              <a:defRPr sz="2000" kern="1200">
-                <a:solidFill>
-                  <a:schemeClr val="tx1"/>
-                </a:solidFill>
-                <a:latin typeface="+mn-lt"/>
-                <a:ea typeface="+mn-ea"/>
-                <a:cs typeface="+mn-cs"/>
-              </a:defRPr>
-            </a:lvl8pPr>
-            <a:lvl9pPr marL="3886200" indent="-228600" algn="l" defTabSz="914400" rtl="0" eaLnBrk="1" latinLnBrk="0" hangingPunct="1">
-              <a:spcBef>
-                <a:spcPct val="20000"/>
-              </a:spcBef>
-              <a:buFont typeface="Arial" pitchFamily="34" charset="0"/>
-              <a:buChar char="•"/>
-              <a:defRPr sz="2000" kern="1200">
-                <a:solidFill>
-                  <a:schemeClr val="tx1"/>
-                </a:solidFill>
-                <a:latin typeface="+mn-lt"/>
-                <a:ea typeface="+mn-ea"/>
-                <a:cs typeface="+mn-cs"/>
-              </a:defRPr>
-            </a:lvl9pPr>
-          </a:lstStyle>
-          <a:p>
-            <a:pPr marL="0" indent="0">
-              <a:buNone/>
-            </a:pPr>
-            <a:r>
-              <a:rPr lang="en-US" dirty="0"/>
-              <a:t>Preliminary Problems</a:t>
-            </a:r>
-          </a:p>
-        </p:txBody>
-      </p:sp>
-      <p:sp>
-        <p:nvSpPr>
-          <p:cNvPr id="9" name="TextBox 5">
-            <a:extLst>
-              <a:ext uri="{FF2B5EF4-FFF2-40B4-BE49-F238E27FC236}">
-                <a16:creationId xmlns:a16="http://schemas.microsoft.com/office/drawing/2014/main" id="{8140DF04-B4DC-4986-9C6D-DDE15FD1CA31}"/>
-              </a:ext>
-            </a:extLst>
-          </p:cNvPr>
-          <p:cNvSpPr txBox="1">
-            <a:spLocks/>
-          </p:cNvSpPr>
-          <p:nvPr/>
-        </p:nvSpPr>
-        <p:spPr>
-          <a:xfrm>
-            <a:off x="992987" y="2699721"/>
-            <a:ext cx="690189" cy="747897"/>
-          </a:xfrm>
-          <a:prstGeom prst="rect">
-            <a:avLst/>
-          </a:prstGeom>
-        </p:spPr>
-        <p:txBody>
-          <a:bodyPr vert="horz" wrap="none" lIns="0" tIns="0" rIns="0" bIns="0" rtlCol="0">
-            <a:spAutoFit/>
-          </a:bodyPr>
-          <a:lstStyle>
-            <a:lvl1pPr marL="179388" indent="-179388" algn="l" defTabSz="914400" rtl="0" eaLnBrk="1" latinLnBrk="0" hangingPunct="1">
-              <a:lnSpc>
-                <a:spcPct val="90000"/>
-              </a:lnSpc>
-              <a:spcBef>
-                <a:spcPts val="600"/>
-              </a:spcBef>
-              <a:buFont typeface="Arial" pitchFamily="34" charset="0"/>
-              <a:buChar char="•"/>
-              <a:defRPr sz="2000" kern="1200">
-                <a:solidFill>
-                  <a:schemeClr val="accent1"/>
-                </a:solidFill>
-                <a:latin typeface="+mn-lt"/>
-                <a:ea typeface="+mn-ea"/>
-                <a:cs typeface="+mn-cs"/>
-              </a:defRPr>
-            </a:lvl1pPr>
-            <a:lvl2pPr marL="360000" indent="-180975" algn="l" defTabSz="914400" rtl="0" eaLnBrk="1" latinLnBrk="0" hangingPunct="1">
-              <a:lnSpc>
-                <a:spcPct val="90000"/>
-              </a:lnSpc>
-              <a:spcBef>
-                <a:spcPts val="600"/>
-              </a:spcBef>
-              <a:buFont typeface="Arial" panose="020B0604020202020204" pitchFamily="34" charset="0"/>
-              <a:buChar char="•"/>
-              <a:defRPr sz="2000" kern="1200">
-                <a:solidFill>
-                  <a:schemeClr val="accent1"/>
-                </a:solidFill>
-                <a:latin typeface="+mn-lt"/>
-                <a:ea typeface="+mn-ea"/>
-                <a:cs typeface="+mn-cs"/>
-              </a:defRPr>
-            </a:lvl2pPr>
-            <a:lvl3pPr marL="540000" indent="-180975" algn="l" defTabSz="914400" rtl="0" eaLnBrk="1" latinLnBrk="0" hangingPunct="1">
-              <a:lnSpc>
-                <a:spcPct val="90000"/>
-              </a:lnSpc>
-              <a:spcBef>
-                <a:spcPts val="600"/>
-              </a:spcBef>
-              <a:buFont typeface="Arial" pitchFamily="34" charset="0"/>
-              <a:buChar char="•"/>
-              <a:defRPr sz="2000" kern="1200">
-                <a:solidFill>
-                  <a:schemeClr val="accent1"/>
-                </a:solidFill>
-                <a:latin typeface="+mn-lt"/>
-                <a:ea typeface="+mn-ea"/>
-                <a:cs typeface="+mn-cs"/>
-              </a:defRPr>
-            </a:lvl3pPr>
-            <a:lvl4pPr marL="720000" indent="-180000" algn="l" defTabSz="914400" rtl="0" eaLnBrk="1" latinLnBrk="0" hangingPunct="1">
-              <a:lnSpc>
-                <a:spcPct val="90000"/>
-              </a:lnSpc>
-              <a:spcBef>
-                <a:spcPts val="600"/>
-              </a:spcBef>
-              <a:buFont typeface="Arial" panose="020B0604020202020204" pitchFamily="34" charset="0"/>
-              <a:buChar char="•"/>
-              <a:defRPr sz="2000" kern="1200">
-                <a:solidFill>
-                  <a:schemeClr val="accent1"/>
-                </a:solidFill>
-                <a:latin typeface="+mn-lt"/>
-                <a:ea typeface="+mn-ea"/>
-                <a:cs typeface="+mn-cs"/>
-              </a:defRPr>
-            </a:lvl4pPr>
-            <a:lvl5pPr marL="900000" indent="-180975" algn="l" defTabSz="914400" rtl="0" eaLnBrk="1" latinLnBrk="0" hangingPunct="1">
-              <a:lnSpc>
-                <a:spcPct val="90000"/>
-              </a:lnSpc>
-              <a:spcBef>
-                <a:spcPts val="600"/>
-              </a:spcBef>
-              <a:buFont typeface="Arial" panose="020B0604020202020204" pitchFamily="34" charset="0"/>
-              <a:buChar char="•"/>
-              <a:defRPr sz="2000" kern="1200">
-                <a:solidFill>
-                  <a:schemeClr val="accent1"/>
-                </a:solidFill>
-                <a:latin typeface="+mn-lt"/>
-                <a:ea typeface="+mn-ea"/>
-                <a:cs typeface="+mn-cs"/>
-              </a:defRPr>
-            </a:lvl5pPr>
-            <a:lvl6pPr marL="2514600" indent="-228600" algn="l" defTabSz="914400" rtl="0" eaLnBrk="1" latinLnBrk="0" hangingPunct="1">
-              <a:spcBef>
-                <a:spcPct val="20000"/>
-              </a:spcBef>
-              <a:buFont typeface="Arial" pitchFamily="34" charset="0"/>
-              <a:buChar char="•"/>
-              <a:defRPr sz="2000" kern="1200">
-                <a:solidFill>
-                  <a:schemeClr val="tx1"/>
-                </a:solidFill>
-                <a:latin typeface="+mn-lt"/>
-                <a:ea typeface="+mn-ea"/>
-                <a:cs typeface="+mn-cs"/>
-              </a:defRPr>
-            </a:lvl6pPr>
-            <a:lvl7pPr marL="2971800" indent="-228600" algn="l" defTabSz="914400" rtl="0" eaLnBrk="1" latinLnBrk="0" hangingPunct="1">
-              <a:spcBef>
-                <a:spcPct val="20000"/>
-              </a:spcBef>
-              <a:buFont typeface="Arial" pitchFamily="34" charset="0"/>
-              <a:buChar char="•"/>
-              <a:defRPr sz="2000" kern="1200">
-                <a:solidFill>
-                  <a:schemeClr val="tx1"/>
-                </a:solidFill>
-                <a:latin typeface="+mn-lt"/>
-                <a:ea typeface="+mn-ea"/>
-                <a:cs typeface="+mn-cs"/>
-              </a:defRPr>
-            </a:lvl7pPr>
-            <a:lvl8pPr marL="3429000" indent="-228600" algn="l" defTabSz="914400" rtl="0" eaLnBrk="1" latinLnBrk="0" hangingPunct="1">
-              <a:spcBef>
-                <a:spcPct val="20000"/>
-              </a:spcBef>
-              <a:buFont typeface="Arial" pitchFamily="34" charset="0"/>
-              <a:buChar char="•"/>
-              <a:defRPr sz="2000" kern="1200">
-                <a:solidFill>
-                  <a:schemeClr val="tx1"/>
-                </a:solidFill>
-                <a:latin typeface="+mn-lt"/>
-                <a:ea typeface="+mn-ea"/>
-                <a:cs typeface="+mn-cs"/>
-              </a:defRPr>
-            </a:lvl8pPr>
-            <a:lvl9pPr marL="3886200" indent="-228600" algn="l" defTabSz="914400" rtl="0" eaLnBrk="1" latinLnBrk="0" hangingPunct="1">
-              <a:spcBef>
-                <a:spcPct val="20000"/>
-              </a:spcBef>
-              <a:buFont typeface="Arial" pitchFamily="34" charset="0"/>
-              <a:buChar char="•"/>
-              <a:defRPr sz="2000" kern="1200">
-                <a:solidFill>
-                  <a:schemeClr val="tx1"/>
-                </a:solidFill>
-                <a:latin typeface="+mn-lt"/>
-                <a:ea typeface="+mn-ea"/>
-                <a:cs typeface="+mn-cs"/>
-              </a:defRPr>
-            </a:lvl9pPr>
-          </a:lstStyle>
-          <a:p>
-            <a:pPr marL="0" indent="0" algn="r">
-              <a:buNone/>
-            </a:pPr>
-            <a:r>
-              <a:rPr lang="en-US" sz="5400" b="1">
-                <a:solidFill>
-                  <a:schemeClr val="accent5"/>
-                </a:solidFill>
-              </a:rPr>
-              <a:t>02</a:t>
-            </a:r>
-            <a:endParaRPr lang="en-US" sz="5400" b="1" dirty="0">
-              <a:solidFill>
-                <a:schemeClr val="accent5"/>
-              </a:solidFill>
-            </a:endParaRPr>
-          </a:p>
-        </p:txBody>
-      </p:sp>
-      <p:sp>
-        <p:nvSpPr>
-          <p:cNvPr id="10" name="TextBox 5">
-            <a:extLst>
-              <a:ext uri="{FF2B5EF4-FFF2-40B4-BE49-F238E27FC236}">
-                <a16:creationId xmlns:a16="http://schemas.microsoft.com/office/drawing/2014/main" id="{CBA4467F-4AF6-4FDA-A3A1-6FFF686B5694}"/>
-              </a:ext>
-            </a:extLst>
-          </p:cNvPr>
-          <p:cNvSpPr txBox="1">
-            <a:spLocks/>
-          </p:cNvSpPr>
-          <p:nvPr/>
-        </p:nvSpPr>
-        <p:spPr>
-          <a:xfrm>
-            <a:off x="1899176" y="3714212"/>
-            <a:ext cx="4064000" cy="276999"/>
-          </a:xfrm>
-          <a:prstGeom prst="rect">
-            <a:avLst/>
-          </a:prstGeom>
-        </p:spPr>
-        <p:txBody>
-          <a:bodyPr vert="horz" lIns="0" tIns="0" rIns="0" bIns="0" rtlCol="0">
-            <a:spAutoFit/>
-          </a:bodyPr>
-          <a:lstStyle>
-            <a:lvl1pPr marL="179388" indent="-179388" algn="l" defTabSz="914400" rtl="0" eaLnBrk="1" latinLnBrk="0" hangingPunct="1">
-              <a:lnSpc>
-                <a:spcPct val="90000"/>
-              </a:lnSpc>
-              <a:spcBef>
-                <a:spcPts val="600"/>
-              </a:spcBef>
-              <a:buFont typeface="Arial" pitchFamily="34" charset="0"/>
-              <a:buChar char="•"/>
-              <a:defRPr sz="2000" kern="1200">
-                <a:solidFill>
-                  <a:schemeClr val="accent1"/>
-                </a:solidFill>
-                <a:latin typeface="+mn-lt"/>
-                <a:ea typeface="+mn-ea"/>
-                <a:cs typeface="+mn-cs"/>
-              </a:defRPr>
-            </a:lvl1pPr>
-            <a:lvl2pPr marL="360000" indent="-180975" algn="l" defTabSz="914400" rtl="0" eaLnBrk="1" latinLnBrk="0" hangingPunct="1">
-              <a:lnSpc>
-                <a:spcPct val="90000"/>
-              </a:lnSpc>
-              <a:spcBef>
-                <a:spcPts val="600"/>
-              </a:spcBef>
-              <a:buFont typeface="Arial" panose="020B0604020202020204" pitchFamily="34" charset="0"/>
-              <a:buChar char="•"/>
-              <a:defRPr sz="2000" kern="1200">
-                <a:solidFill>
-                  <a:schemeClr val="accent1"/>
-                </a:solidFill>
-                <a:latin typeface="+mn-lt"/>
-                <a:ea typeface="+mn-ea"/>
-                <a:cs typeface="+mn-cs"/>
-              </a:defRPr>
-            </a:lvl2pPr>
-            <a:lvl3pPr marL="540000" indent="-180975" algn="l" defTabSz="914400" rtl="0" eaLnBrk="1" latinLnBrk="0" hangingPunct="1">
-              <a:lnSpc>
-                <a:spcPct val="90000"/>
-              </a:lnSpc>
-              <a:spcBef>
-                <a:spcPts val="600"/>
-              </a:spcBef>
-              <a:buFont typeface="Arial" pitchFamily="34" charset="0"/>
-              <a:buChar char="•"/>
-              <a:defRPr sz="2000" kern="1200">
-                <a:solidFill>
-                  <a:schemeClr val="accent1"/>
-                </a:solidFill>
-                <a:latin typeface="+mn-lt"/>
-                <a:ea typeface="+mn-ea"/>
-                <a:cs typeface="+mn-cs"/>
-              </a:defRPr>
-            </a:lvl3pPr>
-            <a:lvl4pPr marL="720000" indent="-180000" algn="l" defTabSz="914400" rtl="0" eaLnBrk="1" latinLnBrk="0" hangingPunct="1">
-              <a:lnSpc>
-                <a:spcPct val="90000"/>
-              </a:lnSpc>
-              <a:spcBef>
-                <a:spcPts val="600"/>
-              </a:spcBef>
-              <a:buFont typeface="Arial" panose="020B0604020202020204" pitchFamily="34" charset="0"/>
-              <a:buChar char="•"/>
-              <a:defRPr sz="2000" kern="1200">
-                <a:solidFill>
-                  <a:schemeClr val="accent1"/>
-                </a:solidFill>
-                <a:latin typeface="+mn-lt"/>
-                <a:ea typeface="+mn-ea"/>
-                <a:cs typeface="+mn-cs"/>
-              </a:defRPr>
-            </a:lvl4pPr>
-            <a:lvl5pPr marL="900000" indent="-180975" algn="l" defTabSz="914400" rtl="0" eaLnBrk="1" latinLnBrk="0" hangingPunct="1">
-              <a:lnSpc>
-                <a:spcPct val="90000"/>
-              </a:lnSpc>
-              <a:spcBef>
-                <a:spcPts val="600"/>
-              </a:spcBef>
-              <a:buFont typeface="Arial" panose="020B0604020202020204" pitchFamily="34" charset="0"/>
-              <a:buChar char="•"/>
-              <a:defRPr sz="2000" kern="1200">
-                <a:solidFill>
-                  <a:schemeClr val="accent1"/>
-                </a:solidFill>
-                <a:latin typeface="+mn-lt"/>
-                <a:ea typeface="+mn-ea"/>
-                <a:cs typeface="+mn-cs"/>
-              </a:defRPr>
-            </a:lvl5pPr>
-            <a:lvl6pPr marL="2514600" indent="-228600" algn="l" defTabSz="914400" rtl="0" eaLnBrk="1" latinLnBrk="0" hangingPunct="1">
-              <a:spcBef>
-                <a:spcPct val="20000"/>
-              </a:spcBef>
-              <a:buFont typeface="Arial" pitchFamily="34" charset="0"/>
-              <a:buChar char="•"/>
-              <a:defRPr sz="2000" kern="1200">
-                <a:solidFill>
-                  <a:schemeClr val="tx1"/>
-                </a:solidFill>
-                <a:latin typeface="+mn-lt"/>
-                <a:ea typeface="+mn-ea"/>
-                <a:cs typeface="+mn-cs"/>
-              </a:defRPr>
-            </a:lvl6pPr>
-            <a:lvl7pPr marL="2971800" indent="-228600" algn="l" defTabSz="914400" rtl="0" eaLnBrk="1" latinLnBrk="0" hangingPunct="1">
-              <a:spcBef>
-                <a:spcPct val="20000"/>
-              </a:spcBef>
-              <a:buFont typeface="Arial" pitchFamily="34" charset="0"/>
-              <a:buChar char="•"/>
-              <a:defRPr sz="2000" kern="1200">
-                <a:solidFill>
-                  <a:schemeClr val="tx1"/>
-                </a:solidFill>
-                <a:latin typeface="+mn-lt"/>
-                <a:ea typeface="+mn-ea"/>
-                <a:cs typeface="+mn-cs"/>
-              </a:defRPr>
-            </a:lvl7pPr>
-            <a:lvl8pPr marL="3429000" indent="-228600" algn="l" defTabSz="914400" rtl="0" eaLnBrk="1" latinLnBrk="0" hangingPunct="1">
-              <a:spcBef>
-                <a:spcPct val="20000"/>
-              </a:spcBef>
-              <a:buFont typeface="Arial" pitchFamily="34" charset="0"/>
-              <a:buChar char="•"/>
-              <a:defRPr sz="2000" kern="1200">
-                <a:solidFill>
-                  <a:schemeClr val="tx1"/>
-                </a:solidFill>
-                <a:latin typeface="+mn-lt"/>
-                <a:ea typeface="+mn-ea"/>
-                <a:cs typeface="+mn-cs"/>
-              </a:defRPr>
-            </a:lvl8pPr>
-            <a:lvl9pPr marL="3886200" indent="-228600" algn="l" defTabSz="914400" rtl="0" eaLnBrk="1" latinLnBrk="0" hangingPunct="1">
-              <a:spcBef>
-                <a:spcPct val="20000"/>
-              </a:spcBef>
-              <a:buFont typeface="Arial" pitchFamily="34" charset="0"/>
-              <a:buChar char="•"/>
-              <a:defRPr sz="2000" kern="1200">
-                <a:solidFill>
-                  <a:schemeClr val="tx1"/>
-                </a:solidFill>
-                <a:latin typeface="+mn-lt"/>
-                <a:ea typeface="+mn-ea"/>
-                <a:cs typeface="+mn-cs"/>
-              </a:defRPr>
-            </a:lvl9pPr>
-          </a:lstStyle>
-          <a:p>
-            <a:pPr marL="0" indent="0">
-              <a:buNone/>
-            </a:pPr>
-            <a:r>
-              <a:rPr lang="en-US" dirty="0"/>
-              <a:t>Scientific Methods and Data</a:t>
-            </a:r>
-          </a:p>
-        </p:txBody>
-      </p:sp>
-      <p:sp>
-        <p:nvSpPr>
-          <p:cNvPr id="11" name="TextBox 5">
-            <a:extLst>
-              <a:ext uri="{FF2B5EF4-FFF2-40B4-BE49-F238E27FC236}">
-                <a16:creationId xmlns:a16="http://schemas.microsoft.com/office/drawing/2014/main" id="{8EF3D609-41B5-4A56-8942-7DC08C4DC25A}"/>
-              </a:ext>
-            </a:extLst>
-          </p:cNvPr>
-          <p:cNvSpPr txBox="1">
-            <a:spLocks/>
-          </p:cNvSpPr>
-          <p:nvPr/>
-        </p:nvSpPr>
-        <p:spPr>
-          <a:xfrm>
-            <a:off x="1001002" y="3377163"/>
-            <a:ext cx="682174" cy="747897"/>
-          </a:xfrm>
-          <a:prstGeom prst="rect">
-            <a:avLst/>
-          </a:prstGeom>
-        </p:spPr>
-        <p:txBody>
-          <a:bodyPr vert="horz" wrap="none" lIns="0" tIns="0" rIns="0" bIns="0" rtlCol="0">
-            <a:spAutoFit/>
-          </a:bodyPr>
-          <a:lstStyle>
-            <a:lvl1pPr marL="179388" indent="-179388" algn="l" defTabSz="914400" rtl="0" eaLnBrk="1" latinLnBrk="0" hangingPunct="1">
-              <a:lnSpc>
-                <a:spcPct val="90000"/>
-              </a:lnSpc>
-              <a:spcBef>
-                <a:spcPts val="600"/>
-              </a:spcBef>
-              <a:buFont typeface="Arial" pitchFamily="34" charset="0"/>
-              <a:buChar char="•"/>
-              <a:defRPr sz="2000" kern="1200">
-                <a:solidFill>
-                  <a:schemeClr val="accent1"/>
-                </a:solidFill>
-                <a:latin typeface="+mn-lt"/>
-                <a:ea typeface="+mn-ea"/>
-                <a:cs typeface="+mn-cs"/>
-              </a:defRPr>
-            </a:lvl1pPr>
-            <a:lvl2pPr marL="360000" indent="-180975" algn="l" defTabSz="914400" rtl="0" eaLnBrk="1" latinLnBrk="0" hangingPunct="1">
-              <a:lnSpc>
-                <a:spcPct val="90000"/>
-              </a:lnSpc>
-              <a:spcBef>
-                <a:spcPts val="600"/>
-              </a:spcBef>
-              <a:buFont typeface="Arial" panose="020B0604020202020204" pitchFamily="34" charset="0"/>
-              <a:buChar char="•"/>
-              <a:defRPr sz="2000" kern="1200">
-                <a:solidFill>
-                  <a:schemeClr val="accent1"/>
-                </a:solidFill>
-                <a:latin typeface="+mn-lt"/>
-                <a:ea typeface="+mn-ea"/>
-                <a:cs typeface="+mn-cs"/>
-              </a:defRPr>
-            </a:lvl2pPr>
-            <a:lvl3pPr marL="540000" indent="-180975" algn="l" defTabSz="914400" rtl="0" eaLnBrk="1" latinLnBrk="0" hangingPunct="1">
-              <a:lnSpc>
-                <a:spcPct val="90000"/>
-              </a:lnSpc>
-              <a:spcBef>
-                <a:spcPts val="600"/>
-              </a:spcBef>
-              <a:buFont typeface="Arial" pitchFamily="34" charset="0"/>
-              <a:buChar char="•"/>
-              <a:defRPr sz="2000" kern="1200">
-                <a:solidFill>
-                  <a:schemeClr val="accent1"/>
-                </a:solidFill>
-                <a:latin typeface="+mn-lt"/>
-                <a:ea typeface="+mn-ea"/>
-                <a:cs typeface="+mn-cs"/>
-              </a:defRPr>
-            </a:lvl3pPr>
-            <a:lvl4pPr marL="720000" indent="-180000" algn="l" defTabSz="914400" rtl="0" eaLnBrk="1" latinLnBrk="0" hangingPunct="1">
-              <a:lnSpc>
-                <a:spcPct val="90000"/>
-              </a:lnSpc>
-              <a:spcBef>
-                <a:spcPts val="600"/>
-              </a:spcBef>
-              <a:buFont typeface="Arial" panose="020B0604020202020204" pitchFamily="34" charset="0"/>
-              <a:buChar char="•"/>
-              <a:defRPr sz="2000" kern="1200">
-                <a:solidFill>
-                  <a:schemeClr val="accent1"/>
-                </a:solidFill>
-                <a:latin typeface="+mn-lt"/>
-                <a:ea typeface="+mn-ea"/>
-                <a:cs typeface="+mn-cs"/>
-              </a:defRPr>
-            </a:lvl4pPr>
-            <a:lvl5pPr marL="900000" indent="-180975" algn="l" defTabSz="914400" rtl="0" eaLnBrk="1" latinLnBrk="0" hangingPunct="1">
-              <a:lnSpc>
-                <a:spcPct val="90000"/>
-              </a:lnSpc>
-              <a:spcBef>
-                <a:spcPts val="600"/>
-              </a:spcBef>
-              <a:buFont typeface="Arial" panose="020B0604020202020204" pitchFamily="34" charset="0"/>
-              <a:buChar char="•"/>
-              <a:defRPr sz="2000" kern="1200">
-                <a:solidFill>
-                  <a:schemeClr val="accent1"/>
-                </a:solidFill>
-                <a:latin typeface="+mn-lt"/>
-                <a:ea typeface="+mn-ea"/>
-                <a:cs typeface="+mn-cs"/>
-              </a:defRPr>
-            </a:lvl5pPr>
-            <a:lvl6pPr marL="2514600" indent="-228600" algn="l" defTabSz="914400" rtl="0" eaLnBrk="1" latinLnBrk="0" hangingPunct="1">
-              <a:spcBef>
-                <a:spcPct val="20000"/>
-              </a:spcBef>
-              <a:buFont typeface="Arial" pitchFamily="34" charset="0"/>
-              <a:buChar char="•"/>
-              <a:defRPr sz="2000" kern="1200">
-                <a:solidFill>
-                  <a:schemeClr val="tx1"/>
-                </a:solidFill>
-                <a:latin typeface="+mn-lt"/>
-                <a:ea typeface="+mn-ea"/>
-                <a:cs typeface="+mn-cs"/>
-              </a:defRPr>
-            </a:lvl6pPr>
-            <a:lvl7pPr marL="2971800" indent="-228600" algn="l" defTabSz="914400" rtl="0" eaLnBrk="1" latinLnBrk="0" hangingPunct="1">
-              <a:spcBef>
-                <a:spcPct val="20000"/>
-              </a:spcBef>
-              <a:buFont typeface="Arial" pitchFamily="34" charset="0"/>
-              <a:buChar char="•"/>
-              <a:defRPr sz="2000" kern="1200">
-                <a:solidFill>
-                  <a:schemeClr val="tx1"/>
-                </a:solidFill>
-                <a:latin typeface="+mn-lt"/>
-                <a:ea typeface="+mn-ea"/>
-                <a:cs typeface="+mn-cs"/>
-              </a:defRPr>
-            </a:lvl7pPr>
-            <a:lvl8pPr marL="3429000" indent="-228600" algn="l" defTabSz="914400" rtl="0" eaLnBrk="1" latinLnBrk="0" hangingPunct="1">
-              <a:spcBef>
-                <a:spcPct val="20000"/>
-              </a:spcBef>
-              <a:buFont typeface="Arial" pitchFamily="34" charset="0"/>
-              <a:buChar char="•"/>
-              <a:defRPr sz="2000" kern="1200">
-                <a:solidFill>
-                  <a:schemeClr val="tx1"/>
-                </a:solidFill>
-                <a:latin typeface="+mn-lt"/>
-                <a:ea typeface="+mn-ea"/>
-                <a:cs typeface="+mn-cs"/>
-              </a:defRPr>
-            </a:lvl8pPr>
-            <a:lvl9pPr marL="3886200" indent="-228600" algn="l" defTabSz="914400" rtl="0" eaLnBrk="1" latinLnBrk="0" hangingPunct="1">
-              <a:spcBef>
-                <a:spcPct val="20000"/>
-              </a:spcBef>
-              <a:buFont typeface="Arial" pitchFamily="34" charset="0"/>
-              <a:buChar char="•"/>
-              <a:defRPr sz="2000" kern="1200">
-                <a:solidFill>
-                  <a:schemeClr val="tx1"/>
-                </a:solidFill>
-                <a:latin typeface="+mn-lt"/>
-                <a:ea typeface="+mn-ea"/>
-                <a:cs typeface="+mn-cs"/>
-              </a:defRPr>
-            </a:lvl9pPr>
-          </a:lstStyle>
-          <a:p>
-            <a:pPr marL="0" indent="0" algn="r">
-              <a:buNone/>
-            </a:pPr>
-            <a:r>
-              <a:rPr lang="en-US" sz="5400" b="1">
-                <a:solidFill>
-                  <a:schemeClr val="accent5"/>
-                </a:solidFill>
-              </a:rPr>
-              <a:t>03</a:t>
-            </a:r>
-            <a:endParaRPr lang="en-US" sz="5400" b="1" dirty="0">
-              <a:solidFill>
-                <a:schemeClr val="accent5"/>
-              </a:solidFill>
-            </a:endParaRPr>
-          </a:p>
-        </p:txBody>
-      </p:sp>
-      <p:sp>
-        <p:nvSpPr>
-          <p:cNvPr id="12" name="TextBox 5">
-            <a:extLst>
-              <a:ext uri="{FF2B5EF4-FFF2-40B4-BE49-F238E27FC236}">
-                <a16:creationId xmlns:a16="http://schemas.microsoft.com/office/drawing/2014/main" id="{702BF8D8-1F1E-4939-B5E8-A6D1C6691326}"/>
-              </a:ext>
-            </a:extLst>
-          </p:cNvPr>
-          <p:cNvSpPr txBox="1">
-            <a:spLocks/>
-          </p:cNvSpPr>
-          <p:nvPr/>
-        </p:nvSpPr>
-        <p:spPr>
-          <a:xfrm>
-            <a:off x="1899176" y="4391654"/>
-            <a:ext cx="4064000" cy="276999"/>
-          </a:xfrm>
-          <a:prstGeom prst="rect">
-            <a:avLst/>
-          </a:prstGeom>
-        </p:spPr>
-        <p:txBody>
-          <a:bodyPr vert="horz" lIns="0" tIns="0" rIns="0" bIns="0" rtlCol="0">
-            <a:spAutoFit/>
-          </a:bodyPr>
-          <a:lstStyle>
-            <a:lvl1pPr marL="179388" indent="-179388" algn="l" defTabSz="914400" rtl="0" eaLnBrk="1" latinLnBrk="0" hangingPunct="1">
-              <a:lnSpc>
-                <a:spcPct val="90000"/>
-              </a:lnSpc>
-              <a:spcBef>
-                <a:spcPts val="600"/>
-              </a:spcBef>
-              <a:buFont typeface="Arial" pitchFamily="34" charset="0"/>
-              <a:buChar char="•"/>
-              <a:defRPr sz="2000" kern="1200">
-                <a:solidFill>
-                  <a:schemeClr val="accent1"/>
-                </a:solidFill>
-                <a:latin typeface="+mn-lt"/>
-                <a:ea typeface="+mn-ea"/>
-                <a:cs typeface="+mn-cs"/>
-              </a:defRPr>
-            </a:lvl1pPr>
-            <a:lvl2pPr marL="360000" indent="-180975" algn="l" defTabSz="914400" rtl="0" eaLnBrk="1" latinLnBrk="0" hangingPunct="1">
-              <a:lnSpc>
-                <a:spcPct val="90000"/>
-              </a:lnSpc>
-              <a:spcBef>
-                <a:spcPts val="600"/>
-              </a:spcBef>
-              <a:buFont typeface="Arial" panose="020B0604020202020204" pitchFamily="34" charset="0"/>
-              <a:buChar char="•"/>
-              <a:defRPr sz="2000" kern="1200">
-                <a:solidFill>
-                  <a:schemeClr val="accent1"/>
-                </a:solidFill>
-                <a:latin typeface="+mn-lt"/>
-                <a:ea typeface="+mn-ea"/>
-                <a:cs typeface="+mn-cs"/>
-              </a:defRPr>
-            </a:lvl2pPr>
-            <a:lvl3pPr marL="540000" indent="-180975" algn="l" defTabSz="914400" rtl="0" eaLnBrk="1" latinLnBrk="0" hangingPunct="1">
-              <a:lnSpc>
-                <a:spcPct val="90000"/>
-              </a:lnSpc>
-              <a:spcBef>
-                <a:spcPts val="600"/>
-              </a:spcBef>
-              <a:buFont typeface="Arial" pitchFamily="34" charset="0"/>
-              <a:buChar char="•"/>
-              <a:defRPr sz="2000" kern="1200">
-                <a:solidFill>
-                  <a:schemeClr val="accent1"/>
-                </a:solidFill>
-                <a:latin typeface="+mn-lt"/>
-                <a:ea typeface="+mn-ea"/>
-                <a:cs typeface="+mn-cs"/>
-              </a:defRPr>
-            </a:lvl3pPr>
-            <a:lvl4pPr marL="720000" indent="-180000" algn="l" defTabSz="914400" rtl="0" eaLnBrk="1" latinLnBrk="0" hangingPunct="1">
-              <a:lnSpc>
-                <a:spcPct val="90000"/>
-              </a:lnSpc>
-              <a:spcBef>
-                <a:spcPts val="600"/>
-              </a:spcBef>
-              <a:buFont typeface="Arial" panose="020B0604020202020204" pitchFamily="34" charset="0"/>
-              <a:buChar char="•"/>
-              <a:defRPr sz="2000" kern="1200">
-                <a:solidFill>
-                  <a:schemeClr val="accent1"/>
-                </a:solidFill>
-                <a:latin typeface="+mn-lt"/>
-                <a:ea typeface="+mn-ea"/>
-                <a:cs typeface="+mn-cs"/>
-              </a:defRPr>
-            </a:lvl4pPr>
-            <a:lvl5pPr marL="900000" indent="-180975" algn="l" defTabSz="914400" rtl="0" eaLnBrk="1" latinLnBrk="0" hangingPunct="1">
-              <a:lnSpc>
-                <a:spcPct val="90000"/>
-              </a:lnSpc>
-              <a:spcBef>
-                <a:spcPts val="600"/>
-              </a:spcBef>
-              <a:buFont typeface="Arial" panose="020B0604020202020204" pitchFamily="34" charset="0"/>
-              <a:buChar char="•"/>
-              <a:defRPr sz="2000" kern="1200">
-                <a:solidFill>
-                  <a:schemeClr val="accent1"/>
-                </a:solidFill>
-                <a:latin typeface="+mn-lt"/>
-                <a:ea typeface="+mn-ea"/>
-                <a:cs typeface="+mn-cs"/>
-              </a:defRPr>
-            </a:lvl5pPr>
-            <a:lvl6pPr marL="2514600" indent="-228600" algn="l" defTabSz="914400" rtl="0" eaLnBrk="1" latinLnBrk="0" hangingPunct="1">
-              <a:spcBef>
-                <a:spcPct val="20000"/>
-              </a:spcBef>
-              <a:buFont typeface="Arial" pitchFamily="34" charset="0"/>
-              <a:buChar char="•"/>
-              <a:defRPr sz="2000" kern="1200">
-                <a:solidFill>
-                  <a:schemeClr val="tx1"/>
-                </a:solidFill>
-                <a:latin typeface="+mn-lt"/>
-                <a:ea typeface="+mn-ea"/>
-                <a:cs typeface="+mn-cs"/>
-              </a:defRPr>
-            </a:lvl6pPr>
-            <a:lvl7pPr marL="2971800" indent="-228600" algn="l" defTabSz="914400" rtl="0" eaLnBrk="1" latinLnBrk="0" hangingPunct="1">
-              <a:spcBef>
-                <a:spcPct val="20000"/>
-              </a:spcBef>
-              <a:buFont typeface="Arial" pitchFamily="34" charset="0"/>
-              <a:buChar char="•"/>
-              <a:defRPr sz="2000" kern="1200">
-                <a:solidFill>
-                  <a:schemeClr val="tx1"/>
-                </a:solidFill>
-                <a:latin typeface="+mn-lt"/>
-                <a:ea typeface="+mn-ea"/>
-                <a:cs typeface="+mn-cs"/>
-              </a:defRPr>
-            </a:lvl7pPr>
-            <a:lvl8pPr marL="3429000" indent="-228600" algn="l" defTabSz="914400" rtl="0" eaLnBrk="1" latinLnBrk="0" hangingPunct="1">
-              <a:spcBef>
-                <a:spcPct val="20000"/>
-              </a:spcBef>
-              <a:buFont typeface="Arial" pitchFamily="34" charset="0"/>
-              <a:buChar char="•"/>
-              <a:defRPr sz="2000" kern="1200">
-                <a:solidFill>
-                  <a:schemeClr val="tx1"/>
-                </a:solidFill>
-                <a:latin typeface="+mn-lt"/>
-                <a:ea typeface="+mn-ea"/>
-                <a:cs typeface="+mn-cs"/>
-              </a:defRPr>
-            </a:lvl8pPr>
-            <a:lvl9pPr marL="3886200" indent="-228600" algn="l" defTabSz="914400" rtl="0" eaLnBrk="1" latinLnBrk="0" hangingPunct="1">
-              <a:spcBef>
-                <a:spcPct val="20000"/>
-              </a:spcBef>
-              <a:buFont typeface="Arial" pitchFamily="34" charset="0"/>
-              <a:buChar char="•"/>
-              <a:defRPr sz="2000" kern="1200">
-                <a:solidFill>
-                  <a:schemeClr val="tx1"/>
-                </a:solidFill>
-                <a:latin typeface="+mn-lt"/>
-                <a:ea typeface="+mn-ea"/>
-                <a:cs typeface="+mn-cs"/>
-              </a:defRPr>
-            </a:lvl9pPr>
-          </a:lstStyle>
-          <a:p>
-            <a:pPr marL="0" indent="0">
-              <a:buNone/>
-            </a:pPr>
-            <a:r>
-              <a:rPr lang="en-US" dirty="0"/>
-              <a:t>Expected Output</a:t>
-            </a:r>
-          </a:p>
-        </p:txBody>
-      </p:sp>
-      <p:sp>
-        <p:nvSpPr>
-          <p:cNvPr id="13" name="TextBox 5">
-            <a:extLst>
-              <a:ext uri="{FF2B5EF4-FFF2-40B4-BE49-F238E27FC236}">
-                <a16:creationId xmlns:a16="http://schemas.microsoft.com/office/drawing/2014/main" id="{50C5CCBA-0874-4BEE-99C2-CC4082D3A1FF}"/>
-              </a:ext>
-            </a:extLst>
-          </p:cNvPr>
-          <p:cNvSpPr txBox="1">
-            <a:spLocks/>
-          </p:cNvSpPr>
-          <p:nvPr/>
-        </p:nvSpPr>
-        <p:spPr>
-          <a:xfrm>
-            <a:off x="960221" y="4054605"/>
-            <a:ext cx="722955" cy="747897"/>
-          </a:xfrm>
-          <a:prstGeom prst="rect">
-            <a:avLst/>
-          </a:prstGeom>
-        </p:spPr>
-        <p:txBody>
-          <a:bodyPr vert="horz" wrap="none" lIns="0" tIns="0" rIns="0" bIns="0" rtlCol="0">
-            <a:spAutoFit/>
-          </a:bodyPr>
-          <a:lstStyle>
-            <a:lvl1pPr marL="179388" indent="-179388" algn="l" defTabSz="914400" rtl="0" eaLnBrk="1" latinLnBrk="0" hangingPunct="1">
-              <a:lnSpc>
-                <a:spcPct val="90000"/>
-              </a:lnSpc>
-              <a:spcBef>
-                <a:spcPts val="600"/>
-              </a:spcBef>
-              <a:buFont typeface="Arial" pitchFamily="34" charset="0"/>
-              <a:buChar char="•"/>
-              <a:defRPr sz="2000" kern="1200">
-                <a:solidFill>
-                  <a:schemeClr val="accent1"/>
-                </a:solidFill>
-                <a:latin typeface="+mn-lt"/>
-                <a:ea typeface="+mn-ea"/>
-                <a:cs typeface="+mn-cs"/>
-              </a:defRPr>
-            </a:lvl1pPr>
-            <a:lvl2pPr marL="360000" indent="-180975" algn="l" defTabSz="914400" rtl="0" eaLnBrk="1" latinLnBrk="0" hangingPunct="1">
-              <a:lnSpc>
-                <a:spcPct val="90000"/>
-              </a:lnSpc>
-              <a:spcBef>
-                <a:spcPts val="600"/>
-              </a:spcBef>
-              <a:buFont typeface="Arial" panose="020B0604020202020204" pitchFamily="34" charset="0"/>
-              <a:buChar char="•"/>
-              <a:defRPr sz="2000" kern="1200">
-                <a:solidFill>
-                  <a:schemeClr val="accent1"/>
-                </a:solidFill>
-                <a:latin typeface="+mn-lt"/>
-                <a:ea typeface="+mn-ea"/>
-                <a:cs typeface="+mn-cs"/>
-              </a:defRPr>
-            </a:lvl2pPr>
-            <a:lvl3pPr marL="540000" indent="-180975" algn="l" defTabSz="914400" rtl="0" eaLnBrk="1" latinLnBrk="0" hangingPunct="1">
-              <a:lnSpc>
-                <a:spcPct val="90000"/>
-              </a:lnSpc>
-              <a:spcBef>
-                <a:spcPts val="600"/>
-              </a:spcBef>
-              <a:buFont typeface="Arial" pitchFamily="34" charset="0"/>
-              <a:buChar char="•"/>
-              <a:defRPr sz="2000" kern="1200">
-                <a:solidFill>
-                  <a:schemeClr val="accent1"/>
-                </a:solidFill>
-                <a:latin typeface="+mn-lt"/>
-                <a:ea typeface="+mn-ea"/>
-                <a:cs typeface="+mn-cs"/>
-              </a:defRPr>
-            </a:lvl3pPr>
-            <a:lvl4pPr marL="720000" indent="-180000" algn="l" defTabSz="914400" rtl="0" eaLnBrk="1" latinLnBrk="0" hangingPunct="1">
-              <a:lnSpc>
-                <a:spcPct val="90000"/>
-              </a:lnSpc>
-              <a:spcBef>
-                <a:spcPts val="600"/>
-              </a:spcBef>
-              <a:buFont typeface="Arial" panose="020B0604020202020204" pitchFamily="34" charset="0"/>
-              <a:buChar char="•"/>
-              <a:defRPr sz="2000" kern="1200">
-                <a:solidFill>
-                  <a:schemeClr val="accent1"/>
-                </a:solidFill>
-                <a:latin typeface="+mn-lt"/>
-                <a:ea typeface="+mn-ea"/>
-                <a:cs typeface="+mn-cs"/>
-              </a:defRPr>
-            </a:lvl4pPr>
-            <a:lvl5pPr marL="900000" indent="-180975" algn="l" defTabSz="914400" rtl="0" eaLnBrk="1" latinLnBrk="0" hangingPunct="1">
-              <a:lnSpc>
-                <a:spcPct val="90000"/>
-              </a:lnSpc>
-              <a:spcBef>
-                <a:spcPts val="600"/>
-              </a:spcBef>
-              <a:buFont typeface="Arial" panose="020B0604020202020204" pitchFamily="34" charset="0"/>
-              <a:buChar char="•"/>
-              <a:defRPr sz="2000" kern="1200">
-                <a:solidFill>
-                  <a:schemeClr val="accent1"/>
-                </a:solidFill>
-                <a:latin typeface="+mn-lt"/>
-                <a:ea typeface="+mn-ea"/>
-                <a:cs typeface="+mn-cs"/>
-              </a:defRPr>
-            </a:lvl5pPr>
-            <a:lvl6pPr marL="2514600" indent="-228600" algn="l" defTabSz="914400" rtl="0" eaLnBrk="1" latinLnBrk="0" hangingPunct="1">
-              <a:spcBef>
-                <a:spcPct val="20000"/>
-              </a:spcBef>
-              <a:buFont typeface="Arial" pitchFamily="34" charset="0"/>
-              <a:buChar char="•"/>
-              <a:defRPr sz="2000" kern="1200">
-                <a:solidFill>
-                  <a:schemeClr val="tx1"/>
-                </a:solidFill>
-                <a:latin typeface="+mn-lt"/>
-                <a:ea typeface="+mn-ea"/>
-                <a:cs typeface="+mn-cs"/>
-              </a:defRPr>
-            </a:lvl6pPr>
-            <a:lvl7pPr marL="2971800" indent="-228600" algn="l" defTabSz="914400" rtl="0" eaLnBrk="1" latinLnBrk="0" hangingPunct="1">
-              <a:spcBef>
-                <a:spcPct val="20000"/>
-              </a:spcBef>
-              <a:buFont typeface="Arial" pitchFamily="34" charset="0"/>
-              <a:buChar char="•"/>
-              <a:defRPr sz="2000" kern="1200">
-                <a:solidFill>
-                  <a:schemeClr val="tx1"/>
-                </a:solidFill>
-                <a:latin typeface="+mn-lt"/>
-                <a:ea typeface="+mn-ea"/>
-                <a:cs typeface="+mn-cs"/>
-              </a:defRPr>
-            </a:lvl7pPr>
-            <a:lvl8pPr marL="3429000" indent="-228600" algn="l" defTabSz="914400" rtl="0" eaLnBrk="1" latinLnBrk="0" hangingPunct="1">
-              <a:spcBef>
-                <a:spcPct val="20000"/>
-              </a:spcBef>
-              <a:buFont typeface="Arial" pitchFamily="34" charset="0"/>
-              <a:buChar char="•"/>
-              <a:defRPr sz="2000" kern="1200">
-                <a:solidFill>
-                  <a:schemeClr val="tx1"/>
-                </a:solidFill>
-                <a:latin typeface="+mn-lt"/>
-                <a:ea typeface="+mn-ea"/>
-                <a:cs typeface="+mn-cs"/>
-              </a:defRPr>
-            </a:lvl8pPr>
-            <a:lvl9pPr marL="3886200" indent="-228600" algn="l" defTabSz="914400" rtl="0" eaLnBrk="1" latinLnBrk="0" hangingPunct="1">
-              <a:spcBef>
-                <a:spcPct val="20000"/>
-              </a:spcBef>
-              <a:buFont typeface="Arial" pitchFamily="34" charset="0"/>
-              <a:buChar char="•"/>
-              <a:defRPr sz="2000" kern="1200">
-                <a:solidFill>
-                  <a:schemeClr val="tx1"/>
-                </a:solidFill>
-                <a:latin typeface="+mn-lt"/>
-                <a:ea typeface="+mn-ea"/>
-                <a:cs typeface="+mn-cs"/>
-              </a:defRPr>
-            </a:lvl9pPr>
-          </a:lstStyle>
-          <a:p>
-            <a:pPr marL="0" indent="0" algn="r">
-              <a:buNone/>
-            </a:pPr>
-            <a:r>
-              <a:rPr lang="en-US" sz="5400" b="1">
-                <a:solidFill>
-                  <a:schemeClr val="accent5"/>
-                </a:solidFill>
-              </a:rPr>
-              <a:t>04</a:t>
-            </a:r>
-            <a:endParaRPr lang="en-US" sz="5400" b="1" dirty="0">
-              <a:solidFill>
-                <a:schemeClr val="accent5"/>
-              </a:solidFill>
-            </a:endParaRPr>
-          </a:p>
-        </p:txBody>
-      </p:sp>
-    </p:spTree>
-    <p:extLst>
-      <p:ext uri="{BB962C8B-B14F-4D97-AF65-F5344CB8AC3E}">
-        <p14:creationId xmlns:p14="http://schemas.microsoft.com/office/powerpoint/2010/main" val="2641621532"/>
-      </p:ext>
-    </p:extLst>
-  </p:cSld>
-  <p:clrMapOvr>
-    <a:masterClrMapping/>
-  </p:clrMapOvr>
-</p:sld>
-</file>
-
-<file path=ppt/slides/slide3.xml><?xml version="1.0" encoding="utf-8"?>
-<p:sld xmlns:a="http://schemas.openxmlformats.org/drawingml/2006/main" xmlns:r="http://schemas.openxmlformats.org/officeDocument/2006/relationships" xmlns:p="http://schemas.openxmlformats.org/presentationml/2006/main">
-  <p:cSld>
-    <p:spTree>
-      <p:nvGrpSpPr>
-        <p:cNvPr id="1" name=""/>
-        <p:cNvGrpSpPr/>
-        <p:nvPr/>
-      </p:nvGrpSpPr>
-      <p:grpSpPr>
-        <a:xfrm>
-          <a:off x="0" y="0"/>
-          <a:ext cx="0" cy="0"/>
-          <a:chOff x="0" y="0"/>
-          <a:chExt cx="0" cy="0"/>
-        </a:xfrm>
-      </p:grpSpPr>
-      <p:graphicFrame>
-        <p:nvGraphicFramePr>
-          <p:cNvPr id="3" name="Objekt 2" hidden="1">
-            <a:extLst>
-              <a:ext uri="{FF2B5EF4-FFF2-40B4-BE49-F238E27FC236}">
-                <a16:creationId xmlns:a16="http://schemas.microsoft.com/office/drawing/2014/main" id="{C25CA449-E3EB-0DD4-6908-6F7AA75DB9C8}"/>
-              </a:ext>
-            </a:extLst>
-          </p:cNvPr>
-          <p:cNvGraphicFramePr>
-            <a:graphicFrameLocks noChangeAspect="1"/>
-          </p:cNvGraphicFramePr>
-          <p:nvPr>
-            <p:custDataLst>
-              <p:tags r:id="rId1"/>
-            </p:custDataLst>
-            <p:extLst>
-              <p:ext uri="{D42A27DB-BD31-4B8C-83A1-F6EECF244321}">
-                <p14:modId xmlns:p14="http://schemas.microsoft.com/office/powerpoint/2010/main" val="2142223778"/>
-              </p:ext>
-            </p:extLst>
-          </p:nvPr>
-        </p:nvGraphicFramePr>
-        <p:xfrm>
-          <a:off x="1588" y="1588"/>
-          <a:ext cx="1588" cy="1588"/>
-        </p:xfrm>
-        <a:graphic>
-          <a:graphicData uri="http://schemas.openxmlformats.org/presentationml/2006/ole">
-            <mc:AlternateContent xmlns:mc="http://schemas.openxmlformats.org/markup-compatibility/2006">
-              <mc:Choice xmlns:v="urn:schemas-microsoft-com:vml" Requires="v">
-                <p:oleObj name="think-cell Slide" r:id="rId4" imgW="347" imgH="348" progId="TCLayout.ActiveDocument.1">
-                  <p:embed/>
-                </p:oleObj>
-              </mc:Choice>
-              <mc:Fallback>
-                <p:oleObj name="think-cell Slide" r:id="rId4" imgW="347" imgH="348" progId="TCLayout.ActiveDocument.1">
-                  <p:embed/>
-                  <p:pic>
-                    <p:nvPicPr>
-                      <p:cNvPr id="3" name="Objekt 2" hidden="1">
-                        <a:extLst>
-                          <a:ext uri="{FF2B5EF4-FFF2-40B4-BE49-F238E27FC236}">
-                            <a16:creationId xmlns:a16="http://schemas.microsoft.com/office/drawing/2014/main" id="{C25CA449-E3EB-0DD4-6908-6F7AA75DB9C8}"/>
-                          </a:ext>
-                        </a:extLst>
-                      </p:cNvPr>
-                      <p:cNvPicPr/>
-                      <p:nvPr/>
-                    </p:nvPicPr>
-                    <p:blipFill>
-                      <a:blip r:embed="rId5"/>
-                      <a:stretch>
-                        <a:fillRect/>
-                      </a:stretch>
-                    </p:blipFill>
-                    <p:spPr>
-                      <a:xfrm>
-                        <a:off x="1588" y="1588"/>
-                        <a:ext cx="1588" cy="1588"/>
-                      </a:xfrm>
-                      <a:prstGeom prst="rect">
-                        <a:avLst/>
-                      </a:prstGeom>
-                    </p:spPr>
-                  </p:pic>
-                </p:oleObj>
-              </mc:Fallback>
-            </mc:AlternateContent>
-          </a:graphicData>
-        </a:graphic>
-      </p:graphicFrame>
-      <p:sp>
-        <p:nvSpPr>
-          <p:cNvPr id="2" name="Titel 1">
-            <a:extLst>
-              <a:ext uri="{FF2B5EF4-FFF2-40B4-BE49-F238E27FC236}">
-                <a16:creationId xmlns:a16="http://schemas.microsoft.com/office/drawing/2014/main" id="{F7A7B11F-5560-4450-B29C-AA36EE47DBD5}"/>
-              </a:ext>
-            </a:extLst>
-          </p:cNvPr>
-          <p:cNvSpPr>
-            <a:spLocks noGrp="1"/>
-          </p:cNvSpPr>
-          <p:nvPr>
-            <p:ph type="title"/>
-          </p:nvPr>
-        </p:nvSpPr>
-        <p:spPr/>
-        <p:txBody>
-          <a:bodyPr vert="horz"/>
-          <a:lstStyle/>
-          <a:p>
-            <a:r>
-              <a:rPr lang="en-US" dirty="0"/>
-              <a:t>Motivation</a:t>
-            </a:r>
-          </a:p>
-        </p:txBody>
-      </p:sp>
-      <p:sp>
-        <p:nvSpPr>
-          <p:cNvPr id="6" name="Pladsholder til indhold 5">
-            <a:extLst>
-              <a:ext uri="{FF2B5EF4-FFF2-40B4-BE49-F238E27FC236}">
-                <a16:creationId xmlns:a16="http://schemas.microsoft.com/office/drawing/2014/main" id="{8FC4456C-8838-4F8B-8B1E-95CBD5B2E38B}"/>
-              </a:ext>
-            </a:extLst>
-          </p:cNvPr>
-          <p:cNvSpPr>
-            <a:spLocks noGrp="1"/>
-          </p:cNvSpPr>
-          <p:nvPr>
-            <p:ph sz="quarter" idx="13"/>
-          </p:nvPr>
-        </p:nvSpPr>
-        <p:spPr/>
-        <p:txBody>
-          <a:bodyPr/>
-          <a:lstStyle/>
-          <a:p>
-            <a:r>
-              <a:rPr lang="en-US" dirty="0"/>
-              <a:t>The Contracting Division at ELCON is a large part of the business model and plays key role in the overall strategy. </a:t>
-            </a:r>
-          </a:p>
-          <a:p>
-            <a:pPr lvl="2"/>
-            <a:r>
-              <a:rPr lang="en-US" dirty="0"/>
-              <a:t>At ELCON, contracting involves all the electrical work in building under construction, often involving fire systems, HVAC, and more.</a:t>
-            </a:r>
-          </a:p>
-          <a:p>
-            <a:pPr lvl="2"/>
-            <a:r>
-              <a:rPr lang="en-US" dirty="0"/>
-              <a:t>ELCON is among the few electrical contractors in Denmark who have the capacity to work on large projects spanning over several years. </a:t>
-            </a:r>
-          </a:p>
-          <a:p>
-            <a:r>
-              <a:rPr lang="en-US" dirty="0"/>
-              <a:t>In 2022, Contracting accounted for 25% of total revenue and had a 43% total effect on EBIT.</a:t>
-            </a:r>
-          </a:p>
-          <a:p>
-            <a:pPr lvl="2"/>
-            <a:r>
-              <a:rPr lang="en-US" dirty="0"/>
-              <a:t>Contracting is ripe with risk and the margin for error is small.</a:t>
-            </a:r>
-          </a:p>
-          <a:p>
-            <a:pPr lvl="2"/>
-            <a:r>
-              <a:rPr lang="en-US" dirty="0"/>
-              <a:t>Contracting has great influence on ELCON’s overall finances.</a:t>
-            </a:r>
-          </a:p>
-          <a:p>
-            <a:r>
-              <a:rPr lang="en-US" dirty="0"/>
-              <a:t>Currently, there is no formal statistical model in place to evaluate these risks, and all risk assessments, provisions, and impairments are based on a subjective assessment backed by fundamental calculations.</a:t>
-            </a:r>
-          </a:p>
-          <a:p>
-            <a:r>
-              <a:rPr lang="en-US" dirty="0"/>
-              <a:t>A model based on a sound statistical foundation can turn hard facts into clear stories, and support the management at ELCON.</a:t>
-            </a:r>
-          </a:p>
-        </p:txBody>
-      </p:sp>
-    </p:spTree>
-    <p:extLst>
-      <p:ext uri="{BB962C8B-B14F-4D97-AF65-F5344CB8AC3E}">
-        <p14:creationId xmlns:p14="http://schemas.microsoft.com/office/powerpoint/2010/main" val="2678748836"/>
-      </p:ext>
-    </p:extLst>
-  </p:cSld>
-  <p:clrMapOvr>
-    <a:masterClrMapping/>
-  </p:clrMapOvr>
-</p:sld>
-</file>
-
-<file path=ppt/slides/slide4.xml><?xml version="1.0" encoding="utf-8"?>
-<p:sld xmlns:a="http://schemas.openxmlformats.org/drawingml/2006/main" xmlns:r="http://schemas.openxmlformats.org/officeDocument/2006/relationships" xmlns:p="http://schemas.openxmlformats.org/presentationml/2006/main">
-  <p:cSld>
-    <p:spTree>
-      <p:nvGrpSpPr>
-        <p:cNvPr id="1" name=""/>
-        <p:cNvGrpSpPr/>
-        <p:nvPr/>
-      </p:nvGrpSpPr>
-      <p:grpSpPr>
-        <a:xfrm>
-          <a:off x="0" y="0"/>
-          <a:ext cx="0" cy="0"/>
-          <a:chOff x="0" y="0"/>
-          <a:chExt cx="0" cy="0"/>
-        </a:xfrm>
-      </p:grpSpPr>
-      <p:graphicFrame>
-        <p:nvGraphicFramePr>
-          <p:cNvPr id="4" name="Objekt 3" hidden="1">
-            <a:extLst>
-              <a:ext uri="{FF2B5EF4-FFF2-40B4-BE49-F238E27FC236}">
-                <a16:creationId xmlns:a16="http://schemas.microsoft.com/office/drawing/2014/main" id="{DA4F5744-822E-272D-9EB9-E4CFFB864E67}"/>
-              </a:ext>
-            </a:extLst>
-          </p:cNvPr>
-          <p:cNvGraphicFramePr>
-            <a:graphicFrameLocks noChangeAspect="1"/>
-          </p:cNvGraphicFramePr>
-          <p:nvPr>
-            <p:custDataLst>
-              <p:tags r:id="rId1"/>
-            </p:custDataLst>
-            <p:extLst>
-              <p:ext uri="{D42A27DB-BD31-4B8C-83A1-F6EECF244321}">
-                <p14:modId xmlns:p14="http://schemas.microsoft.com/office/powerpoint/2010/main" val="1737367851"/>
-              </p:ext>
-            </p:extLst>
-          </p:nvPr>
-        </p:nvGraphicFramePr>
-        <p:xfrm>
-          <a:off x="1588" y="1588"/>
-          <a:ext cx="1588" cy="1588"/>
-        </p:xfrm>
-        <a:graphic>
-          <a:graphicData uri="http://schemas.openxmlformats.org/presentationml/2006/ole">
-            <mc:AlternateContent xmlns:mc="http://schemas.openxmlformats.org/markup-compatibility/2006">
-              <mc:Choice xmlns:v="urn:schemas-microsoft-com:vml" Requires="v">
-                <p:oleObj name="think-cell Slide" r:id="rId4" imgW="347" imgH="348" progId="TCLayout.ActiveDocument.1">
-                  <p:embed/>
-                </p:oleObj>
-              </mc:Choice>
-              <mc:Fallback>
-                <p:oleObj name="think-cell Slide" r:id="rId4" imgW="347" imgH="348" progId="TCLayout.ActiveDocument.1">
-                  <p:embed/>
-                  <p:pic>
-                    <p:nvPicPr>
-                      <p:cNvPr id="4" name="Objekt 3" hidden="1">
-                        <a:extLst>
-                          <a:ext uri="{FF2B5EF4-FFF2-40B4-BE49-F238E27FC236}">
-                            <a16:creationId xmlns:a16="http://schemas.microsoft.com/office/drawing/2014/main" id="{DA4F5744-822E-272D-9EB9-E4CFFB864E67}"/>
-                          </a:ext>
-                        </a:extLst>
-                      </p:cNvPr>
-                      <p:cNvPicPr/>
-                      <p:nvPr/>
-                    </p:nvPicPr>
-                    <p:blipFill>
-                      <a:blip r:embed="rId5"/>
-                      <a:stretch>
-                        <a:fillRect/>
-                      </a:stretch>
-                    </p:blipFill>
-                    <p:spPr>
-                      <a:xfrm>
-                        <a:off x="1588" y="1588"/>
-                        <a:ext cx="1588" cy="1588"/>
-                      </a:xfrm>
-                      <a:prstGeom prst="rect">
-                        <a:avLst/>
-                      </a:prstGeom>
-                    </p:spPr>
-                  </p:pic>
-                </p:oleObj>
-              </mc:Fallback>
-            </mc:AlternateContent>
-          </a:graphicData>
-        </a:graphic>
-      </p:graphicFrame>
-      <p:sp>
-        <p:nvSpPr>
-          <p:cNvPr id="6" name="Pladsholder til indhold 5">
-            <a:extLst>
-              <a:ext uri="{FF2B5EF4-FFF2-40B4-BE49-F238E27FC236}">
-                <a16:creationId xmlns:a16="http://schemas.microsoft.com/office/drawing/2014/main" id="{C946590A-DCFA-480E-9973-032781667CFD}"/>
-              </a:ext>
-            </a:extLst>
-          </p:cNvPr>
-          <p:cNvSpPr>
-            <a:spLocks noGrp="1"/>
-          </p:cNvSpPr>
-          <p:nvPr>
-            <p:ph sz="quarter" idx="13"/>
-          </p:nvPr>
-        </p:nvSpPr>
-        <p:spPr>
-          <a:xfrm>
-            <a:off x="3727905" y="1611103"/>
-            <a:ext cx="2448594" cy="2480679"/>
-          </a:xfrm>
-        </p:spPr>
-        <p:txBody>
-          <a:bodyPr>
-            <a:spAutoFit/>
-          </a:bodyPr>
-          <a:lstStyle/>
-          <a:p>
-            <a:pPr marL="0" indent="0">
-              <a:buNone/>
-            </a:pPr>
-            <a:r>
-              <a:rPr lang="en-US" b="1" dirty="0"/>
-              <a:t>Identify Key Risk Indicators (KRIs)</a:t>
-            </a:r>
-          </a:p>
-          <a:p>
-            <a:pPr marL="0" indent="0">
-              <a:buNone/>
-            </a:pPr>
-            <a:r>
-              <a:rPr lang="en-US" sz="1600" dirty="0"/>
-              <a:t>Identification of indicators is based on statistical analyses and a priori knowledge.</a:t>
-            </a:r>
-          </a:p>
-          <a:p>
-            <a:pPr marL="0" indent="0">
-              <a:buNone/>
-            </a:pPr>
-            <a:r>
-              <a:rPr lang="en-US" sz="1600" dirty="0"/>
-              <a:t>Defining the right KRIs will be essential, and tests must be conducted to be sure inference can be drawn from the indicators.</a:t>
-            </a:r>
-          </a:p>
-        </p:txBody>
-      </p:sp>
-      <p:sp>
-        <p:nvSpPr>
-          <p:cNvPr id="7" name="Pladsholder til indhold 6">
-            <a:extLst>
-              <a:ext uri="{FF2B5EF4-FFF2-40B4-BE49-F238E27FC236}">
-                <a16:creationId xmlns:a16="http://schemas.microsoft.com/office/drawing/2014/main" id="{BB313780-1FD1-47D9-8FAE-3FEDD5BED7B1}"/>
-              </a:ext>
-            </a:extLst>
-          </p:cNvPr>
-          <p:cNvSpPr>
-            <a:spLocks noGrp="1"/>
-          </p:cNvSpPr>
-          <p:nvPr>
-            <p:ph sz="quarter" idx="14"/>
-          </p:nvPr>
-        </p:nvSpPr>
-        <p:spPr>
-          <a:xfrm>
-            <a:off x="6356580" y="1611103"/>
-            <a:ext cx="2448594" cy="3256276"/>
-          </a:xfrm>
-        </p:spPr>
-        <p:txBody>
-          <a:bodyPr>
-            <a:spAutoFit/>
-          </a:bodyPr>
-          <a:lstStyle/>
-          <a:p>
-            <a:pPr marL="0" indent="0">
-              <a:buNone/>
-            </a:pPr>
-            <a:r>
-              <a:rPr lang="en-US" b="1" dirty="0"/>
-              <a:t>Utilize Machine Learning Methods to Highlight Causal Effects</a:t>
-            </a:r>
-          </a:p>
-          <a:p>
-            <a:pPr marL="0" indent="0">
-              <a:buNone/>
-            </a:pPr>
-            <a:r>
-              <a:rPr lang="en-US" sz="1600" dirty="0"/>
-              <a:t>Each project is unique and drawing on the benefits from ML allows for a standardized model capable of adapting to different circumstances.</a:t>
-            </a:r>
-          </a:p>
-          <a:p>
-            <a:pPr marL="0" indent="0">
-              <a:buNone/>
-            </a:pPr>
-            <a:r>
-              <a:rPr lang="en-US" sz="1600" dirty="0"/>
-              <a:t>ML will somewhat futureproof the analyses conducted and allows use beyond this project.</a:t>
-            </a:r>
-            <a:endParaRPr lang="en-US" dirty="0"/>
-          </a:p>
-        </p:txBody>
-      </p:sp>
-      <p:sp>
-        <p:nvSpPr>
-          <p:cNvPr id="8" name="Pladsholder til indhold 7">
-            <a:extLst>
-              <a:ext uri="{FF2B5EF4-FFF2-40B4-BE49-F238E27FC236}">
-                <a16:creationId xmlns:a16="http://schemas.microsoft.com/office/drawing/2014/main" id="{A26BD07B-B36A-46BD-8B09-8347D40D54E4}"/>
-              </a:ext>
-            </a:extLst>
-          </p:cNvPr>
-          <p:cNvSpPr>
-            <a:spLocks noGrp="1"/>
-          </p:cNvSpPr>
-          <p:nvPr>
-            <p:ph sz="quarter" idx="15"/>
-          </p:nvPr>
-        </p:nvSpPr>
-        <p:spPr>
-          <a:xfrm>
-            <a:off x="9058990" y="1611103"/>
-            <a:ext cx="2448594" cy="3499420"/>
-          </a:xfrm>
-        </p:spPr>
-        <p:txBody>
-          <a:bodyPr>
-            <a:spAutoFit/>
-          </a:bodyPr>
-          <a:lstStyle/>
-          <a:p>
-            <a:pPr marL="0" indent="0">
-              <a:buNone/>
-            </a:pPr>
-            <a:r>
-              <a:rPr lang="en-US" b="1" dirty="0"/>
-              <a:t>Construct Dashboard with KPIs and KRIs of Risky Projects</a:t>
-            </a:r>
-          </a:p>
-          <a:p>
-            <a:pPr marL="0" indent="0">
-              <a:buNone/>
-            </a:pPr>
-            <a:r>
-              <a:rPr lang="en-US" sz="1600" dirty="0"/>
-              <a:t>A simple dashboard allows for quick assessment and action. </a:t>
-            </a:r>
-          </a:p>
-          <a:p>
-            <a:pPr marL="0" indent="0">
-              <a:buNone/>
-            </a:pPr>
-            <a:r>
-              <a:rPr lang="en-US" sz="1600" dirty="0"/>
-              <a:t>Interpretability is of the essence since the targeted end users are not required an in depth understanding of statistics. </a:t>
-            </a:r>
-          </a:p>
-          <a:p>
-            <a:pPr marL="0" indent="0">
-              <a:buNone/>
-            </a:pPr>
-            <a:r>
-              <a:rPr lang="en-US" sz="1600" dirty="0"/>
-              <a:t>The mantra: “Hard facts, clear stories” should be lived by.</a:t>
-            </a:r>
-            <a:endParaRPr lang="en-US" dirty="0"/>
-          </a:p>
-        </p:txBody>
-      </p:sp>
-      <p:sp>
-        <p:nvSpPr>
-          <p:cNvPr id="9" name="Pladsholder til indhold 8">
-            <a:extLst>
-              <a:ext uri="{FF2B5EF4-FFF2-40B4-BE49-F238E27FC236}">
-                <a16:creationId xmlns:a16="http://schemas.microsoft.com/office/drawing/2014/main" id="{7A55C507-1CA4-403F-85AA-068A599400B3}"/>
-              </a:ext>
-            </a:extLst>
-          </p:cNvPr>
-          <p:cNvSpPr>
-            <a:spLocks noGrp="1"/>
-          </p:cNvSpPr>
-          <p:nvPr>
-            <p:ph sz="quarter" idx="16"/>
-          </p:nvPr>
-        </p:nvSpPr>
-        <p:spPr>
-          <a:xfrm>
-            <a:off x="1071979" y="1611103"/>
-            <a:ext cx="2448594" cy="2757678"/>
-          </a:xfrm>
-        </p:spPr>
-        <p:txBody>
-          <a:bodyPr>
-            <a:spAutoFit/>
-          </a:bodyPr>
-          <a:lstStyle/>
-          <a:p>
-            <a:pPr marL="0" indent="0">
-              <a:buNone/>
-            </a:pPr>
-            <a:r>
-              <a:rPr lang="en-US" b="1" dirty="0"/>
-              <a:t>Develop Time Series Model with Actuals, KPIs and KRIs</a:t>
-            </a:r>
-          </a:p>
-          <a:p>
-            <a:pPr marL="0" indent="0">
-              <a:buNone/>
-            </a:pPr>
-            <a:r>
-              <a:rPr lang="en-US" sz="1600" dirty="0"/>
-              <a:t>A time series model is essential, since it allows project managers to monitor changes in a project.</a:t>
-            </a:r>
-          </a:p>
-          <a:p>
-            <a:pPr marL="0" indent="0">
-              <a:buNone/>
-            </a:pPr>
-            <a:r>
-              <a:rPr lang="en-US" sz="1600" dirty="0"/>
-              <a:t>Model should include materials, hours worked, billable rate, invoiced amounts</a:t>
-            </a:r>
-          </a:p>
-        </p:txBody>
-      </p:sp>
-      <p:sp>
-        <p:nvSpPr>
-          <p:cNvPr id="10" name="TextBox 5">
-            <a:extLst>
-              <a:ext uri="{FF2B5EF4-FFF2-40B4-BE49-F238E27FC236}">
-                <a16:creationId xmlns:a16="http://schemas.microsoft.com/office/drawing/2014/main" id="{FCC3E6C0-5D07-41B1-BF2D-D07463968082}"/>
-              </a:ext>
-            </a:extLst>
-          </p:cNvPr>
-          <p:cNvSpPr txBox="1">
-            <a:spLocks/>
-          </p:cNvSpPr>
-          <p:nvPr/>
-        </p:nvSpPr>
-        <p:spPr>
-          <a:xfrm>
-            <a:off x="728664" y="863206"/>
-            <a:ext cx="455253" cy="747897"/>
-          </a:xfrm>
-          <a:prstGeom prst="rect">
-            <a:avLst/>
-          </a:prstGeom>
-        </p:spPr>
-        <p:txBody>
-          <a:bodyPr vert="horz" wrap="none" lIns="0" tIns="0" rIns="0" bIns="0" rtlCol="0">
-            <a:spAutoFit/>
-          </a:bodyPr>
-          <a:lstStyle>
-            <a:lvl1pPr marL="179388" indent="-179388" algn="l" defTabSz="914400" rtl="0" eaLnBrk="1" latinLnBrk="0" hangingPunct="1">
-              <a:lnSpc>
-                <a:spcPct val="90000"/>
-              </a:lnSpc>
-              <a:spcBef>
-                <a:spcPts val="600"/>
-              </a:spcBef>
-              <a:buFont typeface="Arial" pitchFamily="34" charset="0"/>
-              <a:buChar char="•"/>
-              <a:defRPr sz="2000" kern="1200">
-                <a:solidFill>
-                  <a:schemeClr val="accent1"/>
-                </a:solidFill>
-                <a:latin typeface="+mn-lt"/>
-                <a:ea typeface="+mn-ea"/>
-                <a:cs typeface="+mn-cs"/>
-              </a:defRPr>
-            </a:lvl1pPr>
-            <a:lvl2pPr marL="360000" indent="-180975" algn="l" defTabSz="914400" rtl="0" eaLnBrk="1" latinLnBrk="0" hangingPunct="1">
-              <a:lnSpc>
-                <a:spcPct val="90000"/>
-              </a:lnSpc>
-              <a:spcBef>
-                <a:spcPts val="600"/>
-              </a:spcBef>
-              <a:buFont typeface="Arial" panose="020B0604020202020204" pitchFamily="34" charset="0"/>
-              <a:buChar char="•"/>
-              <a:defRPr sz="2000" kern="1200">
-                <a:solidFill>
-                  <a:schemeClr val="accent1"/>
-                </a:solidFill>
-                <a:latin typeface="+mn-lt"/>
-                <a:ea typeface="+mn-ea"/>
-                <a:cs typeface="+mn-cs"/>
-              </a:defRPr>
-            </a:lvl2pPr>
-            <a:lvl3pPr marL="540000" indent="-180975" algn="l" defTabSz="914400" rtl="0" eaLnBrk="1" latinLnBrk="0" hangingPunct="1">
-              <a:lnSpc>
-                <a:spcPct val="90000"/>
-              </a:lnSpc>
-              <a:spcBef>
-                <a:spcPts val="600"/>
-              </a:spcBef>
-              <a:buFont typeface="Arial" pitchFamily="34" charset="0"/>
-              <a:buChar char="•"/>
-              <a:defRPr sz="2000" kern="1200">
-                <a:solidFill>
-                  <a:schemeClr val="accent1"/>
-                </a:solidFill>
-                <a:latin typeface="+mn-lt"/>
-                <a:ea typeface="+mn-ea"/>
-                <a:cs typeface="+mn-cs"/>
-              </a:defRPr>
-            </a:lvl3pPr>
-            <a:lvl4pPr marL="720000" indent="-180000" algn="l" defTabSz="914400" rtl="0" eaLnBrk="1" latinLnBrk="0" hangingPunct="1">
-              <a:lnSpc>
-                <a:spcPct val="90000"/>
-              </a:lnSpc>
-              <a:spcBef>
-                <a:spcPts val="600"/>
-              </a:spcBef>
-              <a:buFont typeface="Arial" panose="020B0604020202020204" pitchFamily="34" charset="0"/>
-              <a:buChar char="•"/>
-              <a:defRPr sz="2000" kern="1200">
-                <a:solidFill>
-                  <a:schemeClr val="accent1"/>
-                </a:solidFill>
-                <a:latin typeface="+mn-lt"/>
-                <a:ea typeface="+mn-ea"/>
-                <a:cs typeface="+mn-cs"/>
-              </a:defRPr>
-            </a:lvl4pPr>
-            <a:lvl5pPr marL="900000" indent="-180975" algn="l" defTabSz="914400" rtl="0" eaLnBrk="1" latinLnBrk="0" hangingPunct="1">
-              <a:lnSpc>
-                <a:spcPct val="90000"/>
-              </a:lnSpc>
-              <a:spcBef>
-                <a:spcPts val="600"/>
-              </a:spcBef>
-              <a:buFont typeface="Arial" panose="020B0604020202020204" pitchFamily="34" charset="0"/>
-              <a:buChar char="•"/>
-              <a:defRPr sz="2000" kern="1200">
-                <a:solidFill>
-                  <a:schemeClr val="accent1"/>
-                </a:solidFill>
-                <a:latin typeface="+mn-lt"/>
-                <a:ea typeface="+mn-ea"/>
-                <a:cs typeface="+mn-cs"/>
-              </a:defRPr>
-            </a:lvl5pPr>
-            <a:lvl6pPr marL="2514600" indent="-228600" algn="l" defTabSz="914400" rtl="0" eaLnBrk="1" latinLnBrk="0" hangingPunct="1">
-              <a:spcBef>
-                <a:spcPct val="20000"/>
-              </a:spcBef>
-              <a:buFont typeface="Arial" pitchFamily="34" charset="0"/>
-              <a:buChar char="•"/>
-              <a:defRPr sz="2000" kern="1200">
-                <a:solidFill>
-                  <a:schemeClr val="tx1"/>
-                </a:solidFill>
-                <a:latin typeface="+mn-lt"/>
-                <a:ea typeface="+mn-ea"/>
-                <a:cs typeface="+mn-cs"/>
-              </a:defRPr>
-            </a:lvl6pPr>
-            <a:lvl7pPr marL="2971800" indent="-228600" algn="l" defTabSz="914400" rtl="0" eaLnBrk="1" latinLnBrk="0" hangingPunct="1">
-              <a:spcBef>
-                <a:spcPct val="20000"/>
-              </a:spcBef>
-              <a:buFont typeface="Arial" pitchFamily="34" charset="0"/>
-              <a:buChar char="•"/>
-              <a:defRPr sz="2000" kern="1200">
-                <a:solidFill>
-                  <a:schemeClr val="tx1"/>
-                </a:solidFill>
-                <a:latin typeface="+mn-lt"/>
-                <a:ea typeface="+mn-ea"/>
-                <a:cs typeface="+mn-cs"/>
-              </a:defRPr>
-            </a:lvl7pPr>
-            <a:lvl8pPr marL="3429000" indent="-228600" algn="l" defTabSz="914400" rtl="0" eaLnBrk="1" latinLnBrk="0" hangingPunct="1">
-              <a:spcBef>
-                <a:spcPct val="20000"/>
-              </a:spcBef>
-              <a:buFont typeface="Arial" pitchFamily="34" charset="0"/>
-              <a:buChar char="•"/>
-              <a:defRPr sz="2000" kern="1200">
-                <a:solidFill>
-                  <a:schemeClr val="tx1"/>
-                </a:solidFill>
-                <a:latin typeface="+mn-lt"/>
-                <a:ea typeface="+mn-ea"/>
-                <a:cs typeface="+mn-cs"/>
-              </a:defRPr>
-            </a:lvl8pPr>
-            <a:lvl9pPr marL="3886200" indent="-228600" algn="l" defTabSz="914400" rtl="0" eaLnBrk="1" latinLnBrk="0" hangingPunct="1">
-              <a:spcBef>
-                <a:spcPct val="20000"/>
-              </a:spcBef>
-              <a:buFont typeface="Arial" pitchFamily="34" charset="0"/>
-              <a:buChar char="•"/>
-              <a:defRPr sz="2000" kern="1200">
-                <a:solidFill>
-                  <a:schemeClr val="tx1"/>
-                </a:solidFill>
-                <a:latin typeface="+mn-lt"/>
-                <a:ea typeface="+mn-ea"/>
-                <a:cs typeface="+mn-cs"/>
-              </a:defRPr>
-            </a:lvl9pPr>
-          </a:lstStyle>
-          <a:p>
-            <a:pPr marL="0" indent="0">
-              <a:buNone/>
-            </a:pPr>
-            <a:r>
-              <a:rPr lang="en-US" sz="5400" b="1" dirty="0">
-                <a:solidFill>
-                  <a:schemeClr val="accent5"/>
-                </a:solidFill>
-              </a:rPr>
-              <a:t>A</a:t>
-            </a:r>
-          </a:p>
-        </p:txBody>
-      </p:sp>
-      <p:sp>
-        <p:nvSpPr>
-          <p:cNvPr id="11" name="TextBox 5 - 2">
-            <a:extLst>
-              <a:ext uri="{FF2B5EF4-FFF2-40B4-BE49-F238E27FC236}">
-                <a16:creationId xmlns:a16="http://schemas.microsoft.com/office/drawing/2014/main" id="{F2D1ABE1-5DEA-4BC7-A383-C87624EBC8FE}"/>
-              </a:ext>
-            </a:extLst>
-          </p:cNvPr>
-          <p:cNvSpPr txBox="1">
-            <a:spLocks/>
-          </p:cNvSpPr>
-          <p:nvPr/>
-        </p:nvSpPr>
-        <p:spPr>
-          <a:xfrm>
-            <a:off x="6064561" y="863206"/>
-            <a:ext cx="403957" cy="747897"/>
-          </a:xfrm>
-          <a:prstGeom prst="rect">
-            <a:avLst/>
-          </a:prstGeom>
-        </p:spPr>
-        <p:txBody>
-          <a:bodyPr vert="horz" wrap="none" lIns="0" tIns="0" rIns="0" bIns="0" rtlCol="0">
-            <a:spAutoFit/>
-          </a:bodyPr>
-          <a:lstStyle>
-            <a:lvl1pPr marL="179388" indent="-179388" algn="l" defTabSz="914400" rtl="0" eaLnBrk="1" latinLnBrk="0" hangingPunct="1">
-              <a:lnSpc>
-                <a:spcPct val="90000"/>
-              </a:lnSpc>
-              <a:spcBef>
-                <a:spcPts val="600"/>
-              </a:spcBef>
-              <a:buFont typeface="Arial" pitchFamily="34" charset="0"/>
-              <a:buChar char="•"/>
-              <a:defRPr sz="2000" kern="1200">
-                <a:solidFill>
-                  <a:schemeClr val="accent1"/>
-                </a:solidFill>
-                <a:latin typeface="+mn-lt"/>
-                <a:ea typeface="+mn-ea"/>
-                <a:cs typeface="+mn-cs"/>
-              </a:defRPr>
-            </a:lvl1pPr>
-            <a:lvl2pPr marL="360000" indent="-180975" algn="l" defTabSz="914400" rtl="0" eaLnBrk="1" latinLnBrk="0" hangingPunct="1">
-              <a:lnSpc>
-                <a:spcPct val="90000"/>
-              </a:lnSpc>
-              <a:spcBef>
-                <a:spcPts val="600"/>
-              </a:spcBef>
-              <a:buFont typeface="Arial" panose="020B0604020202020204" pitchFamily="34" charset="0"/>
-              <a:buChar char="•"/>
-              <a:defRPr sz="2000" kern="1200">
-                <a:solidFill>
-                  <a:schemeClr val="accent1"/>
-                </a:solidFill>
-                <a:latin typeface="+mn-lt"/>
-                <a:ea typeface="+mn-ea"/>
-                <a:cs typeface="+mn-cs"/>
-              </a:defRPr>
-            </a:lvl2pPr>
-            <a:lvl3pPr marL="540000" indent="-180975" algn="l" defTabSz="914400" rtl="0" eaLnBrk="1" latinLnBrk="0" hangingPunct="1">
-              <a:lnSpc>
-                <a:spcPct val="90000"/>
-              </a:lnSpc>
-              <a:spcBef>
-                <a:spcPts val="600"/>
-              </a:spcBef>
-              <a:buFont typeface="Arial" pitchFamily="34" charset="0"/>
-              <a:buChar char="•"/>
-              <a:defRPr sz="2000" kern="1200">
-                <a:solidFill>
-                  <a:schemeClr val="accent1"/>
-                </a:solidFill>
-                <a:latin typeface="+mn-lt"/>
-                <a:ea typeface="+mn-ea"/>
-                <a:cs typeface="+mn-cs"/>
-              </a:defRPr>
-            </a:lvl3pPr>
-            <a:lvl4pPr marL="720000" indent="-180000" algn="l" defTabSz="914400" rtl="0" eaLnBrk="1" latinLnBrk="0" hangingPunct="1">
-              <a:lnSpc>
-                <a:spcPct val="90000"/>
-              </a:lnSpc>
-              <a:spcBef>
-                <a:spcPts val="600"/>
-              </a:spcBef>
-              <a:buFont typeface="Arial" panose="020B0604020202020204" pitchFamily="34" charset="0"/>
-              <a:buChar char="•"/>
-              <a:defRPr sz="2000" kern="1200">
-                <a:solidFill>
-                  <a:schemeClr val="accent1"/>
-                </a:solidFill>
-                <a:latin typeface="+mn-lt"/>
-                <a:ea typeface="+mn-ea"/>
-                <a:cs typeface="+mn-cs"/>
-              </a:defRPr>
-            </a:lvl4pPr>
-            <a:lvl5pPr marL="900000" indent="-180975" algn="l" defTabSz="914400" rtl="0" eaLnBrk="1" latinLnBrk="0" hangingPunct="1">
-              <a:lnSpc>
-                <a:spcPct val="90000"/>
-              </a:lnSpc>
-              <a:spcBef>
-                <a:spcPts val="600"/>
-              </a:spcBef>
-              <a:buFont typeface="Arial" panose="020B0604020202020204" pitchFamily="34" charset="0"/>
-              <a:buChar char="•"/>
-              <a:defRPr sz="2000" kern="1200">
-                <a:solidFill>
-                  <a:schemeClr val="accent1"/>
-                </a:solidFill>
-                <a:latin typeface="+mn-lt"/>
-                <a:ea typeface="+mn-ea"/>
-                <a:cs typeface="+mn-cs"/>
-              </a:defRPr>
-            </a:lvl5pPr>
-            <a:lvl6pPr marL="2514600" indent="-228600" algn="l" defTabSz="914400" rtl="0" eaLnBrk="1" latinLnBrk="0" hangingPunct="1">
-              <a:spcBef>
-                <a:spcPct val="20000"/>
-              </a:spcBef>
-              <a:buFont typeface="Arial" pitchFamily="34" charset="0"/>
-              <a:buChar char="•"/>
-              <a:defRPr sz="2000" kern="1200">
-                <a:solidFill>
-                  <a:schemeClr val="tx1"/>
-                </a:solidFill>
-                <a:latin typeface="+mn-lt"/>
-                <a:ea typeface="+mn-ea"/>
-                <a:cs typeface="+mn-cs"/>
-              </a:defRPr>
-            </a:lvl6pPr>
-            <a:lvl7pPr marL="2971800" indent="-228600" algn="l" defTabSz="914400" rtl="0" eaLnBrk="1" latinLnBrk="0" hangingPunct="1">
-              <a:spcBef>
-                <a:spcPct val="20000"/>
-              </a:spcBef>
-              <a:buFont typeface="Arial" pitchFamily="34" charset="0"/>
-              <a:buChar char="•"/>
-              <a:defRPr sz="2000" kern="1200">
-                <a:solidFill>
-                  <a:schemeClr val="tx1"/>
-                </a:solidFill>
-                <a:latin typeface="+mn-lt"/>
-                <a:ea typeface="+mn-ea"/>
-                <a:cs typeface="+mn-cs"/>
-              </a:defRPr>
-            </a:lvl7pPr>
-            <a:lvl8pPr marL="3429000" indent="-228600" algn="l" defTabSz="914400" rtl="0" eaLnBrk="1" latinLnBrk="0" hangingPunct="1">
-              <a:spcBef>
-                <a:spcPct val="20000"/>
-              </a:spcBef>
-              <a:buFont typeface="Arial" pitchFamily="34" charset="0"/>
-              <a:buChar char="•"/>
-              <a:defRPr sz="2000" kern="1200">
-                <a:solidFill>
-                  <a:schemeClr val="tx1"/>
-                </a:solidFill>
-                <a:latin typeface="+mn-lt"/>
-                <a:ea typeface="+mn-ea"/>
-                <a:cs typeface="+mn-cs"/>
-              </a:defRPr>
-            </a:lvl8pPr>
-            <a:lvl9pPr marL="3886200" indent="-228600" algn="l" defTabSz="914400" rtl="0" eaLnBrk="1" latinLnBrk="0" hangingPunct="1">
-              <a:spcBef>
-                <a:spcPct val="20000"/>
-              </a:spcBef>
-              <a:buFont typeface="Arial" pitchFamily="34" charset="0"/>
-              <a:buChar char="•"/>
-              <a:defRPr sz="2000" kern="1200">
-                <a:solidFill>
-                  <a:schemeClr val="tx1"/>
-                </a:solidFill>
-                <a:latin typeface="+mn-lt"/>
-                <a:ea typeface="+mn-ea"/>
-                <a:cs typeface="+mn-cs"/>
-              </a:defRPr>
-            </a:lvl9pPr>
-          </a:lstStyle>
-          <a:p>
-            <a:pPr marL="0" indent="0">
-              <a:buNone/>
-            </a:pPr>
-            <a:r>
-              <a:rPr lang="en-US" sz="5400" b="1" dirty="0">
-                <a:solidFill>
-                  <a:schemeClr val="accent5"/>
-                </a:solidFill>
-              </a:rPr>
-              <a:t>C</a:t>
-            </a:r>
-          </a:p>
-        </p:txBody>
-      </p:sp>
-      <p:sp>
-        <p:nvSpPr>
-          <p:cNvPr id="12" name="TextBox 5 - 1">
-            <a:extLst>
-              <a:ext uri="{FF2B5EF4-FFF2-40B4-BE49-F238E27FC236}">
-                <a16:creationId xmlns:a16="http://schemas.microsoft.com/office/drawing/2014/main" id="{2E5DBFB2-6254-4D85-BA12-9421EF5CB27B}"/>
-              </a:ext>
-            </a:extLst>
-          </p:cNvPr>
-          <p:cNvSpPr txBox="1">
-            <a:spLocks/>
-          </p:cNvSpPr>
-          <p:nvPr/>
-        </p:nvSpPr>
-        <p:spPr>
-          <a:xfrm>
-            <a:off x="3408635" y="863206"/>
-            <a:ext cx="431208" cy="747897"/>
-          </a:xfrm>
-          <a:prstGeom prst="rect">
-            <a:avLst/>
-          </a:prstGeom>
-        </p:spPr>
-        <p:txBody>
-          <a:bodyPr vert="horz" wrap="none" lIns="0" tIns="0" rIns="0" bIns="0" rtlCol="0">
-            <a:spAutoFit/>
-          </a:bodyPr>
-          <a:lstStyle>
-            <a:lvl1pPr marL="179388" indent="-179388" algn="l" defTabSz="914400" rtl="0" eaLnBrk="1" latinLnBrk="0" hangingPunct="1">
-              <a:lnSpc>
-                <a:spcPct val="90000"/>
-              </a:lnSpc>
-              <a:spcBef>
-                <a:spcPts val="600"/>
-              </a:spcBef>
-              <a:buFont typeface="Arial" pitchFamily="34" charset="0"/>
-              <a:buChar char="•"/>
-              <a:defRPr sz="2000" kern="1200">
-                <a:solidFill>
-                  <a:schemeClr val="accent1"/>
-                </a:solidFill>
-                <a:latin typeface="+mn-lt"/>
-                <a:ea typeface="+mn-ea"/>
-                <a:cs typeface="+mn-cs"/>
-              </a:defRPr>
-            </a:lvl1pPr>
-            <a:lvl2pPr marL="360000" indent="-180975" algn="l" defTabSz="914400" rtl="0" eaLnBrk="1" latinLnBrk="0" hangingPunct="1">
-              <a:lnSpc>
-                <a:spcPct val="90000"/>
-              </a:lnSpc>
-              <a:spcBef>
-                <a:spcPts val="600"/>
-              </a:spcBef>
-              <a:buFont typeface="Arial" panose="020B0604020202020204" pitchFamily="34" charset="0"/>
-              <a:buChar char="•"/>
-              <a:defRPr sz="2000" kern="1200">
-                <a:solidFill>
-                  <a:schemeClr val="accent1"/>
-                </a:solidFill>
-                <a:latin typeface="+mn-lt"/>
-                <a:ea typeface="+mn-ea"/>
-                <a:cs typeface="+mn-cs"/>
-              </a:defRPr>
-            </a:lvl2pPr>
-            <a:lvl3pPr marL="540000" indent="-180975" algn="l" defTabSz="914400" rtl="0" eaLnBrk="1" latinLnBrk="0" hangingPunct="1">
-              <a:lnSpc>
-                <a:spcPct val="90000"/>
-              </a:lnSpc>
-              <a:spcBef>
-                <a:spcPts val="600"/>
-              </a:spcBef>
-              <a:buFont typeface="Arial" pitchFamily="34" charset="0"/>
-              <a:buChar char="•"/>
-              <a:defRPr sz="2000" kern="1200">
-                <a:solidFill>
-                  <a:schemeClr val="accent1"/>
-                </a:solidFill>
-                <a:latin typeface="+mn-lt"/>
-                <a:ea typeface="+mn-ea"/>
-                <a:cs typeface="+mn-cs"/>
-              </a:defRPr>
-            </a:lvl3pPr>
-            <a:lvl4pPr marL="720000" indent="-180000" algn="l" defTabSz="914400" rtl="0" eaLnBrk="1" latinLnBrk="0" hangingPunct="1">
-              <a:lnSpc>
-                <a:spcPct val="90000"/>
-              </a:lnSpc>
-              <a:spcBef>
-                <a:spcPts val="600"/>
-              </a:spcBef>
-              <a:buFont typeface="Arial" panose="020B0604020202020204" pitchFamily="34" charset="0"/>
-              <a:buChar char="•"/>
-              <a:defRPr sz="2000" kern="1200">
-                <a:solidFill>
-                  <a:schemeClr val="accent1"/>
-                </a:solidFill>
-                <a:latin typeface="+mn-lt"/>
-                <a:ea typeface="+mn-ea"/>
-                <a:cs typeface="+mn-cs"/>
-              </a:defRPr>
-            </a:lvl4pPr>
-            <a:lvl5pPr marL="900000" indent="-180975" algn="l" defTabSz="914400" rtl="0" eaLnBrk="1" latinLnBrk="0" hangingPunct="1">
-              <a:lnSpc>
-                <a:spcPct val="90000"/>
-              </a:lnSpc>
-              <a:spcBef>
-                <a:spcPts val="600"/>
-              </a:spcBef>
-              <a:buFont typeface="Arial" panose="020B0604020202020204" pitchFamily="34" charset="0"/>
-              <a:buChar char="•"/>
-              <a:defRPr sz="2000" kern="1200">
-                <a:solidFill>
-                  <a:schemeClr val="accent1"/>
-                </a:solidFill>
-                <a:latin typeface="+mn-lt"/>
-                <a:ea typeface="+mn-ea"/>
-                <a:cs typeface="+mn-cs"/>
-              </a:defRPr>
-            </a:lvl5pPr>
-            <a:lvl6pPr marL="2514600" indent="-228600" algn="l" defTabSz="914400" rtl="0" eaLnBrk="1" latinLnBrk="0" hangingPunct="1">
-              <a:spcBef>
-                <a:spcPct val="20000"/>
-              </a:spcBef>
-              <a:buFont typeface="Arial" pitchFamily="34" charset="0"/>
-              <a:buChar char="•"/>
-              <a:defRPr sz="2000" kern="1200">
-                <a:solidFill>
-                  <a:schemeClr val="tx1"/>
-                </a:solidFill>
-                <a:latin typeface="+mn-lt"/>
-                <a:ea typeface="+mn-ea"/>
-                <a:cs typeface="+mn-cs"/>
-              </a:defRPr>
-            </a:lvl6pPr>
-            <a:lvl7pPr marL="2971800" indent="-228600" algn="l" defTabSz="914400" rtl="0" eaLnBrk="1" latinLnBrk="0" hangingPunct="1">
-              <a:spcBef>
-                <a:spcPct val="20000"/>
-              </a:spcBef>
-              <a:buFont typeface="Arial" pitchFamily="34" charset="0"/>
-              <a:buChar char="•"/>
-              <a:defRPr sz="2000" kern="1200">
-                <a:solidFill>
-                  <a:schemeClr val="tx1"/>
-                </a:solidFill>
-                <a:latin typeface="+mn-lt"/>
-                <a:ea typeface="+mn-ea"/>
-                <a:cs typeface="+mn-cs"/>
-              </a:defRPr>
-            </a:lvl7pPr>
-            <a:lvl8pPr marL="3429000" indent="-228600" algn="l" defTabSz="914400" rtl="0" eaLnBrk="1" latinLnBrk="0" hangingPunct="1">
-              <a:spcBef>
-                <a:spcPct val="20000"/>
-              </a:spcBef>
-              <a:buFont typeface="Arial" pitchFamily="34" charset="0"/>
-              <a:buChar char="•"/>
-              <a:defRPr sz="2000" kern="1200">
-                <a:solidFill>
-                  <a:schemeClr val="tx1"/>
-                </a:solidFill>
-                <a:latin typeface="+mn-lt"/>
-                <a:ea typeface="+mn-ea"/>
-                <a:cs typeface="+mn-cs"/>
-              </a:defRPr>
-            </a:lvl8pPr>
-            <a:lvl9pPr marL="3886200" indent="-228600" algn="l" defTabSz="914400" rtl="0" eaLnBrk="1" latinLnBrk="0" hangingPunct="1">
-              <a:spcBef>
-                <a:spcPct val="20000"/>
-              </a:spcBef>
-              <a:buFont typeface="Arial" pitchFamily="34" charset="0"/>
-              <a:buChar char="•"/>
-              <a:defRPr sz="2000" kern="1200">
-                <a:solidFill>
-                  <a:schemeClr val="tx1"/>
-                </a:solidFill>
-                <a:latin typeface="+mn-lt"/>
-                <a:ea typeface="+mn-ea"/>
-                <a:cs typeface="+mn-cs"/>
-              </a:defRPr>
-            </a:lvl9pPr>
-          </a:lstStyle>
-          <a:p>
-            <a:pPr marL="0" indent="0">
-              <a:buNone/>
-            </a:pPr>
-            <a:r>
-              <a:rPr lang="en-US" sz="5400" b="1" dirty="0">
-                <a:solidFill>
-                  <a:schemeClr val="accent5"/>
-                </a:solidFill>
-              </a:rPr>
-              <a:t>B</a:t>
-            </a:r>
-          </a:p>
-        </p:txBody>
-      </p:sp>
-      <p:sp>
-        <p:nvSpPr>
-          <p:cNvPr id="13" name="TextBox 5 - 3">
-            <a:extLst>
-              <a:ext uri="{FF2B5EF4-FFF2-40B4-BE49-F238E27FC236}">
-                <a16:creationId xmlns:a16="http://schemas.microsoft.com/office/drawing/2014/main" id="{E13D7B49-6DD3-43C3-9A2E-E2BA90A74A41}"/>
-              </a:ext>
-            </a:extLst>
-          </p:cNvPr>
-          <p:cNvSpPr txBox="1">
-            <a:spLocks/>
-          </p:cNvSpPr>
-          <p:nvPr/>
-        </p:nvSpPr>
-        <p:spPr>
-          <a:xfrm>
-            <a:off x="8693236" y="863206"/>
-            <a:ext cx="477695" cy="747897"/>
-          </a:xfrm>
-          <a:prstGeom prst="rect">
-            <a:avLst/>
-          </a:prstGeom>
-        </p:spPr>
-        <p:txBody>
-          <a:bodyPr vert="horz" wrap="none" lIns="0" tIns="0" rIns="0" bIns="0" rtlCol="0">
-            <a:spAutoFit/>
-          </a:bodyPr>
-          <a:lstStyle>
-            <a:lvl1pPr marL="179388" indent="-179388" algn="l" defTabSz="914400" rtl="0" eaLnBrk="1" latinLnBrk="0" hangingPunct="1">
-              <a:lnSpc>
-                <a:spcPct val="90000"/>
-              </a:lnSpc>
-              <a:spcBef>
-                <a:spcPts val="600"/>
-              </a:spcBef>
-              <a:buFont typeface="Arial" pitchFamily="34" charset="0"/>
-              <a:buChar char="•"/>
-              <a:defRPr sz="2000" kern="1200">
-                <a:solidFill>
-                  <a:schemeClr val="accent1"/>
-                </a:solidFill>
-                <a:latin typeface="+mn-lt"/>
-                <a:ea typeface="+mn-ea"/>
-                <a:cs typeface="+mn-cs"/>
-              </a:defRPr>
-            </a:lvl1pPr>
-            <a:lvl2pPr marL="360000" indent="-180975" algn="l" defTabSz="914400" rtl="0" eaLnBrk="1" latinLnBrk="0" hangingPunct="1">
-              <a:lnSpc>
-                <a:spcPct val="90000"/>
-              </a:lnSpc>
-              <a:spcBef>
-                <a:spcPts val="600"/>
-              </a:spcBef>
-              <a:buFont typeface="Arial" panose="020B0604020202020204" pitchFamily="34" charset="0"/>
-              <a:buChar char="•"/>
-              <a:defRPr sz="2000" kern="1200">
-                <a:solidFill>
-                  <a:schemeClr val="accent1"/>
-                </a:solidFill>
-                <a:latin typeface="+mn-lt"/>
-                <a:ea typeface="+mn-ea"/>
-                <a:cs typeface="+mn-cs"/>
-              </a:defRPr>
-            </a:lvl2pPr>
-            <a:lvl3pPr marL="540000" indent="-180975" algn="l" defTabSz="914400" rtl="0" eaLnBrk="1" latinLnBrk="0" hangingPunct="1">
-              <a:lnSpc>
-                <a:spcPct val="90000"/>
-              </a:lnSpc>
-              <a:spcBef>
-                <a:spcPts val="600"/>
-              </a:spcBef>
-              <a:buFont typeface="Arial" pitchFamily="34" charset="0"/>
-              <a:buChar char="•"/>
-              <a:defRPr sz="2000" kern="1200">
-                <a:solidFill>
-                  <a:schemeClr val="accent1"/>
-                </a:solidFill>
-                <a:latin typeface="+mn-lt"/>
-                <a:ea typeface="+mn-ea"/>
-                <a:cs typeface="+mn-cs"/>
-              </a:defRPr>
-            </a:lvl3pPr>
-            <a:lvl4pPr marL="720000" indent="-180000" algn="l" defTabSz="914400" rtl="0" eaLnBrk="1" latinLnBrk="0" hangingPunct="1">
-              <a:lnSpc>
-                <a:spcPct val="90000"/>
-              </a:lnSpc>
-              <a:spcBef>
-                <a:spcPts val="600"/>
-              </a:spcBef>
-              <a:buFont typeface="Arial" panose="020B0604020202020204" pitchFamily="34" charset="0"/>
-              <a:buChar char="•"/>
-              <a:defRPr sz="2000" kern="1200">
-                <a:solidFill>
-                  <a:schemeClr val="accent1"/>
-                </a:solidFill>
-                <a:latin typeface="+mn-lt"/>
-                <a:ea typeface="+mn-ea"/>
-                <a:cs typeface="+mn-cs"/>
-              </a:defRPr>
-            </a:lvl4pPr>
-            <a:lvl5pPr marL="900000" indent="-180975" algn="l" defTabSz="914400" rtl="0" eaLnBrk="1" latinLnBrk="0" hangingPunct="1">
-              <a:lnSpc>
-                <a:spcPct val="90000"/>
-              </a:lnSpc>
-              <a:spcBef>
-                <a:spcPts val="600"/>
-              </a:spcBef>
-              <a:buFont typeface="Arial" panose="020B0604020202020204" pitchFamily="34" charset="0"/>
-              <a:buChar char="•"/>
-              <a:defRPr sz="2000" kern="1200">
-                <a:solidFill>
-                  <a:schemeClr val="accent1"/>
-                </a:solidFill>
-                <a:latin typeface="+mn-lt"/>
-                <a:ea typeface="+mn-ea"/>
-                <a:cs typeface="+mn-cs"/>
-              </a:defRPr>
-            </a:lvl5pPr>
-            <a:lvl6pPr marL="2514600" indent="-228600" algn="l" defTabSz="914400" rtl="0" eaLnBrk="1" latinLnBrk="0" hangingPunct="1">
-              <a:spcBef>
-                <a:spcPct val="20000"/>
-              </a:spcBef>
-              <a:buFont typeface="Arial" pitchFamily="34" charset="0"/>
-              <a:buChar char="•"/>
-              <a:defRPr sz="2000" kern="1200">
-                <a:solidFill>
-                  <a:schemeClr val="tx1"/>
-                </a:solidFill>
-                <a:latin typeface="+mn-lt"/>
-                <a:ea typeface="+mn-ea"/>
-                <a:cs typeface="+mn-cs"/>
-              </a:defRPr>
-            </a:lvl6pPr>
-            <a:lvl7pPr marL="2971800" indent="-228600" algn="l" defTabSz="914400" rtl="0" eaLnBrk="1" latinLnBrk="0" hangingPunct="1">
-              <a:spcBef>
-                <a:spcPct val="20000"/>
-              </a:spcBef>
-              <a:buFont typeface="Arial" pitchFamily="34" charset="0"/>
-              <a:buChar char="•"/>
-              <a:defRPr sz="2000" kern="1200">
-                <a:solidFill>
-                  <a:schemeClr val="tx1"/>
-                </a:solidFill>
-                <a:latin typeface="+mn-lt"/>
-                <a:ea typeface="+mn-ea"/>
-                <a:cs typeface="+mn-cs"/>
-              </a:defRPr>
-            </a:lvl7pPr>
-            <a:lvl8pPr marL="3429000" indent="-228600" algn="l" defTabSz="914400" rtl="0" eaLnBrk="1" latinLnBrk="0" hangingPunct="1">
-              <a:spcBef>
-                <a:spcPct val="20000"/>
-              </a:spcBef>
-              <a:buFont typeface="Arial" pitchFamily="34" charset="0"/>
-              <a:buChar char="•"/>
-              <a:defRPr sz="2000" kern="1200">
-                <a:solidFill>
-                  <a:schemeClr val="tx1"/>
-                </a:solidFill>
-                <a:latin typeface="+mn-lt"/>
-                <a:ea typeface="+mn-ea"/>
-                <a:cs typeface="+mn-cs"/>
-              </a:defRPr>
-            </a:lvl8pPr>
-            <a:lvl9pPr marL="3886200" indent="-228600" algn="l" defTabSz="914400" rtl="0" eaLnBrk="1" latinLnBrk="0" hangingPunct="1">
-              <a:spcBef>
-                <a:spcPct val="20000"/>
-              </a:spcBef>
-              <a:buFont typeface="Arial" pitchFamily="34" charset="0"/>
-              <a:buChar char="•"/>
-              <a:defRPr sz="2000" kern="1200">
-                <a:solidFill>
-                  <a:schemeClr val="tx1"/>
-                </a:solidFill>
-                <a:latin typeface="+mn-lt"/>
-                <a:ea typeface="+mn-ea"/>
-                <a:cs typeface="+mn-cs"/>
-              </a:defRPr>
-            </a:lvl9pPr>
-          </a:lstStyle>
-          <a:p>
-            <a:pPr marL="0" indent="0">
-              <a:buNone/>
-            </a:pPr>
-            <a:r>
-              <a:rPr lang="en-US" sz="5400" b="1" dirty="0">
-                <a:solidFill>
-                  <a:schemeClr val="accent5"/>
-                </a:solidFill>
-              </a:rPr>
-              <a:t>D</a:t>
-            </a:r>
-          </a:p>
-        </p:txBody>
-      </p:sp>
-      <p:sp>
-        <p:nvSpPr>
-          <p:cNvPr id="2" name="Titel 1">
-            <a:extLst>
-              <a:ext uri="{FF2B5EF4-FFF2-40B4-BE49-F238E27FC236}">
-                <a16:creationId xmlns:a16="http://schemas.microsoft.com/office/drawing/2014/main" id="{2BD5074D-D1F9-B9F7-DACD-88F097B4D5CD}"/>
-              </a:ext>
-            </a:extLst>
-          </p:cNvPr>
-          <p:cNvSpPr>
-            <a:spLocks noGrp="1"/>
-          </p:cNvSpPr>
-          <p:nvPr>
-            <p:ph type="title"/>
-          </p:nvPr>
-        </p:nvSpPr>
-        <p:spPr>
-          <a:xfrm>
-            <a:off x="982663" y="229827"/>
-            <a:ext cx="10874375" cy="633379"/>
-          </a:xfrm>
-        </p:spPr>
-        <p:txBody>
-          <a:bodyPr vert="horz"/>
-          <a:lstStyle/>
-          <a:p>
-            <a:r>
-              <a:rPr lang="en-US" dirty="0"/>
-              <a:t>Preliminary Problems</a:t>
-            </a:r>
-          </a:p>
-        </p:txBody>
-      </p:sp>
-    </p:spTree>
-    <p:extLst>
-      <p:ext uri="{BB962C8B-B14F-4D97-AF65-F5344CB8AC3E}">
-        <p14:creationId xmlns:p14="http://schemas.microsoft.com/office/powerpoint/2010/main" val="637503088"/>
-      </p:ext>
-    </p:extLst>
-  </p:cSld>
-  <p:clrMapOvr>
-    <a:masterClrMapping/>
-  </p:clrMapOvr>
-</p:sld>
-</file>
-
-<file path=ppt/slides/slide5.xml><?xml version="1.0" encoding="utf-8"?>
-<p:sld xmlns:a="http://schemas.openxmlformats.org/drawingml/2006/main" xmlns:r="http://schemas.openxmlformats.org/officeDocument/2006/relationships" xmlns:p="http://schemas.openxmlformats.org/presentationml/2006/main">
-  <p:cSld>
-    <p:spTree>
-      <p:nvGrpSpPr>
-        <p:cNvPr id="1" name=""/>
-        <p:cNvGrpSpPr/>
-        <p:nvPr/>
-      </p:nvGrpSpPr>
-      <p:grpSpPr>
-        <a:xfrm>
-          <a:off x="0" y="0"/>
-          <a:ext cx="0" cy="0"/>
-          <a:chOff x="0" y="0"/>
-          <a:chExt cx="0" cy="0"/>
-        </a:xfrm>
-      </p:grpSpPr>
-      <p:graphicFrame>
-        <p:nvGraphicFramePr>
-          <p:cNvPr id="4" name="Objekt 3" hidden="1">
-            <a:extLst>
-              <a:ext uri="{FF2B5EF4-FFF2-40B4-BE49-F238E27FC236}">
-                <a16:creationId xmlns:a16="http://schemas.microsoft.com/office/drawing/2014/main" id="{79C05AFC-9555-D40C-AD9D-3E13BD0A4FC2}"/>
-              </a:ext>
-            </a:extLst>
-          </p:cNvPr>
-          <p:cNvGraphicFramePr>
-            <a:graphicFrameLocks noChangeAspect="1"/>
-          </p:cNvGraphicFramePr>
-          <p:nvPr>
-            <p:custDataLst>
-              <p:tags r:id="rId1"/>
-            </p:custDataLst>
-            <p:extLst>
-              <p:ext uri="{D42A27DB-BD31-4B8C-83A1-F6EECF244321}">
-                <p14:modId xmlns:p14="http://schemas.microsoft.com/office/powerpoint/2010/main" val="1252782440"/>
-              </p:ext>
-            </p:extLst>
-          </p:nvPr>
-        </p:nvGraphicFramePr>
-        <p:xfrm>
-          <a:off x="1588" y="1588"/>
-          <a:ext cx="1588" cy="1588"/>
-        </p:xfrm>
-        <a:graphic>
-          <a:graphicData uri="http://schemas.openxmlformats.org/presentationml/2006/ole">
-            <mc:AlternateContent xmlns:mc="http://schemas.openxmlformats.org/markup-compatibility/2006">
-              <mc:Choice xmlns:v="urn:schemas-microsoft-com:vml" Requires="v">
-                <p:oleObj name="think-cell Slide" r:id="rId4" imgW="347" imgH="348" progId="TCLayout.ActiveDocument.1">
-                  <p:embed/>
-                </p:oleObj>
-              </mc:Choice>
-              <mc:Fallback>
-                <p:oleObj name="think-cell Slide" r:id="rId4" imgW="347" imgH="348" progId="TCLayout.ActiveDocument.1">
-                  <p:embed/>
-                  <p:pic>
-                    <p:nvPicPr>
-                      <p:cNvPr id="4" name="Objekt 3" hidden="1">
-                        <a:extLst>
-                          <a:ext uri="{FF2B5EF4-FFF2-40B4-BE49-F238E27FC236}">
-                            <a16:creationId xmlns:a16="http://schemas.microsoft.com/office/drawing/2014/main" id="{79C05AFC-9555-D40C-AD9D-3E13BD0A4FC2}"/>
-                          </a:ext>
-                        </a:extLst>
-                      </p:cNvPr>
-                      <p:cNvPicPr/>
-                      <p:nvPr/>
-                    </p:nvPicPr>
-                    <p:blipFill>
-                      <a:blip r:embed="rId5"/>
-                      <a:stretch>
-                        <a:fillRect/>
-                      </a:stretch>
-                    </p:blipFill>
-                    <p:spPr>
-                      <a:xfrm>
-                        <a:off x="1588" y="1588"/>
-                        <a:ext cx="1588" cy="1588"/>
-                      </a:xfrm>
-                      <a:prstGeom prst="rect">
-                        <a:avLst/>
-                      </a:prstGeom>
-                    </p:spPr>
-                  </p:pic>
-                </p:oleObj>
-              </mc:Fallback>
-            </mc:AlternateContent>
-          </a:graphicData>
-        </a:graphic>
-      </p:graphicFrame>
-      <p:sp>
-        <p:nvSpPr>
-          <p:cNvPr id="2" name="Titel 1">
-            <a:extLst>
-              <a:ext uri="{FF2B5EF4-FFF2-40B4-BE49-F238E27FC236}">
-                <a16:creationId xmlns:a16="http://schemas.microsoft.com/office/drawing/2014/main" id="{F7A7B11F-5560-4450-B29C-AA36EE47DBD5}"/>
-              </a:ext>
-            </a:extLst>
-          </p:cNvPr>
-          <p:cNvSpPr>
-            <a:spLocks noGrp="1"/>
-          </p:cNvSpPr>
-          <p:nvPr>
-            <p:ph type="title"/>
-          </p:nvPr>
-        </p:nvSpPr>
-        <p:spPr/>
-        <p:txBody>
-          <a:bodyPr vert="horz"/>
-          <a:lstStyle/>
-          <a:p>
-            <a:pPr marL="0" indent="0">
-              <a:buNone/>
-            </a:pPr>
-            <a:r>
-              <a:rPr lang="en-US" dirty="0"/>
-              <a:t>Scientific Methods and Data</a:t>
-            </a:r>
-          </a:p>
-        </p:txBody>
-      </p:sp>
-      <p:sp>
-        <p:nvSpPr>
-          <p:cNvPr id="6" name="Pladsholder til indhold 5">
-            <a:extLst>
-              <a:ext uri="{FF2B5EF4-FFF2-40B4-BE49-F238E27FC236}">
-                <a16:creationId xmlns:a16="http://schemas.microsoft.com/office/drawing/2014/main" id="{8FC4456C-8838-4F8B-8B1E-95CBD5B2E38B}"/>
-              </a:ext>
-            </a:extLst>
-          </p:cNvPr>
-          <p:cNvSpPr>
-            <a:spLocks noGrp="1"/>
-          </p:cNvSpPr>
-          <p:nvPr>
-            <p:ph sz="quarter" idx="13"/>
-          </p:nvPr>
-        </p:nvSpPr>
-        <p:spPr>
-          <a:xfrm>
-            <a:off x="982663" y="1952624"/>
-            <a:ext cx="4847686" cy="4337051"/>
-          </a:xfrm>
-        </p:spPr>
-        <p:txBody>
-          <a:bodyPr/>
-          <a:lstStyle/>
-          <a:p>
-            <a:pPr marL="0" indent="0">
-              <a:buNone/>
-            </a:pPr>
-            <a:r>
-              <a:rPr lang="en-US" b="1" dirty="0"/>
-              <a:t>Data Analysis Methods</a:t>
-            </a:r>
-          </a:p>
-          <a:p>
-            <a:r>
-              <a:rPr lang="en-US" dirty="0"/>
-              <a:t>Factor Analysis</a:t>
-            </a:r>
-          </a:p>
-          <a:p>
-            <a:pPr lvl="1"/>
-            <a:r>
-              <a:rPr lang="en-US" sz="1600" dirty="0"/>
-              <a:t>Reduce dimensions from the get-go and establish a more manageable dataset. </a:t>
-            </a:r>
-          </a:p>
-          <a:p>
-            <a:r>
-              <a:rPr lang="en-US" dirty="0"/>
-              <a:t>Random Forest </a:t>
-            </a:r>
-          </a:p>
-          <a:p>
-            <a:pPr lvl="1"/>
-            <a:r>
-              <a:rPr lang="en-US" sz="1600" dirty="0"/>
-              <a:t>Serves as a proof of concept for the use of Machine Learning Methods.</a:t>
-            </a:r>
-          </a:p>
-          <a:p>
-            <a:r>
-              <a:rPr lang="en-US" dirty="0"/>
-              <a:t>PLS-SEM</a:t>
-            </a:r>
-          </a:p>
-          <a:p>
-            <a:pPr lvl="1"/>
-            <a:r>
-              <a:rPr lang="en-US" sz="1600" dirty="0"/>
-              <a:t>Relation between latent variables and observed data.</a:t>
-            </a:r>
-          </a:p>
-          <a:p>
-            <a:r>
-              <a:rPr lang="en-US" dirty="0" err="1"/>
-              <a:t>AutoML</a:t>
-            </a:r>
-            <a:endParaRPr lang="en-US" dirty="0"/>
-          </a:p>
-          <a:p>
-            <a:pPr lvl="1"/>
-            <a:r>
-              <a:rPr lang="en-US" sz="1600" dirty="0"/>
-              <a:t>Blackbox ML allows ELCON to continue using the methods developed without expert knowledge of statistics and ML.</a:t>
-            </a:r>
-            <a:endParaRPr lang="en-US" sz="1400" dirty="0"/>
-          </a:p>
-          <a:p>
-            <a:pPr lvl="1"/>
-            <a:endParaRPr lang="en-US" sz="1600" dirty="0"/>
-          </a:p>
-        </p:txBody>
-      </p:sp>
-      <p:sp>
-        <p:nvSpPr>
-          <p:cNvPr id="3" name="Pladsholder til indhold 5">
-            <a:extLst>
-              <a:ext uri="{FF2B5EF4-FFF2-40B4-BE49-F238E27FC236}">
-                <a16:creationId xmlns:a16="http://schemas.microsoft.com/office/drawing/2014/main" id="{DBBA62F8-ABAB-0796-5D4F-277CA4383CB2}"/>
-              </a:ext>
-            </a:extLst>
-          </p:cNvPr>
-          <p:cNvSpPr txBox="1">
-            <a:spLocks/>
-          </p:cNvSpPr>
-          <p:nvPr/>
-        </p:nvSpPr>
-        <p:spPr>
-          <a:xfrm>
-            <a:off x="6361653" y="1952624"/>
-            <a:ext cx="4847686" cy="4337052"/>
-          </a:xfrm>
-          <a:prstGeom prst="rect">
-            <a:avLst/>
-          </a:prstGeom>
-        </p:spPr>
-        <p:txBody>
-          <a:bodyPr vert="horz" lIns="0" tIns="0" rIns="0" bIns="0" rtlCol="0">
-            <a:noAutofit/>
-          </a:bodyPr>
-          <a:lstStyle>
-            <a:lvl1pPr marL="179388" indent="-179388" algn="l" defTabSz="914400" rtl="0" eaLnBrk="1" latinLnBrk="0" hangingPunct="1">
-              <a:lnSpc>
-                <a:spcPct val="90000"/>
-              </a:lnSpc>
-              <a:spcBef>
-                <a:spcPts val="600"/>
-              </a:spcBef>
-              <a:buFont typeface="Arial" pitchFamily="34" charset="0"/>
-              <a:buChar char="•"/>
-              <a:defRPr sz="2000" kern="1200">
-                <a:solidFill>
-                  <a:schemeClr val="accent1"/>
-                </a:solidFill>
-                <a:latin typeface="+mn-lt"/>
-                <a:ea typeface="+mn-ea"/>
-                <a:cs typeface="+mn-cs"/>
-              </a:defRPr>
-            </a:lvl1pPr>
-            <a:lvl2pPr marL="360000" indent="-180975" algn="l" defTabSz="914400" rtl="0" eaLnBrk="1" latinLnBrk="0" hangingPunct="1">
-              <a:lnSpc>
-                <a:spcPct val="90000"/>
-              </a:lnSpc>
-              <a:spcBef>
-                <a:spcPts val="600"/>
-              </a:spcBef>
-              <a:buFont typeface="Arial" panose="020B0604020202020204" pitchFamily="34" charset="0"/>
-              <a:buChar char="•"/>
-              <a:defRPr sz="2000" kern="1200">
-                <a:solidFill>
-                  <a:schemeClr val="accent1"/>
-                </a:solidFill>
-                <a:latin typeface="+mn-lt"/>
-                <a:ea typeface="+mn-ea"/>
-                <a:cs typeface="+mn-cs"/>
-              </a:defRPr>
-            </a:lvl2pPr>
-            <a:lvl3pPr marL="540000" indent="-180975" algn="l" defTabSz="914400" rtl="0" eaLnBrk="1" latinLnBrk="0" hangingPunct="1">
-              <a:lnSpc>
-                <a:spcPct val="90000"/>
-              </a:lnSpc>
-              <a:spcBef>
-                <a:spcPts val="600"/>
-              </a:spcBef>
-              <a:buFont typeface="Arial" pitchFamily="34" charset="0"/>
-              <a:buChar char="•"/>
-              <a:defRPr sz="2000" kern="1200">
-                <a:solidFill>
-                  <a:schemeClr val="accent1"/>
-                </a:solidFill>
-                <a:latin typeface="+mn-lt"/>
-                <a:ea typeface="+mn-ea"/>
-                <a:cs typeface="+mn-cs"/>
-              </a:defRPr>
-            </a:lvl3pPr>
-            <a:lvl4pPr marL="720000" indent="-180000" algn="l" defTabSz="914400" rtl="0" eaLnBrk="1" latinLnBrk="0" hangingPunct="1">
-              <a:lnSpc>
-                <a:spcPct val="90000"/>
-              </a:lnSpc>
-              <a:spcBef>
-                <a:spcPts val="600"/>
-              </a:spcBef>
-              <a:buFont typeface="Arial" panose="020B0604020202020204" pitchFamily="34" charset="0"/>
-              <a:buChar char="•"/>
-              <a:defRPr sz="2000" kern="1200">
-                <a:solidFill>
-                  <a:schemeClr val="accent1"/>
-                </a:solidFill>
-                <a:latin typeface="+mn-lt"/>
-                <a:ea typeface="+mn-ea"/>
-                <a:cs typeface="+mn-cs"/>
-              </a:defRPr>
-            </a:lvl4pPr>
-            <a:lvl5pPr marL="900000" indent="-180975" algn="l" defTabSz="914400" rtl="0" eaLnBrk="1" latinLnBrk="0" hangingPunct="1">
-              <a:lnSpc>
-                <a:spcPct val="90000"/>
-              </a:lnSpc>
-              <a:spcBef>
-                <a:spcPts val="600"/>
-              </a:spcBef>
-              <a:buFont typeface="Arial" panose="020B0604020202020204" pitchFamily="34" charset="0"/>
-              <a:buChar char="•"/>
-              <a:defRPr sz="2000" kern="1200">
-                <a:solidFill>
-                  <a:schemeClr val="accent1"/>
-                </a:solidFill>
-                <a:latin typeface="+mn-lt"/>
-                <a:ea typeface="+mn-ea"/>
-                <a:cs typeface="+mn-cs"/>
-              </a:defRPr>
-            </a:lvl5pPr>
-            <a:lvl6pPr marL="2514600" indent="-228600" algn="l" defTabSz="914400" rtl="0" eaLnBrk="1" latinLnBrk="0" hangingPunct="1">
-              <a:spcBef>
-                <a:spcPct val="20000"/>
-              </a:spcBef>
-              <a:buFont typeface="Arial" pitchFamily="34" charset="0"/>
-              <a:buChar char="•"/>
-              <a:defRPr sz="2000" kern="1200">
-                <a:solidFill>
-                  <a:schemeClr val="tx1"/>
-                </a:solidFill>
-                <a:latin typeface="+mn-lt"/>
-                <a:ea typeface="+mn-ea"/>
-                <a:cs typeface="+mn-cs"/>
-              </a:defRPr>
-            </a:lvl6pPr>
-            <a:lvl7pPr marL="2971800" indent="-228600" algn="l" defTabSz="914400" rtl="0" eaLnBrk="1" latinLnBrk="0" hangingPunct="1">
-              <a:spcBef>
-                <a:spcPct val="20000"/>
-              </a:spcBef>
-              <a:buFont typeface="Arial" pitchFamily="34" charset="0"/>
-              <a:buChar char="•"/>
-              <a:defRPr sz="2000" kern="1200">
-                <a:solidFill>
-                  <a:schemeClr val="tx1"/>
-                </a:solidFill>
-                <a:latin typeface="+mn-lt"/>
-                <a:ea typeface="+mn-ea"/>
-                <a:cs typeface="+mn-cs"/>
-              </a:defRPr>
-            </a:lvl7pPr>
-            <a:lvl8pPr marL="3429000" indent="-228600" algn="l" defTabSz="914400" rtl="0" eaLnBrk="1" latinLnBrk="0" hangingPunct="1">
-              <a:spcBef>
-                <a:spcPct val="20000"/>
-              </a:spcBef>
-              <a:buFont typeface="Arial" pitchFamily="34" charset="0"/>
-              <a:buChar char="•"/>
-              <a:defRPr sz="2000" kern="1200">
-                <a:solidFill>
-                  <a:schemeClr val="tx1"/>
-                </a:solidFill>
-                <a:latin typeface="+mn-lt"/>
-                <a:ea typeface="+mn-ea"/>
-                <a:cs typeface="+mn-cs"/>
-              </a:defRPr>
-            </a:lvl8pPr>
-            <a:lvl9pPr marL="3886200" indent="-228600" algn="l" defTabSz="914400" rtl="0" eaLnBrk="1" latinLnBrk="0" hangingPunct="1">
-              <a:spcBef>
-                <a:spcPct val="20000"/>
-              </a:spcBef>
-              <a:buFont typeface="Arial" pitchFamily="34" charset="0"/>
-              <a:buChar char="•"/>
-              <a:defRPr sz="2000" kern="1200">
-                <a:solidFill>
-                  <a:schemeClr val="tx1"/>
-                </a:solidFill>
-                <a:latin typeface="+mn-lt"/>
-                <a:ea typeface="+mn-ea"/>
-                <a:cs typeface="+mn-cs"/>
-              </a:defRPr>
-            </a:lvl9pPr>
-          </a:lstStyle>
-          <a:p>
-            <a:pPr marL="0" indent="0">
-              <a:buNone/>
-            </a:pPr>
-            <a:r>
-              <a:rPr lang="en-US" b="1" dirty="0"/>
-              <a:t>Potential Sources of Data</a:t>
-            </a:r>
-          </a:p>
-          <a:p>
-            <a:r>
-              <a:rPr lang="en-US" dirty="0"/>
-              <a:t>Time Series Data</a:t>
-            </a:r>
-          </a:p>
-          <a:p>
-            <a:pPr lvl="2"/>
-            <a:r>
-              <a:rPr lang="en-US" sz="1600" dirty="0"/>
-              <a:t>Hours registered by workers.</a:t>
-            </a:r>
-          </a:p>
-          <a:p>
-            <a:pPr lvl="2"/>
-            <a:r>
-              <a:rPr lang="en-US" sz="1600" dirty="0"/>
-              <a:t>Materials purchased.</a:t>
-            </a:r>
-          </a:p>
-          <a:p>
-            <a:pPr lvl="2"/>
-            <a:r>
-              <a:rPr lang="en-US" sz="1600" dirty="0"/>
-              <a:t>Invoices.</a:t>
-            </a:r>
-          </a:p>
-          <a:p>
-            <a:pPr lvl="2"/>
-            <a:r>
-              <a:rPr lang="en-US" sz="1600" dirty="0"/>
-              <a:t>Budget from the tender processes.</a:t>
-            </a:r>
-          </a:p>
-          <a:p>
-            <a:r>
-              <a:rPr lang="en-US" dirty="0"/>
-              <a:t>Macroeconomic Data</a:t>
-            </a:r>
-          </a:p>
-          <a:p>
-            <a:pPr lvl="2"/>
-            <a:r>
-              <a:rPr lang="en-US" sz="1600" dirty="0"/>
-              <a:t>Overall sentiment.</a:t>
-            </a:r>
-          </a:p>
-          <a:p>
-            <a:pPr lvl="2"/>
-            <a:r>
-              <a:rPr lang="en-US" sz="1600" dirty="0"/>
-              <a:t>Interest rate</a:t>
-            </a:r>
-          </a:p>
-          <a:p>
-            <a:pPr lvl="2"/>
-            <a:r>
-              <a:rPr lang="en-US" sz="1600" dirty="0"/>
-              <a:t>Unemployment rate.</a:t>
-            </a:r>
-          </a:p>
-          <a:p>
-            <a:r>
-              <a:rPr lang="en-US" dirty="0"/>
-              <a:t>Industry Specific Data</a:t>
-            </a:r>
-          </a:p>
-          <a:p>
-            <a:pPr lvl="2"/>
-            <a:r>
-              <a:rPr lang="en-US" sz="1600" dirty="0"/>
-              <a:t>Overall activity</a:t>
-            </a:r>
-          </a:p>
-          <a:p>
-            <a:pPr lvl="2"/>
-            <a:r>
-              <a:rPr lang="en-US" sz="1600" dirty="0"/>
-              <a:t>Order backlog</a:t>
-            </a:r>
-          </a:p>
-          <a:p>
-            <a:pPr lvl="2"/>
-            <a:r>
-              <a:rPr lang="en-US" sz="1600" dirty="0"/>
-              <a:t>Unemployment rate.</a:t>
-            </a:r>
-          </a:p>
-          <a:p>
-            <a:pPr lvl="2"/>
-            <a:endParaRPr lang="en-US" dirty="0"/>
-          </a:p>
-          <a:p>
-            <a:pPr lvl="2"/>
-            <a:endParaRPr lang="en-US" dirty="0"/>
-          </a:p>
-          <a:p>
-            <a:pPr lvl="2"/>
-            <a:endParaRPr lang="en-US" dirty="0"/>
-          </a:p>
-        </p:txBody>
-      </p:sp>
-      <p:sp>
-        <p:nvSpPr>
-          <p:cNvPr id="5" name="Pladsholder til indhold 5">
-            <a:extLst>
-              <a:ext uri="{FF2B5EF4-FFF2-40B4-BE49-F238E27FC236}">
-                <a16:creationId xmlns:a16="http://schemas.microsoft.com/office/drawing/2014/main" id="{0256447C-D35F-4F86-D90B-E90F6B46AE7F}"/>
-              </a:ext>
-            </a:extLst>
-          </p:cNvPr>
-          <p:cNvSpPr txBox="1">
-            <a:spLocks/>
-          </p:cNvSpPr>
-          <p:nvPr/>
-        </p:nvSpPr>
-        <p:spPr>
-          <a:xfrm>
-            <a:off x="982661" y="971548"/>
-            <a:ext cx="10226676" cy="981075"/>
-          </a:xfrm>
-          <a:prstGeom prst="rect">
-            <a:avLst/>
-          </a:prstGeom>
-        </p:spPr>
-        <p:txBody>
-          <a:bodyPr vert="horz" lIns="0" tIns="0" rIns="0" bIns="0" rtlCol="0">
-            <a:noAutofit/>
-          </a:bodyPr>
-          <a:lstStyle>
-            <a:lvl1pPr marL="179388" indent="-179388" algn="l" defTabSz="914400" rtl="0" eaLnBrk="1" latinLnBrk="0" hangingPunct="1">
-              <a:lnSpc>
-                <a:spcPct val="90000"/>
-              </a:lnSpc>
-              <a:spcBef>
-                <a:spcPts val="600"/>
-              </a:spcBef>
-              <a:buFont typeface="Arial" pitchFamily="34" charset="0"/>
-              <a:buChar char="•"/>
-              <a:defRPr sz="2000" kern="1200">
-                <a:solidFill>
-                  <a:schemeClr val="accent1"/>
-                </a:solidFill>
-                <a:latin typeface="+mn-lt"/>
-                <a:ea typeface="+mn-ea"/>
-                <a:cs typeface="+mn-cs"/>
-              </a:defRPr>
-            </a:lvl1pPr>
-            <a:lvl2pPr marL="360000" indent="-180975" algn="l" defTabSz="914400" rtl="0" eaLnBrk="1" latinLnBrk="0" hangingPunct="1">
-              <a:lnSpc>
-                <a:spcPct val="90000"/>
-              </a:lnSpc>
-              <a:spcBef>
-                <a:spcPts val="600"/>
-              </a:spcBef>
-              <a:buFont typeface="Arial" panose="020B0604020202020204" pitchFamily="34" charset="0"/>
-              <a:buChar char="•"/>
-              <a:defRPr sz="2000" kern="1200">
-                <a:solidFill>
-                  <a:schemeClr val="accent1"/>
-                </a:solidFill>
-                <a:latin typeface="+mn-lt"/>
-                <a:ea typeface="+mn-ea"/>
-                <a:cs typeface="+mn-cs"/>
-              </a:defRPr>
-            </a:lvl2pPr>
-            <a:lvl3pPr marL="540000" indent="-180975" algn="l" defTabSz="914400" rtl="0" eaLnBrk="1" latinLnBrk="0" hangingPunct="1">
-              <a:lnSpc>
-                <a:spcPct val="90000"/>
-              </a:lnSpc>
-              <a:spcBef>
-                <a:spcPts val="600"/>
-              </a:spcBef>
-              <a:buFont typeface="Arial" pitchFamily="34" charset="0"/>
-              <a:buChar char="•"/>
-              <a:defRPr sz="2000" kern="1200">
-                <a:solidFill>
-                  <a:schemeClr val="accent1"/>
-                </a:solidFill>
-                <a:latin typeface="+mn-lt"/>
-                <a:ea typeface="+mn-ea"/>
-                <a:cs typeface="+mn-cs"/>
-              </a:defRPr>
-            </a:lvl3pPr>
-            <a:lvl4pPr marL="720000" indent="-180000" algn="l" defTabSz="914400" rtl="0" eaLnBrk="1" latinLnBrk="0" hangingPunct="1">
-              <a:lnSpc>
-                <a:spcPct val="90000"/>
-              </a:lnSpc>
-              <a:spcBef>
-                <a:spcPts val="600"/>
-              </a:spcBef>
-              <a:buFont typeface="Arial" panose="020B0604020202020204" pitchFamily="34" charset="0"/>
-              <a:buChar char="•"/>
-              <a:defRPr sz="2000" kern="1200">
-                <a:solidFill>
-                  <a:schemeClr val="accent1"/>
-                </a:solidFill>
-                <a:latin typeface="+mn-lt"/>
-                <a:ea typeface="+mn-ea"/>
-                <a:cs typeface="+mn-cs"/>
-              </a:defRPr>
-            </a:lvl4pPr>
-            <a:lvl5pPr marL="900000" indent="-180975" algn="l" defTabSz="914400" rtl="0" eaLnBrk="1" latinLnBrk="0" hangingPunct="1">
-              <a:lnSpc>
-                <a:spcPct val="90000"/>
-              </a:lnSpc>
-              <a:spcBef>
-                <a:spcPts val="600"/>
-              </a:spcBef>
-              <a:buFont typeface="Arial" panose="020B0604020202020204" pitchFamily="34" charset="0"/>
-              <a:buChar char="•"/>
-              <a:defRPr sz="2000" kern="1200">
-                <a:solidFill>
-                  <a:schemeClr val="accent1"/>
-                </a:solidFill>
-                <a:latin typeface="+mn-lt"/>
-                <a:ea typeface="+mn-ea"/>
-                <a:cs typeface="+mn-cs"/>
-              </a:defRPr>
-            </a:lvl5pPr>
-            <a:lvl6pPr marL="2514600" indent="-228600" algn="l" defTabSz="914400" rtl="0" eaLnBrk="1" latinLnBrk="0" hangingPunct="1">
-              <a:spcBef>
-                <a:spcPct val="20000"/>
-              </a:spcBef>
-              <a:buFont typeface="Arial" pitchFamily="34" charset="0"/>
-              <a:buChar char="•"/>
-              <a:defRPr sz="2000" kern="1200">
-                <a:solidFill>
-                  <a:schemeClr val="tx1"/>
-                </a:solidFill>
-                <a:latin typeface="+mn-lt"/>
-                <a:ea typeface="+mn-ea"/>
-                <a:cs typeface="+mn-cs"/>
-              </a:defRPr>
-            </a:lvl6pPr>
-            <a:lvl7pPr marL="2971800" indent="-228600" algn="l" defTabSz="914400" rtl="0" eaLnBrk="1" latinLnBrk="0" hangingPunct="1">
-              <a:spcBef>
-                <a:spcPct val="20000"/>
-              </a:spcBef>
-              <a:buFont typeface="Arial" pitchFamily="34" charset="0"/>
-              <a:buChar char="•"/>
-              <a:defRPr sz="2000" kern="1200">
-                <a:solidFill>
-                  <a:schemeClr val="tx1"/>
-                </a:solidFill>
-                <a:latin typeface="+mn-lt"/>
-                <a:ea typeface="+mn-ea"/>
-                <a:cs typeface="+mn-cs"/>
-              </a:defRPr>
-            </a:lvl7pPr>
-            <a:lvl8pPr marL="3429000" indent="-228600" algn="l" defTabSz="914400" rtl="0" eaLnBrk="1" latinLnBrk="0" hangingPunct="1">
-              <a:spcBef>
-                <a:spcPct val="20000"/>
-              </a:spcBef>
-              <a:buFont typeface="Arial" pitchFamily="34" charset="0"/>
-              <a:buChar char="•"/>
-              <a:defRPr sz="2000" kern="1200">
-                <a:solidFill>
-                  <a:schemeClr val="tx1"/>
-                </a:solidFill>
-                <a:latin typeface="+mn-lt"/>
-                <a:ea typeface="+mn-ea"/>
-                <a:cs typeface="+mn-cs"/>
-              </a:defRPr>
-            </a:lvl8pPr>
-            <a:lvl9pPr marL="3886200" indent="-228600" algn="l" defTabSz="914400" rtl="0" eaLnBrk="1" latinLnBrk="0" hangingPunct="1">
-              <a:spcBef>
-                <a:spcPct val="20000"/>
-              </a:spcBef>
-              <a:buFont typeface="Arial" pitchFamily="34" charset="0"/>
-              <a:buChar char="•"/>
-              <a:defRPr sz="2000" kern="1200">
-                <a:solidFill>
-                  <a:schemeClr val="tx1"/>
-                </a:solidFill>
-                <a:latin typeface="+mn-lt"/>
-                <a:ea typeface="+mn-ea"/>
-                <a:cs typeface="+mn-cs"/>
-              </a:defRPr>
-            </a:lvl9pPr>
-          </a:lstStyle>
-          <a:p>
-            <a:pPr marL="179025" lvl="1" indent="0">
-              <a:buNone/>
-            </a:pPr>
-            <a:r>
-              <a:rPr lang="en-US" dirty="0"/>
-              <a:t>ELCON stores a vast amount of data, and before any analyses can be conducted, the data must be cleaned and sorted. </a:t>
-            </a:r>
-          </a:p>
-          <a:p>
-            <a:pPr marL="179025" lvl="1" indent="0">
-              <a:buNone/>
-            </a:pPr>
-            <a:r>
-              <a:rPr lang="en-US" dirty="0"/>
-              <a:t>Literature review will largely focus on advancements made in fields regarding data science.</a:t>
-            </a:r>
-          </a:p>
-        </p:txBody>
-      </p:sp>
-    </p:spTree>
-    <p:extLst>
-      <p:ext uri="{BB962C8B-B14F-4D97-AF65-F5344CB8AC3E}">
-        <p14:creationId xmlns:p14="http://schemas.microsoft.com/office/powerpoint/2010/main" val="2492524537"/>
-      </p:ext>
-    </p:extLst>
-  </p:cSld>
-  <p:clrMapOvr>
-    <a:masterClrMapping/>
-  </p:clrMapOvr>
-</p:sld>
-</file>
-
-<file path=ppt/slides/slide6.xml><?xml version="1.0" encoding="utf-8"?>
-<p:sld xmlns:a="http://schemas.openxmlformats.org/drawingml/2006/main" xmlns:r="http://schemas.openxmlformats.org/officeDocument/2006/relationships" xmlns:p="http://schemas.openxmlformats.org/presentationml/2006/main">
-  <p:cSld>
-    <p:spTree>
-      <p:nvGrpSpPr>
-        <p:cNvPr id="1" name=""/>
-        <p:cNvGrpSpPr/>
-        <p:nvPr/>
-      </p:nvGrpSpPr>
-      <p:grpSpPr>
-        <a:xfrm>
-          <a:off x="0" y="0"/>
-          <a:ext cx="0" cy="0"/>
-          <a:chOff x="0" y="0"/>
-          <a:chExt cx="0" cy="0"/>
-        </a:xfrm>
-      </p:grpSpPr>
-      <p:graphicFrame>
-        <p:nvGraphicFramePr>
-          <p:cNvPr id="4" name="Objekt 3" hidden="1">
-            <a:extLst>
-              <a:ext uri="{FF2B5EF4-FFF2-40B4-BE49-F238E27FC236}">
-                <a16:creationId xmlns:a16="http://schemas.microsoft.com/office/drawing/2014/main" id="{79C05AFC-9555-D40C-AD9D-3E13BD0A4FC2}"/>
-              </a:ext>
-            </a:extLst>
-          </p:cNvPr>
-          <p:cNvGraphicFramePr>
-            <a:graphicFrameLocks noChangeAspect="1"/>
-          </p:cNvGraphicFramePr>
-          <p:nvPr>
-            <p:custDataLst>
-              <p:tags r:id="rId1"/>
-            </p:custDataLst>
-            <p:extLst>
-              <p:ext uri="{D42A27DB-BD31-4B8C-83A1-F6EECF244321}">
-                <p14:modId xmlns:p14="http://schemas.microsoft.com/office/powerpoint/2010/main" val="1214026847"/>
-              </p:ext>
-            </p:extLst>
-          </p:nvPr>
-        </p:nvGraphicFramePr>
-        <p:xfrm>
-          <a:off x="1588" y="1588"/>
-          <a:ext cx="1588" cy="1588"/>
-        </p:xfrm>
-        <a:graphic>
-          <a:graphicData uri="http://schemas.openxmlformats.org/presentationml/2006/ole">
-            <mc:AlternateContent xmlns:mc="http://schemas.openxmlformats.org/markup-compatibility/2006">
-              <mc:Choice xmlns:v="urn:schemas-microsoft-com:vml" Requires="v">
-                <p:oleObj name="think-cell Slide" r:id="rId4" imgW="347" imgH="348" progId="TCLayout.ActiveDocument.1">
-                  <p:embed/>
-                </p:oleObj>
-              </mc:Choice>
-              <mc:Fallback>
-                <p:oleObj name="think-cell Slide" r:id="rId4" imgW="347" imgH="348" progId="TCLayout.ActiveDocument.1">
-                  <p:embed/>
-                  <p:pic>
-                    <p:nvPicPr>
-                      <p:cNvPr id="4" name="Objekt 3" hidden="1">
-                        <a:extLst>
-                          <a:ext uri="{FF2B5EF4-FFF2-40B4-BE49-F238E27FC236}">
-                            <a16:creationId xmlns:a16="http://schemas.microsoft.com/office/drawing/2014/main" id="{79C05AFC-9555-D40C-AD9D-3E13BD0A4FC2}"/>
-                          </a:ext>
-                        </a:extLst>
-                      </p:cNvPr>
-                      <p:cNvPicPr/>
-                      <p:nvPr/>
-                    </p:nvPicPr>
-                    <p:blipFill>
-                      <a:blip r:embed="rId5"/>
-                      <a:stretch>
-                        <a:fillRect/>
-                      </a:stretch>
-                    </p:blipFill>
-                    <p:spPr>
-                      <a:xfrm>
-                        <a:off x="1588" y="1588"/>
-                        <a:ext cx="1588" cy="1588"/>
-                      </a:xfrm>
-                      <a:prstGeom prst="rect">
-                        <a:avLst/>
-                      </a:prstGeom>
-                    </p:spPr>
-                  </p:pic>
-                </p:oleObj>
-              </mc:Fallback>
-            </mc:AlternateContent>
-          </a:graphicData>
-        </a:graphic>
-      </p:graphicFrame>
-      <p:sp>
-        <p:nvSpPr>
-          <p:cNvPr id="2" name="Titel 1">
-            <a:extLst>
-              <a:ext uri="{FF2B5EF4-FFF2-40B4-BE49-F238E27FC236}">
-                <a16:creationId xmlns:a16="http://schemas.microsoft.com/office/drawing/2014/main" id="{F7A7B11F-5560-4450-B29C-AA36EE47DBD5}"/>
-              </a:ext>
-            </a:extLst>
-          </p:cNvPr>
-          <p:cNvSpPr>
-            <a:spLocks noGrp="1"/>
-          </p:cNvSpPr>
-          <p:nvPr>
-            <p:ph type="title"/>
-          </p:nvPr>
-        </p:nvSpPr>
-        <p:spPr/>
-        <p:txBody>
-          <a:bodyPr vert="horz"/>
-          <a:lstStyle/>
-          <a:p>
-            <a:r>
-              <a:rPr lang="en-US" dirty="0"/>
-              <a:t>Expected Output</a:t>
-            </a:r>
-          </a:p>
-        </p:txBody>
-      </p:sp>
-      <p:sp>
-        <p:nvSpPr>
-          <p:cNvPr id="6" name="Pladsholder til indhold 5">
-            <a:extLst>
-              <a:ext uri="{FF2B5EF4-FFF2-40B4-BE49-F238E27FC236}">
-                <a16:creationId xmlns:a16="http://schemas.microsoft.com/office/drawing/2014/main" id="{8FC4456C-8838-4F8B-8B1E-95CBD5B2E38B}"/>
-              </a:ext>
-            </a:extLst>
-          </p:cNvPr>
-          <p:cNvSpPr>
-            <a:spLocks noGrp="1"/>
-          </p:cNvSpPr>
-          <p:nvPr>
-            <p:ph sz="quarter" idx="13"/>
-          </p:nvPr>
-        </p:nvSpPr>
-        <p:spPr>
-          <a:xfrm>
-            <a:off x="982663" y="1088631"/>
-            <a:ext cx="4808537" cy="5077220"/>
-          </a:xfrm>
-        </p:spPr>
-        <p:txBody>
-          <a:bodyPr/>
-          <a:lstStyle/>
-          <a:p>
-            <a:r>
-              <a:rPr lang="en-US" dirty="0"/>
-              <a:t>Comprehensive data model with a variety of use cases.</a:t>
-            </a:r>
-          </a:p>
-          <a:p>
-            <a:r>
-              <a:rPr lang="en-US" dirty="0"/>
-              <a:t>Contracting Dashboard with KPIs and KRIs.</a:t>
-            </a:r>
-          </a:p>
-          <a:p>
-            <a:pPr lvl="2"/>
-            <a:r>
-              <a:rPr lang="en-US" dirty="0"/>
-              <a:t>Identification of risky projects.</a:t>
-            </a:r>
-          </a:p>
-          <a:p>
-            <a:pPr lvl="2"/>
-            <a:r>
-              <a:rPr lang="en-US" dirty="0"/>
-              <a:t>Identification of areas of improvement.</a:t>
-            </a:r>
-          </a:p>
-          <a:p>
-            <a:pPr lvl="2"/>
-            <a:r>
-              <a:rPr lang="en-US" dirty="0"/>
-              <a:t>Highlight trends and patterns in data.</a:t>
-            </a:r>
-          </a:p>
-          <a:p>
-            <a:r>
-              <a:rPr lang="en-US" dirty="0"/>
-              <a:t>Insight into underlying risk factors.</a:t>
-            </a:r>
-          </a:p>
-          <a:p>
-            <a:pPr marL="0" indent="0">
-              <a:buNone/>
-            </a:pPr>
-            <a:endParaRPr lang="en-US" dirty="0"/>
-          </a:p>
-          <a:p>
-            <a:endParaRPr lang="en-US" dirty="0"/>
-          </a:p>
-          <a:p>
-            <a:endParaRPr lang="en-US" dirty="0"/>
-          </a:p>
-          <a:p>
-            <a:pPr marL="0" indent="0">
-              <a:buNone/>
-            </a:pPr>
-            <a:r>
-              <a:rPr lang="en-US" sz="1600" dirty="0"/>
-              <a:t>The right-hand side shows a draft of the time series model, coupled with a Principal Component Analysis of contribution margin (DB).</a:t>
-            </a:r>
-          </a:p>
-          <a:p>
-            <a:endParaRPr lang="en-US" dirty="0"/>
-          </a:p>
-          <a:p>
-            <a:endParaRPr lang="en-US" dirty="0"/>
-          </a:p>
-          <a:p>
-            <a:pPr lvl="2"/>
-            <a:endParaRPr lang="en-US" dirty="0"/>
-          </a:p>
-          <a:p>
-            <a:endParaRPr lang="en-US" dirty="0"/>
-          </a:p>
-        </p:txBody>
-      </p:sp>
-      <p:grpSp>
-        <p:nvGrpSpPr>
-          <p:cNvPr id="23" name="Gruppe 22">
-            <a:extLst>
-              <a:ext uri="{FF2B5EF4-FFF2-40B4-BE49-F238E27FC236}">
-                <a16:creationId xmlns:a16="http://schemas.microsoft.com/office/drawing/2014/main" id="{38285DF7-26A5-0B52-5D8A-45F17BF22272}"/>
-              </a:ext>
-            </a:extLst>
-          </p:cNvPr>
-          <p:cNvGrpSpPr/>
-          <p:nvPr/>
-        </p:nvGrpSpPr>
-        <p:grpSpPr>
-          <a:xfrm>
-            <a:off x="6019732" y="407777"/>
-            <a:ext cx="5837306" cy="6220396"/>
-            <a:chOff x="6096000" y="380564"/>
-            <a:chExt cx="5837306" cy="6220396"/>
-          </a:xfrm>
-        </p:grpSpPr>
-        <p:graphicFrame>
-          <p:nvGraphicFramePr>
-            <p:cNvPr id="9" name="Objekt 8">
-              <a:extLst>
-                <a:ext uri="{FF2B5EF4-FFF2-40B4-BE49-F238E27FC236}">
-                  <a16:creationId xmlns:a16="http://schemas.microsoft.com/office/drawing/2014/main" id="{D1559444-CA7D-43C0-1DE4-369F3173A80D}"/>
-                </a:ext>
-              </a:extLst>
-            </p:cNvPr>
-            <p:cNvGraphicFramePr>
-              <a:graphicFrameLocks noChangeAspect="1"/>
-            </p:cNvGraphicFramePr>
-            <p:nvPr>
-              <p:extLst>
-                <p:ext uri="{D42A27DB-BD31-4B8C-83A1-F6EECF244321}">
-                  <p14:modId xmlns:p14="http://schemas.microsoft.com/office/powerpoint/2010/main" val="731780390"/>
-                </p:ext>
-              </p:extLst>
-            </p:nvPr>
-          </p:nvGraphicFramePr>
-          <p:xfrm>
-            <a:off x="6173306" y="380564"/>
-            <a:ext cx="5760000" cy="3901345"/>
-          </p:xfrm>
-          <a:graphic>
-            <a:graphicData uri="http://schemas.openxmlformats.org/presentationml/2006/ole">
-              <mc:AlternateContent xmlns:mc="http://schemas.openxmlformats.org/markup-compatibility/2006">
-                <mc:Choice xmlns:v="urn:schemas-microsoft-com:vml" Requires="v">
-                  <p:oleObj name="Acrobat Document" r:id="rId6" imgW="13782628" imgH="9334410" progId="AcroExch.Document.DC">
-                    <p:embed/>
-                  </p:oleObj>
-                </mc:Choice>
-                <mc:Fallback>
-                  <p:oleObj name="Acrobat Document" r:id="rId6" imgW="13782628" imgH="9334410" progId="AcroExch.Document.DC">
-                    <p:embed/>
-                    <p:pic>
-                      <p:nvPicPr>
-                        <p:cNvPr id="9" name="Objekt 8">
-                          <a:extLst>
-                            <a:ext uri="{FF2B5EF4-FFF2-40B4-BE49-F238E27FC236}">
-                              <a16:creationId xmlns:a16="http://schemas.microsoft.com/office/drawing/2014/main" id="{D1559444-CA7D-43C0-1DE4-369F3173A80D}"/>
-                            </a:ext>
-                          </a:extLst>
-                        </p:cNvPr>
-                        <p:cNvPicPr/>
-                        <p:nvPr/>
-                      </p:nvPicPr>
-                      <p:blipFill>
-                        <a:blip r:embed="rId7"/>
-                        <a:stretch>
-                          <a:fillRect/>
-                        </a:stretch>
-                      </p:blipFill>
-                      <p:spPr>
-                        <a:xfrm>
-                          <a:off x="6173306" y="380564"/>
-                          <a:ext cx="5760000" cy="3901345"/>
-                        </a:xfrm>
-                        <a:prstGeom prst="rect">
-                          <a:avLst/>
-                        </a:prstGeom>
-                      </p:spPr>
-                    </p:pic>
-                  </p:oleObj>
-                </mc:Fallback>
-              </mc:AlternateContent>
-            </a:graphicData>
-          </a:graphic>
-        </p:graphicFrame>
-        <p:graphicFrame>
-          <p:nvGraphicFramePr>
-            <p:cNvPr id="21" name="Objekt 20">
-              <a:extLst>
-                <a:ext uri="{FF2B5EF4-FFF2-40B4-BE49-F238E27FC236}">
-                  <a16:creationId xmlns:a16="http://schemas.microsoft.com/office/drawing/2014/main" id="{B305C757-02F7-D8E4-C352-87D04B022676}"/>
-                </a:ext>
-              </a:extLst>
-            </p:cNvPr>
-            <p:cNvGraphicFramePr>
-              <a:graphicFrameLocks noChangeAspect="1"/>
-            </p:cNvGraphicFramePr>
-            <p:nvPr>
-              <p:extLst>
-                <p:ext uri="{D42A27DB-BD31-4B8C-83A1-F6EECF244321}">
-                  <p14:modId xmlns:p14="http://schemas.microsoft.com/office/powerpoint/2010/main" val="3187411849"/>
-                </p:ext>
-              </p:extLst>
-            </p:nvPr>
-          </p:nvGraphicFramePr>
-          <p:xfrm>
-            <a:off x="9053306" y="4422584"/>
-            <a:ext cx="2880000" cy="2178376"/>
-          </p:xfrm>
-          <a:graphic>
-            <a:graphicData uri="http://schemas.openxmlformats.org/presentationml/2006/ole">
-              <mc:AlternateContent xmlns:mc="http://schemas.openxmlformats.org/markup-compatibility/2006">
-                <mc:Choice xmlns:v="urn:schemas-microsoft-com:vml" Requires="v">
-                  <p:oleObj name="Acrobat Document" r:id="rId8" imgW="4105257" imgH="3104867" progId="AcroExch.Document.DC">
-                    <p:embed/>
-                  </p:oleObj>
-                </mc:Choice>
-                <mc:Fallback>
-                  <p:oleObj name="Acrobat Document" r:id="rId8" imgW="4105257" imgH="3104867" progId="AcroExch.Document.DC">
-                    <p:embed/>
-                    <p:pic>
-                      <p:nvPicPr>
-                        <p:cNvPr id="21" name="Objekt 20">
-                          <a:extLst>
-                            <a:ext uri="{FF2B5EF4-FFF2-40B4-BE49-F238E27FC236}">
-                              <a16:creationId xmlns:a16="http://schemas.microsoft.com/office/drawing/2014/main" id="{B305C757-02F7-D8E4-C352-87D04B022676}"/>
-                            </a:ext>
-                          </a:extLst>
-                        </p:cNvPr>
-                        <p:cNvPicPr/>
-                        <p:nvPr/>
-                      </p:nvPicPr>
-                      <p:blipFill>
-                        <a:blip r:embed="rId9"/>
-                        <a:stretch>
-                          <a:fillRect/>
-                        </a:stretch>
-                      </p:blipFill>
-                      <p:spPr>
-                        <a:xfrm>
-                          <a:off x="9053306" y="4422584"/>
-                          <a:ext cx="2880000" cy="2178376"/>
-                        </a:xfrm>
-                        <a:prstGeom prst="rect">
-                          <a:avLst/>
-                        </a:prstGeom>
-                      </p:spPr>
-                    </p:pic>
-                  </p:oleObj>
-                </mc:Fallback>
-              </mc:AlternateContent>
-            </a:graphicData>
-          </a:graphic>
-        </p:graphicFrame>
-        <p:graphicFrame>
-          <p:nvGraphicFramePr>
-            <p:cNvPr id="22" name="Objekt 21">
-              <a:extLst>
-                <a:ext uri="{FF2B5EF4-FFF2-40B4-BE49-F238E27FC236}">
-                  <a16:creationId xmlns:a16="http://schemas.microsoft.com/office/drawing/2014/main" id="{047ADE68-9866-819C-37AA-A74696903866}"/>
-                </a:ext>
-              </a:extLst>
-            </p:cNvPr>
-            <p:cNvGraphicFramePr>
-              <a:graphicFrameLocks noChangeAspect="1"/>
-            </p:cNvGraphicFramePr>
-            <p:nvPr>
-              <p:extLst>
-                <p:ext uri="{D42A27DB-BD31-4B8C-83A1-F6EECF244321}">
-                  <p14:modId xmlns:p14="http://schemas.microsoft.com/office/powerpoint/2010/main" val="2697269531"/>
-                </p:ext>
-              </p:extLst>
-            </p:nvPr>
-          </p:nvGraphicFramePr>
-          <p:xfrm>
-            <a:off x="6096000" y="4427615"/>
-            <a:ext cx="2880000" cy="2168314"/>
-          </p:xfrm>
-          <a:graphic>
-            <a:graphicData uri="http://schemas.openxmlformats.org/presentationml/2006/ole">
-              <mc:AlternateContent xmlns:mc="http://schemas.openxmlformats.org/markup-compatibility/2006">
-                <mc:Choice xmlns:v="urn:schemas-microsoft-com:vml" Requires="v">
-                  <p:oleObj name="Acrobat Document" r:id="rId10" imgW="4123996" imgH="3104867" progId="AcroExch.Document.DC">
-                    <p:embed/>
-                  </p:oleObj>
-                </mc:Choice>
-                <mc:Fallback>
-                  <p:oleObj name="Acrobat Document" r:id="rId10" imgW="4123996" imgH="3104867" progId="AcroExch.Document.DC">
-                    <p:embed/>
-                    <p:pic>
-                      <p:nvPicPr>
-                        <p:cNvPr id="22" name="Objekt 21">
-                          <a:extLst>
-                            <a:ext uri="{FF2B5EF4-FFF2-40B4-BE49-F238E27FC236}">
-                              <a16:creationId xmlns:a16="http://schemas.microsoft.com/office/drawing/2014/main" id="{047ADE68-9866-819C-37AA-A74696903866}"/>
-                            </a:ext>
-                          </a:extLst>
-                        </p:cNvPr>
-                        <p:cNvPicPr/>
-                        <p:nvPr/>
-                      </p:nvPicPr>
-                      <p:blipFill>
-                        <a:blip r:embed="rId11"/>
-                        <a:stretch>
-                          <a:fillRect/>
-                        </a:stretch>
-                      </p:blipFill>
-                      <p:spPr>
-                        <a:xfrm>
-                          <a:off x="6096000" y="4427615"/>
-                          <a:ext cx="2880000" cy="2168314"/>
-                        </a:xfrm>
-                        <a:prstGeom prst="rect">
-                          <a:avLst/>
-                        </a:prstGeom>
-                      </p:spPr>
-                    </p:pic>
-                  </p:oleObj>
-                </mc:Fallback>
-              </mc:AlternateContent>
-            </a:graphicData>
-          </a:graphic>
-        </p:graphicFrame>
-      </p:grpSp>
-    </p:spTree>
-    <p:extLst>
-      <p:ext uri="{BB962C8B-B14F-4D97-AF65-F5344CB8AC3E}">
-        <p14:creationId xmlns:p14="http://schemas.microsoft.com/office/powerpoint/2010/main" val="3090062221"/>
-      </p:ext>
-    </p:extLst>
-  </p:cSld>
-  <p:clrMapOvr>
-    <a:masterClrMapping/>
-  </p:clrMapOvr>
-</p:sld>
-</file>
-
-<file path=ppt/slides/slide7.xml><?xml version="1.0" encoding="utf-8"?>
-<p:sld xmlns:a="http://schemas.openxmlformats.org/drawingml/2006/main" xmlns:r="http://schemas.openxmlformats.org/officeDocument/2006/relationships" xmlns:p="http://schemas.openxmlformats.org/presentationml/2006/main">
-  <p:cSld>
-    <p:bg>
-      <p:bgPr>
-        <a:solidFill>
-          <a:srgbClr val="909099"/>
-        </a:solidFill>
-        <a:effectLst/>
-      </p:bgPr>
-    </p:bg>
-    <p:spTree>
-      <p:nvGrpSpPr>
-        <p:cNvPr id="1" name=""/>
-        <p:cNvGrpSpPr/>
-        <p:nvPr/>
-      </p:nvGrpSpPr>
-      <p:grpSpPr>
-        <a:xfrm>
-          <a:off x="0" y="0"/>
-          <a:ext cx="0" cy="0"/>
-          <a:chOff x="0" y="0"/>
-          <a:chExt cx="0" cy="0"/>
-        </a:xfrm>
-      </p:grpSpPr>
-      <p:sp>
-        <p:nvSpPr>
-          <p:cNvPr id="2" name="Titel 1">
-            <a:extLst>
-              <a:ext uri="{FF2B5EF4-FFF2-40B4-BE49-F238E27FC236}">
-                <a16:creationId xmlns:a16="http://schemas.microsoft.com/office/drawing/2014/main" id="{89911282-8D0D-E832-9894-1A20E221CFE9}"/>
-              </a:ext>
-            </a:extLst>
-          </p:cNvPr>
-          <p:cNvSpPr>
-            <a:spLocks noGrp="1"/>
-          </p:cNvSpPr>
-          <p:nvPr>
-            <p:ph type="title"/>
-          </p:nvPr>
-        </p:nvSpPr>
-        <p:spPr/>
-        <p:txBody>
-          <a:bodyPr/>
-          <a:lstStyle/>
-          <a:p>
-            <a:endParaRPr lang="en-US"/>
-          </a:p>
-        </p:txBody>
-      </p:sp>
-      <p:sp>
-        <p:nvSpPr>
-          <p:cNvPr id="3" name="Pladsholder til indhold 2">
-            <a:extLst>
-              <a:ext uri="{FF2B5EF4-FFF2-40B4-BE49-F238E27FC236}">
-                <a16:creationId xmlns:a16="http://schemas.microsoft.com/office/drawing/2014/main" id="{0B4ABF34-2465-9587-78EC-00BCB22AB21F}"/>
-              </a:ext>
-            </a:extLst>
-          </p:cNvPr>
-          <p:cNvSpPr>
-            <a:spLocks noGrp="1"/>
-          </p:cNvSpPr>
-          <p:nvPr>
-            <p:ph sz="quarter" idx="13"/>
-          </p:nvPr>
-        </p:nvSpPr>
-        <p:spPr/>
-        <p:txBody>
-          <a:bodyPr/>
-          <a:lstStyle/>
-          <a:p>
-            <a:endParaRPr lang="en-US"/>
-          </a:p>
-        </p:txBody>
-      </p:sp>
-    </p:spTree>
-    <p:extLst>
-      <p:ext uri="{BB962C8B-B14F-4D97-AF65-F5344CB8AC3E}">
-        <p14:creationId xmlns:p14="http://schemas.microsoft.com/office/powerpoint/2010/main" val="735016182"/>
-      </p:ext>
-    </p:extLst>
-  </p:cSld>
-  <p:clrMapOvr>
-    <a:masterClrMapping/>
-  </p:clrMapOvr>
-</p:sld>
-</file>
-
-<file path=ppt/slides/slide8.xml><?xml version="1.0" encoding="utf-8"?>
-<p:sld xmlns:a="http://schemas.openxmlformats.org/drawingml/2006/main" xmlns:r="http://schemas.openxmlformats.org/officeDocument/2006/relationships" xmlns:p="http://schemas.openxmlformats.org/presentationml/2006/main">
-  <p:cSld>
-    <p:spTree>
-      <p:nvGrpSpPr>
-        <p:cNvPr id="1" name=""/>
-        <p:cNvGrpSpPr/>
-        <p:nvPr/>
-      </p:nvGrpSpPr>
-      <p:grpSpPr>
-        <a:xfrm>
-          <a:off x="0" y="0"/>
-          <a:ext cx="0" cy="0"/>
-          <a:chOff x="0" y="0"/>
-          <a:chExt cx="0" cy="0"/>
-        </a:xfrm>
-      </p:grpSpPr>
-      <p:graphicFrame>
-        <p:nvGraphicFramePr>
-          <p:cNvPr id="4" name="Objekt 3" hidden="1">
-            <a:extLst>
-              <a:ext uri="{FF2B5EF4-FFF2-40B4-BE49-F238E27FC236}">
-                <a16:creationId xmlns:a16="http://schemas.microsoft.com/office/drawing/2014/main" id="{916B0171-55CA-34B6-3803-978FADA4CC7E}"/>
-              </a:ext>
-            </a:extLst>
-          </p:cNvPr>
-          <p:cNvGraphicFramePr>
-            <a:graphicFrameLocks noChangeAspect="1"/>
-          </p:cNvGraphicFramePr>
-          <p:nvPr>
-            <p:custDataLst>
-              <p:tags r:id="rId1"/>
-            </p:custDataLst>
-            <p:extLst>
-              <p:ext uri="{D42A27DB-BD31-4B8C-83A1-F6EECF244321}">
-                <p14:modId xmlns:p14="http://schemas.microsoft.com/office/powerpoint/2010/main" val="1017581821"/>
-              </p:ext>
-            </p:extLst>
-          </p:nvPr>
-        </p:nvGraphicFramePr>
-        <p:xfrm>
-          <a:off x="1588" y="1588"/>
-          <a:ext cx="1588" cy="1588"/>
-        </p:xfrm>
-        <a:graphic>
-          <a:graphicData uri="http://schemas.openxmlformats.org/presentationml/2006/ole">
-            <mc:AlternateContent xmlns:mc="http://schemas.openxmlformats.org/markup-compatibility/2006">
-              <mc:Choice xmlns:v="urn:schemas-microsoft-com:vml" Requires="v">
-                <p:oleObj name="think-cell Slide" r:id="rId3" imgW="347" imgH="348" progId="TCLayout.ActiveDocument.1">
-                  <p:embed/>
-                </p:oleObj>
-              </mc:Choice>
-              <mc:Fallback>
-                <p:oleObj name="think-cell Slide" r:id="rId3" imgW="347" imgH="348" progId="TCLayout.ActiveDocument.1">
-                  <p:embed/>
-                  <p:pic>
-                    <p:nvPicPr>
-                      <p:cNvPr id="4" name="Objekt 3" hidden="1">
-                        <a:extLst>
-                          <a:ext uri="{FF2B5EF4-FFF2-40B4-BE49-F238E27FC236}">
-                            <a16:creationId xmlns:a16="http://schemas.microsoft.com/office/drawing/2014/main" id="{916B0171-55CA-34B6-3803-978FADA4CC7E}"/>
-                          </a:ext>
-                        </a:extLst>
-                      </p:cNvPr>
-                      <p:cNvPicPr/>
-                      <p:nvPr/>
-                    </p:nvPicPr>
-                    <p:blipFill>
-                      <a:blip r:embed="rId4"/>
-                      <a:stretch>
-                        <a:fillRect/>
-                      </a:stretch>
-                    </p:blipFill>
-                    <p:spPr>
-                      <a:xfrm>
-                        <a:off x="1588" y="1588"/>
-                        <a:ext cx="1588" cy="1588"/>
-                      </a:xfrm>
-                      <a:prstGeom prst="rect">
-                        <a:avLst/>
-                      </a:prstGeom>
-                    </p:spPr>
-                  </p:pic>
-                </p:oleObj>
-              </mc:Fallback>
-            </mc:AlternateContent>
-          </a:graphicData>
-        </a:graphic>
-      </p:graphicFrame>
-      <p:sp>
-        <p:nvSpPr>
-          <p:cNvPr id="2" name="Titel 1">
-            <a:extLst>
-              <a:ext uri="{FF2B5EF4-FFF2-40B4-BE49-F238E27FC236}">
-                <a16:creationId xmlns:a16="http://schemas.microsoft.com/office/drawing/2014/main" id="{93A3E130-9533-0E36-0857-BC4D928C3A22}"/>
-              </a:ext>
-            </a:extLst>
-          </p:cNvPr>
-          <p:cNvSpPr>
-            <a:spLocks noGrp="1"/>
-          </p:cNvSpPr>
-          <p:nvPr>
-            <p:ph type="title"/>
-          </p:nvPr>
-        </p:nvSpPr>
-        <p:spPr/>
-        <p:txBody>
-          <a:bodyPr vert="horz"/>
-          <a:lstStyle/>
-          <a:p>
-            <a:r>
-              <a:rPr lang="da-DK" dirty="0"/>
-              <a:t>Research </a:t>
-            </a:r>
-            <a:r>
-              <a:rPr lang="da-DK" dirty="0" err="1"/>
-              <a:t>Question</a:t>
-            </a:r>
-            <a:endParaRPr lang="da-DK" dirty="0"/>
-          </a:p>
-        </p:txBody>
-      </p:sp>
-      <p:sp>
-        <p:nvSpPr>
-          <p:cNvPr id="3" name="Pladsholder til indhold 2">
-            <a:extLst>
-              <a:ext uri="{FF2B5EF4-FFF2-40B4-BE49-F238E27FC236}">
-                <a16:creationId xmlns:a16="http://schemas.microsoft.com/office/drawing/2014/main" id="{71031A30-F24A-B042-B598-C48162625363}"/>
-              </a:ext>
-            </a:extLst>
-          </p:cNvPr>
-          <p:cNvSpPr>
-            <a:spLocks noGrp="1"/>
-          </p:cNvSpPr>
-          <p:nvPr>
-            <p:ph sz="quarter" idx="13"/>
-          </p:nvPr>
-        </p:nvSpPr>
-        <p:spPr/>
-        <p:txBody>
-          <a:bodyPr/>
-          <a:lstStyle/>
-          <a:p>
-            <a:endParaRPr lang="da-DK"/>
-          </a:p>
-        </p:txBody>
-      </p:sp>
-    </p:spTree>
-    <p:extLst>
-      <p:ext uri="{BB962C8B-B14F-4D97-AF65-F5344CB8AC3E}">
-        <p14:creationId xmlns:p14="http://schemas.microsoft.com/office/powerpoint/2010/main" val="984107870"/>
-      </p:ext>
-    </p:extLst>
-  </p:cSld>
-  <p:clrMapOvr>
-    <a:masterClrMapping/>
-  </p:clrMapOvr>
-</p:sld>
-</file>
-
-<file path=ppt/slides/slide9.xml><?xml version="1.0" encoding="utf-8"?>
+<file path=ppt/slides/slide10.xml><?xml version="1.0" encoding="utf-8"?>
 <p:sld xmlns:a="http://schemas.openxmlformats.org/drawingml/2006/main" xmlns:r="http://schemas.openxmlformats.org/officeDocument/2006/relationships" xmlns:p="http://schemas.openxmlformats.org/presentationml/2006/main">
   <p:cSld>
     <p:spTree>
@@ -26874,6 +22427,4630 @@
 </p:sld>
 </file>
 
+<file path=ppt/slides/slide2.xml><?xml version="1.0" encoding="utf-8"?>
+<p:sld xmlns:a="http://schemas.openxmlformats.org/drawingml/2006/main" xmlns:r="http://schemas.openxmlformats.org/officeDocument/2006/relationships" xmlns:p="http://schemas.openxmlformats.org/presentationml/2006/main">
+  <p:cSld>
+    <p:spTree>
+      <p:nvGrpSpPr>
+        <p:cNvPr id="1" name=""/>
+        <p:cNvGrpSpPr/>
+        <p:nvPr/>
+      </p:nvGrpSpPr>
+      <p:grpSpPr>
+        <a:xfrm>
+          <a:off x="0" y="0"/>
+          <a:ext cx="0" cy="0"/>
+          <a:chOff x="0" y="0"/>
+          <a:chExt cx="0" cy="0"/>
+        </a:xfrm>
+      </p:grpSpPr>
+      <p:graphicFrame>
+        <p:nvGraphicFramePr>
+          <p:cNvPr id="3" name="Objekt 2" hidden="1">
+            <a:extLst>
+              <a:ext uri="{FF2B5EF4-FFF2-40B4-BE49-F238E27FC236}">
+                <a16:creationId xmlns:a16="http://schemas.microsoft.com/office/drawing/2014/main" id="{AB86B848-EDE9-F4A9-108A-F58D243B51C5}"/>
+              </a:ext>
+            </a:extLst>
+          </p:cNvPr>
+          <p:cNvGraphicFramePr>
+            <a:graphicFrameLocks noChangeAspect="1"/>
+          </p:cNvGraphicFramePr>
+          <p:nvPr>
+            <p:custDataLst>
+              <p:tags r:id="rId1"/>
+            </p:custDataLst>
+            <p:extLst>
+              <p:ext uri="{D42A27DB-BD31-4B8C-83A1-F6EECF244321}">
+                <p14:modId xmlns:p14="http://schemas.microsoft.com/office/powerpoint/2010/main" val="4213455095"/>
+              </p:ext>
+            </p:extLst>
+          </p:nvPr>
+        </p:nvGraphicFramePr>
+        <p:xfrm>
+          <a:off x="1588" y="1588"/>
+          <a:ext cx="1588" cy="1588"/>
+        </p:xfrm>
+        <a:graphic>
+          <a:graphicData uri="http://schemas.openxmlformats.org/presentationml/2006/ole">
+            <mc:AlternateContent xmlns:mc="http://schemas.openxmlformats.org/markup-compatibility/2006">
+              <mc:Choice xmlns:v="urn:schemas-microsoft-com:vml" Requires="v">
+                <p:oleObj name="think-cell Slide" r:id="rId4" imgW="347" imgH="348" progId="TCLayout.ActiveDocument.1">
+                  <p:embed/>
+                </p:oleObj>
+              </mc:Choice>
+              <mc:Fallback>
+                <p:oleObj name="think-cell Slide" r:id="rId4" imgW="347" imgH="348" progId="TCLayout.ActiveDocument.1">
+                  <p:embed/>
+                  <p:pic>
+                    <p:nvPicPr>
+                      <p:cNvPr id="3" name="Objekt 2" hidden="1">
+                        <a:extLst>
+                          <a:ext uri="{FF2B5EF4-FFF2-40B4-BE49-F238E27FC236}">
+                            <a16:creationId xmlns:a16="http://schemas.microsoft.com/office/drawing/2014/main" id="{AB86B848-EDE9-F4A9-108A-F58D243B51C5}"/>
+                          </a:ext>
+                        </a:extLst>
+                      </p:cNvPr>
+                      <p:cNvPicPr/>
+                      <p:nvPr/>
+                    </p:nvPicPr>
+                    <p:blipFill>
+                      <a:blip r:embed="rId5"/>
+                      <a:stretch>
+                        <a:fillRect/>
+                      </a:stretch>
+                    </p:blipFill>
+                    <p:spPr>
+                      <a:xfrm>
+                        <a:off x="1588" y="1588"/>
+                        <a:ext cx="1588" cy="1588"/>
+                      </a:xfrm>
+                      <a:prstGeom prst="rect">
+                        <a:avLst/>
+                      </a:prstGeom>
+                    </p:spPr>
+                  </p:pic>
+                </p:oleObj>
+              </mc:Fallback>
+            </mc:AlternateContent>
+          </a:graphicData>
+        </a:graphic>
+      </p:graphicFrame>
+      <p:pic>
+        <p:nvPicPr>
+          <p:cNvPr id="22" name="Pladsholder til billede 21" descr="Et billede, der indeholder person, mand, udendørs&#10;&#10;Automatisk genereret beskrivelse">
+            <a:extLst>
+              <a:ext uri="{FF2B5EF4-FFF2-40B4-BE49-F238E27FC236}">
+                <a16:creationId xmlns:a16="http://schemas.microsoft.com/office/drawing/2014/main" id="{5CEAF9BE-0C77-42EF-A843-2DD67A37E7E0}"/>
+              </a:ext>
+            </a:extLst>
+          </p:cNvPr>
+          <p:cNvPicPr>
+            <a:picLocks noGrp="1" noChangeAspect="1"/>
+          </p:cNvPicPr>
+          <p:nvPr>
+            <p:ph type="pic" sz="quarter" idx="13"/>
+          </p:nvPr>
+        </p:nvPicPr>
+        <p:blipFill rotWithShape="1">
+          <a:blip r:embed="rId6"/>
+          <a:srcRect l="13996" r="46840"/>
+          <a:stretch/>
+        </p:blipFill>
+        <p:spPr>
+          <a:xfrm>
+            <a:off x="8161784" y="0"/>
+            <a:ext cx="4030217" cy="6858000"/>
+          </a:xfrm>
+        </p:spPr>
+      </p:pic>
+      <p:sp>
+        <p:nvSpPr>
+          <p:cNvPr id="2" name="Titel 1">
+            <a:extLst>
+              <a:ext uri="{FF2B5EF4-FFF2-40B4-BE49-F238E27FC236}">
+                <a16:creationId xmlns:a16="http://schemas.microsoft.com/office/drawing/2014/main" id="{3C6F285B-6BE8-47BE-BAD4-8ACEEFC175A8}"/>
+              </a:ext>
+            </a:extLst>
+          </p:cNvPr>
+          <p:cNvSpPr>
+            <a:spLocks noGrp="1"/>
+          </p:cNvSpPr>
+          <p:nvPr>
+            <p:ph type="title"/>
+          </p:nvPr>
+        </p:nvSpPr>
+        <p:spPr/>
+        <p:txBody>
+          <a:bodyPr vert="horz"/>
+          <a:lstStyle/>
+          <a:p>
+            <a:r>
+              <a:rPr lang="en-US" dirty="0"/>
+              <a:t>Outline</a:t>
+            </a:r>
+          </a:p>
+        </p:txBody>
+      </p:sp>
+      <p:sp>
+        <p:nvSpPr>
+          <p:cNvPr id="6" name="TextBox 5">
+            <a:extLst>
+              <a:ext uri="{FF2B5EF4-FFF2-40B4-BE49-F238E27FC236}">
+                <a16:creationId xmlns:a16="http://schemas.microsoft.com/office/drawing/2014/main" id="{CDC222EA-31E5-4543-973D-6351289EEE35}"/>
+              </a:ext>
+            </a:extLst>
+          </p:cNvPr>
+          <p:cNvSpPr txBox="1">
+            <a:spLocks/>
+          </p:cNvSpPr>
+          <p:nvPr/>
+        </p:nvSpPr>
+        <p:spPr>
+          <a:xfrm>
+            <a:off x="1899176" y="2359328"/>
+            <a:ext cx="4064000" cy="276999"/>
+          </a:xfrm>
+          <a:prstGeom prst="rect">
+            <a:avLst/>
+          </a:prstGeom>
+        </p:spPr>
+        <p:txBody>
+          <a:bodyPr vert="horz" lIns="0" tIns="0" rIns="0" bIns="0" rtlCol="0">
+            <a:spAutoFit/>
+          </a:bodyPr>
+          <a:lstStyle>
+            <a:lvl1pPr marL="179388" indent="-179388" algn="l" defTabSz="914400" rtl="0" eaLnBrk="1" latinLnBrk="0" hangingPunct="1">
+              <a:lnSpc>
+                <a:spcPct val="90000"/>
+              </a:lnSpc>
+              <a:spcBef>
+                <a:spcPts val="600"/>
+              </a:spcBef>
+              <a:buFont typeface="Arial" pitchFamily="34" charset="0"/>
+              <a:buChar char="•"/>
+              <a:defRPr sz="2000" kern="1200">
+                <a:solidFill>
+                  <a:schemeClr val="accent1"/>
+                </a:solidFill>
+                <a:latin typeface="+mn-lt"/>
+                <a:ea typeface="+mn-ea"/>
+                <a:cs typeface="+mn-cs"/>
+              </a:defRPr>
+            </a:lvl1pPr>
+            <a:lvl2pPr marL="360000" indent="-180975" algn="l" defTabSz="914400" rtl="0" eaLnBrk="1" latinLnBrk="0" hangingPunct="1">
+              <a:lnSpc>
+                <a:spcPct val="90000"/>
+              </a:lnSpc>
+              <a:spcBef>
+                <a:spcPts val="600"/>
+              </a:spcBef>
+              <a:buFont typeface="Arial" panose="020B0604020202020204" pitchFamily="34" charset="0"/>
+              <a:buChar char="•"/>
+              <a:defRPr sz="2000" kern="1200">
+                <a:solidFill>
+                  <a:schemeClr val="accent1"/>
+                </a:solidFill>
+                <a:latin typeface="+mn-lt"/>
+                <a:ea typeface="+mn-ea"/>
+                <a:cs typeface="+mn-cs"/>
+              </a:defRPr>
+            </a:lvl2pPr>
+            <a:lvl3pPr marL="540000" indent="-180975" algn="l" defTabSz="914400" rtl="0" eaLnBrk="1" latinLnBrk="0" hangingPunct="1">
+              <a:lnSpc>
+                <a:spcPct val="90000"/>
+              </a:lnSpc>
+              <a:spcBef>
+                <a:spcPts val="600"/>
+              </a:spcBef>
+              <a:buFont typeface="Arial" pitchFamily="34" charset="0"/>
+              <a:buChar char="•"/>
+              <a:defRPr sz="2000" kern="1200">
+                <a:solidFill>
+                  <a:schemeClr val="accent1"/>
+                </a:solidFill>
+                <a:latin typeface="+mn-lt"/>
+                <a:ea typeface="+mn-ea"/>
+                <a:cs typeface="+mn-cs"/>
+              </a:defRPr>
+            </a:lvl3pPr>
+            <a:lvl4pPr marL="720000" indent="-180000" algn="l" defTabSz="914400" rtl="0" eaLnBrk="1" latinLnBrk="0" hangingPunct="1">
+              <a:lnSpc>
+                <a:spcPct val="90000"/>
+              </a:lnSpc>
+              <a:spcBef>
+                <a:spcPts val="600"/>
+              </a:spcBef>
+              <a:buFont typeface="Arial" panose="020B0604020202020204" pitchFamily="34" charset="0"/>
+              <a:buChar char="•"/>
+              <a:defRPr sz="2000" kern="1200">
+                <a:solidFill>
+                  <a:schemeClr val="accent1"/>
+                </a:solidFill>
+                <a:latin typeface="+mn-lt"/>
+                <a:ea typeface="+mn-ea"/>
+                <a:cs typeface="+mn-cs"/>
+              </a:defRPr>
+            </a:lvl4pPr>
+            <a:lvl5pPr marL="900000" indent="-180975" algn="l" defTabSz="914400" rtl="0" eaLnBrk="1" latinLnBrk="0" hangingPunct="1">
+              <a:lnSpc>
+                <a:spcPct val="90000"/>
+              </a:lnSpc>
+              <a:spcBef>
+                <a:spcPts val="600"/>
+              </a:spcBef>
+              <a:buFont typeface="Arial" panose="020B0604020202020204" pitchFamily="34" charset="0"/>
+              <a:buChar char="•"/>
+              <a:defRPr sz="2000" kern="1200">
+                <a:solidFill>
+                  <a:schemeClr val="accent1"/>
+                </a:solidFill>
+                <a:latin typeface="+mn-lt"/>
+                <a:ea typeface="+mn-ea"/>
+                <a:cs typeface="+mn-cs"/>
+              </a:defRPr>
+            </a:lvl5pPr>
+            <a:lvl6pPr marL="2514600" indent="-228600" algn="l" defTabSz="914400" rtl="0" eaLnBrk="1" latinLnBrk="0" hangingPunct="1">
+              <a:spcBef>
+                <a:spcPct val="20000"/>
+              </a:spcBef>
+              <a:buFont typeface="Arial" pitchFamily="34" charset="0"/>
+              <a:buChar char="•"/>
+              <a:defRPr sz="2000" kern="1200">
+                <a:solidFill>
+                  <a:schemeClr val="tx1"/>
+                </a:solidFill>
+                <a:latin typeface="+mn-lt"/>
+                <a:ea typeface="+mn-ea"/>
+                <a:cs typeface="+mn-cs"/>
+              </a:defRPr>
+            </a:lvl6pPr>
+            <a:lvl7pPr marL="2971800" indent="-228600" algn="l" defTabSz="914400" rtl="0" eaLnBrk="1" latinLnBrk="0" hangingPunct="1">
+              <a:spcBef>
+                <a:spcPct val="20000"/>
+              </a:spcBef>
+              <a:buFont typeface="Arial" pitchFamily="34" charset="0"/>
+              <a:buChar char="•"/>
+              <a:defRPr sz="2000" kern="1200">
+                <a:solidFill>
+                  <a:schemeClr val="tx1"/>
+                </a:solidFill>
+                <a:latin typeface="+mn-lt"/>
+                <a:ea typeface="+mn-ea"/>
+                <a:cs typeface="+mn-cs"/>
+              </a:defRPr>
+            </a:lvl7pPr>
+            <a:lvl8pPr marL="3429000" indent="-228600" algn="l" defTabSz="914400" rtl="0" eaLnBrk="1" latinLnBrk="0" hangingPunct="1">
+              <a:spcBef>
+                <a:spcPct val="20000"/>
+              </a:spcBef>
+              <a:buFont typeface="Arial" pitchFamily="34" charset="0"/>
+              <a:buChar char="•"/>
+              <a:defRPr sz="2000" kern="1200">
+                <a:solidFill>
+                  <a:schemeClr val="tx1"/>
+                </a:solidFill>
+                <a:latin typeface="+mn-lt"/>
+                <a:ea typeface="+mn-ea"/>
+                <a:cs typeface="+mn-cs"/>
+              </a:defRPr>
+            </a:lvl8pPr>
+            <a:lvl9pPr marL="3886200" indent="-228600" algn="l" defTabSz="914400" rtl="0" eaLnBrk="1" latinLnBrk="0" hangingPunct="1">
+              <a:spcBef>
+                <a:spcPct val="20000"/>
+              </a:spcBef>
+              <a:buFont typeface="Arial" pitchFamily="34" charset="0"/>
+              <a:buChar char="•"/>
+              <a:defRPr sz="2000" kern="1200">
+                <a:solidFill>
+                  <a:schemeClr val="tx1"/>
+                </a:solidFill>
+                <a:latin typeface="+mn-lt"/>
+                <a:ea typeface="+mn-ea"/>
+                <a:cs typeface="+mn-cs"/>
+              </a:defRPr>
+            </a:lvl9pPr>
+          </a:lstStyle>
+          <a:p>
+            <a:pPr marL="0" indent="0">
+              <a:buNone/>
+            </a:pPr>
+            <a:r>
+              <a:rPr lang="en-US"/>
+              <a:t>Motivation</a:t>
+            </a:r>
+            <a:endParaRPr lang="en-US" dirty="0"/>
+          </a:p>
+        </p:txBody>
+      </p:sp>
+      <p:sp>
+        <p:nvSpPr>
+          <p:cNvPr id="7" name="TextBox 5">
+            <a:extLst>
+              <a:ext uri="{FF2B5EF4-FFF2-40B4-BE49-F238E27FC236}">
+                <a16:creationId xmlns:a16="http://schemas.microsoft.com/office/drawing/2014/main" id="{F787AB7F-95DA-4686-8C4E-D8E93F97EFAD}"/>
+              </a:ext>
+            </a:extLst>
+          </p:cNvPr>
+          <p:cNvSpPr txBox="1">
+            <a:spLocks/>
+          </p:cNvSpPr>
+          <p:nvPr/>
+        </p:nvSpPr>
+        <p:spPr>
+          <a:xfrm>
+            <a:off x="982663" y="2022279"/>
+            <a:ext cx="700513" cy="747897"/>
+          </a:xfrm>
+          <a:prstGeom prst="rect">
+            <a:avLst/>
+          </a:prstGeom>
+        </p:spPr>
+        <p:txBody>
+          <a:bodyPr vert="horz" wrap="none" lIns="0" tIns="0" rIns="0" bIns="0" rtlCol="0">
+            <a:spAutoFit/>
+          </a:bodyPr>
+          <a:lstStyle>
+            <a:lvl1pPr marL="179388" indent="-179388" algn="l" defTabSz="914400" rtl="0" eaLnBrk="1" latinLnBrk="0" hangingPunct="1">
+              <a:lnSpc>
+                <a:spcPct val="90000"/>
+              </a:lnSpc>
+              <a:spcBef>
+                <a:spcPts val="600"/>
+              </a:spcBef>
+              <a:buFont typeface="Arial" pitchFamily="34" charset="0"/>
+              <a:buChar char="•"/>
+              <a:defRPr sz="2000" kern="1200">
+                <a:solidFill>
+                  <a:schemeClr val="accent1"/>
+                </a:solidFill>
+                <a:latin typeface="+mn-lt"/>
+                <a:ea typeface="+mn-ea"/>
+                <a:cs typeface="+mn-cs"/>
+              </a:defRPr>
+            </a:lvl1pPr>
+            <a:lvl2pPr marL="360000" indent="-180975" algn="l" defTabSz="914400" rtl="0" eaLnBrk="1" latinLnBrk="0" hangingPunct="1">
+              <a:lnSpc>
+                <a:spcPct val="90000"/>
+              </a:lnSpc>
+              <a:spcBef>
+                <a:spcPts val="600"/>
+              </a:spcBef>
+              <a:buFont typeface="Arial" panose="020B0604020202020204" pitchFamily="34" charset="0"/>
+              <a:buChar char="•"/>
+              <a:defRPr sz="2000" kern="1200">
+                <a:solidFill>
+                  <a:schemeClr val="accent1"/>
+                </a:solidFill>
+                <a:latin typeface="+mn-lt"/>
+                <a:ea typeface="+mn-ea"/>
+                <a:cs typeface="+mn-cs"/>
+              </a:defRPr>
+            </a:lvl2pPr>
+            <a:lvl3pPr marL="540000" indent="-180975" algn="l" defTabSz="914400" rtl="0" eaLnBrk="1" latinLnBrk="0" hangingPunct="1">
+              <a:lnSpc>
+                <a:spcPct val="90000"/>
+              </a:lnSpc>
+              <a:spcBef>
+                <a:spcPts val="600"/>
+              </a:spcBef>
+              <a:buFont typeface="Arial" pitchFamily="34" charset="0"/>
+              <a:buChar char="•"/>
+              <a:defRPr sz="2000" kern="1200">
+                <a:solidFill>
+                  <a:schemeClr val="accent1"/>
+                </a:solidFill>
+                <a:latin typeface="+mn-lt"/>
+                <a:ea typeface="+mn-ea"/>
+                <a:cs typeface="+mn-cs"/>
+              </a:defRPr>
+            </a:lvl3pPr>
+            <a:lvl4pPr marL="720000" indent="-180000" algn="l" defTabSz="914400" rtl="0" eaLnBrk="1" latinLnBrk="0" hangingPunct="1">
+              <a:lnSpc>
+                <a:spcPct val="90000"/>
+              </a:lnSpc>
+              <a:spcBef>
+                <a:spcPts val="600"/>
+              </a:spcBef>
+              <a:buFont typeface="Arial" panose="020B0604020202020204" pitchFamily="34" charset="0"/>
+              <a:buChar char="•"/>
+              <a:defRPr sz="2000" kern="1200">
+                <a:solidFill>
+                  <a:schemeClr val="accent1"/>
+                </a:solidFill>
+                <a:latin typeface="+mn-lt"/>
+                <a:ea typeface="+mn-ea"/>
+                <a:cs typeface="+mn-cs"/>
+              </a:defRPr>
+            </a:lvl4pPr>
+            <a:lvl5pPr marL="900000" indent="-180975" algn="l" defTabSz="914400" rtl="0" eaLnBrk="1" latinLnBrk="0" hangingPunct="1">
+              <a:lnSpc>
+                <a:spcPct val="90000"/>
+              </a:lnSpc>
+              <a:spcBef>
+                <a:spcPts val="600"/>
+              </a:spcBef>
+              <a:buFont typeface="Arial" panose="020B0604020202020204" pitchFamily="34" charset="0"/>
+              <a:buChar char="•"/>
+              <a:defRPr sz="2000" kern="1200">
+                <a:solidFill>
+                  <a:schemeClr val="accent1"/>
+                </a:solidFill>
+                <a:latin typeface="+mn-lt"/>
+                <a:ea typeface="+mn-ea"/>
+                <a:cs typeface="+mn-cs"/>
+              </a:defRPr>
+            </a:lvl5pPr>
+            <a:lvl6pPr marL="2514600" indent="-228600" algn="l" defTabSz="914400" rtl="0" eaLnBrk="1" latinLnBrk="0" hangingPunct="1">
+              <a:spcBef>
+                <a:spcPct val="20000"/>
+              </a:spcBef>
+              <a:buFont typeface="Arial" pitchFamily="34" charset="0"/>
+              <a:buChar char="•"/>
+              <a:defRPr sz="2000" kern="1200">
+                <a:solidFill>
+                  <a:schemeClr val="tx1"/>
+                </a:solidFill>
+                <a:latin typeface="+mn-lt"/>
+                <a:ea typeface="+mn-ea"/>
+                <a:cs typeface="+mn-cs"/>
+              </a:defRPr>
+            </a:lvl6pPr>
+            <a:lvl7pPr marL="2971800" indent="-228600" algn="l" defTabSz="914400" rtl="0" eaLnBrk="1" latinLnBrk="0" hangingPunct="1">
+              <a:spcBef>
+                <a:spcPct val="20000"/>
+              </a:spcBef>
+              <a:buFont typeface="Arial" pitchFamily="34" charset="0"/>
+              <a:buChar char="•"/>
+              <a:defRPr sz="2000" kern="1200">
+                <a:solidFill>
+                  <a:schemeClr val="tx1"/>
+                </a:solidFill>
+                <a:latin typeface="+mn-lt"/>
+                <a:ea typeface="+mn-ea"/>
+                <a:cs typeface="+mn-cs"/>
+              </a:defRPr>
+            </a:lvl7pPr>
+            <a:lvl8pPr marL="3429000" indent="-228600" algn="l" defTabSz="914400" rtl="0" eaLnBrk="1" latinLnBrk="0" hangingPunct="1">
+              <a:spcBef>
+                <a:spcPct val="20000"/>
+              </a:spcBef>
+              <a:buFont typeface="Arial" pitchFamily="34" charset="0"/>
+              <a:buChar char="•"/>
+              <a:defRPr sz="2000" kern="1200">
+                <a:solidFill>
+                  <a:schemeClr val="tx1"/>
+                </a:solidFill>
+                <a:latin typeface="+mn-lt"/>
+                <a:ea typeface="+mn-ea"/>
+                <a:cs typeface="+mn-cs"/>
+              </a:defRPr>
+            </a:lvl8pPr>
+            <a:lvl9pPr marL="3886200" indent="-228600" algn="l" defTabSz="914400" rtl="0" eaLnBrk="1" latinLnBrk="0" hangingPunct="1">
+              <a:spcBef>
+                <a:spcPct val="20000"/>
+              </a:spcBef>
+              <a:buFont typeface="Arial" pitchFamily="34" charset="0"/>
+              <a:buChar char="•"/>
+              <a:defRPr sz="2000" kern="1200">
+                <a:solidFill>
+                  <a:schemeClr val="tx1"/>
+                </a:solidFill>
+                <a:latin typeface="+mn-lt"/>
+                <a:ea typeface="+mn-ea"/>
+                <a:cs typeface="+mn-cs"/>
+              </a:defRPr>
+            </a:lvl9pPr>
+          </a:lstStyle>
+          <a:p>
+            <a:pPr marL="0" indent="0" algn="r">
+              <a:buNone/>
+            </a:pPr>
+            <a:r>
+              <a:rPr lang="en-US" sz="5400" b="1">
+                <a:solidFill>
+                  <a:schemeClr val="accent5"/>
+                </a:solidFill>
+              </a:rPr>
+              <a:t>01</a:t>
+            </a:r>
+            <a:endParaRPr lang="en-US" sz="5400" b="1" dirty="0">
+              <a:solidFill>
+                <a:schemeClr val="accent5"/>
+              </a:solidFill>
+            </a:endParaRPr>
+          </a:p>
+        </p:txBody>
+      </p:sp>
+      <p:sp>
+        <p:nvSpPr>
+          <p:cNvPr id="8" name="TextBox 5">
+            <a:extLst>
+              <a:ext uri="{FF2B5EF4-FFF2-40B4-BE49-F238E27FC236}">
+                <a16:creationId xmlns:a16="http://schemas.microsoft.com/office/drawing/2014/main" id="{8E492FCB-C2C0-467D-A668-B1FD59DC4F32}"/>
+              </a:ext>
+            </a:extLst>
+          </p:cNvPr>
+          <p:cNvSpPr txBox="1">
+            <a:spLocks/>
+          </p:cNvSpPr>
+          <p:nvPr/>
+        </p:nvSpPr>
+        <p:spPr>
+          <a:xfrm>
+            <a:off x="1899176" y="3036770"/>
+            <a:ext cx="4064000" cy="276999"/>
+          </a:xfrm>
+          <a:prstGeom prst="rect">
+            <a:avLst/>
+          </a:prstGeom>
+        </p:spPr>
+        <p:txBody>
+          <a:bodyPr vert="horz" lIns="0" tIns="0" rIns="0" bIns="0" rtlCol="0">
+            <a:spAutoFit/>
+          </a:bodyPr>
+          <a:lstStyle>
+            <a:lvl1pPr marL="179388" indent="-179388" algn="l" defTabSz="914400" rtl="0" eaLnBrk="1" latinLnBrk="0" hangingPunct="1">
+              <a:lnSpc>
+                <a:spcPct val="90000"/>
+              </a:lnSpc>
+              <a:spcBef>
+                <a:spcPts val="600"/>
+              </a:spcBef>
+              <a:buFont typeface="Arial" pitchFamily="34" charset="0"/>
+              <a:buChar char="•"/>
+              <a:defRPr sz="2000" kern="1200">
+                <a:solidFill>
+                  <a:schemeClr val="accent1"/>
+                </a:solidFill>
+                <a:latin typeface="+mn-lt"/>
+                <a:ea typeface="+mn-ea"/>
+                <a:cs typeface="+mn-cs"/>
+              </a:defRPr>
+            </a:lvl1pPr>
+            <a:lvl2pPr marL="360000" indent="-180975" algn="l" defTabSz="914400" rtl="0" eaLnBrk="1" latinLnBrk="0" hangingPunct="1">
+              <a:lnSpc>
+                <a:spcPct val="90000"/>
+              </a:lnSpc>
+              <a:spcBef>
+                <a:spcPts val="600"/>
+              </a:spcBef>
+              <a:buFont typeface="Arial" panose="020B0604020202020204" pitchFamily="34" charset="0"/>
+              <a:buChar char="•"/>
+              <a:defRPr sz="2000" kern="1200">
+                <a:solidFill>
+                  <a:schemeClr val="accent1"/>
+                </a:solidFill>
+                <a:latin typeface="+mn-lt"/>
+                <a:ea typeface="+mn-ea"/>
+                <a:cs typeface="+mn-cs"/>
+              </a:defRPr>
+            </a:lvl2pPr>
+            <a:lvl3pPr marL="540000" indent="-180975" algn="l" defTabSz="914400" rtl="0" eaLnBrk="1" latinLnBrk="0" hangingPunct="1">
+              <a:lnSpc>
+                <a:spcPct val="90000"/>
+              </a:lnSpc>
+              <a:spcBef>
+                <a:spcPts val="600"/>
+              </a:spcBef>
+              <a:buFont typeface="Arial" pitchFamily="34" charset="0"/>
+              <a:buChar char="•"/>
+              <a:defRPr sz="2000" kern="1200">
+                <a:solidFill>
+                  <a:schemeClr val="accent1"/>
+                </a:solidFill>
+                <a:latin typeface="+mn-lt"/>
+                <a:ea typeface="+mn-ea"/>
+                <a:cs typeface="+mn-cs"/>
+              </a:defRPr>
+            </a:lvl3pPr>
+            <a:lvl4pPr marL="720000" indent="-180000" algn="l" defTabSz="914400" rtl="0" eaLnBrk="1" latinLnBrk="0" hangingPunct="1">
+              <a:lnSpc>
+                <a:spcPct val="90000"/>
+              </a:lnSpc>
+              <a:spcBef>
+                <a:spcPts val="600"/>
+              </a:spcBef>
+              <a:buFont typeface="Arial" panose="020B0604020202020204" pitchFamily="34" charset="0"/>
+              <a:buChar char="•"/>
+              <a:defRPr sz="2000" kern="1200">
+                <a:solidFill>
+                  <a:schemeClr val="accent1"/>
+                </a:solidFill>
+                <a:latin typeface="+mn-lt"/>
+                <a:ea typeface="+mn-ea"/>
+                <a:cs typeface="+mn-cs"/>
+              </a:defRPr>
+            </a:lvl4pPr>
+            <a:lvl5pPr marL="900000" indent="-180975" algn="l" defTabSz="914400" rtl="0" eaLnBrk="1" latinLnBrk="0" hangingPunct="1">
+              <a:lnSpc>
+                <a:spcPct val="90000"/>
+              </a:lnSpc>
+              <a:spcBef>
+                <a:spcPts val="600"/>
+              </a:spcBef>
+              <a:buFont typeface="Arial" panose="020B0604020202020204" pitchFamily="34" charset="0"/>
+              <a:buChar char="•"/>
+              <a:defRPr sz="2000" kern="1200">
+                <a:solidFill>
+                  <a:schemeClr val="accent1"/>
+                </a:solidFill>
+                <a:latin typeface="+mn-lt"/>
+                <a:ea typeface="+mn-ea"/>
+                <a:cs typeface="+mn-cs"/>
+              </a:defRPr>
+            </a:lvl5pPr>
+            <a:lvl6pPr marL="2514600" indent="-228600" algn="l" defTabSz="914400" rtl="0" eaLnBrk="1" latinLnBrk="0" hangingPunct="1">
+              <a:spcBef>
+                <a:spcPct val="20000"/>
+              </a:spcBef>
+              <a:buFont typeface="Arial" pitchFamily="34" charset="0"/>
+              <a:buChar char="•"/>
+              <a:defRPr sz="2000" kern="1200">
+                <a:solidFill>
+                  <a:schemeClr val="tx1"/>
+                </a:solidFill>
+                <a:latin typeface="+mn-lt"/>
+                <a:ea typeface="+mn-ea"/>
+                <a:cs typeface="+mn-cs"/>
+              </a:defRPr>
+            </a:lvl6pPr>
+            <a:lvl7pPr marL="2971800" indent="-228600" algn="l" defTabSz="914400" rtl="0" eaLnBrk="1" latinLnBrk="0" hangingPunct="1">
+              <a:spcBef>
+                <a:spcPct val="20000"/>
+              </a:spcBef>
+              <a:buFont typeface="Arial" pitchFamily="34" charset="0"/>
+              <a:buChar char="•"/>
+              <a:defRPr sz="2000" kern="1200">
+                <a:solidFill>
+                  <a:schemeClr val="tx1"/>
+                </a:solidFill>
+                <a:latin typeface="+mn-lt"/>
+                <a:ea typeface="+mn-ea"/>
+                <a:cs typeface="+mn-cs"/>
+              </a:defRPr>
+            </a:lvl7pPr>
+            <a:lvl8pPr marL="3429000" indent="-228600" algn="l" defTabSz="914400" rtl="0" eaLnBrk="1" latinLnBrk="0" hangingPunct="1">
+              <a:spcBef>
+                <a:spcPct val="20000"/>
+              </a:spcBef>
+              <a:buFont typeface="Arial" pitchFamily="34" charset="0"/>
+              <a:buChar char="•"/>
+              <a:defRPr sz="2000" kern="1200">
+                <a:solidFill>
+                  <a:schemeClr val="tx1"/>
+                </a:solidFill>
+                <a:latin typeface="+mn-lt"/>
+                <a:ea typeface="+mn-ea"/>
+                <a:cs typeface="+mn-cs"/>
+              </a:defRPr>
+            </a:lvl8pPr>
+            <a:lvl9pPr marL="3886200" indent="-228600" algn="l" defTabSz="914400" rtl="0" eaLnBrk="1" latinLnBrk="0" hangingPunct="1">
+              <a:spcBef>
+                <a:spcPct val="20000"/>
+              </a:spcBef>
+              <a:buFont typeface="Arial" pitchFamily="34" charset="0"/>
+              <a:buChar char="•"/>
+              <a:defRPr sz="2000" kern="1200">
+                <a:solidFill>
+                  <a:schemeClr val="tx1"/>
+                </a:solidFill>
+                <a:latin typeface="+mn-lt"/>
+                <a:ea typeface="+mn-ea"/>
+                <a:cs typeface="+mn-cs"/>
+              </a:defRPr>
+            </a:lvl9pPr>
+          </a:lstStyle>
+          <a:p>
+            <a:pPr marL="0" indent="0">
+              <a:buNone/>
+            </a:pPr>
+            <a:r>
+              <a:rPr lang="en-US" dirty="0"/>
+              <a:t>Preliminary Problems</a:t>
+            </a:r>
+          </a:p>
+        </p:txBody>
+      </p:sp>
+      <p:sp>
+        <p:nvSpPr>
+          <p:cNvPr id="9" name="TextBox 5">
+            <a:extLst>
+              <a:ext uri="{FF2B5EF4-FFF2-40B4-BE49-F238E27FC236}">
+                <a16:creationId xmlns:a16="http://schemas.microsoft.com/office/drawing/2014/main" id="{8140DF04-B4DC-4986-9C6D-DDE15FD1CA31}"/>
+              </a:ext>
+            </a:extLst>
+          </p:cNvPr>
+          <p:cNvSpPr txBox="1">
+            <a:spLocks/>
+          </p:cNvSpPr>
+          <p:nvPr/>
+        </p:nvSpPr>
+        <p:spPr>
+          <a:xfrm>
+            <a:off x="992987" y="2699721"/>
+            <a:ext cx="690189" cy="747897"/>
+          </a:xfrm>
+          <a:prstGeom prst="rect">
+            <a:avLst/>
+          </a:prstGeom>
+        </p:spPr>
+        <p:txBody>
+          <a:bodyPr vert="horz" wrap="none" lIns="0" tIns="0" rIns="0" bIns="0" rtlCol="0">
+            <a:spAutoFit/>
+          </a:bodyPr>
+          <a:lstStyle>
+            <a:lvl1pPr marL="179388" indent="-179388" algn="l" defTabSz="914400" rtl="0" eaLnBrk="1" latinLnBrk="0" hangingPunct="1">
+              <a:lnSpc>
+                <a:spcPct val="90000"/>
+              </a:lnSpc>
+              <a:spcBef>
+                <a:spcPts val="600"/>
+              </a:spcBef>
+              <a:buFont typeface="Arial" pitchFamily="34" charset="0"/>
+              <a:buChar char="•"/>
+              <a:defRPr sz="2000" kern="1200">
+                <a:solidFill>
+                  <a:schemeClr val="accent1"/>
+                </a:solidFill>
+                <a:latin typeface="+mn-lt"/>
+                <a:ea typeface="+mn-ea"/>
+                <a:cs typeface="+mn-cs"/>
+              </a:defRPr>
+            </a:lvl1pPr>
+            <a:lvl2pPr marL="360000" indent="-180975" algn="l" defTabSz="914400" rtl="0" eaLnBrk="1" latinLnBrk="0" hangingPunct="1">
+              <a:lnSpc>
+                <a:spcPct val="90000"/>
+              </a:lnSpc>
+              <a:spcBef>
+                <a:spcPts val="600"/>
+              </a:spcBef>
+              <a:buFont typeface="Arial" panose="020B0604020202020204" pitchFamily="34" charset="0"/>
+              <a:buChar char="•"/>
+              <a:defRPr sz="2000" kern="1200">
+                <a:solidFill>
+                  <a:schemeClr val="accent1"/>
+                </a:solidFill>
+                <a:latin typeface="+mn-lt"/>
+                <a:ea typeface="+mn-ea"/>
+                <a:cs typeface="+mn-cs"/>
+              </a:defRPr>
+            </a:lvl2pPr>
+            <a:lvl3pPr marL="540000" indent="-180975" algn="l" defTabSz="914400" rtl="0" eaLnBrk="1" latinLnBrk="0" hangingPunct="1">
+              <a:lnSpc>
+                <a:spcPct val="90000"/>
+              </a:lnSpc>
+              <a:spcBef>
+                <a:spcPts val="600"/>
+              </a:spcBef>
+              <a:buFont typeface="Arial" pitchFamily="34" charset="0"/>
+              <a:buChar char="•"/>
+              <a:defRPr sz="2000" kern="1200">
+                <a:solidFill>
+                  <a:schemeClr val="accent1"/>
+                </a:solidFill>
+                <a:latin typeface="+mn-lt"/>
+                <a:ea typeface="+mn-ea"/>
+                <a:cs typeface="+mn-cs"/>
+              </a:defRPr>
+            </a:lvl3pPr>
+            <a:lvl4pPr marL="720000" indent="-180000" algn="l" defTabSz="914400" rtl="0" eaLnBrk="1" latinLnBrk="0" hangingPunct="1">
+              <a:lnSpc>
+                <a:spcPct val="90000"/>
+              </a:lnSpc>
+              <a:spcBef>
+                <a:spcPts val="600"/>
+              </a:spcBef>
+              <a:buFont typeface="Arial" panose="020B0604020202020204" pitchFamily="34" charset="0"/>
+              <a:buChar char="•"/>
+              <a:defRPr sz="2000" kern="1200">
+                <a:solidFill>
+                  <a:schemeClr val="accent1"/>
+                </a:solidFill>
+                <a:latin typeface="+mn-lt"/>
+                <a:ea typeface="+mn-ea"/>
+                <a:cs typeface="+mn-cs"/>
+              </a:defRPr>
+            </a:lvl4pPr>
+            <a:lvl5pPr marL="900000" indent="-180975" algn="l" defTabSz="914400" rtl="0" eaLnBrk="1" latinLnBrk="0" hangingPunct="1">
+              <a:lnSpc>
+                <a:spcPct val="90000"/>
+              </a:lnSpc>
+              <a:spcBef>
+                <a:spcPts val="600"/>
+              </a:spcBef>
+              <a:buFont typeface="Arial" panose="020B0604020202020204" pitchFamily="34" charset="0"/>
+              <a:buChar char="•"/>
+              <a:defRPr sz="2000" kern="1200">
+                <a:solidFill>
+                  <a:schemeClr val="accent1"/>
+                </a:solidFill>
+                <a:latin typeface="+mn-lt"/>
+                <a:ea typeface="+mn-ea"/>
+                <a:cs typeface="+mn-cs"/>
+              </a:defRPr>
+            </a:lvl5pPr>
+            <a:lvl6pPr marL="2514600" indent="-228600" algn="l" defTabSz="914400" rtl="0" eaLnBrk="1" latinLnBrk="0" hangingPunct="1">
+              <a:spcBef>
+                <a:spcPct val="20000"/>
+              </a:spcBef>
+              <a:buFont typeface="Arial" pitchFamily="34" charset="0"/>
+              <a:buChar char="•"/>
+              <a:defRPr sz="2000" kern="1200">
+                <a:solidFill>
+                  <a:schemeClr val="tx1"/>
+                </a:solidFill>
+                <a:latin typeface="+mn-lt"/>
+                <a:ea typeface="+mn-ea"/>
+                <a:cs typeface="+mn-cs"/>
+              </a:defRPr>
+            </a:lvl6pPr>
+            <a:lvl7pPr marL="2971800" indent="-228600" algn="l" defTabSz="914400" rtl="0" eaLnBrk="1" latinLnBrk="0" hangingPunct="1">
+              <a:spcBef>
+                <a:spcPct val="20000"/>
+              </a:spcBef>
+              <a:buFont typeface="Arial" pitchFamily="34" charset="0"/>
+              <a:buChar char="•"/>
+              <a:defRPr sz="2000" kern="1200">
+                <a:solidFill>
+                  <a:schemeClr val="tx1"/>
+                </a:solidFill>
+                <a:latin typeface="+mn-lt"/>
+                <a:ea typeface="+mn-ea"/>
+                <a:cs typeface="+mn-cs"/>
+              </a:defRPr>
+            </a:lvl7pPr>
+            <a:lvl8pPr marL="3429000" indent="-228600" algn="l" defTabSz="914400" rtl="0" eaLnBrk="1" latinLnBrk="0" hangingPunct="1">
+              <a:spcBef>
+                <a:spcPct val="20000"/>
+              </a:spcBef>
+              <a:buFont typeface="Arial" pitchFamily="34" charset="0"/>
+              <a:buChar char="•"/>
+              <a:defRPr sz="2000" kern="1200">
+                <a:solidFill>
+                  <a:schemeClr val="tx1"/>
+                </a:solidFill>
+                <a:latin typeface="+mn-lt"/>
+                <a:ea typeface="+mn-ea"/>
+                <a:cs typeface="+mn-cs"/>
+              </a:defRPr>
+            </a:lvl8pPr>
+            <a:lvl9pPr marL="3886200" indent="-228600" algn="l" defTabSz="914400" rtl="0" eaLnBrk="1" latinLnBrk="0" hangingPunct="1">
+              <a:spcBef>
+                <a:spcPct val="20000"/>
+              </a:spcBef>
+              <a:buFont typeface="Arial" pitchFamily="34" charset="0"/>
+              <a:buChar char="•"/>
+              <a:defRPr sz="2000" kern="1200">
+                <a:solidFill>
+                  <a:schemeClr val="tx1"/>
+                </a:solidFill>
+                <a:latin typeface="+mn-lt"/>
+                <a:ea typeface="+mn-ea"/>
+                <a:cs typeface="+mn-cs"/>
+              </a:defRPr>
+            </a:lvl9pPr>
+          </a:lstStyle>
+          <a:p>
+            <a:pPr marL="0" indent="0" algn="r">
+              <a:buNone/>
+            </a:pPr>
+            <a:r>
+              <a:rPr lang="en-US" sz="5400" b="1">
+                <a:solidFill>
+                  <a:schemeClr val="accent5"/>
+                </a:solidFill>
+              </a:rPr>
+              <a:t>02</a:t>
+            </a:r>
+            <a:endParaRPr lang="en-US" sz="5400" b="1" dirty="0">
+              <a:solidFill>
+                <a:schemeClr val="accent5"/>
+              </a:solidFill>
+            </a:endParaRPr>
+          </a:p>
+        </p:txBody>
+      </p:sp>
+      <p:sp>
+        <p:nvSpPr>
+          <p:cNvPr id="10" name="TextBox 5">
+            <a:extLst>
+              <a:ext uri="{FF2B5EF4-FFF2-40B4-BE49-F238E27FC236}">
+                <a16:creationId xmlns:a16="http://schemas.microsoft.com/office/drawing/2014/main" id="{CBA4467F-4AF6-4FDA-A3A1-6FFF686B5694}"/>
+              </a:ext>
+            </a:extLst>
+          </p:cNvPr>
+          <p:cNvSpPr txBox="1">
+            <a:spLocks/>
+          </p:cNvSpPr>
+          <p:nvPr/>
+        </p:nvSpPr>
+        <p:spPr>
+          <a:xfrm>
+            <a:off x="1899176" y="3714212"/>
+            <a:ext cx="4064000" cy="276999"/>
+          </a:xfrm>
+          <a:prstGeom prst="rect">
+            <a:avLst/>
+          </a:prstGeom>
+        </p:spPr>
+        <p:txBody>
+          <a:bodyPr vert="horz" lIns="0" tIns="0" rIns="0" bIns="0" rtlCol="0">
+            <a:spAutoFit/>
+          </a:bodyPr>
+          <a:lstStyle>
+            <a:lvl1pPr marL="179388" indent="-179388" algn="l" defTabSz="914400" rtl="0" eaLnBrk="1" latinLnBrk="0" hangingPunct="1">
+              <a:lnSpc>
+                <a:spcPct val="90000"/>
+              </a:lnSpc>
+              <a:spcBef>
+                <a:spcPts val="600"/>
+              </a:spcBef>
+              <a:buFont typeface="Arial" pitchFamily="34" charset="0"/>
+              <a:buChar char="•"/>
+              <a:defRPr sz="2000" kern="1200">
+                <a:solidFill>
+                  <a:schemeClr val="accent1"/>
+                </a:solidFill>
+                <a:latin typeface="+mn-lt"/>
+                <a:ea typeface="+mn-ea"/>
+                <a:cs typeface="+mn-cs"/>
+              </a:defRPr>
+            </a:lvl1pPr>
+            <a:lvl2pPr marL="360000" indent="-180975" algn="l" defTabSz="914400" rtl="0" eaLnBrk="1" latinLnBrk="0" hangingPunct="1">
+              <a:lnSpc>
+                <a:spcPct val="90000"/>
+              </a:lnSpc>
+              <a:spcBef>
+                <a:spcPts val="600"/>
+              </a:spcBef>
+              <a:buFont typeface="Arial" panose="020B0604020202020204" pitchFamily="34" charset="0"/>
+              <a:buChar char="•"/>
+              <a:defRPr sz="2000" kern="1200">
+                <a:solidFill>
+                  <a:schemeClr val="accent1"/>
+                </a:solidFill>
+                <a:latin typeface="+mn-lt"/>
+                <a:ea typeface="+mn-ea"/>
+                <a:cs typeface="+mn-cs"/>
+              </a:defRPr>
+            </a:lvl2pPr>
+            <a:lvl3pPr marL="540000" indent="-180975" algn="l" defTabSz="914400" rtl="0" eaLnBrk="1" latinLnBrk="0" hangingPunct="1">
+              <a:lnSpc>
+                <a:spcPct val="90000"/>
+              </a:lnSpc>
+              <a:spcBef>
+                <a:spcPts val="600"/>
+              </a:spcBef>
+              <a:buFont typeface="Arial" pitchFamily="34" charset="0"/>
+              <a:buChar char="•"/>
+              <a:defRPr sz="2000" kern="1200">
+                <a:solidFill>
+                  <a:schemeClr val="accent1"/>
+                </a:solidFill>
+                <a:latin typeface="+mn-lt"/>
+                <a:ea typeface="+mn-ea"/>
+                <a:cs typeface="+mn-cs"/>
+              </a:defRPr>
+            </a:lvl3pPr>
+            <a:lvl4pPr marL="720000" indent="-180000" algn="l" defTabSz="914400" rtl="0" eaLnBrk="1" latinLnBrk="0" hangingPunct="1">
+              <a:lnSpc>
+                <a:spcPct val="90000"/>
+              </a:lnSpc>
+              <a:spcBef>
+                <a:spcPts val="600"/>
+              </a:spcBef>
+              <a:buFont typeface="Arial" panose="020B0604020202020204" pitchFamily="34" charset="0"/>
+              <a:buChar char="•"/>
+              <a:defRPr sz="2000" kern="1200">
+                <a:solidFill>
+                  <a:schemeClr val="accent1"/>
+                </a:solidFill>
+                <a:latin typeface="+mn-lt"/>
+                <a:ea typeface="+mn-ea"/>
+                <a:cs typeface="+mn-cs"/>
+              </a:defRPr>
+            </a:lvl4pPr>
+            <a:lvl5pPr marL="900000" indent="-180975" algn="l" defTabSz="914400" rtl="0" eaLnBrk="1" latinLnBrk="0" hangingPunct="1">
+              <a:lnSpc>
+                <a:spcPct val="90000"/>
+              </a:lnSpc>
+              <a:spcBef>
+                <a:spcPts val="600"/>
+              </a:spcBef>
+              <a:buFont typeface="Arial" panose="020B0604020202020204" pitchFamily="34" charset="0"/>
+              <a:buChar char="•"/>
+              <a:defRPr sz="2000" kern="1200">
+                <a:solidFill>
+                  <a:schemeClr val="accent1"/>
+                </a:solidFill>
+                <a:latin typeface="+mn-lt"/>
+                <a:ea typeface="+mn-ea"/>
+                <a:cs typeface="+mn-cs"/>
+              </a:defRPr>
+            </a:lvl5pPr>
+            <a:lvl6pPr marL="2514600" indent="-228600" algn="l" defTabSz="914400" rtl="0" eaLnBrk="1" latinLnBrk="0" hangingPunct="1">
+              <a:spcBef>
+                <a:spcPct val="20000"/>
+              </a:spcBef>
+              <a:buFont typeface="Arial" pitchFamily="34" charset="0"/>
+              <a:buChar char="•"/>
+              <a:defRPr sz="2000" kern="1200">
+                <a:solidFill>
+                  <a:schemeClr val="tx1"/>
+                </a:solidFill>
+                <a:latin typeface="+mn-lt"/>
+                <a:ea typeface="+mn-ea"/>
+                <a:cs typeface="+mn-cs"/>
+              </a:defRPr>
+            </a:lvl6pPr>
+            <a:lvl7pPr marL="2971800" indent="-228600" algn="l" defTabSz="914400" rtl="0" eaLnBrk="1" latinLnBrk="0" hangingPunct="1">
+              <a:spcBef>
+                <a:spcPct val="20000"/>
+              </a:spcBef>
+              <a:buFont typeface="Arial" pitchFamily="34" charset="0"/>
+              <a:buChar char="•"/>
+              <a:defRPr sz="2000" kern="1200">
+                <a:solidFill>
+                  <a:schemeClr val="tx1"/>
+                </a:solidFill>
+                <a:latin typeface="+mn-lt"/>
+                <a:ea typeface="+mn-ea"/>
+                <a:cs typeface="+mn-cs"/>
+              </a:defRPr>
+            </a:lvl7pPr>
+            <a:lvl8pPr marL="3429000" indent="-228600" algn="l" defTabSz="914400" rtl="0" eaLnBrk="1" latinLnBrk="0" hangingPunct="1">
+              <a:spcBef>
+                <a:spcPct val="20000"/>
+              </a:spcBef>
+              <a:buFont typeface="Arial" pitchFamily="34" charset="0"/>
+              <a:buChar char="•"/>
+              <a:defRPr sz="2000" kern="1200">
+                <a:solidFill>
+                  <a:schemeClr val="tx1"/>
+                </a:solidFill>
+                <a:latin typeface="+mn-lt"/>
+                <a:ea typeface="+mn-ea"/>
+                <a:cs typeface="+mn-cs"/>
+              </a:defRPr>
+            </a:lvl8pPr>
+            <a:lvl9pPr marL="3886200" indent="-228600" algn="l" defTabSz="914400" rtl="0" eaLnBrk="1" latinLnBrk="0" hangingPunct="1">
+              <a:spcBef>
+                <a:spcPct val="20000"/>
+              </a:spcBef>
+              <a:buFont typeface="Arial" pitchFamily="34" charset="0"/>
+              <a:buChar char="•"/>
+              <a:defRPr sz="2000" kern="1200">
+                <a:solidFill>
+                  <a:schemeClr val="tx1"/>
+                </a:solidFill>
+                <a:latin typeface="+mn-lt"/>
+                <a:ea typeface="+mn-ea"/>
+                <a:cs typeface="+mn-cs"/>
+              </a:defRPr>
+            </a:lvl9pPr>
+          </a:lstStyle>
+          <a:p>
+            <a:pPr marL="0" indent="0">
+              <a:buNone/>
+            </a:pPr>
+            <a:r>
+              <a:rPr lang="en-US" dirty="0"/>
+              <a:t>Scientific Methods and Data</a:t>
+            </a:r>
+          </a:p>
+        </p:txBody>
+      </p:sp>
+      <p:sp>
+        <p:nvSpPr>
+          <p:cNvPr id="11" name="TextBox 5">
+            <a:extLst>
+              <a:ext uri="{FF2B5EF4-FFF2-40B4-BE49-F238E27FC236}">
+                <a16:creationId xmlns:a16="http://schemas.microsoft.com/office/drawing/2014/main" id="{8EF3D609-41B5-4A56-8942-7DC08C4DC25A}"/>
+              </a:ext>
+            </a:extLst>
+          </p:cNvPr>
+          <p:cNvSpPr txBox="1">
+            <a:spLocks/>
+          </p:cNvSpPr>
+          <p:nvPr/>
+        </p:nvSpPr>
+        <p:spPr>
+          <a:xfrm>
+            <a:off x="1001002" y="3377163"/>
+            <a:ext cx="682174" cy="747897"/>
+          </a:xfrm>
+          <a:prstGeom prst="rect">
+            <a:avLst/>
+          </a:prstGeom>
+        </p:spPr>
+        <p:txBody>
+          <a:bodyPr vert="horz" wrap="none" lIns="0" tIns="0" rIns="0" bIns="0" rtlCol="0">
+            <a:spAutoFit/>
+          </a:bodyPr>
+          <a:lstStyle>
+            <a:lvl1pPr marL="179388" indent="-179388" algn="l" defTabSz="914400" rtl="0" eaLnBrk="1" latinLnBrk="0" hangingPunct="1">
+              <a:lnSpc>
+                <a:spcPct val="90000"/>
+              </a:lnSpc>
+              <a:spcBef>
+                <a:spcPts val="600"/>
+              </a:spcBef>
+              <a:buFont typeface="Arial" pitchFamily="34" charset="0"/>
+              <a:buChar char="•"/>
+              <a:defRPr sz="2000" kern="1200">
+                <a:solidFill>
+                  <a:schemeClr val="accent1"/>
+                </a:solidFill>
+                <a:latin typeface="+mn-lt"/>
+                <a:ea typeface="+mn-ea"/>
+                <a:cs typeface="+mn-cs"/>
+              </a:defRPr>
+            </a:lvl1pPr>
+            <a:lvl2pPr marL="360000" indent="-180975" algn="l" defTabSz="914400" rtl="0" eaLnBrk="1" latinLnBrk="0" hangingPunct="1">
+              <a:lnSpc>
+                <a:spcPct val="90000"/>
+              </a:lnSpc>
+              <a:spcBef>
+                <a:spcPts val="600"/>
+              </a:spcBef>
+              <a:buFont typeface="Arial" panose="020B0604020202020204" pitchFamily="34" charset="0"/>
+              <a:buChar char="•"/>
+              <a:defRPr sz="2000" kern="1200">
+                <a:solidFill>
+                  <a:schemeClr val="accent1"/>
+                </a:solidFill>
+                <a:latin typeface="+mn-lt"/>
+                <a:ea typeface="+mn-ea"/>
+                <a:cs typeface="+mn-cs"/>
+              </a:defRPr>
+            </a:lvl2pPr>
+            <a:lvl3pPr marL="540000" indent="-180975" algn="l" defTabSz="914400" rtl="0" eaLnBrk="1" latinLnBrk="0" hangingPunct="1">
+              <a:lnSpc>
+                <a:spcPct val="90000"/>
+              </a:lnSpc>
+              <a:spcBef>
+                <a:spcPts val="600"/>
+              </a:spcBef>
+              <a:buFont typeface="Arial" pitchFamily="34" charset="0"/>
+              <a:buChar char="•"/>
+              <a:defRPr sz="2000" kern="1200">
+                <a:solidFill>
+                  <a:schemeClr val="accent1"/>
+                </a:solidFill>
+                <a:latin typeface="+mn-lt"/>
+                <a:ea typeface="+mn-ea"/>
+                <a:cs typeface="+mn-cs"/>
+              </a:defRPr>
+            </a:lvl3pPr>
+            <a:lvl4pPr marL="720000" indent="-180000" algn="l" defTabSz="914400" rtl="0" eaLnBrk="1" latinLnBrk="0" hangingPunct="1">
+              <a:lnSpc>
+                <a:spcPct val="90000"/>
+              </a:lnSpc>
+              <a:spcBef>
+                <a:spcPts val="600"/>
+              </a:spcBef>
+              <a:buFont typeface="Arial" panose="020B0604020202020204" pitchFamily="34" charset="0"/>
+              <a:buChar char="•"/>
+              <a:defRPr sz="2000" kern="1200">
+                <a:solidFill>
+                  <a:schemeClr val="accent1"/>
+                </a:solidFill>
+                <a:latin typeface="+mn-lt"/>
+                <a:ea typeface="+mn-ea"/>
+                <a:cs typeface="+mn-cs"/>
+              </a:defRPr>
+            </a:lvl4pPr>
+            <a:lvl5pPr marL="900000" indent="-180975" algn="l" defTabSz="914400" rtl="0" eaLnBrk="1" latinLnBrk="0" hangingPunct="1">
+              <a:lnSpc>
+                <a:spcPct val="90000"/>
+              </a:lnSpc>
+              <a:spcBef>
+                <a:spcPts val="600"/>
+              </a:spcBef>
+              <a:buFont typeface="Arial" panose="020B0604020202020204" pitchFamily="34" charset="0"/>
+              <a:buChar char="•"/>
+              <a:defRPr sz="2000" kern="1200">
+                <a:solidFill>
+                  <a:schemeClr val="accent1"/>
+                </a:solidFill>
+                <a:latin typeface="+mn-lt"/>
+                <a:ea typeface="+mn-ea"/>
+                <a:cs typeface="+mn-cs"/>
+              </a:defRPr>
+            </a:lvl5pPr>
+            <a:lvl6pPr marL="2514600" indent="-228600" algn="l" defTabSz="914400" rtl="0" eaLnBrk="1" latinLnBrk="0" hangingPunct="1">
+              <a:spcBef>
+                <a:spcPct val="20000"/>
+              </a:spcBef>
+              <a:buFont typeface="Arial" pitchFamily="34" charset="0"/>
+              <a:buChar char="•"/>
+              <a:defRPr sz="2000" kern="1200">
+                <a:solidFill>
+                  <a:schemeClr val="tx1"/>
+                </a:solidFill>
+                <a:latin typeface="+mn-lt"/>
+                <a:ea typeface="+mn-ea"/>
+                <a:cs typeface="+mn-cs"/>
+              </a:defRPr>
+            </a:lvl6pPr>
+            <a:lvl7pPr marL="2971800" indent="-228600" algn="l" defTabSz="914400" rtl="0" eaLnBrk="1" latinLnBrk="0" hangingPunct="1">
+              <a:spcBef>
+                <a:spcPct val="20000"/>
+              </a:spcBef>
+              <a:buFont typeface="Arial" pitchFamily="34" charset="0"/>
+              <a:buChar char="•"/>
+              <a:defRPr sz="2000" kern="1200">
+                <a:solidFill>
+                  <a:schemeClr val="tx1"/>
+                </a:solidFill>
+                <a:latin typeface="+mn-lt"/>
+                <a:ea typeface="+mn-ea"/>
+                <a:cs typeface="+mn-cs"/>
+              </a:defRPr>
+            </a:lvl7pPr>
+            <a:lvl8pPr marL="3429000" indent="-228600" algn="l" defTabSz="914400" rtl="0" eaLnBrk="1" latinLnBrk="0" hangingPunct="1">
+              <a:spcBef>
+                <a:spcPct val="20000"/>
+              </a:spcBef>
+              <a:buFont typeface="Arial" pitchFamily="34" charset="0"/>
+              <a:buChar char="•"/>
+              <a:defRPr sz="2000" kern="1200">
+                <a:solidFill>
+                  <a:schemeClr val="tx1"/>
+                </a:solidFill>
+                <a:latin typeface="+mn-lt"/>
+                <a:ea typeface="+mn-ea"/>
+                <a:cs typeface="+mn-cs"/>
+              </a:defRPr>
+            </a:lvl8pPr>
+            <a:lvl9pPr marL="3886200" indent="-228600" algn="l" defTabSz="914400" rtl="0" eaLnBrk="1" latinLnBrk="0" hangingPunct="1">
+              <a:spcBef>
+                <a:spcPct val="20000"/>
+              </a:spcBef>
+              <a:buFont typeface="Arial" pitchFamily="34" charset="0"/>
+              <a:buChar char="•"/>
+              <a:defRPr sz="2000" kern="1200">
+                <a:solidFill>
+                  <a:schemeClr val="tx1"/>
+                </a:solidFill>
+                <a:latin typeface="+mn-lt"/>
+                <a:ea typeface="+mn-ea"/>
+                <a:cs typeface="+mn-cs"/>
+              </a:defRPr>
+            </a:lvl9pPr>
+          </a:lstStyle>
+          <a:p>
+            <a:pPr marL="0" indent="0" algn="r">
+              <a:buNone/>
+            </a:pPr>
+            <a:r>
+              <a:rPr lang="en-US" sz="5400" b="1">
+                <a:solidFill>
+                  <a:schemeClr val="accent5"/>
+                </a:solidFill>
+              </a:rPr>
+              <a:t>03</a:t>
+            </a:r>
+            <a:endParaRPr lang="en-US" sz="5400" b="1" dirty="0">
+              <a:solidFill>
+                <a:schemeClr val="accent5"/>
+              </a:solidFill>
+            </a:endParaRPr>
+          </a:p>
+        </p:txBody>
+      </p:sp>
+      <p:sp>
+        <p:nvSpPr>
+          <p:cNvPr id="12" name="TextBox 5">
+            <a:extLst>
+              <a:ext uri="{FF2B5EF4-FFF2-40B4-BE49-F238E27FC236}">
+                <a16:creationId xmlns:a16="http://schemas.microsoft.com/office/drawing/2014/main" id="{702BF8D8-1F1E-4939-B5E8-A6D1C6691326}"/>
+              </a:ext>
+            </a:extLst>
+          </p:cNvPr>
+          <p:cNvSpPr txBox="1">
+            <a:spLocks/>
+          </p:cNvSpPr>
+          <p:nvPr/>
+        </p:nvSpPr>
+        <p:spPr>
+          <a:xfrm>
+            <a:off x="1899176" y="4391654"/>
+            <a:ext cx="4064000" cy="276999"/>
+          </a:xfrm>
+          <a:prstGeom prst="rect">
+            <a:avLst/>
+          </a:prstGeom>
+        </p:spPr>
+        <p:txBody>
+          <a:bodyPr vert="horz" lIns="0" tIns="0" rIns="0" bIns="0" rtlCol="0">
+            <a:spAutoFit/>
+          </a:bodyPr>
+          <a:lstStyle>
+            <a:lvl1pPr marL="179388" indent="-179388" algn="l" defTabSz="914400" rtl="0" eaLnBrk="1" latinLnBrk="0" hangingPunct="1">
+              <a:lnSpc>
+                <a:spcPct val="90000"/>
+              </a:lnSpc>
+              <a:spcBef>
+                <a:spcPts val="600"/>
+              </a:spcBef>
+              <a:buFont typeface="Arial" pitchFamily="34" charset="0"/>
+              <a:buChar char="•"/>
+              <a:defRPr sz="2000" kern="1200">
+                <a:solidFill>
+                  <a:schemeClr val="accent1"/>
+                </a:solidFill>
+                <a:latin typeface="+mn-lt"/>
+                <a:ea typeface="+mn-ea"/>
+                <a:cs typeface="+mn-cs"/>
+              </a:defRPr>
+            </a:lvl1pPr>
+            <a:lvl2pPr marL="360000" indent="-180975" algn="l" defTabSz="914400" rtl="0" eaLnBrk="1" latinLnBrk="0" hangingPunct="1">
+              <a:lnSpc>
+                <a:spcPct val="90000"/>
+              </a:lnSpc>
+              <a:spcBef>
+                <a:spcPts val="600"/>
+              </a:spcBef>
+              <a:buFont typeface="Arial" panose="020B0604020202020204" pitchFamily="34" charset="0"/>
+              <a:buChar char="•"/>
+              <a:defRPr sz="2000" kern="1200">
+                <a:solidFill>
+                  <a:schemeClr val="accent1"/>
+                </a:solidFill>
+                <a:latin typeface="+mn-lt"/>
+                <a:ea typeface="+mn-ea"/>
+                <a:cs typeface="+mn-cs"/>
+              </a:defRPr>
+            </a:lvl2pPr>
+            <a:lvl3pPr marL="540000" indent="-180975" algn="l" defTabSz="914400" rtl="0" eaLnBrk="1" latinLnBrk="0" hangingPunct="1">
+              <a:lnSpc>
+                <a:spcPct val="90000"/>
+              </a:lnSpc>
+              <a:spcBef>
+                <a:spcPts val="600"/>
+              </a:spcBef>
+              <a:buFont typeface="Arial" pitchFamily="34" charset="0"/>
+              <a:buChar char="•"/>
+              <a:defRPr sz="2000" kern="1200">
+                <a:solidFill>
+                  <a:schemeClr val="accent1"/>
+                </a:solidFill>
+                <a:latin typeface="+mn-lt"/>
+                <a:ea typeface="+mn-ea"/>
+                <a:cs typeface="+mn-cs"/>
+              </a:defRPr>
+            </a:lvl3pPr>
+            <a:lvl4pPr marL="720000" indent="-180000" algn="l" defTabSz="914400" rtl="0" eaLnBrk="1" latinLnBrk="0" hangingPunct="1">
+              <a:lnSpc>
+                <a:spcPct val="90000"/>
+              </a:lnSpc>
+              <a:spcBef>
+                <a:spcPts val="600"/>
+              </a:spcBef>
+              <a:buFont typeface="Arial" panose="020B0604020202020204" pitchFamily="34" charset="0"/>
+              <a:buChar char="•"/>
+              <a:defRPr sz="2000" kern="1200">
+                <a:solidFill>
+                  <a:schemeClr val="accent1"/>
+                </a:solidFill>
+                <a:latin typeface="+mn-lt"/>
+                <a:ea typeface="+mn-ea"/>
+                <a:cs typeface="+mn-cs"/>
+              </a:defRPr>
+            </a:lvl4pPr>
+            <a:lvl5pPr marL="900000" indent="-180975" algn="l" defTabSz="914400" rtl="0" eaLnBrk="1" latinLnBrk="0" hangingPunct="1">
+              <a:lnSpc>
+                <a:spcPct val="90000"/>
+              </a:lnSpc>
+              <a:spcBef>
+                <a:spcPts val="600"/>
+              </a:spcBef>
+              <a:buFont typeface="Arial" panose="020B0604020202020204" pitchFamily="34" charset="0"/>
+              <a:buChar char="•"/>
+              <a:defRPr sz="2000" kern="1200">
+                <a:solidFill>
+                  <a:schemeClr val="accent1"/>
+                </a:solidFill>
+                <a:latin typeface="+mn-lt"/>
+                <a:ea typeface="+mn-ea"/>
+                <a:cs typeface="+mn-cs"/>
+              </a:defRPr>
+            </a:lvl5pPr>
+            <a:lvl6pPr marL="2514600" indent="-228600" algn="l" defTabSz="914400" rtl="0" eaLnBrk="1" latinLnBrk="0" hangingPunct="1">
+              <a:spcBef>
+                <a:spcPct val="20000"/>
+              </a:spcBef>
+              <a:buFont typeface="Arial" pitchFamily="34" charset="0"/>
+              <a:buChar char="•"/>
+              <a:defRPr sz="2000" kern="1200">
+                <a:solidFill>
+                  <a:schemeClr val="tx1"/>
+                </a:solidFill>
+                <a:latin typeface="+mn-lt"/>
+                <a:ea typeface="+mn-ea"/>
+                <a:cs typeface="+mn-cs"/>
+              </a:defRPr>
+            </a:lvl6pPr>
+            <a:lvl7pPr marL="2971800" indent="-228600" algn="l" defTabSz="914400" rtl="0" eaLnBrk="1" latinLnBrk="0" hangingPunct="1">
+              <a:spcBef>
+                <a:spcPct val="20000"/>
+              </a:spcBef>
+              <a:buFont typeface="Arial" pitchFamily="34" charset="0"/>
+              <a:buChar char="•"/>
+              <a:defRPr sz="2000" kern="1200">
+                <a:solidFill>
+                  <a:schemeClr val="tx1"/>
+                </a:solidFill>
+                <a:latin typeface="+mn-lt"/>
+                <a:ea typeface="+mn-ea"/>
+                <a:cs typeface="+mn-cs"/>
+              </a:defRPr>
+            </a:lvl7pPr>
+            <a:lvl8pPr marL="3429000" indent="-228600" algn="l" defTabSz="914400" rtl="0" eaLnBrk="1" latinLnBrk="0" hangingPunct="1">
+              <a:spcBef>
+                <a:spcPct val="20000"/>
+              </a:spcBef>
+              <a:buFont typeface="Arial" pitchFamily="34" charset="0"/>
+              <a:buChar char="•"/>
+              <a:defRPr sz="2000" kern="1200">
+                <a:solidFill>
+                  <a:schemeClr val="tx1"/>
+                </a:solidFill>
+                <a:latin typeface="+mn-lt"/>
+                <a:ea typeface="+mn-ea"/>
+                <a:cs typeface="+mn-cs"/>
+              </a:defRPr>
+            </a:lvl8pPr>
+            <a:lvl9pPr marL="3886200" indent="-228600" algn="l" defTabSz="914400" rtl="0" eaLnBrk="1" latinLnBrk="0" hangingPunct="1">
+              <a:spcBef>
+                <a:spcPct val="20000"/>
+              </a:spcBef>
+              <a:buFont typeface="Arial" pitchFamily="34" charset="0"/>
+              <a:buChar char="•"/>
+              <a:defRPr sz="2000" kern="1200">
+                <a:solidFill>
+                  <a:schemeClr val="tx1"/>
+                </a:solidFill>
+                <a:latin typeface="+mn-lt"/>
+                <a:ea typeface="+mn-ea"/>
+                <a:cs typeface="+mn-cs"/>
+              </a:defRPr>
+            </a:lvl9pPr>
+          </a:lstStyle>
+          <a:p>
+            <a:pPr marL="0" indent="0">
+              <a:buNone/>
+            </a:pPr>
+            <a:r>
+              <a:rPr lang="en-US" dirty="0"/>
+              <a:t>Expected Output</a:t>
+            </a:r>
+          </a:p>
+        </p:txBody>
+      </p:sp>
+      <p:sp>
+        <p:nvSpPr>
+          <p:cNvPr id="13" name="TextBox 5">
+            <a:extLst>
+              <a:ext uri="{FF2B5EF4-FFF2-40B4-BE49-F238E27FC236}">
+                <a16:creationId xmlns:a16="http://schemas.microsoft.com/office/drawing/2014/main" id="{50C5CCBA-0874-4BEE-99C2-CC4082D3A1FF}"/>
+              </a:ext>
+            </a:extLst>
+          </p:cNvPr>
+          <p:cNvSpPr txBox="1">
+            <a:spLocks/>
+          </p:cNvSpPr>
+          <p:nvPr/>
+        </p:nvSpPr>
+        <p:spPr>
+          <a:xfrm>
+            <a:off x="960221" y="4054605"/>
+            <a:ext cx="722955" cy="747897"/>
+          </a:xfrm>
+          <a:prstGeom prst="rect">
+            <a:avLst/>
+          </a:prstGeom>
+        </p:spPr>
+        <p:txBody>
+          <a:bodyPr vert="horz" wrap="none" lIns="0" tIns="0" rIns="0" bIns="0" rtlCol="0">
+            <a:spAutoFit/>
+          </a:bodyPr>
+          <a:lstStyle>
+            <a:lvl1pPr marL="179388" indent="-179388" algn="l" defTabSz="914400" rtl="0" eaLnBrk="1" latinLnBrk="0" hangingPunct="1">
+              <a:lnSpc>
+                <a:spcPct val="90000"/>
+              </a:lnSpc>
+              <a:spcBef>
+                <a:spcPts val="600"/>
+              </a:spcBef>
+              <a:buFont typeface="Arial" pitchFamily="34" charset="0"/>
+              <a:buChar char="•"/>
+              <a:defRPr sz="2000" kern="1200">
+                <a:solidFill>
+                  <a:schemeClr val="accent1"/>
+                </a:solidFill>
+                <a:latin typeface="+mn-lt"/>
+                <a:ea typeface="+mn-ea"/>
+                <a:cs typeface="+mn-cs"/>
+              </a:defRPr>
+            </a:lvl1pPr>
+            <a:lvl2pPr marL="360000" indent="-180975" algn="l" defTabSz="914400" rtl="0" eaLnBrk="1" latinLnBrk="0" hangingPunct="1">
+              <a:lnSpc>
+                <a:spcPct val="90000"/>
+              </a:lnSpc>
+              <a:spcBef>
+                <a:spcPts val="600"/>
+              </a:spcBef>
+              <a:buFont typeface="Arial" panose="020B0604020202020204" pitchFamily="34" charset="0"/>
+              <a:buChar char="•"/>
+              <a:defRPr sz="2000" kern="1200">
+                <a:solidFill>
+                  <a:schemeClr val="accent1"/>
+                </a:solidFill>
+                <a:latin typeface="+mn-lt"/>
+                <a:ea typeface="+mn-ea"/>
+                <a:cs typeface="+mn-cs"/>
+              </a:defRPr>
+            </a:lvl2pPr>
+            <a:lvl3pPr marL="540000" indent="-180975" algn="l" defTabSz="914400" rtl="0" eaLnBrk="1" latinLnBrk="0" hangingPunct="1">
+              <a:lnSpc>
+                <a:spcPct val="90000"/>
+              </a:lnSpc>
+              <a:spcBef>
+                <a:spcPts val="600"/>
+              </a:spcBef>
+              <a:buFont typeface="Arial" pitchFamily="34" charset="0"/>
+              <a:buChar char="•"/>
+              <a:defRPr sz="2000" kern="1200">
+                <a:solidFill>
+                  <a:schemeClr val="accent1"/>
+                </a:solidFill>
+                <a:latin typeface="+mn-lt"/>
+                <a:ea typeface="+mn-ea"/>
+                <a:cs typeface="+mn-cs"/>
+              </a:defRPr>
+            </a:lvl3pPr>
+            <a:lvl4pPr marL="720000" indent="-180000" algn="l" defTabSz="914400" rtl="0" eaLnBrk="1" latinLnBrk="0" hangingPunct="1">
+              <a:lnSpc>
+                <a:spcPct val="90000"/>
+              </a:lnSpc>
+              <a:spcBef>
+                <a:spcPts val="600"/>
+              </a:spcBef>
+              <a:buFont typeface="Arial" panose="020B0604020202020204" pitchFamily="34" charset="0"/>
+              <a:buChar char="•"/>
+              <a:defRPr sz="2000" kern="1200">
+                <a:solidFill>
+                  <a:schemeClr val="accent1"/>
+                </a:solidFill>
+                <a:latin typeface="+mn-lt"/>
+                <a:ea typeface="+mn-ea"/>
+                <a:cs typeface="+mn-cs"/>
+              </a:defRPr>
+            </a:lvl4pPr>
+            <a:lvl5pPr marL="900000" indent="-180975" algn="l" defTabSz="914400" rtl="0" eaLnBrk="1" latinLnBrk="0" hangingPunct="1">
+              <a:lnSpc>
+                <a:spcPct val="90000"/>
+              </a:lnSpc>
+              <a:spcBef>
+                <a:spcPts val="600"/>
+              </a:spcBef>
+              <a:buFont typeface="Arial" panose="020B0604020202020204" pitchFamily="34" charset="0"/>
+              <a:buChar char="•"/>
+              <a:defRPr sz="2000" kern="1200">
+                <a:solidFill>
+                  <a:schemeClr val="accent1"/>
+                </a:solidFill>
+                <a:latin typeface="+mn-lt"/>
+                <a:ea typeface="+mn-ea"/>
+                <a:cs typeface="+mn-cs"/>
+              </a:defRPr>
+            </a:lvl5pPr>
+            <a:lvl6pPr marL="2514600" indent="-228600" algn="l" defTabSz="914400" rtl="0" eaLnBrk="1" latinLnBrk="0" hangingPunct="1">
+              <a:spcBef>
+                <a:spcPct val="20000"/>
+              </a:spcBef>
+              <a:buFont typeface="Arial" pitchFamily="34" charset="0"/>
+              <a:buChar char="•"/>
+              <a:defRPr sz="2000" kern="1200">
+                <a:solidFill>
+                  <a:schemeClr val="tx1"/>
+                </a:solidFill>
+                <a:latin typeface="+mn-lt"/>
+                <a:ea typeface="+mn-ea"/>
+                <a:cs typeface="+mn-cs"/>
+              </a:defRPr>
+            </a:lvl6pPr>
+            <a:lvl7pPr marL="2971800" indent="-228600" algn="l" defTabSz="914400" rtl="0" eaLnBrk="1" latinLnBrk="0" hangingPunct="1">
+              <a:spcBef>
+                <a:spcPct val="20000"/>
+              </a:spcBef>
+              <a:buFont typeface="Arial" pitchFamily="34" charset="0"/>
+              <a:buChar char="•"/>
+              <a:defRPr sz="2000" kern="1200">
+                <a:solidFill>
+                  <a:schemeClr val="tx1"/>
+                </a:solidFill>
+                <a:latin typeface="+mn-lt"/>
+                <a:ea typeface="+mn-ea"/>
+                <a:cs typeface="+mn-cs"/>
+              </a:defRPr>
+            </a:lvl7pPr>
+            <a:lvl8pPr marL="3429000" indent="-228600" algn="l" defTabSz="914400" rtl="0" eaLnBrk="1" latinLnBrk="0" hangingPunct="1">
+              <a:spcBef>
+                <a:spcPct val="20000"/>
+              </a:spcBef>
+              <a:buFont typeface="Arial" pitchFamily="34" charset="0"/>
+              <a:buChar char="•"/>
+              <a:defRPr sz="2000" kern="1200">
+                <a:solidFill>
+                  <a:schemeClr val="tx1"/>
+                </a:solidFill>
+                <a:latin typeface="+mn-lt"/>
+                <a:ea typeface="+mn-ea"/>
+                <a:cs typeface="+mn-cs"/>
+              </a:defRPr>
+            </a:lvl8pPr>
+            <a:lvl9pPr marL="3886200" indent="-228600" algn="l" defTabSz="914400" rtl="0" eaLnBrk="1" latinLnBrk="0" hangingPunct="1">
+              <a:spcBef>
+                <a:spcPct val="20000"/>
+              </a:spcBef>
+              <a:buFont typeface="Arial" pitchFamily="34" charset="0"/>
+              <a:buChar char="•"/>
+              <a:defRPr sz="2000" kern="1200">
+                <a:solidFill>
+                  <a:schemeClr val="tx1"/>
+                </a:solidFill>
+                <a:latin typeface="+mn-lt"/>
+                <a:ea typeface="+mn-ea"/>
+                <a:cs typeface="+mn-cs"/>
+              </a:defRPr>
+            </a:lvl9pPr>
+          </a:lstStyle>
+          <a:p>
+            <a:pPr marL="0" indent="0" algn="r">
+              <a:buNone/>
+            </a:pPr>
+            <a:r>
+              <a:rPr lang="en-US" sz="5400" b="1">
+                <a:solidFill>
+                  <a:schemeClr val="accent5"/>
+                </a:solidFill>
+              </a:rPr>
+              <a:t>04</a:t>
+            </a:r>
+            <a:endParaRPr lang="en-US" sz="5400" b="1" dirty="0">
+              <a:solidFill>
+                <a:schemeClr val="accent5"/>
+              </a:solidFill>
+            </a:endParaRPr>
+          </a:p>
+        </p:txBody>
+      </p:sp>
+    </p:spTree>
+    <p:extLst>
+      <p:ext uri="{BB962C8B-B14F-4D97-AF65-F5344CB8AC3E}">
+        <p14:creationId xmlns:p14="http://schemas.microsoft.com/office/powerpoint/2010/main" val="2641621532"/>
+      </p:ext>
+    </p:extLst>
+  </p:cSld>
+  <p:clrMapOvr>
+    <a:masterClrMapping/>
+  </p:clrMapOvr>
+</p:sld>
+</file>
+
+<file path=ppt/slides/slide3.xml><?xml version="1.0" encoding="utf-8"?>
+<p:sld xmlns:a="http://schemas.openxmlformats.org/drawingml/2006/main" xmlns:r="http://schemas.openxmlformats.org/officeDocument/2006/relationships" xmlns:p="http://schemas.openxmlformats.org/presentationml/2006/main">
+  <p:cSld>
+    <p:spTree>
+      <p:nvGrpSpPr>
+        <p:cNvPr id="1" name=""/>
+        <p:cNvGrpSpPr/>
+        <p:nvPr/>
+      </p:nvGrpSpPr>
+      <p:grpSpPr>
+        <a:xfrm>
+          <a:off x="0" y="0"/>
+          <a:ext cx="0" cy="0"/>
+          <a:chOff x="0" y="0"/>
+          <a:chExt cx="0" cy="0"/>
+        </a:xfrm>
+      </p:grpSpPr>
+      <p:graphicFrame>
+        <p:nvGraphicFramePr>
+          <p:cNvPr id="3" name="Objekt 2" hidden="1">
+            <a:extLst>
+              <a:ext uri="{FF2B5EF4-FFF2-40B4-BE49-F238E27FC236}">
+                <a16:creationId xmlns:a16="http://schemas.microsoft.com/office/drawing/2014/main" id="{C25CA449-E3EB-0DD4-6908-6F7AA75DB9C8}"/>
+              </a:ext>
+            </a:extLst>
+          </p:cNvPr>
+          <p:cNvGraphicFramePr>
+            <a:graphicFrameLocks noChangeAspect="1"/>
+          </p:cNvGraphicFramePr>
+          <p:nvPr>
+            <p:custDataLst>
+              <p:tags r:id="rId1"/>
+            </p:custDataLst>
+            <p:extLst>
+              <p:ext uri="{D42A27DB-BD31-4B8C-83A1-F6EECF244321}">
+                <p14:modId xmlns:p14="http://schemas.microsoft.com/office/powerpoint/2010/main" val="2142223778"/>
+              </p:ext>
+            </p:extLst>
+          </p:nvPr>
+        </p:nvGraphicFramePr>
+        <p:xfrm>
+          <a:off x="1588" y="1588"/>
+          <a:ext cx="1588" cy="1588"/>
+        </p:xfrm>
+        <a:graphic>
+          <a:graphicData uri="http://schemas.openxmlformats.org/presentationml/2006/ole">
+            <mc:AlternateContent xmlns:mc="http://schemas.openxmlformats.org/markup-compatibility/2006">
+              <mc:Choice xmlns:v="urn:schemas-microsoft-com:vml" Requires="v">
+                <p:oleObj name="think-cell Slide" r:id="rId4" imgW="347" imgH="348" progId="TCLayout.ActiveDocument.1">
+                  <p:embed/>
+                </p:oleObj>
+              </mc:Choice>
+              <mc:Fallback>
+                <p:oleObj name="think-cell Slide" r:id="rId4" imgW="347" imgH="348" progId="TCLayout.ActiveDocument.1">
+                  <p:embed/>
+                  <p:pic>
+                    <p:nvPicPr>
+                      <p:cNvPr id="3" name="Objekt 2" hidden="1">
+                        <a:extLst>
+                          <a:ext uri="{FF2B5EF4-FFF2-40B4-BE49-F238E27FC236}">
+                            <a16:creationId xmlns:a16="http://schemas.microsoft.com/office/drawing/2014/main" id="{C25CA449-E3EB-0DD4-6908-6F7AA75DB9C8}"/>
+                          </a:ext>
+                        </a:extLst>
+                      </p:cNvPr>
+                      <p:cNvPicPr/>
+                      <p:nvPr/>
+                    </p:nvPicPr>
+                    <p:blipFill>
+                      <a:blip r:embed="rId5"/>
+                      <a:stretch>
+                        <a:fillRect/>
+                      </a:stretch>
+                    </p:blipFill>
+                    <p:spPr>
+                      <a:xfrm>
+                        <a:off x="1588" y="1588"/>
+                        <a:ext cx="1588" cy="1588"/>
+                      </a:xfrm>
+                      <a:prstGeom prst="rect">
+                        <a:avLst/>
+                      </a:prstGeom>
+                    </p:spPr>
+                  </p:pic>
+                </p:oleObj>
+              </mc:Fallback>
+            </mc:AlternateContent>
+          </a:graphicData>
+        </a:graphic>
+      </p:graphicFrame>
+      <p:sp>
+        <p:nvSpPr>
+          <p:cNvPr id="2" name="Titel 1">
+            <a:extLst>
+              <a:ext uri="{FF2B5EF4-FFF2-40B4-BE49-F238E27FC236}">
+                <a16:creationId xmlns:a16="http://schemas.microsoft.com/office/drawing/2014/main" id="{F7A7B11F-5560-4450-B29C-AA36EE47DBD5}"/>
+              </a:ext>
+            </a:extLst>
+          </p:cNvPr>
+          <p:cNvSpPr>
+            <a:spLocks noGrp="1"/>
+          </p:cNvSpPr>
+          <p:nvPr>
+            <p:ph type="title"/>
+          </p:nvPr>
+        </p:nvSpPr>
+        <p:spPr/>
+        <p:txBody>
+          <a:bodyPr vert="horz"/>
+          <a:lstStyle/>
+          <a:p>
+            <a:r>
+              <a:rPr lang="en-US" dirty="0"/>
+              <a:t>Motivation</a:t>
+            </a:r>
+          </a:p>
+        </p:txBody>
+      </p:sp>
+      <p:sp>
+        <p:nvSpPr>
+          <p:cNvPr id="6" name="Pladsholder til indhold 5">
+            <a:extLst>
+              <a:ext uri="{FF2B5EF4-FFF2-40B4-BE49-F238E27FC236}">
+                <a16:creationId xmlns:a16="http://schemas.microsoft.com/office/drawing/2014/main" id="{8FC4456C-8838-4F8B-8B1E-95CBD5B2E38B}"/>
+              </a:ext>
+            </a:extLst>
+          </p:cNvPr>
+          <p:cNvSpPr>
+            <a:spLocks noGrp="1"/>
+          </p:cNvSpPr>
+          <p:nvPr>
+            <p:ph sz="quarter" idx="13"/>
+          </p:nvPr>
+        </p:nvSpPr>
+        <p:spPr/>
+        <p:txBody>
+          <a:bodyPr/>
+          <a:lstStyle/>
+          <a:p>
+            <a:r>
+              <a:rPr lang="en-US" dirty="0"/>
+              <a:t>The Contracting Division at ELCON is a large part of the business model and plays key role in the overall strategy. </a:t>
+            </a:r>
+          </a:p>
+          <a:p>
+            <a:pPr lvl="2"/>
+            <a:r>
+              <a:rPr lang="en-US" dirty="0"/>
+              <a:t>At ELCON, contracting involves all the electrical work in building under construction, often involving fire systems, HVAC, and more.</a:t>
+            </a:r>
+          </a:p>
+          <a:p>
+            <a:pPr lvl="2"/>
+            <a:r>
+              <a:rPr lang="en-US" dirty="0"/>
+              <a:t>ELCON is among the few electrical contractors in Denmark who have the capacity to work on large projects spanning over several years. </a:t>
+            </a:r>
+          </a:p>
+          <a:p>
+            <a:r>
+              <a:rPr lang="en-US" dirty="0"/>
+              <a:t>In 2022, Contracting accounted for 25% of total revenue and had a 43% total effect on EBIT.</a:t>
+            </a:r>
+          </a:p>
+          <a:p>
+            <a:pPr lvl="2"/>
+            <a:r>
+              <a:rPr lang="en-US" dirty="0"/>
+              <a:t>Contracting is ripe with risk and the margin for error is small.</a:t>
+            </a:r>
+          </a:p>
+          <a:p>
+            <a:pPr lvl="2"/>
+            <a:r>
+              <a:rPr lang="en-US" dirty="0"/>
+              <a:t>Contracting has great influence on ELCON’s overall finances.</a:t>
+            </a:r>
+          </a:p>
+          <a:p>
+            <a:r>
+              <a:rPr lang="en-US" dirty="0"/>
+              <a:t>Currently, there is no formal statistical model in place to evaluate these risks, and all risk assessments, provisions, and impairments are based on a subjective assessment backed by fundamental calculations.</a:t>
+            </a:r>
+          </a:p>
+          <a:p>
+            <a:r>
+              <a:rPr lang="en-US" dirty="0"/>
+              <a:t>A model based on a sound statistical foundation can turn hard facts into clear stories, and support the management at ELCON.</a:t>
+            </a:r>
+          </a:p>
+        </p:txBody>
+      </p:sp>
+    </p:spTree>
+    <p:extLst>
+      <p:ext uri="{BB962C8B-B14F-4D97-AF65-F5344CB8AC3E}">
+        <p14:creationId xmlns:p14="http://schemas.microsoft.com/office/powerpoint/2010/main" val="2678748836"/>
+      </p:ext>
+    </p:extLst>
+  </p:cSld>
+  <p:clrMapOvr>
+    <a:masterClrMapping/>
+  </p:clrMapOvr>
+</p:sld>
+</file>
+
+<file path=ppt/slides/slide4.xml><?xml version="1.0" encoding="utf-8"?>
+<p:sld xmlns:a="http://schemas.openxmlformats.org/drawingml/2006/main" xmlns:r="http://schemas.openxmlformats.org/officeDocument/2006/relationships" xmlns:p="http://schemas.openxmlformats.org/presentationml/2006/main">
+  <p:cSld>
+    <p:spTree>
+      <p:nvGrpSpPr>
+        <p:cNvPr id="1" name=""/>
+        <p:cNvGrpSpPr/>
+        <p:nvPr/>
+      </p:nvGrpSpPr>
+      <p:grpSpPr>
+        <a:xfrm>
+          <a:off x="0" y="0"/>
+          <a:ext cx="0" cy="0"/>
+          <a:chOff x="0" y="0"/>
+          <a:chExt cx="0" cy="0"/>
+        </a:xfrm>
+      </p:grpSpPr>
+      <p:graphicFrame>
+        <p:nvGraphicFramePr>
+          <p:cNvPr id="4" name="Objekt 3" hidden="1">
+            <a:extLst>
+              <a:ext uri="{FF2B5EF4-FFF2-40B4-BE49-F238E27FC236}">
+                <a16:creationId xmlns:a16="http://schemas.microsoft.com/office/drawing/2014/main" id="{DA4F5744-822E-272D-9EB9-E4CFFB864E67}"/>
+              </a:ext>
+            </a:extLst>
+          </p:cNvPr>
+          <p:cNvGraphicFramePr>
+            <a:graphicFrameLocks noChangeAspect="1"/>
+          </p:cNvGraphicFramePr>
+          <p:nvPr>
+            <p:custDataLst>
+              <p:tags r:id="rId1"/>
+            </p:custDataLst>
+            <p:extLst>
+              <p:ext uri="{D42A27DB-BD31-4B8C-83A1-F6EECF244321}">
+                <p14:modId xmlns:p14="http://schemas.microsoft.com/office/powerpoint/2010/main" val="1737367851"/>
+              </p:ext>
+            </p:extLst>
+          </p:nvPr>
+        </p:nvGraphicFramePr>
+        <p:xfrm>
+          <a:off x="1588" y="1588"/>
+          <a:ext cx="1588" cy="1588"/>
+        </p:xfrm>
+        <a:graphic>
+          <a:graphicData uri="http://schemas.openxmlformats.org/presentationml/2006/ole">
+            <mc:AlternateContent xmlns:mc="http://schemas.openxmlformats.org/markup-compatibility/2006">
+              <mc:Choice xmlns:v="urn:schemas-microsoft-com:vml" Requires="v">
+                <p:oleObj name="think-cell Slide" r:id="rId4" imgW="347" imgH="348" progId="TCLayout.ActiveDocument.1">
+                  <p:embed/>
+                </p:oleObj>
+              </mc:Choice>
+              <mc:Fallback>
+                <p:oleObj name="think-cell Slide" r:id="rId4" imgW="347" imgH="348" progId="TCLayout.ActiveDocument.1">
+                  <p:embed/>
+                  <p:pic>
+                    <p:nvPicPr>
+                      <p:cNvPr id="4" name="Objekt 3" hidden="1">
+                        <a:extLst>
+                          <a:ext uri="{FF2B5EF4-FFF2-40B4-BE49-F238E27FC236}">
+                            <a16:creationId xmlns:a16="http://schemas.microsoft.com/office/drawing/2014/main" id="{DA4F5744-822E-272D-9EB9-E4CFFB864E67}"/>
+                          </a:ext>
+                        </a:extLst>
+                      </p:cNvPr>
+                      <p:cNvPicPr/>
+                      <p:nvPr/>
+                    </p:nvPicPr>
+                    <p:blipFill>
+                      <a:blip r:embed="rId5"/>
+                      <a:stretch>
+                        <a:fillRect/>
+                      </a:stretch>
+                    </p:blipFill>
+                    <p:spPr>
+                      <a:xfrm>
+                        <a:off x="1588" y="1588"/>
+                        <a:ext cx="1588" cy="1588"/>
+                      </a:xfrm>
+                      <a:prstGeom prst="rect">
+                        <a:avLst/>
+                      </a:prstGeom>
+                    </p:spPr>
+                  </p:pic>
+                </p:oleObj>
+              </mc:Fallback>
+            </mc:AlternateContent>
+          </a:graphicData>
+        </a:graphic>
+      </p:graphicFrame>
+      <p:sp>
+        <p:nvSpPr>
+          <p:cNvPr id="6" name="Pladsholder til indhold 5">
+            <a:extLst>
+              <a:ext uri="{FF2B5EF4-FFF2-40B4-BE49-F238E27FC236}">
+                <a16:creationId xmlns:a16="http://schemas.microsoft.com/office/drawing/2014/main" id="{C946590A-DCFA-480E-9973-032781667CFD}"/>
+              </a:ext>
+            </a:extLst>
+          </p:cNvPr>
+          <p:cNvSpPr>
+            <a:spLocks noGrp="1"/>
+          </p:cNvSpPr>
+          <p:nvPr>
+            <p:ph sz="quarter" idx="13"/>
+          </p:nvPr>
+        </p:nvSpPr>
+        <p:spPr>
+          <a:xfrm>
+            <a:off x="3727905" y="1611103"/>
+            <a:ext cx="2448594" cy="2480679"/>
+          </a:xfrm>
+        </p:spPr>
+        <p:txBody>
+          <a:bodyPr>
+            <a:spAutoFit/>
+          </a:bodyPr>
+          <a:lstStyle/>
+          <a:p>
+            <a:pPr marL="0" indent="0">
+              <a:buNone/>
+            </a:pPr>
+            <a:r>
+              <a:rPr lang="en-US" b="1" dirty="0"/>
+              <a:t>Identify Key Risk Indicators (KRIs)</a:t>
+            </a:r>
+          </a:p>
+          <a:p>
+            <a:pPr marL="0" indent="0">
+              <a:buNone/>
+            </a:pPr>
+            <a:r>
+              <a:rPr lang="en-US" sz="1600" dirty="0"/>
+              <a:t>Identification of indicators is based on statistical analyses and a priori knowledge.</a:t>
+            </a:r>
+          </a:p>
+          <a:p>
+            <a:pPr marL="0" indent="0">
+              <a:buNone/>
+            </a:pPr>
+            <a:r>
+              <a:rPr lang="en-US" sz="1600" dirty="0"/>
+              <a:t>Defining the right KRIs will be essential, and tests must be conducted to be sure inference can be drawn from the indicators.</a:t>
+            </a:r>
+          </a:p>
+        </p:txBody>
+      </p:sp>
+      <p:sp>
+        <p:nvSpPr>
+          <p:cNvPr id="7" name="Pladsholder til indhold 6">
+            <a:extLst>
+              <a:ext uri="{FF2B5EF4-FFF2-40B4-BE49-F238E27FC236}">
+                <a16:creationId xmlns:a16="http://schemas.microsoft.com/office/drawing/2014/main" id="{BB313780-1FD1-47D9-8FAE-3FEDD5BED7B1}"/>
+              </a:ext>
+            </a:extLst>
+          </p:cNvPr>
+          <p:cNvSpPr>
+            <a:spLocks noGrp="1"/>
+          </p:cNvSpPr>
+          <p:nvPr>
+            <p:ph sz="quarter" idx="14"/>
+          </p:nvPr>
+        </p:nvSpPr>
+        <p:spPr>
+          <a:xfrm>
+            <a:off x="6356580" y="1611103"/>
+            <a:ext cx="2448594" cy="3256276"/>
+          </a:xfrm>
+        </p:spPr>
+        <p:txBody>
+          <a:bodyPr>
+            <a:spAutoFit/>
+          </a:bodyPr>
+          <a:lstStyle/>
+          <a:p>
+            <a:pPr marL="0" indent="0">
+              <a:buNone/>
+            </a:pPr>
+            <a:r>
+              <a:rPr lang="en-US" b="1" dirty="0"/>
+              <a:t>Utilize Machine Learning Methods to Highlight Causal Effects</a:t>
+            </a:r>
+          </a:p>
+          <a:p>
+            <a:pPr marL="0" indent="0">
+              <a:buNone/>
+            </a:pPr>
+            <a:r>
+              <a:rPr lang="en-US" sz="1600" dirty="0"/>
+              <a:t>Each project is unique and drawing on the benefits from ML allows for a standardized model capable of adapting to different circumstances.</a:t>
+            </a:r>
+          </a:p>
+          <a:p>
+            <a:pPr marL="0" indent="0">
+              <a:buNone/>
+            </a:pPr>
+            <a:r>
+              <a:rPr lang="en-US" sz="1600" dirty="0"/>
+              <a:t>ML will somewhat futureproof the analyses conducted and allows use beyond this project.</a:t>
+            </a:r>
+            <a:endParaRPr lang="en-US" dirty="0"/>
+          </a:p>
+        </p:txBody>
+      </p:sp>
+      <p:sp>
+        <p:nvSpPr>
+          <p:cNvPr id="8" name="Pladsholder til indhold 7">
+            <a:extLst>
+              <a:ext uri="{FF2B5EF4-FFF2-40B4-BE49-F238E27FC236}">
+                <a16:creationId xmlns:a16="http://schemas.microsoft.com/office/drawing/2014/main" id="{A26BD07B-B36A-46BD-8B09-8347D40D54E4}"/>
+              </a:ext>
+            </a:extLst>
+          </p:cNvPr>
+          <p:cNvSpPr>
+            <a:spLocks noGrp="1"/>
+          </p:cNvSpPr>
+          <p:nvPr>
+            <p:ph sz="quarter" idx="15"/>
+          </p:nvPr>
+        </p:nvSpPr>
+        <p:spPr>
+          <a:xfrm>
+            <a:off x="9058990" y="1611103"/>
+            <a:ext cx="2448594" cy="3499420"/>
+          </a:xfrm>
+        </p:spPr>
+        <p:txBody>
+          <a:bodyPr>
+            <a:spAutoFit/>
+          </a:bodyPr>
+          <a:lstStyle/>
+          <a:p>
+            <a:pPr marL="0" indent="0">
+              <a:buNone/>
+            </a:pPr>
+            <a:r>
+              <a:rPr lang="en-US" b="1" dirty="0"/>
+              <a:t>Construct Dashboard with KPIs and KRIs of Risky Projects</a:t>
+            </a:r>
+          </a:p>
+          <a:p>
+            <a:pPr marL="0" indent="0">
+              <a:buNone/>
+            </a:pPr>
+            <a:r>
+              <a:rPr lang="en-US" sz="1600" dirty="0"/>
+              <a:t>A simple dashboard allows for quick assessment and action. </a:t>
+            </a:r>
+          </a:p>
+          <a:p>
+            <a:pPr marL="0" indent="0">
+              <a:buNone/>
+            </a:pPr>
+            <a:r>
+              <a:rPr lang="en-US" sz="1600" dirty="0"/>
+              <a:t>Interpretability is of the essence since the targeted end users are not required an in depth understanding of statistics. </a:t>
+            </a:r>
+          </a:p>
+          <a:p>
+            <a:pPr marL="0" indent="0">
+              <a:buNone/>
+            </a:pPr>
+            <a:r>
+              <a:rPr lang="en-US" sz="1600" dirty="0"/>
+              <a:t>The mantra: “Hard facts, clear stories” should be lived by.</a:t>
+            </a:r>
+            <a:endParaRPr lang="en-US" dirty="0"/>
+          </a:p>
+        </p:txBody>
+      </p:sp>
+      <p:sp>
+        <p:nvSpPr>
+          <p:cNvPr id="9" name="Pladsholder til indhold 8">
+            <a:extLst>
+              <a:ext uri="{FF2B5EF4-FFF2-40B4-BE49-F238E27FC236}">
+                <a16:creationId xmlns:a16="http://schemas.microsoft.com/office/drawing/2014/main" id="{7A55C507-1CA4-403F-85AA-068A599400B3}"/>
+              </a:ext>
+            </a:extLst>
+          </p:cNvPr>
+          <p:cNvSpPr>
+            <a:spLocks noGrp="1"/>
+          </p:cNvSpPr>
+          <p:nvPr>
+            <p:ph sz="quarter" idx="16"/>
+          </p:nvPr>
+        </p:nvSpPr>
+        <p:spPr>
+          <a:xfrm>
+            <a:off x="1071979" y="1611103"/>
+            <a:ext cx="2448594" cy="2757678"/>
+          </a:xfrm>
+        </p:spPr>
+        <p:txBody>
+          <a:bodyPr>
+            <a:spAutoFit/>
+          </a:bodyPr>
+          <a:lstStyle/>
+          <a:p>
+            <a:pPr marL="0" indent="0">
+              <a:buNone/>
+            </a:pPr>
+            <a:r>
+              <a:rPr lang="en-US" b="1" dirty="0"/>
+              <a:t>Develop Time Series Model with Actuals, KPIs and KRIs</a:t>
+            </a:r>
+          </a:p>
+          <a:p>
+            <a:pPr marL="0" indent="0">
+              <a:buNone/>
+            </a:pPr>
+            <a:r>
+              <a:rPr lang="en-US" sz="1600" dirty="0"/>
+              <a:t>A time series model is essential, since it allows project managers to monitor changes in a project.</a:t>
+            </a:r>
+          </a:p>
+          <a:p>
+            <a:pPr marL="0" indent="0">
+              <a:buNone/>
+            </a:pPr>
+            <a:r>
+              <a:rPr lang="en-US" sz="1600" dirty="0"/>
+              <a:t>Model should include materials, hours worked, billable rate, invoiced amounts</a:t>
+            </a:r>
+          </a:p>
+        </p:txBody>
+      </p:sp>
+      <p:sp>
+        <p:nvSpPr>
+          <p:cNvPr id="10" name="TextBox 5">
+            <a:extLst>
+              <a:ext uri="{FF2B5EF4-FFF2-40B4-BE49-F238E27FC236}">
+                <a16:creationId xmlns:a16="http://schemas.microsoft.com/office/drawing/2014/main" id="{FCC3E6C0-5D07-41B1-BF2D-D07463968082}"/>
+              </a:ext>
+            </a:extLst>
+          </p:cNvPr>
+          <p:cNvSpPr txBox="1">
+            <a:spLocks/>
+          </p:cNvSpPr>
+          <p:nvPr/>
+        </p:nvSpPr>
+        <p:spPr>
+          <a:xfrm>
+            <a:off x="728664" y="863206"/>
+            <a:ext cx="455253" cy="747897"/>
+          </a:xfrm>
+          <a:prstGeom prst="rect">
+            <a:avLst/>
+          </a:prstGeom>
+        </p:spPr>
+        <p:txBody>
+          <a:bodyPr vert="horz" wrap="none" lIns="0" tIns="0" rIns="0" bIns="0" rtlCol="0">
+            <a:spAutoFit/>
+          </a:bodyPr>
+          <a:lstStyle>
+            <a:lvl1pPr marL="179388" indent="-179388" algn="l" defTabSz="914400" rtl="0" eaLnBrk="1" latinLnBrk="0" hangingPunct="1">
+              <a:lnSpc>
+                <a:spcPct val="90000"/>
+              </a:lnSpc>
+              <a:spcBef>
+                <a:spcPts val="600"/>
+              </a:spcBef>
+              <a:buFont typeface="Arial" pitchFamily="34" charset="0"/>
+              <a:buChar char="•"/>
+              <a:defRPr sz="2000" kern="1200">
+                <a:solidFill>
+                  <a:schemeClr val="accent1"/>
+                </a:solidFill>
+                <a:latin typeface="+mn-lt"/>
+                <a:ea typeface="+mn-ea"/>
+                <a:cs typeface="+mn-cs"/>
+              </a:defRPr>
+            </a:lvl1pPr>
+            <a:lvl2pPr marL="360000" indent="-180975" algn="l" defTabSz="914400" rtl="0" eaLnBrk="1" latinLnBrk="0" hangingPunct="1">
+              <a:lnSpc>
+                <a:spcPct val="90000"/>
+              </a:lnSpc>
+              <a:spcBef>
+                <a:spcPts val="600"/>
+              </a:spcBef>
+              <a:buFont typeface="Arial" panose="020B0604020202020204" pitchFamily="34" charset="0"/>
+              <a:buChar char="•"/>
+              <a:defRPr sz="2000" kern="1200">
+                <a:solidFill>
+                  <a:schemeClr val="accent1"/>
+                </a:solidFill>
+                <a:latin typeface="+mn-lt"/>
+                <a:ea typeface="+mn-ea"/>
+                <a:cs typeface="+mn-cs"/>
+              </a:defRPr>
+            </a:lvl2pPr>
+            <a:lvl3pPr marL="540000" indent="-180975" algn="l" defTabSz="914400" rtl="0" eaLnBrk="1" latinLnBrk="0" hangingPunct="1">
+              <a:lnSpc>
+                <a:spcPct val="90000"/>
+              </a:lnSpc>
+              <a:spcBef>
+                <a:spcPts val="600"/>
+              </a:spcBef>
+              <a:buFont typeface="Arial" pitchFamily="34" charset="0"/>
+              <a:buChar char="•"/>
+              <a:defRPr sz="2000" kern="1200">
+                <a:solidFill>
+                  <a:schemeClr val="accent1"/>
+                </a:solidFill>
+                <a:latin typeface="+mn-lt"/>
+                <a:ea typeface="+mn-ea"/>
+                <a:cs typeface="+mn-cs"/>
+              </a:defRPr>
+            </a:lvl3pPr>
+            <a:lvl4pPr marL="720000" indent="-180000" algn="l" defTabSz="914400" rtl="0" eaLnBrk="1" latinLnBrk="0" hangingPunct="1">
+              <a:lnSpc>
+                <a:spcPct val="90000"/>
+              </a:lnSpc>
+              <a:spcBef>
+                <a:spcPts val="600"/>
+              </a:spcBef>
+              <a:buFont typeface="Arial" panose="020B0604020202020204" pitchFamily="34" charset="0"/>
+              <a:buChar char="•"/>
+              <a:defRPr sz="2000" kern="1200">
+                <a:solidFill>
+                  <a:schemeClr val="accent1"/>
+                </a:solidFill>
+                <a:latin typeface="+mn-lt"/>
+                <a:ea typeface="+mn-ea"/>
+                <a:cs typeface="+mn-cs"/>
+              </a:defRPr>
+            </a:lvl4pPr>
+            <a:lvl5pPr marL="900000" indent="-180975" algn="l" defTabSz="914400" rtl="0" eaLnBrk="1" latinLnBrk="0" hangingPunct="1">
+              <a:lnSpc>
+                <a:spcPct val="90000"/>
+              </a:lnSpc>
+              <a:spcBef>
+                <a:spcPts val="600"/>
+              </a:spcBef>
+              <a:buFont typeface="Arial" panose="020B0604020202020204" pitchFamily="34" charset="0"/>
+              <a:buChar char="•"/>
+              <a:defRPr sz="2000" kern="1200">
+                <a:solidFill>
+                  <a:schemeClr val="accent1"/>
+                </a:solidFill>
+                <a:latin typeface="+mn-lt"/>
+                <a:ea typeface="+mn-ea"/>
+                <a:cs typeface="+mn-cs"/>
+              </a:defRPr>
+            </a:lvl5pPr>
+            <a:lvl6pPr marL="2514600" indent="-228600" algn="l" defTabSz="914400" rtl="0" eaLnBrk="1" latinLnBrk="0" hangingPunct="1">
+              <a:spcBef>
+                <a:spcPct val="20000"/>
+              </a:spcBef>
+              <a:buFont typeface="Arial" pitchFamily="34" charset="0"/>
+              <a:buChar char="•"/>
+              <a:defRPr sz="2000" kern="1200">
+                <a:solidFill>
+                  <a:schemeClr val="tx1"/>
+                </a:solidFill>
+                <a:latin typeface="+mn-lt"/>
+                <a:ea typeface="+mn-ea"/>
+                <a:cs typeface="+mn-cs"/>
+              </a:defRPr>
+            </a:lvl6pPr>
+            <a:lvl7pPr marL="2971800" indent="-228600" algn="l" defTabSz="914400" rtl="0" eaLnBrk="1" latinLnBrk="0" hangingPunct="1">
+              <a:spcBef>
+                <a:spcPct val="20000"/>
+              </a:spcBef>
+              <a:buFont typeface="Arial" pitchFamily="34" charset="0"/>
+              <a:buChar char="•"/>
+              <a:defRPr sz="2000" kern="1200">
+                <a:solidFill>
+                  <a:schemeClr val="tx1"/>
+                </a:solidFill>
+                <a:latin typeface="+mn-lt"/>
+                <a:ea typeface="+mn-ea"/>
+                <a:cs typeface="+mn-cs"/>
+              </a:defRPr>
+            </a:lvl7pPr>
+            <a:lvl8pPr marL="3429000" indent="-228600" algn="l" defTabSz="914400" rtl="0" eaLnBrk="1" latinLnBrk="0" hangingPunct="1">
+              <a:spcBef>
+                <a:spcPct val="20000"/>
+              </a:spcBef>
+              <a:buFont typeface="Arial" pitchFamily="34" charset="0"/>
+              <a:buChar char="•"/>
+              <a:defRPr sz="2000" kern="1200">
+                <a:solidFill>
+                  <a:schemeClr val="tx1"/>
+                </a:solidFill>
+                <a:latin typeface="+mn-lt"/>
+                <a:ea typeface="+mn-ea"/>
+                <a:cs typeface="+mn-cs"/>
+              </a:defRPr>
+            </a:lvl8pPr>
+            <a:lvl9pPr marL="3886200" indent="-228600" algn="l" defTabSz="914400" rtl="0" eaLnBrk="1" latinLnBrk="0" hangingPunct="1">
+              <a:spcBef>
+                <a:spcPct val="20000"/>
+              </a:spcBef>
+              <a:buFont typeface="Arial" pitchFamily="34" charset="0"/>
+              <a:buChar char="•"/>
+              <a:defRPr sz="2000" kern="1200">
+                <a:solidFill>
+                  <a:schemeClr val="tx1"/>
+                </a:solidFill>
+                <a:latin typeface="+mn-lt"/>
+                <a:ea typeface="+mn-ea"/>
+                <a:cs typeface="+mn-cs"/>
+              </a:defRPr>
+            </a:lvl9pPr>
+          </a:lstStyle>
+          <a:p>
+            <a:pPr marL="0" indent="0">
+              <a:buNone/>
+            </a:pPr>
+            <a:r>
+              <a:rPr lang="en-US" sz="5400" b="1" dirty="0">
+                <a:solidFill>
+                  <a:schemeClr val="accent5"/>
+                </a:solidFill>
+              </a:rPr>
+              <a:t>A</a:t>
+            </a:r>
+          </a:p>
+        </p:txBody>
+      </p:sp>
+      <p:sp>
+        <p:nvSpPr>
+          <p:cNvPr id="11" name="TextBox 5 - 2">
+            <a:extLst>
+              <a:ext uri="{FF2B5EF4-FFF2-40B4-BE49-F238E27FC236}">
+                <a16:creationId xmlns:a16="http://schemas.microsoft.com/office/drawing/2014/main" id="{F2D1ABE1-5DEA-4BC7-A383-C87624EBC8FE}"/>
+              </a:ext>
+            </a:extLst>
+          </p:cNvPr>
+          <p:cNvSpPr txBox="1">
+            <a:spLocks/>
+          </p:cNvSpPr>
+          <p:nvPr/>
+        </p:nvSpPr>
+        <p:spPr>
+          <a:xfrm>
+            <a:off x="6064561" y="863206"/>
+            <a:ext cx="403957" cy="747897"/>
+          </a:xfrm>
+          <a:prstGeom prst="rect">
+            <a:avLst/>
+          </a:prstGeom>
+        </p:spPr>
+        <p:txBody>
+          <a:bodyPr vert="horz" wrap="none" lIns="0" tIns="0" rIns="0" bIns="0" rtlCol="0">
+            <a:spAutoFit/>
+          </a:bodyPr>
+          <a:lstStyle>
+            <a:lvl1pPr marL="179388" indent="-179388" algn="l" defTabSz="914400" rtl="0" eaLnBrk="1" latinLnBrk="0" hangingPunct="1">
+              <a:lnSpc>
+                <a:spcPct val="90000"/>
+              </a:lnSpc>
+              <a:spcBef>
+                <a:spcPts val="600"/>
+              </a:spcBef>
+              <a:buFont typeface="Arial" pitchFamily="34" charset="0"/>
+              <a:buChar char="•"/>
+              <a:defRPr sz="2000" kern="1200">
+                <a:solidFill>
+                  <a:schemeClr val="accent1"/>
+                </a:solidFill>
+                <a:latin typeface="+mn-lt"/>
+                <a:ea typeface="+mn-ea"/>
+                <a:cs typeface="+mn-cs"/>
+              </a:defRPr>
+            </a:lvl1pPr>
+            <a:lvl2pPr marL="360000" indent="-180975" algn="l" defTabSz="914400" rtl="0" eaLnBrk="1" latinLnBrk="0" hangingPunct="1">
+              <a:lnSpc>
+                <a:spcPct val="90000"/>
+              </a:lnSpc>
+              <a:spcBef>
+                <a:spcPts val="600"/>
+              </a:spcBef>
+              <a:buFont typeface="Arial" panose="020B0604020202020204" pitchFamily="34" charset="0"/>
+              <a:buChar char="•"/>
+              <a:defRPr sz="2000" kern="1200">
+                <a:solidFill>
+                  <a:schemeClr val="accent1"/>
+                </a:solidFill>
+                <a:latin typeface="+mn-lt"/>
+                <a:ea typeface="+mn-ea"/>
+                <a:cs typeface="+mn-cs"/>
+              </a:defRPr>
+            </a:lvl2pPr>
+            <a:lvl3pPr marL="540000" indent="-180975" algn="l" defTabSz="914400" rtl="0" eaLnBrk="1" latinLnBrk="0" hangingPunct="1">
+              <a:lnSpc>
+                <a:spcPct val="90000"/>
+              </a:lnSpc>
+              <a:spcBef>
+                <a:spcPts val="600"/>
+              </a:spcBef>
+              <a:buFont typeface="Arial" pitchFamily="34" charset="0"/>
+              <a:buChar char="•"/>
+              <a:defRPr sz="2000" kern="1200">
+                <a:solidFill>
+                  <a:schemeClr val="accent1"/>
+                </a:solidFill>
+                <a:latin typeface="+mn-lt"/>
+                <a:ea typeface="+mn-ea"/>
+                <a:cs typeface="+mn-cs"/>
+              </a:defRPr>
+            </a:lvl3pPr>
+            <a:lvl4pPr marL="720000" indent="-180000" algn="l" defTabSz="914400" rtl="0" eaLnBrk="1" latinLnBrk="0" hangingPunct="1">
+              <a:lnSpc>
+                <a:spcPct val="90000"/>
+              </a:lnSpc>
+              <a:spcBef>
+                <a:spcPts val="600"/>
+              </a:spcBef>
+              <a:buFont typeface="Arial" panose="020B0604020202020204" pitchFamily="34" charset="0"/>
+              <a:buChar char="•"/>
+              <a:defRPr sz="2000" kern="1200">
+                <a:solidFill>
+                  <a:schemeClr val="accent1"/>
+                </a:solidFill>
+                <a:latin typeface="+mn-lt"/>
+                <a:ea typeface="+mn-ea"/>
+                <a:cs typeface="+mn-cs"/>
+              </a:defRPr>
+            </a:lvl4pPr>
+            <a:lvl5pPr marL="900000" indent="-180975" algn="l" defTabSz="914400" rtl="0" eaLnBrk="1" latinLnBrk="0" hangingPunct="1">
+              <a:lnSpc>
+                <a:spcPct val="90000"/>
+              </a:lnSpc>
+              <a:spcBef>
+                <a:spcPts val="600"/>
+              </a:spcBef>
+              <a:buFont typeface="Arial" panose="020B0604020202020204" pitchFamily="34" charset="0"/>
+              <a:buChar char="•"/>
+              <a:defRPr sz="2000" kern="1200">
+                <a:solidFill>
+                  <a:schemeClr val="accent1"/>
+                </a:solidFill>
+                <a:latin typeface="+mn-lt"/>
+                <a:ea typeface="+mn-ea"/>
+                <a:cs typeface="+mn-cs"/>
+              </a:defRPr>
+            </a:lvl5pPr>
+            <a:lvl6pPr marL="2514600" indent="-228600" algn="l" defTabSz="914400" rtl="0" eaLnBrk="1" latinLnBrk="0" hangingPunct="1">
+              <a:spcBef>
+                <a:spcPct val="20000"/>
+              </a:spcBef>
+              <a:buFont typeface="Arial" pitchFamily="34" charset="0"/>
+              <a:buChar char="•"/>
+              <a:defRPr sz="2000" kern="1200">
+                <a:solidFill>
+                  <a:schemeClr val="tx1"/>
+                </a:solidFill>
+                <a:latin typeface="+mn-lt"/>
+                <a:ea typeface="+mn-ea"/>
+                <a:cs typeface="+mn-cs"/>
+              </a:defRPr>
+            </a:lvl6pPr>
+            <a:lvl7pPr marL="2971800" indent="-228600" algn="l" defTabSz="914400" rtl="0" eaLnBrk="1" latinLnBrk="0" hangingPunct="1">
+              <a:spcBef>
+                <a:spcPct val="20000"/>
+              </a:spcBef>
+              <a:buFont typeface="Arial" pitchFamily="34" charset="0"/>
+              <a:buChar char="•"/>
+              <a:defRPr sz="2000" kern="1200">
+                <a:solidFill>
+                  <a:schemeClr val="tx1"/>
+                </a:solidFill>
+                <a:latin typeface="+mn-lt"/>
+                <a:ea typeface="+mn-ea"/>
+                <a:cs typeface="+mn-cs"/>
+              </a:defRPr>
+            </a:lvl7pPr>
+            <a:lvl8pPr marL="3429000" indent="-228600" algn="l" defTabSz="914400" rtl="0" eaLnBrk="1" latinLnBrk="0" hangingPunct="1">
+              <a:spcBef>
+                <a:spcPct val="20000"/>
+              </a:spcBef>
+              <a:buFont typeface="Arial" pitchFamily="34" charset="0"/>
+              <a:buChar char="•"/>
+              <a:defRPr sz="2000" kern="1200">
+                <a:solidFill>
+                  <a:schemeClr val="tx1"/>
+                </a:solidFill>
+                <a:latin typeface="+mn-lt"/>
+                <a:ea typeface="+mn-ea"/>
+                <a:cs typeface="+mn-cs"/>
+              </a:defRPr>
+            </a:lvl8pPr>
+            <a:lvl9pPr marL="3886200" indent="-228600" algn="l" defTabSz="914400" rtl="0" eaLnBrk="1" latinLnBrk="0" hangingPunct="1">
+              <a:spcBef>
+                <a:spcPct val="20000"/>
+              </a:spcBef>
+              <a:buFont typeface="Arial" pitchFamily="34" charset="0"/>
+              <a:buChar char="•"/>
+              <a:defRPr sz="2000" kern="1200">
+                <a:solidFill>
+                  <a:schemeClr val="tx1"/>
+                </a:solidFill>
+                <a:latin typeface="+mn-lt"/>
+                <a:ea typeface="+mn-ea"/>
+                <a:cs typeface="+mn-cs"/>
+              </a:defRPr>
+            </a:lvl9pPr>
+          </a:lstStyle>
+          <a:p>
+            <a:pPr marL="0" indent="0">
+              <a:buNone/>
+            </a:pPr>
+            <a:r>
+              <a:rPr lang="en-US" sz="5400" b="1" dirty="0">
+                <a:solidFill>
+                  <a:schemeClr val="accent5"/>
+                </a:solidFill>
+              </a:rPr>
+              <a:t>C</a:t>
+            </a:r>
+          </a:p>
+        </p:txBody>
+      </p:sp>
+      <p:sp>
+        <p:nvSpPr>
+          <p:cNvPr id="12" name="TextBox 5 - 1">
+            <a:extLst>
+              <a:ext uri="{FF2B5EF4-FFF2-40B4-BE49-F238E27FC236}">
+                <a16:creationId xmlns:a16="http://schemas.microsoft.com/office/drawing/2014/main" id="{2E5DBFB2-6254-4D85-BA12-9421EF5CB27B}"/>
+              </a:ext>
+            </a:extLst>
+          </p:cNvPr>
+          <p:cNvSpPr txBox="1">
+            <a:spLocks/>
+          </p:cNvSpPr>
+          <p:nvPr/>
+        </p:nvSpPr>
+        <p:spPr>
+          <a:xfrm>
+            <a:off x="3408635" y="863206"/>
+            <a:ext cx="431208" cy="747897"/>
+          </a:xfrm>
+          <a:prstGeom prst="rect">
+            <a:avLst/>
+          </a:prstGeom>
+        </p:spPr>
+        <p:txBody>
+          <a:bodyPr vert="horz" wrap="none" lIns="0" tIns="0" rIns="0" bIns="0" rtlCol="0">
+            <a:spAutoFit/>
+          </a:bodyPr>
+          <a:lstStyle>
+            <a:lvl1pPr marL="179388" indent="-179388" algn="l" defTabSz="914400" rtl="0" eaLnBrk="1" latinLnBrk="0" hangingPunct="1">
+              <a:lnSpc>
+                <a:spcPct val="90000"/>
+              </a:lnSpc>
+              <a:spcBef>
+                <a:spcPts val="600"/>
+              </a:spcBef>
+              <a:buFont typeface="Arial" pitchFamily="34" charset="0"/>
+              <a:buChar char="•"/>
+              <a:defRPr sz="2000" kern="1200">
+                <a:solidFill>
+                  <a:schemeClr val="accent1"/>
+                </a:solidFill>
+                <a:latin typeface="+mn-lt"/>
+                <a:ea typeface="+mn-ea"/>
+                <a:cs typeface="+mn-cs"/>
+              </a:defRPr>
+            </a:lvl1pPr>
+            <a:lvl2pPr marL="360000" indent="-180975" algn="l" defTabSz="914400" rtl="0" eaLnBrk="1" latinLnBrk="0" hangingPunct="1">
+              <a:lnSpc>
+                <a:spcPct val="90000"/>
+              </a:lnSpc>
+              <a:spcBef>
+                <a:spcPts val="600"/>
+              </a:spcBef>
+              <a:buFont typeface="Arial" panose="020B0604020202020204" pitchFamily="34" charset="0"/>
+              <a:buChar char="•"/>
+              <a:defRPr sz="2000" kern="1200">
+                <a:solidFill>
+                  <a:schemeClr val="accent1"/>
+                </a:solidFill>
+                <a:latin typeface="+mn-lt"/>
+                <a:ea typeface="+mn-ea"/>
+                <a:cs typeface="+mn-cs"/>
+              </a:defRPr>
+            </a:lvl2pPr>
+            <a:lvl3pPr marL="540000" indent="-180975" algn="l" defTabSz="914400" rtl="0" eaLnBrk="1" latinLnBrk="0" hangingPunct="1">
+              <a:lnSpc>
+                <a:spcPct val="90000"/>
+              </a:lnSpc>
+              <a:spcBef>
+                <a:spcPts val="600"/>
+              </a:spcBef>
+              <a:buFont typeface="Arial" pitchFamily="34" charset="0"/>
+              <a:buChar char="•"/>
+              <a:defRPr sz="2000" kern="1200">
+                <a:solidFill>
+                  <a:schemeClr val="accent1"/>
+                </a:solidFill>
+                <a:latin typeface="+mn-lt"/>
+                <a:ea typeface="+mn-ea"/>
+                <a:cs typeface="+mn-cs"/>
+              </a:defRPr>
+            </a:lvl3pPr>
+            <a:lvl4pPr marL="720000" indent="-180000" algn="l" defTabSz="914400" rtl="0" eaLnBrk="1" latinLnBrk="0" hangingPunct="1">
+              <a:lnSpc>
+                <a:spcPct val="90000"/>
+              </a:lnSpc>
+              <a:spcBef>
+                <a:spcPts val="600"/>
+              </a:spcBef>
+              <a:buFont typeface="Arial" panose="020B0604020202020204" pitchFamily="34" charset="0"/>
+              <a:buChar char="•"/>
+              <a:defRPr sz="2000" kern="1200">
+                <a:solidFill>
+                  <a:schemeClr val="accent1"/>
+                </a:solidFill>
+                <a:latin typeface="+mn-lt"/>
+                <a:ea typeface="+mn-ea"/>
+                <a:cs typeface="+mn-cs"/>
+              </a:defRPr>
+            </a:lvl4pPr>
+            <a:lvl5pPr marL="900000" indent="-180975" algn="l" defTabSz="914400" rtl="0" eaLnBrk="1" latinLnBrk="0" hangingPunct="1">
+              <a:lnSpc>
+                <a:spcPct val="90000"/>
+              </a:lnSpc>
+              <a:spcBef>
+                <a:spcPts val="600"/>
+              </a:spcBef>
+              <a:buFont typeface="Arial" panose="020B0604020202020204" pitchFamily="34" charset="0"/>
+              <a:buChar char="•"/>
+              <a:defRPr sz="2000" kern="1200">
+                <a:solidFill>
+                  <a:schemeClr val="accent1"/>
+                </a:solidFill>
+                <a:latin typeface="+mn-lt"/>
+                <a:ea typeface="+mn-ea"/>
+                <a:cs typeface="+mn-cs"/>
+              </a:defRPr>
+            </a:lvl5pPr>
+            <a:lvl6pPr marL="2514600" indent="-228600" algn="l" defTabSz="914400" rtl="0" eaLnBrk="1" latinLnBrk="0" hangingPunct="1">
+              <a:spcBef>
+                <a:spcPct val="20000"/>
+              </a:spcBef>
+              <a:buFont typeface="Arial" pitchFamily="34" charset="0"/>
+              <a:buChar char="•"/>
+              <a:defRPr sz="2000" kern="1200">
+                <a:solidFill>
+                  <a:schemeClr val="tx1"/>
+                </a:solidFill>
+                <a:latin typeface="+mn-lt"/>
+                <a:ea typeface="+mn-ea"/>
+                <a:cs typeface="+mn-cs"/>
+              </a:defRPr>
+            </a:lvl6pPr>
+            <a:lvl7pPr marL="2971800" indent="-228600" algn="l" defTabSz="914400" rtl="0" eaLnBrk="1" latinLnBrk="0" hangingPunct="1">
+              <a:spcBef>
+                <a:spcPct val="20000"/>
+              </a:spcBef>
+              <a:buFont typeface="Arial" pitchFamily="34" charset="0"/>
+              <a:buChar char="•"/>
+              <a:defRPr sz="2000" kern="1200">
+                <a:solidFill>
+                  <a:schemeClr val="tx1"/>
+                </a:solidFill>
+                <a:latin typeface="+mn-lt"/>
+                <a:ea typeface="+mn-ea"/>
+                <a:cs typeface="+mn-cs"/>
+              </a:defRPr>
+            </a:lvl7pPr>
+            <a:lvl8pPr marL="3429000" indent="-228600" algn="l" defTabSz="914400" rtl="0" eaLnBrk="1" latinLnBrk="0" hangingPunct="1">
+              <a:spcBef>
+                <a:spcPct val="20000"/>
+              </a:spcBef>
+              <a:buFont typeface="Arial" pitchFamily="34" charset="0"/>
+              <a:buChar char="•"/>
+              <a:defRPr sz="2000" kern="1200">
+                <a:solidFill>
+                  <a:schemeClr val="tx1"/>
+                </a:solidFill>
+                <a:latin typeface="+mn-lt"/>
+                <a:ea typeface="+mn-ea"/>
+                <a:cs typeface="+mn-cs"/>
+              </a:defRPr>
+            </a:lvl8pPr>
+            <a:lvl9pPr marL="3886200" indent="-228600" algn="l" defTabSz="914400" rtl="0" eaLnBrk="1" latinLnBrk="0" hangingPunct="1">
+              <a:spcBef>
+                <a:spcPct val="20000"/>
+              </a:spcBef>
+              <a:buFont typeface="Arial" pitchFamily="34" charset="0"/>
+              <a:buChar char="•"/>
+              <a:defRPr sz="2000" kern="1200">
+                <a:solidFill>
+                  <a:schemeClr val="tx1"/>
+                </a:solidFill>
+                <a:latin typeface="+mn-lt"/>
+                <a:ea typeface="+mn-ea"/>
+                <a:cs typeface="+mn-cs"/>
+              </a:defRPr>
+            </a:lvl9pPr>
+          </a:lstStyle>
+          <a:p>
+            <a:pPr marL="0" indent="0">
+              <a:buNone/>
+            </a:pPr>
+            <a:r>
+              <a:rPr lang="en-US" sz="5400" b="1" dirty="0">
+                <a:solidFill>
+                  <a:schemeClr val="accent5"/>
+                </a:solidFill>
+              </a:rPr>
+              <a:t>B</a:t>
+            </a:r>
+          </a:p>
+        </p:txBody>
+      </p:sp>
+      <p:sp>
+        <p:nvSpPr>
+          <p:cNvPr id="13" name="TextBox 5 - 3">
+            <a:extLst>
+              <a:ext uri="{FF2B5EF4-FFF2-40B4-BE49-F238E27FC236}">
+                <a16:creationId xmlns:a16="http://schemas.microsoft.com/office/drawing/2014/main" id="{E13D7B49-6DD3-43C3-9A2E-E2BA90A74A41}"/>
+              </a:ext>
+            </a:extLst>
+          </p:cNvPr>
+          <p:cNvSpPr txBox="1">
+            <a:spLocks/>
+          </p:cNvSpPr>
+          <p:nvPr/>
+        </p:nvSpPr>
+        <p:spPr>
+          <a:xfrm>
+            <a:off x="8693236" y="863206"/>
+            <a:ext cx="477695" cy="747897"/>
+          </a:xfrm>
+          <a:prstGeom prst="rect">
+            <a:avLst/>
+          </a:prstGeom>
+        </p:spPr>
+        <p:txBody>
+          <a:bodyPr vert="horz" wrap="none" lIns="0" tIns="0" rIns="0" bIns="0" rtlCol="0">
+            <a:spAutoFit/>
+          </a:bodyPr>
+          <a:lstStyle>
+            <a:lvl1pPr marL="179388" indent="-179388" algn="l" defTabSz="914400" rtl="0" eaLnBrk="1" latinLnBrk="0" hangingPunct="1">
+              <a:lnSpc>
+                <a:spcPct val="90000"/>
+              </a:lnSpc>
+              <a:spcBef>
+                <a:spcPts val="600"/>
+              </a:spcBef>
+              <a:buFont typeface="Arial" pitchFamily="34" charset="0"/>
+              <a:buChar char="•"/>
+              <a:defRPr sz="2000" kern="1200">
+                <a:solidFill>
+                  <a:schemeClr val="accent1"/>
+                </a:solidFill>
+                <a:latin typeface="+mn-lt"/>
+                <a:ea typeface="+mn-ea"/>
+                <a:cs typeface="+mn-cs"/>
+              </a:defRPr>
+            </a:lvl1pPr>
+            <a:lvl2pPr marL="360000" indent="-180975" algn="l" defTabSz="914400" rtl="0" eaLnBrk="1" latinLnBrk="0" hangingPunct="1">
+              <a:lnSpc>
+                <a:spcPct val="90000"/>
+              </a:lnSpc>
+              <a:spcBef>
+                <a:spcPts val="600"/>
+              </a:spcBef>
+              <a:buFont typeface="Arial" panose="020B0604020202020204" pitchFamily="34" charset="0"/>
+              <a:buChar char="•"/>
+              <a:defRPr sz="2000" kern="1200">
+                <a:solidFill>
+                  <a:schemeClr val="accent1"/>
+                </a:solidFill>
+                <a:latin typeface="+mn-lt"/>
+                <a:ea typeface="+mn-ea"/>
+                <a:cs typeface="+mn-cs"/>
+              </a:defRPr>
+            </a:lvl2pPr>
+            <a:lvl3pPr marL="540000" indent="-180975" algn="l" defTabSz="914400" rtl="0" eaLnBrk="1" latinLnBrk="0" hangingPunct="1">
+              <a:lnSpc>
+                <a:spcPct val="90000"/>
+              </a:lnSpc>
+              <a:spcBef>
+                <a:spcPts val="600"/>
+              </a:spcBef>
+              <a:buFont typeface="Arial" pitchFamily="34" charset="0"/>
+              <a:buChar char="•"/>
+              <a:defRPr sz="2000" kern="1200">
+                <a:solidFill>
+                  <a:schemeClr val="accent1"/>
+                </a:solidFill>
+                <a:latin typeface="+mn-lt"/>
+                <a:ea typeface="+mn-ea"/>
+                <a:cs typeface="+mn-cs"/>
+              </a:defRPr>
+            </a:lvl3pPr>
+            <a:lvl4pPr marL="720000" indent="-180000" algn="l" defTabSz="914400" rtl="0" eaLnBrk="1" latinLnBrk="0" hangingPunct="1">
+              <a:lnSpc>
+                <a:spcPct val="90000"/>
+              </a:lnSpc>
+              <a:spcBef>
+                <a:spcPts val="600"/>
+              </a:spcBef>
+              <a:buFont typeface="Arial" panose="020B0604020202020204" pitchFamily="34" charset="0"/>
+              <a:buChar char="•"/>
+              <a:defRPr sz="2000" kern="1200">
+                <a:solidFill>
+                  <a:schemeClr val="accent1"/>
+                </a:solidFill>
+                <a:latin typeface="+mn-lt"/>
+                <a:ea typeface="+mn-ea"/>
+                <a:cs typeface="+mn-cs"/>
+              </a:defRPr>
+            </a:lvl4pPr>
+            <a:lvl5pPr marL="900000" indent="-180975" algn="l" defTabSz="914400" rtl="0" eaLnBrk="1" latinLnBrk="0" hangingPunct="1">
+              <a:lnSpc>
+                <a:spcPct val="90000"/>
+              </a:lnSpc>
+              <a:spcBef>
+                <a:spcPts val="600"/>
+              </a:spcBef>
+              <a:buFont typeface="Arial" panose="020B0604020202020204" pitchFamily="34" charset="0"/>
+              <a:buChar char="•"/>
+              <a:defRPr sz="2000" kern="1200">
+                <a:solidFill>
+                  <a:schemeClr val="accent1"/>
+                </a:solidFill>
+                <a:latin typeface="+mn-lt"/>
+                <a:ea typeface="+mn-ea"/>
+                <a:cs typeface="+mn-cs"/>
+              </a:defRPr>
+            </a:lvl5pPr>
+            <a:lvl6pPr marL="2514600" indent="-228600" algn="l" defTabSz="914400" rtl="0" eaLnBrk="1" latinLnBrk="0" hangingPunct="1">
+              <a:spcBef>
+                <a:spcPct val="20000"/>
+              </a:spcBef>
+              <a:buFont typeface="Arial" pitchFamily="34" charset="0"/>
+              <a:buChar char="•"/>
+              <a:defRPr sz="2000" kern="1200">
+                <a:solidFill>
+                  <a:schemeClr val="tx1"/>
+                </a:solidFill>
+                <a:latin typeface="+mn-lt"/>
+                <a:ea typeface="+mn-ea"/>
+                <a:cs typeface="+mn-cs"/>
+              </a:defRPr>
+            </a:lvl6pPr>
+            <a:lvl7pPr marL="2971800" indent="-228600" algn="l" defTabSz="914400" rtl="0" eaLnBrk="1" latinLnBrk="0" hangingPunct="1">
+              <a:spcBef>
+                <a:spcPct val="20000"/>
+              </a:spcBef>
+              <a:buFont typeface="Arial" pitchFamily="34" charset="0"/>
+              <a:buChar char="•"/>
+              <a:defRPr sz="2000" kern="1200">
+                <a:solidFill>
+                  <a:schemeClr val="tx1"/>
+                </a:solidFill>
+                <a:latin typeface="+mn-lt"/>
+                <a:ea typeface="+mn-ea"/>
+                <a:cs typeface="+mn-cs"/>
+              </a:defRPr>
+            </a:lvl7pPr>
+            <a:lvl8pPr marL="3429000" indent="-228600" algn="l" defTabSz="914400" rtl="0" eaLnBrk="1" latinLnBrk="0" hangingPunct="1">
+              <a:spcBef>
+                <a:spcPct val="20000"/>
+              </a:spcBef>
+              <a:buFont typeface="Arial" pitchFamily="34" charset="0"/>
+              <a:buChar char="•"/>
+              <a:defRPr sz="2000" kern="1200">
+                <a:solidFill>
+                  <a:schemeClr val="tx1"/>
+                </a:solidFill>
+                <a:latin typeface="+mn-lt"/>
+                <a:ea typeface="+mn-ea"/>
+                <a:cs typeface="+mn-cs"/>
+              </a:defRPr>
+            </a:lvl8pPr>
+            <a:lvl9pPr marL="3886200" indent="-228600" algn="l" defTabSz="914400" rtl="0" eaLnBrk="1" latinLnBrk="0" hangingPunct="1">
+              <a:spcBef>
+                <a:spcPct val="20000"/>
+              </a:spcBef>
+              <a:buFont typeface="Arial" pitchFamily="34" charset="0"/>
+              <a:buChar char="•"/>
+              <a:defRPr sz="2000" kern="1200">
+                <a:solidFill>
+                  <a:schemeClr val="tx1"/>
+                </a:solidFill>
+                <a:latin typeface="+mn-lt"/>
+                <a:ea typeface="+mn-ea"/>
+                <a:cs typeface="+mn-cs"/>
+              </a:defRPr>
+            </a:lvl9pPr>
+          </a:lstStyle>
+          <a:p>
+            <a:pPr marL="0" indent="0">
+              <a:buNone/>
+            </a:pPr>
+            <a:r>
+              <a:rPr lang="en-US" sz="5400" b="1" dirty="0">
+                <a:solidFill>
+                  <a:schemeClr val="accent5"/>
+                </a:solidFill>
+              </a:rPr>
+              <a:t>D</a:t>
+            </a:r>
+          </a:p>
+        </p:txBody>
+      </p:sp>
+      <p:sp>
+        <p:nvSpPr>
+          <p:cNvPr id="2" name="Titel 1">
+            <a:extLst>
+              <a:ext uri="{FF2B5EF4-FFF2-40B4-BE49-F238E27FC236}">
+                <a16:creationId xmlns:a16="http://schemas.microsoft.com/office/drawing/2014/main" id="{2BD5074D-D1F9-B9F7-DACD-88F097B4D5CD}"/>
+              </a:ext>
+            </a:extLst>
+          </p:cNvPr>
+          <p:cNvSpPr>
+            <a:spLocks noGrp="1"/>
+          </p:cNvSpPr>
+          <p:nvPr>
+            <p:ph type="title"/>
+          </p:nvPr>
+        </p:nvSpPr>
+        <p:spPr>
+          <a:xfrm>
+            <a:off x="982663" y="229827"/>
+            <a:ext cx="10874375" cy="633379"/>
+          </a:xfrm>
+        </p:spPr>
+        <p:txBody>
+          <a:bodyPr vert="horz"/>
+          <a:lstStyle/>
+          <a:p>
+            <a:r>
+              <a:rPr lang="en-US" dirty="0"/>
+              <a:t>Preliminary Problems</a:t>
+            </a:r>
+          </a:p>
+        </p:txBody>
+      </p:sp>
+    </p:spTree>
+    <p:extLst>
+      <p:ext uri="{BB962C8B-B14F-4D97-AF65-F5344CB8AC3E}">
+        <p14:creationId xmlns:p14="http://schemas.microsoft.com/office/powerpoint/2010/main" val="637503088"/>
+      </p:ext>
+    </p:extLst>
+  </p:cSld>
+  <p:clrMapOvr>
+    <a:masterClrMapping/>
+  </p:clrMapOvr>
+</p:sld>
+</file>
+
+<file path=ppt/slides/slide5.xml><?xml version="1.0" encoding="utf-8"?>
+<p:sld xmlns:a="http://schemas.openxmlformats.org/drawingml/2006/main" xmlns:r="http://schemas.openxmlformats.org/officeDocument/2006/relationships" xmlns:p="http://schemas.openxmlformats.org/presentationml/2006/main">
+  <p:cSld>
+    <p:spTree>
+      <p:nvGrpSpPr>
+        <p:cNvPr id="1" name=""/>
+        <p:cNvGrpSpPr/>
+        <p:nvPr/>
+      </p:nvGrpSpPr>
+      <p:grpSpPr>
+        <a:xfrm>
+          <a:off x="0" y="0"/>
+          <a:ext cx="0" cy="0"/>
+          <a:chOff x="0" y="0"/>
+          <a:chExt cx="0" cy="0"/>
+        </a:xfrm>
+      </p:grpSpPr>
+      <p:graphicFrame>
+        <p:nvGraphicFramePr>
+          <p:cNvPr id="4" name="Objekt 3" hidden="1">
+            <a:extLst>
+              <a:ext uri="{FF2B5EF4-FFF2-40B4-BE49-F238E27FC236}">
+                <a16:creationId xmlns:a16="http://schemas.microsoft.com/office/drawing/2014/main" id="{79C05AFC-9555-D40C-AD9D-3E13BD0A4FC2}"/>
+              </a:ext>
+            </a:extLst>
+          </p:cNvPr>
+          <p:cNvGraphicFramePr>
+            <a:graphicFrameLocks noChangeAspect="1"/>
+          </p:cNvGraphicFramePr>
+          <p:nvPr>
+            <p:custDataLst>
+              <p:tags r:id="rId1"/>
+            </p:custDataLst>
+            <p:extLst>
+              <p:ext uri="{D42A27DB-BD31-4B8C-83A1-F6EECF244321}">
+                <p14:modId xmlns:p14="http://schemas.microsoft.com/office/powerpoint/2010/main" val="1252782440"/>
+              </p:ext>
+            </p:extLst>
+          </p:nvPr>
+        </p:nvGraphicFramePr>
+        <p:xfrm>
+          <a:off x="1588" y="1588"/>
+          <a:ext cx="1588" cy="1588"/>
+        </p:xfrm>
+        <a:graphic>
+          <a:graphicData uri="http://schemas.openxmlformats.org/presentationml/2006/ole">
+            <mc:AlternateContent xmlns:mc="http://schemas.openxmlformats.org/markup-compatibility/2006">
+              <mc:Choice xmlns:v="urn:schemas-microsoft-com:vml" Requires="v">
+                <p:oleObj name="think-cell Slide" r:id="rId4" imgW="347" imgH="348" progId="TCLayout.ActiveDocument.1">
+                  <p:embed/>
+                </p:oleObj>
+              </mc:Choice>
+              <mc:Fallback>
+                <p:oleObj name="think-cell Slide" r:id="rId4" imgW="347" imgH="348" progId="TCLayout.ActiveDocument.1">
+                  <p:embed/>
+                  <p:pic>
+                    <p:nvPicPr>
+                      <p:cNvPr id="4" name="Objekt 3" hidden="1">
+                        <a:extLst>
+                          <a:ext uri="{FF2B5EF4-FFF2-40B4-BE49-F238E27FC236}">
+                            <a16:creationId xmlns:a16="http://schemas.microsoft.com/office/drawing/2014/main" id="{79C05AFC-9555-D40C-AD9D-3E13BD0A4FC2}"/>
+                          </a:ext>
+                        </a:extLst>
+                      </p:cNvPr>
+                      <p:cNvPicPr/>
+                      <p:nvPr/>
+                    </p:nvPicPr>
+                    <p:blipFill>
+                      <a:blip r:embed="rId5"/>
+                      <a:stretch>
+                        <a:fillRect/>
+                      </a:stretch>
+                    </p:blipFill>
+                    <p:spPr>
+                      <a:xfrm>
+                        <a:off x="1588" y="1588"/>
+                        <a:ext cx="1588" cy="1588"/>
+                      </a:xfrm>
+                      <a:prstGeom prst="rect">
+                        <a:avLst/>
+                      </a:prstGeom>
+                    </p:spPr>
+                  </p:pic>
+                </p:oleObj>
+              </mc:Fallback>
+            </mc:AlternateContent>
+          </a:graphicData>
+        </a:graphic>
+      </p:graphicFrame>
+      <p:sp>
+        <p:nvSpPr>
+          <p:cNvPr id="2" name="Titel 1">
+            <a:extLst>
+              <a:ext uri="{FF2B5EF4-FFF2-40B4-BE49-F238E27FC236}">
+                <a16:creationId xmlns:a16="http://schemas.microsoft.com/office/drawing/2014/main" id="{F7A7B11F-5560-4450-B29C-AA36EE47DBD5}"/>
+              </a:ext>
+            </a:extLst>
+          </p:cNvPr>
+          <p:cNvSpPr>
+            <a:spLocks noGrp="1"/>
+          </p:cNvSpPr>
+          <p:nvPr>
+            <p:ph type="title"/>
+          </p:nvPr>
+        </p:nvSpPr>
+        <p:spPr/>
+        <p:txBody>
+          <a:bodyPr vert="horz"/>
+          <a:lstStyle/>
+          <a:p>
+            <a:pPr marL="0" indent="0">
+              <a:buNone/>
+            </a:pPr>
+            <a:r>
+              <a:rPr lang="en-US" dirty="0"/>
+              <a:t>Scientific Methods and Data</a:t>
+            </a:r>
+          </a:p>
+        </p:txBody>
+      </p:sp>
+      <p:sp>
+        <p:nvSpPr>
+          <p:cNvPr id="6" name="Pladsholder til indhold 5">
+            <a:extLst>
+              <a:ext uri="{FF2B5EF4-FFF2-40B4-BE49-F238E27FC236}">
+                <a16:creationId xmlns:a16="http://schemas.microsoft.com/office/drawing/2014/main" id="{8FC4456C-8838-4F8B-8B1E-95CBD5B2E38B}"/>
+              </a:ext>
+            </a:extLst>
+          </p:cNvPr>
+          <p:cNvSpPr>
+            <a:spLocks noGrp="1"/>
+          </p:cNvSpPr>
+          <p:nvPr>
+            <p:ph sz="quarter" idx="13"/>
+          </p:nvPr>
+        </p:nvSpPr>
+        <p:spPr>
+          <a:xfrm>
+            <a:off x="982663" y="1952624"/>
+            <a:ext cx="4847686" cy="4337051"/>
+          </a:xfrm>
+        </p:spPr>
+        <p:txBody>
+          <a:bodyPr/>
+          <a:lstStyle/>
+          <a:p>
+            <a:pPr marL="0" indent="0">
+              <a:buNone/>
+            </a:pPr>
+            <a:r>
+              <a:rPr lang="en-US" b="1" dirty="0"/>
+              <a:t>Data Analysis Methods</a:t>
+            </a:r>
+          </a:p>
+          <a:p>
+            <a:r>
+              <a:rPr lang="en-US" dirty="0"/>
+              <a:t>Factor Analysis</a:t>
+            </a:r>
+          </a:p>
+          <a:p>
+            <a:pPr lvl="1"/>
+            <a:r>
+              <a:rPr lang="en-US" sz="1600" dirty="0"/>
+              <a:t>Reduce dimensions from the get-go and establish a more manageable dataset. </a:t>
+            </a:r>
+          </a:p>
+          <a:p>
+            <a:r>
+              <a:rPr lang="en-US" dirty="0"/>
+              <a:t>Random Forest </a:t>
+            </a:r>
+          </a:p>
+          <a:p>
+            <a:pPr lvl="1"/>
+            <a:r>
+              <a:rPr lang="en-US" sz="1600" dirty="0"/>
+              <a:t>Serves as a proof of concept for the use of Machine Learning Methods.</a:t>
+            </a:r>
+          </a:p>
+          <a:p>
+            <a:r>
+              <a:rPr lang="en-US" dirty="0"/>
+              <a:t>PLS-SEM</a:t>
+            </a:r>
+          </a:p>
+          <a:p>
+            <a:pPr lvl="1"/>
+            <a:r>
+              <a:rPr lang="en-US" sz="1600" dirty="0"/>
+              <a:t>Relation between latent variables and observed data.</a:t>
+            </a:r>
+          </a:p>
+          <a:p>
+            <a:r>
+              <a:rPr lang="en-US" dirty="0" err="1"/>
+              <a:t>AutoML</a:t>
+            </a:r>
+            <a:endParaRPr lang="en-US" dirty="0"/>
+          </a:p>
+          <a:p>
+            <a:pPr lvl="1"/>
+            <a:r>
+              <a:rPr lang="en-US" sz="1600" dirty="0"/>
+              <a:t>Blackbox ML allows ELCON to continue using the methods developed without expert knowledge of statistics and ML.</a:t>
+            </a:r>
+            <a:endParaRPr lang="en-US" sz="1400" dirty="0"/>
+          </a:p>
+          <a:p>
+            <a:pPr lvl="1"/>
+            <a:endParaRPr lang="en-US" sz="1600" dirty="0"/>
+          </a:p>
+        </p:txBody>
+      </p:sp>
+      <p:sp>
+        <p:nvSpPr>
+          <p:cNvPr id="3" name="Pladsholder til indhold 5">
+            <a:extLst>
+              <a:ext uri="{FF2B5EF4-FFF2-40B4-BE49-F238E27FC236}">
+                <a16:creationId xmlns:a16="http://schemas.microsoft.com/office/drawing/2014/main" id="{DBBA62F8-ABAB-0796-5D4F-277CA4383CB2}"/>
+              </a:ext>
+            </a:extLst>
+          </p:cNvPr>
+          <p:cNvSpPr txBox="1">
+            <a:spLocks/>
+          </p:cNvSpPr>
+          <p:nvPr/>
+        </p:nvSpPr>
+        <p:spPr>
+          <a:xfrm>
+            <a:off x="6361653" y="1952624"/>
+            <a:ext cx="4847686" cy="4337052"/>
+          </a:xfrm>
+          <a:prstGeom prst="rect">
+            <a:avLst/>
+          </a:prstGeom>
+        </p:spPr>
+        <p:txBody>
+          <a:bodyPr vert="horz" lIns="0" tIns="0" rIns="0" bIns="0" rtlCol="0">
+            <a:noAutofit/>
+          </a:bodyPr>
+          <a:lstStyle>
+            <a:lvl1pPr marL="179388" indent="-179388" algn="l" defTabSz="914400" rtl="0" eaLnBrk="1" latinLnBrk="0" hangingPunct="1">
+              <a:lnSpc>
+                <a:spcPct val="90000"/>
+              </a:lnSpc>
+              <a:spcBef>
+                <a:spcPts val="600"/>
+              </a:spcBef>
+              <a:buFont typeface="Arial" pitchFamily="34" charset="0"/>
+              <a:buChar char="•"/>
+              <a:defRPr sz="2000" kern="1200">
+                <a:solidFill>
+                  <a:schemeClr val="accent1"/>
+                </a:solidFill>
+                <a:latin typeface="+mn-lt"/>
+                <a:ea typeface="+mn-ea"/>
+                <a:cs typeface="+mn-cs"/>
+              </a:defRPr>
+            </a:lvl1pPr>
+            <a:lvl2pPr marL="360000" indent="-180975" algn="l" defTabSz="914400" rtl="0" eaLnBrk="1" latinLnBrk="0" hangingPunct="1">
+              <a:lnSpc>
+                <a:spcPct val="90000"/>
+              </a:lnSpc>
+              <a:spcBef>
+                <a:spcPts val="600"/>
+              </a:spcBef>
+              <a:buFont typeface="Arial" panose="020B0604020202020204" pitchFamily="34" charset="0"/>
+              <a:buChar char="•"/>
+              <a:defRPr sz="2000" kern="1200">
+                <a:solidFill>
+                  <a:schemeClr val="accent1"/>
+                </a:solidFill>
+                <a:latin typeface="+mn-lt"/>
+                <a:ea typeface="+mn-ea"/>
+                <a:cs typeface="+mn-cs"/>
+              </a:defRPr>
+            </a:lvl2pPr>
+            <a:lvl3pPr marL="540000" indent="-180975" algn="l" defTabSz="914400" rtl="0" eaLnBrk="1" latinLnBrk="0" hangingPunct="1">
+              <a:lnSpc>
+                <a:spcPct val="90000"/>
+              </a:lnSpc>
+              <a:spcBef>
+                <a:spcPts val="600"/>
+              </a:spcBef>
+              <a:buFont typeface="Arial" pitchFamily="34" charset="0"/>
+              <a:buChar char="•"/>
+              <a:defRPr sz="2000" kern="1200">
+                <a:solidFill>
+                  <a:schemeClr val="accent1"/>
+                </a:solidFill>
+                <a:latin typeface="+mn-lt"/>
+                <a:ea typeface="+mn-ea"/>
+                <a:cs typeface="+mn-cs"/>
+              </a:defRPr>
+            </a:lvl3pPr>
+            <a:lvl4pPr marL="720000" indent="-180000" algn="l" defTabSz="914400" rtl="0" eaLnBrk="1" latinLnBrk="0" hangingPunct="1">
+              <a:lnSpc>
+                <a:spcPct val="90000"/>
+              </a:lnSpc>
+              <a:spcBef>
+                <a:spcPts val="600"/>
+              </a:spcBef>
+              <a:buFont typeface="Arial" panose="020B0604020202020204" pitchFamily="34" charset="0"/>
+              <a:buChar char="•"/>
+              <a:defRPr sz="2000" kern="1200">
+                <a:solidFill>
+                  <a:schemeClr val="accent1"/>
+                </a:solidFill>
+                <a:latin typeface="+mn-lt"/>
+                <a:ea typeface="+mn-ea"/>
+                <a:cs typeface="+mn-cs"/>
+              </a:defRPr>
+            </a:lvl4pPr>
+            <a:lvl5pPr marL="900000" indent="-180975" algn="l" defTabSz="914400" rtl="0" eaLnBrk="1" latinLnBrk="0" hangingPunct="1">
+              <a:lnSpc>
+                <a:spcPct val="90000"/>
+              </a:lnSpc>
+              <a:spcBef>
+                <a:spcPts val="600"/>
+              </a:spcBef>
+              <a:buFont typeface="Arial" panose="020B0604020202020204" pitchFamily="34" charset="0"/>
+              <a:buChar char="•"/>
+              <a:defRPr sz="2000" kern="1200">
+                <a:solidFill>
+                  <a:schemeClr val="accent1"/>
+                </a:solidFill>
+                <a:latin typeface="+mn-lt"/>
+                <a:ea typeface="+mn-ea"/>
+                <a:cs typeface="+mn-cs"/>
+              </a:defRPr>
+            </a:lvl5pPr>
+            <a:lvl6pPr marL="2514600" indent="-228600" algn="l" defTabSz="914400" rtl="0" eaLnBrk="1" latinLnBrk="0" hangingPunct="1">
+              <a:spcBef>
+                <a:spcPct val="20000"/>
+              </a:spcBef>
+              <a:buFont typeface="Arial" pitchFamily="34" charset="0"/>
+              <a:buChar char="•"/>
+              <a:defRPr sz="2000" kern="1200">
+                <a:solidFill>
+                  <a:schemeClr val="tx1"/>
+                </a:solidFill>
+                <a:latin typeface="+mn-lt"/>
+                <a:ea typeface="+mn-ea"/>
+                <a:cs typeface="+mn-cs"/>
+              </a:defRPr>
+            </a:lvl6pPr>
+            <a:lvl7pPr marL="2971800" indent="-228600" algn="l" defTabSz="914400" rtl="0" eaLnBrk="1" latinLnBrk="0" hangingPunct="1">
+              <a:spcBef>
+                <a:spcPct val="20000"/>
+              </a:spcBef>
+              <a:buFont typeface="Arial" pitchFamily="34" charset="0"/>
+              <a:buChar char="•"/>
+              <a:defRPr sz="2000" kern="1200">
+                <a:solidFill>
+                  <a:schemeClr val="tx1"/>
+                </a:solidFill>
+                <a:latin typeface="+mn-lt"/>
+                <a:ea typeface="+mn-ea"/>
+                <a:cs typeface="+mn-cs"/>
+              </a:defRPr>
+            </a:lvl7pPr>
+            <a:lvl8pPr marL="3429000" indent="-228600" algn="l" defTabSz="914400" rtl="0" eaLnBrk="1" latinLnBrk="0" hangingPunct="1">
+              <a:spcBef>
+                <a:spcPct val="20000"/>
+              </a:spcBef>
+              <a:buFont typeface="Arial" pitchFamily="34" charset="0"/>
+              <a:buChar char="•"/>
+              <a:defRPr sz="2000" kern="1200">
+                <a:solidFill>
+                  <a:schemeClr val="tx1"/>
+                </a:solidFill>
+                <a:latin typeface="+mn-lt"/>
+                <a:ea typeface="+mn-ea"/>
+                <a:cs typeface="+mn-cs"/>
+              </a:defRPr>
+            </a:lvl8pPr>
+            <a:lvl9pPr marL="3886200" indent="-228600" algn="l" defTabSz="914400" rtl="0" eaLnBrk="1" latinLnBrk="0" hangingPunct="1">
+              <a:spcBef>
+                <a:spcPct val="20000"/>
+              </a:spcBef>
+              <a:buFont typeface="Arial" pitchFamily="34" charset="0"/>
+              <a:buChar char="•"/>
+              <a:defRPr sz="2000" kern="1200">
+                <a:solidFill>
+                  <a:schemeClr val="tx1"/>
+                </a:solidFill>
+                <a:latin typeface="+mn-lt"/>
+                <a:ea typeface="+mn-ea"/>
+                <a:cs typeface="+mn-cs"/>
+              </a:defRPr>
+            </a:lvl9pPr>
+          </a:lstStyle>
+          <a:p>
+            <a:pPr marL="0" indent="0">
+              <a:buNone/>
+            </a:pPr>
+            <a:r>
+              <a:rPr lang="en-US" b="1" dirty="0"/>
+              <a:t>Potential Sources of Data</a:t>
+            </a:r>
+          </a:p>
+          <a:p>
+            <a:r>
+              <a:rPr lang="en-US" dirty="0"/>
+              <a:t>Time Series Data</a:t>
+            </a:r>
+          </a:p>
+          <a:p>
+            <a:pPr lvl="2"/>
+            <a:r>
+              <a:rPr lang="en-US" sz="1600" dirty="0"/>
+              <a:t>Hours registered by workers.</a:t>
+            </a:r>
+          </a:p>
+          <a:p>
+            <a:pPr lvl="2"/>
+            <a:r>
+              <a:rPr lang="en-US" sz="1600" dirty="0"/>
+              <a:t>Materials purchased.</a:t>
+            </a:r>
+          </a:p>
+          <a:p>
+            <a:pPr lvl="2"/>
+            <a:r>
+              <a:rPr lang="en-US" sz="1600" dirty="0"/>
+              <a:t>Invoices.</a:t>
+            </a:r>
+          </a:p>
+          <a:p>
+            <a:pPr lvl="2"/>
+            <a:r>
+              <a:rPr lang="en-US" sz="1600" dirty="0"/>
+              <a:t>Budget from the tender processes.</a:t>
+            </a:r>
+          </a:p>
+          <a:p>
+            <a:r>
+              <a:rPr lang="en-US" dirty="0"/>
+              <a:t>Macroeconomic Data</a:t>
+            </a:r>
+          </a:p>
+          <a:p>
+            <a:pPr lvl="2"/>
+            <a:r>
+              <a:rPr lang="en-US" sz="1600" dirty="0"/>
+              <a:t>Overall sentiment.</a:t>
+            </a:r>
+          </a:p>
+          <a:p>
+            <a:pPr lvl="2"/>
+            <a:r>
+              <a:rPr lang="en-US" sz="1600" dirty="0"/>
+              <a:t>Interest rate</a:t>
+            </a:r>
+          </a:p>
+          <a:p>
+            <a:pPr lvl="2"/>
+            <a:r>
+              <a:rPr lang="en-US" sz="1600" dirty="0"/>
+              <a:t>Unemployment rate.</a:t>
+            </a:r>
+          </a:p>
+          <a:p>
+            <a:r>
+              <a:rPr lang="en-US" dirty="0"/>
+              <a:t>Industry Specific Data</a:t>
+            </a:r>
+          </a:p>
+          <a:p>
+            <a:pPr lvl="2"/>
+            <a:r>
+              <a:rPr lang="en-US" sz="1600" dirty="0"/>
+              <a:t>Overall activity</a:t>
+            </a:r>
+          </a:p>
+          <a:p>
+            <a:pPr lvl="2"/>
+            <a:r>
+              <a:rPr lang="en-US" sz="1600" dirty="0"/>
+              <a:t>Order backlog</a:t>
+            </a:r>
+          </a:p>
+          <a:p>
+            <a:pPr lvl="2"/>
+            <a:r>
+              <a:rPr lang="en-US" sz="1600" dirty="0"/>
+              <a:t>Unemployment rate.</a:t>
+            </a:r>
+          </a:p>
+          <a:p>
+            <a:pPr lvl="2"/>
+            <a:endParaRPr lang="en-US" dirty="0"/>
+          </a:p>
+          <a:p>
+            <a:pPr lvl="2"/>
+            <a:endParaRPr lang="en-US" dirty="0"/>
+          </a:p>
+          <a:p>
+            <a:pPr lvl="2"/>
+            <a:endParaRPr lang="en-US" dirty="0"/>
+          </a:p>
+        </p:txBody>
+      </p:sp>
+      <p:sp>
+        <p:nvSpPr>
+          <p:cNvPr id="5" name="Pladsholder til indhold 5">
+            <a:extLst>
+              <a:ext uri="{FF2B5EF4-FFF2-40B4-BE49-F238E27FC236}">
+                <a16:creationId xmlns:a16="http://schemas.microsoft.com/office/drawing/2014/main" id="{0256447C-D35F-4F86-D90B-E90F6B46AE7F}"/>
+              </a:ext>
+            </a:extLst>
+          </p:cNvPr>
+          <p:cNvSpPr txBox="1">
+            <a:spLocks/>
+          </p:cNvSpPr>
+          <p:nvPr/>
+        </p:nvSpPr>
+        <p:spPr>
+          <a:xfrm>
+            <a:off x="982661" y="971548"/>
+            <a:ext cx="10226676" cy="981075"/>
+          </a:xfrm>
+          <a:prstGeom prst="rect">
+            <a:avLst/>
+          </a:prstGeom>
+        </p:spPr>
+        <p:txBody>
+          <a:bodyPr vert="horz" lIns="0" tIns="0" rIns="0" bIns="0" rtlCol="0">
+            <a:noAutofit/>
+          </a:bodyPr>
+          <a:lstStyle>
+            <a:lvl1pPr marL="179388" indent="-179388" algn="l" defTabSz="914400" rtl="0" eaLnBrk="1" latinLnBrk="0" hangingPunct="1">
+              <a:lnSpc>
+                <a:spcPct val="90000"/>
+              </a:lnSpc>
+              <a:spcBef>
+                <a:spcPts val="600"/>
+              </a:spcBef>
+              <a:buFont typeface="Arial" pitchFamily="34" charset="0"/>
+              <a:buChar char="•"/>
+              <a:defRPr sz="2000" kern="1200">
+                <a:solidFill>
+                  <a:schemeClr val="accent1"/>
+                </a:solidFill>
+                <a:latin typeface="+mn-lt"/>
+                <a:ea typeface="+mn-ea"/>
+                <a:cs typeface="+mn-cs"/>
+              </a:defRPr>
+            </a:lvl1pPr>
+            <a:lvl2pPr marL="360000" indent="-180975" algn="l" defTabSz="914400" rtl="0" eaLnBrk="1" latinLnBrk="0" hangingPunct="1">
+              <a:lnSpc>
+                <a:spcPct val="90000"/>
+              </a:lnSpc>
+              <a:spcBef>
+                <a:spcPts val="600"/>
+              </a:spcBef>
+              <a:buFont typeface="Arial" panose="020B0604020202020204" pitchFamily="34" charset="0"/>
+              <a:buChar char="•"/>
+              <a:defRPr sz="2000" kern="1200">
+                <a:solidFill>
+                  <a:schemeClr val="accent1"/>
+                </a:solidFill>
+                <a:latin typeface="+mn-lt"/>
+                <a:ea typeface="+mn-ea"/>
+                <a:cs typeface="+mn-cs"/>
+              </a:defRPr>
+            </a:lvl2pPr>
+            <a:lvl3pPr marL="540000" indent="-180975" algn="l" defTabSz="914400" rtl="0" eaLnBrk="1" latinLnBrk="0" hangingPunct="1">
+              <a:lnSpc>
+                <a:spcPct val="90000"/>
+              </a:lnSpc>
+              <a:spcBef>
+                <a:spcPts val="600"/>
+              </a:spcBef>
+              <a:buFont typeface="Arial" pitchFamily="34" charset="0"/>
+              <a:buChar char="•"/>
+              <a:defRPr sz="2000" kern="1200">
+                <a:solidFill>
+                  <a:schemeClr val="accent1"/>
+                </a:solidFill>
+                <a:latin typeface="+mn-lt"/>
+                <a:ea typeface="+mn-ea"/>
+                <a:cs typeface="+mn-cs"/>
+              </a:defRPr>
+            </a:lvl3pPr>
+            <a:lvl4pPr marL="720000" indent="-180000" algn="l" defTabSz="914400" rtl="0" eaLnBrk="1" latinLnBrk="0" hangingPunct="1">
+              <a:lnSpc>
+                <a:spcPct val="90000"/>
+              </a:lnSpc>
+              <a:spcBef>
+                <a:spcPts val="600"/>
+              </a:spcBef>
+              <a:buFont typeface="Arial" panose="020B0604020202020204" pitchFamily="34" charset="0"/>
+              <a:buChar char="•"/>
+              <a:defRPr sz="2000" kern="1200">
+                <a:solidFill>
+                  <a:schemeClr val="accent1"/>
+                </a:solidFill>
+                <a:latin typeface="+mn-lt"/>
+                <a:ea typeface="+mn-ea"/>
+                <a:cs typeface="+mn-cs"/>
+              </a:defRPr>
+            </a:lvl4pPr>
+            <a:lvl5pPr marL="900000" indent="-180975" algn="l" defTabSz="914400" rtl="0" eaLnBrk="1" latinLnBrk="0" hangingPunct="1">
+              <a:lnSpc>
+                <a:spcPct val="90000"/>
+              </a:lnSpc>
+              <a:spcBef>
+                <a:spcPts val="600"/>
+              </a:spcBef>
+              <a:buFont typeface="Arial" panose="020B0604020202020204" pitchFamily="34" charset="0"/>
+              <a:buChar char="•"/>
+              <a:defRPr sz="2000" kern="1200">
+                <a:solidFill>
+                  <a:schemeClr val="accent1"/>
+                </a:solidFill>
+                <a:latin typeface="+mn-lt"/>
+                <a:ea typeface="+mn-ea"/>
+                <a:cs typeface="+mn-cs"/>
+              </a:defRPr>
+            </a:lvl5pPr>
+            <a:lvl6pPr marL="2514600" indent="-228600" algn="l" defTabSz="914400" rtl="0" eaLnBrk="1" latinLnBrk="0" hangingPunct="1">
+              <a:spcBef>
+                <a:spcPct val="20000"/>
+              </a:spcBef>
+              <a:buFont typeface="Arial" pitchFamily="34" charset="0"/>
+              <a:buChar char="•"/>
+              <a:defRPr sz="2000" kern="1200">
+                <a:solidFill>
+                  <a:schemeClr val="tx1"/>
+                </a:solidFill>
+                <a:latin typeface="+mn-lt"/>
+                <a:ea typeface="+mn-ea"/>
+                <a:cs typeface="+mn-cs"/>
+              </a:defRPr>
+            </a:lvl6pPr>
+            <a:lvl7pPr marL="2971800" indent="-228600" algn="l" defTabSz="914400" rtl="0" eaLnBrk="1" latinLnBrk="0" hangingPunct="1">
+              <a:spcBef>
+                <a:spcPct val="20000"/>
+              </a:spcBef>
+              <a:buFont typeface="Arial" pitchFamily="34" charset="0"/>
+              <a:buChar char="•"/>
+              <a:defRPr sz="2000" kern="1200">
+                <a:solidFill>
+                  <a:schemeClr val="tx1"/>
+                </a:solidFill>
+                <a:latin typeface="+mn-lt"/>
+                <a:ea typeface="+mn-ea"/>
+                <a:cs typeface="+mn-cs"/>
+              </a:defRPr>
+            </a:lvl7pPr>
+            <a:lvl8pPr marL="3429000" indent="-228600" algn="l" defTabSz="914400" rtl="0" eaLnBrk="1" latinLnBrk="0" hangingPunct="1">
+              <a:spcBef>
+                <a:spcPct val="20000"/>
+              </a:spcBef>
+              <a:buFont typeface="Arial" pitchFamily="34" charset="0"/>
+              <a:buChar char="•"/>
+              <a:defRPr sz="2000" kern="1200">
+                <a:solidFill>
+                  <a:schemeClr val="tx1"/>
+                </a:solidFill>
+                <a:latin typeface="+mn-lt"/>
+                <a:ea typeface="+mn-ea"/>
+                <a:cs typeface="+mn-cs"/>
+              </a:defRPr>
+            </a:lvl8pPr>
+            <a:lvl9pPr marL="3886200" indent="-228600" algn="l" defTabSz="914400" rtl="0" eaLnBrk="1" latinLnBrk="0" hangingPunct="1">
+              <a:spcBef>
+                <a:spcPct val="20000"/>
+              </a:spcBef>
+              <a:buFont typeface="Arial" pitchFamily="34" charset="0"/>
+              <a:buChar char="•"/>
+              <a:defRPr sz="2000" kern="1200">
+                <a:solidFill>
+                  <a:schemeClr val="tx1"/>
+                </a:solidFill>
+                <a:latin typeface="+mn-lt"/>
+                <a:ea typeface="+mn-ea"/>
+                <a:cs typeface="+mn-cs"/>
+              </a:defRPr>
+            </a:lvl9pPr>
+          </a:lstStyle>
+          <a:p>
+            <a:pPr marL="179025" lvl="1" indent="0">
+              <a:buNone/>
+            </a:pPr>
+            <a:r>
+              <a:rPr lang="en-US" dirty="0"/>
+              <a:t>ELCON stores a vast amount of data, and before any analyses can be conducted, the data must be cleaned and sorted. </a:t>
+            </a:r>
+          </a:p>
+          <a:p>
+            <a:pPr marL="179025" lvl="1" indent="0">
+              <a:buNone/>
+            </a:pPr>
+            <a:r>
+              <a:rPr lang="en-US" dirty="0"/>
+              <a:t>Literature review will largely focus on advancements made in fields regarding data science.</a:t>
+            </a:r>
+          </a:p>
+        </p:txBody>
+      </p:sp>
+    </p:spTree>
+    <p:extLst>
+      <p:ext uri="{BB962C8B-B14F-4D97-AF65-F5344CB8AC3E}">
+        <p14:creationId xmlns:p14="http://schemas.microsoft.com/office/powerpoint/2010/main" val="2492524537"/>
+      </p:ext>
+    </p:extLst>
+  </p:cSld>
+  <p:clrMapOvr>
+    <a:masterClrMapping/>
+  </p:clrMapOvr>
+</p:sld>
+</file>
+
+<file path=ppt/slides/slide6.xml><?xml version="1.0" encoding="utf-8"?>
+<p:sld xmlns:a="http://schemas.openxmlformats.org/drawingml/2006/main" xmlns:r="http://schemas.openxmlformats.org/officeDocument/2006/relationships" xmlns:p="http://schemas.openxmlformats.org/presentationml/2006/main">
+  <p:cSld>
+    <p:spTree>
+      <p:nvGrpSpPr>
+        <p:cNvPr id="1" name=""/>
+        <p:cNvGrpSpPr/>
+        <p:nvPr/>
+      </p:nvGrpSpPr>
+      <p:grpSpPr>
+        <a:xfrm>
+          <a:off x="0" y="0"/>
+          <a:ext cx="0" cy="0"/>
+          <a:chOff x="0" y="0"/>
+          <a:chExt cx="0" cy="0"/>
+        </a:xfrm>
+      </p:grpSpPr>
+      <p:graphicFrame>
+        <p:nvGraphicFramePr>
+          <p:cNvPr id="4" name="Objekt 3" hidden="1">
+            <a:extLst>
+              <a:ext uri="{FF2B5EF4-FFF2-40B4-BE49-F238E27FC236}">
+                <a16:creationId xmlns:a16="http://schemas.microsoft.com/office/drawing/2014/main" id="{79C05AFC-9555-D40C-AD9D-3E13BD0A4FC2}"/>
+              </a:ext>
+            </a:extLst>
+          </p:cNvPr>
+          <p:cNvGraphicFramePr>
+            <a:graphicFrameLocks noChangeAspect="1"/>
+          </p:cNvGraphicFramePr>
+          <p:nvPr>
+            <p:custDataLst>
+              <p:tags r:id="rId1"/>
+            </p:custDataLst>
+            <p:extLst>
+              <p:ext uri="{D42A27DB-BD31-4B8C-83A1-F6EECF244321}">
+                <p14:modId xmlns:p14="http://schemas.microsoft.com/office/powerpoint/2010/main" val="1214026847"/>
+              </p:ext>
+            </p:extLst>
+          </p:nvPr>
+        </p:nvGraphicFramePr>
+        <p:xfrm>
+          <a:off x="1588" y="1588"/>
+          <a:ext cx="1588" cy="1588"/>
+        </p:xfrm>
+        <a:graphic>
+          <a:graphicData uri="http://schemas.openxmlformats.org/presentationml/2006/ole">
+            <mc:AlternateContent xmlns:mc="http://schemas.openxmlformats.org/markup-compatibility/2006">
+              <mc:Choice xmlns:v="urn:schemas-microsoft-com:vml" Requires="v">
+                <p:oleObj name="think-cell Slide" r:id="rId4" imgW="347" imgH="348" progId="TCLayout.ActiveDocument.1">
+                  <p:embed/>
+                </p:oleObj>
+              </mc:Choice>
+              <mc:Fallback>
+                <p:oleObj name="think-cell Slide" r:id="rId4" imgW="347" imgH="348" progId="TCLayout.ActiveDocument.1">
+                  <p:embed/>
+                  <p:pic>
+                    <p:nvPicPr>
+                      <p:cNvPr id="4" name="Objekt 3" hidden="1">
+                        <a:extLst>
+                          <a:ext uri="{FF2B5EF4-FFF2-40B4-BE49-F238E27FC236}">
+                            <a16:creationId xmlns:a16="http://schemas.microsoft.com/office/drawing/2014/main" id="{79C05AFC-9555-D40C-AD9D-3E13BD0A4FC2}"/>
+                          </a:ext>
+                        </a:extLst>
+                      </p:cNvPr>
+                      <p:cNvPicPr/>
+                      <p:nvPr/>
+                    </p:nvPicPr>
+                    <p:blipFill>
+                      <a:blip r:embed="rId5"/>
+                      <a:stretch>
+                        <a:fillRect/>
+                      </a:stretch>
+                    </p:blipFill>
+                    <p:spPr>
+                      <a:xfrm>
+                        <a:off x="1588" y="1588"/>
+                        <a:ext cx="1588" cy="1588"/>
+                      </a:xfrm>
+                      <a:prstGeom prst="rect">
+                        <a:avLst/>
+                      </a:prstGeom>
+                    </p:spPr>
+                  </p:pic>
+                </p:oleObj>
+              </mc:Fallback>
+            </mc:AlternateContent>
+          </a:graphicData>
+        </a:graphic>
+      </p:graphicFrame>
+      <p:sp>
+        <p:nvSpPr>
+          <p:cNvPr id="2" name="Titel 1">
+            <a:extLst>
+              <a:ext uri="{FF2B5EF4-FFF2-40B4-BE49-F238E27FC236}">
+                <a16:creationId xmlns:a16="http://schemas.microsoft.com/office/drawing/2014/main" id="{F7A7B11F-5560-4450-B29C-AA36EE47DBD5}"/>
+              </a:ext>
+            </a:extLst>
+          </p:cNvPr>
+          <p:cNvSpPr>
+            <a:spLocks noGrp="1"/>
+          </p:cNvSpPr>
+          <p:nvPr>
+            <p:ph type="title"/>
+          </p:nvPr>
+        </p:nvSpPr>
+        <p:spPr/>
+        <p:txBody>
+          <a:bodyPr vert="horz"/>
+          <a:lstStyle/>
+          <a:p>
+            <a:r>
+              <a:rPr lang="en-US" dirty="0"/>
+              <a:t>Expected Output</a:t>
+            </a:r>
+          </a:p>
+        </p:txBody>
+      </p:sp>
+      <p:sp>
+        <p:nvSpPr>
+          <p:cNvPr id="6" name="Pladsholder til indhold 5">
+            <a:extLst>
+              <a:ext uri="{FF2B5EF4-FFF2-40B4-BE49-F238E27FC236}">
+                <a16:creationId xmlns:a16="http://schemas.microsoft.com/office/drawing/2014/main" id="{8FC4456C-8838-4F8B-8B1E-95CBD5B2E38B}"/>
+              </a:ext>
+            </a:extLst>
+          </p:cNvPr>
+          <p:cNvSpPr>
+            <a:spLocks noGrp="1"/>
+          </p:cNvSpPr>
+          <p:nvPr>
+            <p:ph sz="quarter" idx="13"/>
+          </p:nvPr>
+        </p:nvSpPr>
+        <p:spPr>
+          <a:xfrm>
+            <a:off x="982663" y="1088631"/>
+            <a:ext cx="4808537" cy="5077220"/>
+          </a:xfrm>
+        </p:spPr>
+        <p:txBody>
+          <a:bodyPr/>
+          <a:lstStyle/>
+          <a:p>
+            <a:r>
+              <a:rPr lang="en-US" dirty="0"/>
+              <a:t>Comprehensive data model with a variety of use cases.</a:t>
+            </a:r>
+          </a:p>
+          <a:p>
+            <a:r>
+              <a:rPr lang="en-US" dirty="0"/>
+              <a:t>Contracting Dashboard with KPIs and KRIs.</a:t>
+            </a:r>
+          </a:p>
+          <a:p>
+            <a:pPr lvl="2"/>
+            <a:r>
+              <a:rPr lang="en-US" dirty="0"/>
+              <a:t>Identification of risky projects.</a:t>
+            </a:r>
+          </a:p>
+          <a:p>
+            <a:pPr lvl="2"/>
+            <a:r>
+              <a:rPr lang="en-US" dirty="0"/>
+              <a:t>Identification of areas of improvement.</a:t>
+            </a:r>
+          </a:p>
+          <a:p>
+            <a:pPr lvl="2"/>
+            <a:r>
+              <a:rPr lang="en-US" dirty="0"/>
+              <a:t>Highlight trends and patterns in data.</a:t>
+            </a:r>
+          </a:p>
+          <a:p>
+            <a:r>
+              <a:rPr lang="en-US" dirty="0"/>
+              <a:t>Insight into underlying risk factors.</a:t>
+            </a:r>
+          </a:p>
+          <a:p>
+            <a:pPr marL="0" indent="0">
+              <a:buNone/>
+            </a:pPr>
+            <a:endParaRPr lang="en-US" dirty="0"/>
+          </a:p>
+          <a:p>
+            <a:endParaRPr lang="en-US" dirty="0"/>
+          </a:p>
+          <a:p>
+            <a:endParaRPr lang="en-US" dirty="0"/>
+          </a:p>
+          <a:p>
+            <a:pPr marL="0" indent="0">
+              <a:buNone/>
+            </a:pPr>
+            <a:r>
+              <a:rPr lang="en-US" sz="1600" dirty="0"/>
+              <a:t>The right-hand side shows a draft of the time series model, coupled with a Principal Component Analysis of contribution margin (DB).</a:t>
+            </a:r>
+          </a:p>
+          <a:p>
+            <a:endParaRPr lang="en-US" dirty="0"/>
+          </a:p>
+          <a:p>
+            <a:endParaRPr lang="en-US" dirty="0"/>
+          </a:p>
+          <a:p>
+            <a:pPr lvl="2"/>
+            <a:endParaRPr lang="en-US" dirty="0"/>
+          </a:p>
+          <a:p>
+            <a:endParaRPr lang="en-US" dirty="0"/>
+          </a:p>
+        </p:txBody>
+      </p:sp>
+      <p:grpSp>
+        <p:nvGrpSpPr>
+          <p:cNvPr id="23" name="Gruppe 22">
+            <a:extLst>
+              <a:ext uri="{FF2B5EF4-FFF2-40B4-BE49-F238E27FC236}">
+                <a16:creationId xmlns:a16="http://schemas.microsoft.com/office/drawing/2014/main" id="{38285DF7-26A5-0B52-5D8A-45F17BF22272}"/>
+              </a:ext>
+            </a:extLst>
+          </p:cNvPr>
+          <p:cNvGrpSpPr/>
+          <p:nvPr/>
+        </p:nvGrpSpPr>
+        <p:grpSpPr>
+          <a:xfrm>
+            <a:off x="6019732" y="407777"/>
+            <a:ext cx="5837306" cy="6220396"/>
+            <a:chOff x="6096000" y="380564"/>
+            <a:chExt cx="5837306" cy="6220396"/>
+          </a:xfrm>
+        </p:grpSpPr>
+        <p:graphicFrame>
+          <p:nvGraphicFramePr>
+            <p:cNvPr id="9" name="Objekt 8">
+              <a:extLst>
+                <a:ext uri="{FF2B5EF4-FFF2-40B4-BE49-F238E27FC236}">
+                  <a16:creationId xmlns:a16="http://schemas.microsoft.com/office/drawing/2014/main" id="{D1559444-CA7D-43C0-1DE4-369F3173A80D}"/>
+                </a:ext>
+              </a:extLst>
+            </p:cNvPr>
+            <p:cNvGraphicFramePr>
+              <a:graphicFrameLocks noChangeAspect="1"/>
+            </p:cNvGraphicFramePr>
+            <p:nvPr>
+              <p:extLst>
+                <p:ext uri="{D42A27DB-BD31-4B8C-83A1-F6EECF244321}">
+                  <p14:modId xmlns:p14="http://schemas.microsoft.com/office/powerpoint/2010/main" val="731780390"/>
+                </p:ext>
+              </p:extLst>
+            </p:nvPr>
+          </p:nvGraphicFramePr>
+          <p:xfrm>
+            <a:off x="6173306" y="380564"/>
+            <a:ext cx="5760000" cy="3901345"/>
+          </p:xfrm>
+          <a:graphic>
+            <a:graphicData uri="http://schemas.openxmlformats.org/presentationml/2006/ole">
+              <mc:AlternateContent xmlns:mc="http://schemas.openxmlformats.org/markup-compatibility/2006">
+                <mc:Choice xmlns:v="urn:schemas-microsoft-com:vml" Requires="v">
+                  <p:oleObj name="Acrobat Document" r:id="rId6" imgW="13782628" imgH="9334410" progId="AcroExch.Document.DC">
+                    <p:embed/>
+                  </p:oleObj>
+                </mc:Choice>
+                <mc:Fallback>
+                  <p:oleObj name="Acrobat Document" r:id="rId6" imgW="13782628" imgH="9334410" progId="AcroExch.Document.DC">
+                    <p:embed/>
+                    <p:pic>
+                      <p:nvPicPr>
+                        <p:cNvPr id="9" name="Objekt 8">
+                          <a:extLst>
+                            <a:ext uri="{FF2B5EF4-FFF2-40B4-BE49-F238E27FC236}">
+                              <a16:creationId xmlns:a16="http://schemas.microsoft.com/office/drawing/2014/main" id="{D1559444-CA7D-43C0-1DE4-369F3173A80D}"/>
+                            </a:ext>
+                          </a:extLst>
+                        </p:cNvPr>
+                        <p:cNvPicPr/>
+                        <p:nvPr/>
+                      </p:nvPicPr>
+                      <p:blipFill>
+                        <a:blip r:embed="rId7"/>
+                        <a:stretch>
+                          <a:fillRect/>
+                        </a:stretch>
+                      </p:blipFill>
+                      <p:spPr>
+                        <a:xfrm>
+                          <a:off x="6173306" y="380564"/>
+                          <a:ext cx="5760000" cy="3901345"/>
+                        </a:xfrm>
+                        <a:prstGeom prst="rect">
+                          <a:avLst/>
+                        </a:prstGeom>
+                      </p:spPr>
+                    </p:pic>
+                  </p:oleObj>
+                </mc:Fallback>
+              </mc:AlternateContent>
+            </a:graphicData>
+          </a:graphic>
+        </p:graphicFrame>
+        <p:graphicFrame>
+          <p:nvGraphicFramePr>
+            <p:cNvPr id="21" name="Objekt 20">
+              <a:extLst>
+                <a:ext uri="{FF2B5EF4-FFF2-40B4-BE49-F238E27FC236}">
+                  <a16:creationId xmlns:a16="http://schemas.microsoft.com/office/drawing/2014/main" id="{B305C757-02F7-D8E4-C352-87D04B022676}"/>
+                </a:ext>
+              </a:extLst>
+            </p:cNvPr>
+            <p:cNvGraphicFramePr>
+              <a:graphicFrameLocks noChangeAspect="1"/>
+            </p:cNvGraphicFramePr>
+            <p:nvPr>
+              <p:extLst>
+                <p:ext uri="{D42A27DB-BD31-4B8C-83A1-F6EECF244321}">
+                  <p14:modId xmlns:p14="http://schemas.microsoft.com/office/powerpoint/2010/main" val="3187411849"/>
+                </p:ext>
+              </p:extLst>
+            </p:nvPr>
+          </p:nvGraphicFramePr>
+          <p:xfrm>
+            <a:off x="9053306" y="4422584"/>
+            <a:ext cx="2880000" cy="2178376"/>
+          </p:xfrm>
+          <a:graphic>
+            <a:graphicData uri="http://schemas.openxmlformats.org/presentationml/2006/ole">
+              <mc:AlternateContent xmlns:mc="http://schemas.openxmlformats.org/markup-compatibility/2006">
+                <mc:Choice xmlns:v="urn:schemas-microsoft-com:vml" Requires="v">
+                  <p:oleObj name="Acrobat Document" r:id="rId8" imgW="4105257" imgH="3104867" progId="AcroExch.Document.DC">
+                    <p:embed/>
+                  </p:oleObj>
+                </mc:Choice>
+                <mc:Fallback>
+                  <p:oleObj name="Acrobat Document" r:id="rId8" imgW="4105257" imgH="3104867" progId="AcroExch.Document.DC">
+                    <p:embed/>
+                    <p:pic>
+                      <p:nvPicPr>
+                        <p:cNvPr id="21" name="Objekt 20">
+                          <a:extLst>
+                            <a:ext uri="{FF2B5EF4-FFF2-40B4-BE49-F238E27FC236}">
+                              <a16:creationId xmlns:a16="http://schemas.microsoft.com/office/drawing/2014/main" id="{B305C757-02F7-D8E4-C352-87D04B022676}"/>
+                            </a:ext>
+                          </a:extLst>
+                        </p:cNvPr>
+                        <p:cNvPicPr/>
+                        <p:nvPr/>
+                      </p:nvPicPr>
+                      <p:blipFill>
+                        <a:blip r:embed="rId9"/>
+                        <a:stretch>
+                          <a:fillRect/>
+                        </a:stretch>
+                      </p:blipFill>
+                      <p:spPr>
+                        <a:xfrm>
+                          <a:off x="9053306" y="4422584"/>
+                          <a:ext cx="2880000" cy="2178376"/>
+                        </a:xfrm>
+                        <a:prstGeom prst="rect">
+                          <a:avLst/>
+                        </a:prstGeom>
+                      </p:spPr>
+                    </p:pic>
+                  </p:oleObj>
+                </mc:Fallback>
+              </mc:AlternateContent>
+            </a:graphicData>
+          </a:graphic>
+        </p:graphicFrame>
+        <p:graphicFrame>
+          <p:nvGraphicFramePr>
+            <p:cNvPr id="22" name="Objekt 21">
+              <a:extLst>
+                <a:ext uri="{FF2B5EF4-FFF2-40B4-BE49-F238E27FC236}">
+                  <a16:creationId xmlns:a16="http://schemas.microsoft.com/office/drawing/2014/main" id="{047ADE68-9866-819C-37AA-A74696903866}"/>
+                </a:ext>
+              </a:extLst>
+            </p:cNvPr>
+            <p:cNvGraphicFramePr>
+              <a:graphicFrameLocks noChangeAspect="1"/>
+            </p:cNvGraphicFramePr>
+            <p:nvPr>
+              <p:extLst>
+                <p:ext uri="{D42A27DB-BD31-4B8C-83A1-F6EECF244321}">
+                  <p14:modId xmlns:p14="http://schemas.microsoft.com/office/powerpoint/2010/main" val="2697269531"/>
+                </p:ext>
+              </p:extLst>
+            </p:nvPr>
+          </p:nvGraphicFramePr>
+          <p:xfrm>
+            <a:off x="6096000" y="4427615"/>
+            <a:ext cx="2880000" cy="2168314"/>
+          </p:xfrm>
+          <a:graphic>
+            <a:graphicData uri="http://schemas.openxmlformats.org/presentationml/2006/ole">
+              <mc:AlternateContent xmlns:mc="http://schemas.openxmlformats.org/markup-compatibility/2006">
+                <mc:Choice xmlns:v="urn:schemas-microsoft-com:vml" Requires="v">
+                  <p:oleObj name="Acrobat Document" r:id="rId10" imgW="4123996" imgH="3104867" progId="AcroExch.Document.DC">
+                    <p:embed/>
+                  </p:oleObj>
+                </mc:Choice>
+                <mc:Fallback>
+                  <p:oleObj name="Acrobat Document" r:id="rId10" imgW="4123996" imgH="3104867" progId="AcroExch.Document.DC">
+                    <p:embed/>
+                    <p:pic>
+                      <p:nvPicPr>
+                        <p:cNvPr id="22" name="Objekt 21">
+                          <a:extLst>
+                            <a:ext uri="{FF2B5EF4-FFF2-40B4-BE49-F238E27FC236}">
+                              <a16:creationId xmlns:a16="http://schemas.microsoft.com/office/drawing/2014/main" id="{047ADE68-9866-819C-37AA-A74696903866}"/>
+                            </a:ext>
+                          </a:extLst>
+                        </p:cNvPr>
+                        <p:cNvPicPr/>
+                        <p:nvPr/>
+                      </p:nvPicPr>
+                      <p:blipFill>
+                        <a:blip r:embed="rId11"/>
+                        <a:stretch>
+                          <a:fillRect/>
+                        </a:stretch>
+                      </p:blipFill>
+                      <p:spPr>
+                        <a:xfrm>
+                          <a:off x="6096000" y="4427615"/>
+                          <a:ext cx="2880000" cy="2168314"/>
+                        </a:xfrm>
+                        <a:prstGeom prst="rect">
+                          <a:avLst/>
+                        </a:prstGeom>
+                      </p:spPr>
+                    </p:pic>
+                  </p:oleObj>
+                </mc:Fallback>
+              </mc:AlternateContent>
+            </a:graphicData>
+          </a:graphic>
+        </p:graphicFrame>
+      </p:grpSp>
+    </p:spTree>
+    <p:extLst>
+      <p:ext uri="{BB962C8B-B14F-4D97-AF65-F5344CB8AC3E}">
+        <p14:creationId xmlns:p14="http://schemas.microsoft.com/office/powerpoint/2010/main" val="3090062221"/>
+      </p:ext>
+    </p:extLst>
+  </p:cSld>
+  <p:clrMapOvr>
+    <a:masterClrMapping/>
+  </p:clrMapOvr>
+</p:sld>
+</file>
+
+<file path=ppt/slides/slide7.xml><?xml version="1.0" encoding="utf-8"?>
+<p:sld xmlns:a="http://schemas.openxmlformats.org/drawingml/2006/main" xmlns:r="http://schemas.openxmlformats.org/officeDocument/2006/relationships" xmlns:p="http://schemas.openxmlformats.org/presentationml/2006/main">
+  <p:cSld>
+    <p:bg>
+      <p:bgPr>
+        <a:solidFill>
+          <a:srgbClr val="909099"/>
+        </a:solidFill>
+        <a:effectLst/>
+      </p:bgPr>
+    </p:bg>
+    <p:spTree>
+      <p:nvGrpSpPr>
+        <p:cNvPr id="1" name=""/>
+        <p:cNvGrpSpPr/>
+        <p:nvPr/>
+      </p:nvGrpSpPr>
+      <p:grpSpPr>
+        <a:xfrm>
+          <a:off x="0" y="0"/>
+          <a:ext cx="0" cy="0"/>
+          <a:chOff x="0" y="0"/>
+          <a:chExt cx="0" cy="0"/>
+        </a:xfrm>
+      </p:grpSpPr>
+      <p:sp>
+        <p:nvSpPr>
+          <p:cNvPr id="2" name="Titel 1">
+            <a:extLst>
+              <a:ext uri="{FF2B5EF4-FFF2-40B4-BE49-F238E27FC236}">
+                <a16:creationId xmlns:a16="http://schemas.microsoft.com/office/drawing/2014/main" id="{89911282-8D0D-E832-9894-1A20E221CFE9}"/>
+              </a:ext>
+            </a:extLst>
+          </p:cNvPr>
+          <p:cNvSpPr>
+            <a:spLocks noGrp="1"/>
+          </p:cNvSpPr>
+          <p:nvPr>
+            <p:ph type="title"/>
+          </p:nvPr>
+        </p:nvSpPr>
+        <p:spPr/>
+        <p:txBody>
+          <a:bodyPr/>
+          <a:lstStyle/>
+          <a:p>
+            <a:endParaRPr lang="en-US"/>
+          </a:p>
+        </p:txBody>
+      </p:sp>
+      <p:sp>
+        <p:nvSpPr>
+          <p:cNvPr id="3" name="Pladsholder til indhold 2">
+            <a:extLst>
+              <a:ext uri="{FF2B5EF4-FFF2-40B4-BE49-F238E27FC236}">
+                <a16:creationId xmlns:a16="http://schemas.microsoft.com/office/drawing/2014/main" id="{0B4ABF34-2465-9587-78EC-00BCB22AB21F}"/>
+              </a:ext>
+            </a:extLst>
+          </p:cNvPr>
+          <p:cNvSpPr>
+            <a:spLocks noGrp="1"/>
+          </p:cNvSpPr>
+          <p:nvPr>
+            <p:ph sz="quarter" idx="13"/>
+          </p:nvPr>
+        </p:nvSpPr>
+        <p:spPr/>
+        <p:txBody>
+          <a:bodyPr/>
+          <a:lstStyle/>
+          <a:p>
+            <a:endParaRPr lang="en-US"/>
+          </a:p>
+        </p:txBody>
+      </p:sp>
+    </p:spTree>
+    <p:extLst>
+      <p:ext uri="{BB962C8B-B14F-4D97-AF65-F5344CB8AC3E}">
+        <p14:creationId xmlns:p14="http://schemas.microsoft.com/office/powerpoint/2010/main" val="735016182"/>
+      </p:ext>
+    </p:extLst>
+  </p:cSld>
+  <p:clrMapOvr>
+    <a:masterClrMapping/>
+  </p:clrMapOvr>
+</p:sld>
+</file>
+
+<file path=ppt/slides/slide8.xml><?xml version="1.0" encoding="utf-8"?>
+<p:sld xmlns:a="http://schemas.openxmlformats.org/drawingml/2006/main" xmlns:r="http://schemas.openxmlformats.org/officeDocument/2006/relationships" xmlns:p="http://schemas.openxmlformats.org/presentationml/2006/main">
+  <p:cSld>
+    <p:spTree>
+      <p:nvGrpSpPr>
+        <p:cNvPr id="1" name=""/>
+        <p:cNvGrpSpPr/>
+        <p:nvPr/>
+      </p:nvGrpSpPr>
+      <p:grpSpPr>
+        <a:xfrm>
+          <a:off x="0" y="0"/>
+          <a:ext cx="0" cy="0"/>
+          <a:chOff x="0" y="0"/>
+          <a:chExt cx="0" cy="0"/>
+        </a:xfrm>
+      </p:grpSpPr>
+      <p:graphicFrame>
+        <p:nvGraphicFramePr>
+          <p:cNvPr id="4" name="Objekt 3" hidden="1">
+            <a:extLst>
+              <a:ext uri="{FF2B5EF4-FFF2-40B4-BE49-F238E27FC236}">
+                <a16:creationId xmlns:a16="http://schemas.microsoft.com/office/drawing/2014/main" id="{916B0171-55CA-34B6-3803-978FADA4CC7E}"/>
+              </a:ext>
+            </a:extLst>
+          </p:cNvPr>
+          <p:cNvGraphicFramePr>
+            <a:graphicFrameLocks noChangeAspect="1"/>
+          </p:cNvGraphicFramePr>
+          <p:nvPr>
+            <p:custDataLst>
+              <p:tags r:id="rId1"/>
+            </p:custDataLst>
+            <p:extLst>
+              <p:ext uri="{D42A27DB-BD31-4B8C-83A1-F6EECF244321}">
+                <p14:modId xmlns:p14="http://schemas.microsoft.com/office/powerpoint/2010/main" val="1017581821"/>
+              </p:ext>
+            </p:extLst>
+          </p:nvPr>
+        </p:nvGraphicFramePr>
+        <p:xfrm>
+          <a:off x="1588" y="1588"/>
+          <a:ext cx="1588" cy="1588"/>
+        </p:xfrm>
+        <a:graphic>
+          <a:graphicData uri="http://schemas.openxmlformats.org/presentationml/2006/ole">
+            <mc:AlternateContent xmlns:mc="http://schemas.openxmlformats.org/markup-compatibility/2006">
+              <mc:Choice xmlns:v="urn:schemas-microsoft-com:vml" Requires="v">
+                <p:oleObj name="think-cell Slide" r:id="rId3" imgW="347" imgH="348" progId="TCLayout.ActiveDocument.1">
+                  <p:embed/>
+                </p:oleObj>
+              </mc:Choice>
+              <mc:Fallback>
+                <p:oleObj name="think-cell Slide" r:id="rId3" imgW="347" imgH="348" progId="TCLayout.ActiveDocument.1">
+                  <p:embed/>
+                  <p:pic>
+                    <p:nvPicPr>
+                      <p:cNvPr id="4" name="Objekt 3" hidden="1">
+                        <a:extLst>
+                          <a:ext uri="{FF2B5EF4-FFF2-40B4-BE49-F238E27FC236}">
+                            <a16:creationId xmlns:a16="http://schemas.microsoft.com/office/drawing/2014/main" id="{916B0171-55CA-34B6-3803-978FADA4CC7E}"/>
+                          </a:ext>
+                        </a:extLst>
+                      </p:cNvPr>
+                      <p:cNvPicPr/>
+                      <p:nvPr/>
+                    </p:nvPicPr>
+                    <p:blipFill>
+                      <a:blip r:embed="rId4"/>
+                      <a:stretch>
+                        <a:fillRect/>
+                      </a:stretch>
+                    </p:blipFill>
+                    <p:spPr>
+                      <a:xfrm>
+                        <a:off x="1588" y="1588"/>
+                        <a:ext cx="1588" cy="1588"/>
+                      </a:xfrm>
+                      <a:prstGeom prst="rect">
+                        <a:avLst/>
+                      </a:prstGeom>
+                    </p:spPr>
+                  </p:pic>
+                </p:oleObj>
+              </mc:Fallback>
+            </mc:AlternateContent>
+          </a:graphicData>
+        </a:graphic>
+      </p:graphicFrame>
+      <p:sp>
+        <p:nvSpPr>
+          <p:cNvPr id="2" name="Titel 1">
+            <a:extLst>
+              <a:ext uri="{FF2B5EF4-FFF2-40B4-BE49-F238E27FC236}">
+                <a16:creationId xmlns:a16="http://schemas.microsoft.com/office/drawing/2014/main" id="{93A3E130-9533-0E36-0857-BC4D928C3A22}"/>
+              </a:ext>
+            </a:extLst>
+          </p:cNvPr>
+          <p:cNvSpPr>
+            <a:spLocks noGrp="1"/>
+          </p:cNvSpPr>
+          <p:nvPr>
+            <p:ph type="title"/>
+          </p:nvPr>
+        </p:nvSpPr>
+        <p:spPr/>
+        <p:txBody>
+          <a:bodyPr vert="horz"/>
+          <a:lstStyle/>
+          <a:p>
+            <a:r>
+              <a:rPr lang="da-DK" dirty="0"/>
+              <a:t>Research </a:t>
+            </a:r>
+            <a:r>
+              <a:rPr lang="da-DK" dirty="0" err="1"/>
+              <a:t>Question</a:t>
+            </a:r>
+            <a:endParaRPr lang="da-DK" dirty="0"/>
+          </a:p>
+        </p:txBody>
+      </p:sp>
+      <p:sp>
+        <p:nvSpPr>
+          <p:cNvPr id="3" name="Pladsholder til indhold 2">
+            <a:extLst>
+              <a:ext uri="{FF2B5EF4-FFF2-40B4-BE49-F238E27FC236}">
+                <a16:creationId xmlns:a16="http://schemas.microsoft.com/office/drawing/2014/main" id="{71031A30-F24A-B042-B598-C48162625363}"/>
+              </a:ext>
+            </a:extLst>
+          </p:cNvPr>
+          <p:cNvSpPr>
+            <a:spLocks noGrp="1"/>
+          </p:cNvSpPr>
+          <p:nvPr>
+            <p:ph sz="quarter" idx="13"/>
+          </p:nvPr>
+        </p:nvSpPr>
+        <p:spPr/>
+        <p:txBody>
+          <a:bodyPr/>
+          <a:lstStyle/>
+          <a:p>
+            <a:endParaRPr lang="da-DK"/>
+          </a:p>
+        </p:txBody>
+      </p:sp>
+    </p:spTree>
+    <p:extLst>
+      <p:ext uri="{BB962C8B-B14F-4D97-AF65-F5344CB8AC3E}">
+        <p14:creationId xmlns:p14="http://schemas.microsoft.com/office/powerpoint/2010/main" val="984107870"/>
+      </p:ext>
+    </p:extLst>
+  </p:cSld>
+  <p:clrMapOvr>
+    <a:masterClrMapping/>
+  </p:clrMapOvr>
+</p:sld>
+</file>
+
+<file path=ppt/slides/slide9.xml><?xml version="1.0" encoding="utf-8"?>
+<p:sld xmlns:a="http://schemas.openxmlformats.org/drawingml/2006/main" xmlns:r="http://schemas.openxmlformats.org/officeDocument/2006/relationships" xmlns:p="http://schemas.openxmlformats.org/presentationml/2006/main">
+  <p:cSld>
+    <p:spTree>
+      <p:nvGrpSpPr>
+        <p:cNvPr id="1" name=""/>
+        <p:cNvGrpSpPr/>
+        <p:nvPr/>
+      </p:nvGrpSpPr>
+      <p:grpSpPr>
+        <a:xfrm>
+          <a:off x="0" y="0"/>
+          <a:ext cx="0" cy="0"/>
+          <a:chOff x="0" y="0"/>
+          <a:chExt cx="0" cy="0"/>
+        </a:xfrm>
+      </p:grpSpPr>
+      <p:graphicFrame>
+        <p:nvGraphicFramePr>
+          <p:cNvPr id="6" name="Objekt 5" hidden="1">
+            <a:extLst>
+              <a:ext uri="{FF2B5EF4-FFF2-40B4-BE49-F238E27FC236}">
+                <a16:creationId xmlns:a16="http://schemas.microsoft.com/office/drawing/2014/main" id="{F5FE1D0F-2634-853A-8CB7-E60EF91E0658}"/>
+              </a:ext>
+            </a:extLst>
+          </p:cNvPr>
+          <p:cNvGraphicFramePr>
+            <a:graphicFrameLocks noChangeAspect="1"/>
+          </p:cNvGraphicFramePr>
+          <p:nvPr>
+            <p:custDataLst>
+              <p:tags r:id="rId1"/>
+            </p:custDataLst>
+            <p:extLst>
+              <p:ext uri="{D42A27DB-BD31-4B8C-83A1-F6EECF244321}">
+                <p14:modId xmlns:p14="http://schemas.microsoft.com/office/powerpoint/2010/main" val="814980167"/>
+              </p:ext>
+            </p:extLst>
+          </p:nvPr>
+        </p:nvGraphicFramePr>
+        <p:xfrm>
+          <a:off x="1588" y="1588"/>
+          <a:ext cx="1588" cy="1588"/>
+        </p:xfrm>
+        <a:graphic>
+          <a:graphicData uri="http://schemas.openxmlformats.org/presentationml/2006/ole">
+            <mc:AlternateContent xmlns:mc="http://schemas.openxmlformats.org/markup-compatibility/2006">
+              <mc:Choice xmlns:v="urn:schemas-microsoft-com:vml" Requires="v">
+                <p:oleObj name="think-cell Slide" r:id="rId3" imgW="347" imgH="348" progId="TCLayout.ActiveDocument.1">
+                  <p:embed/>
+                </p:oleObj>
+              </mc:Choice>
+              <mc:Fallback>
+                <p:oleObj name="think-cell Slide" r:id="rId3" imgW="347" imgH="348" progId="TCLayout.ActiveDocument.1">
+                  <p:embed/>
+                  <p:pic>
+                    <p:nvPicPr>
+                      <p:cNvPr id="6" name="Objekt 5" hidden="1">
+                        <a:extLst>
+                          <a:ext uri="{FF2B5EF4-FFF2-40B4-BE49-F238E27FC236}">
+                            <a16:creationId xmlns:a16="http://schemas.microsoft.com/office/drawing/2014/main" id="{F5FE1D0F-2634-853A-8CB7-E60EF91E0658}"/>
+                          </a:ext>
+                        </a:extLst>
+                      </p:cNvPr>
+                      <p:cNvPicPr/>
+                      <p:nvPr/>
+                    </p:nvPicPr>
+                    <p:blipFill>
+                      <a:blip r:embed="rId4"/>
+                      <a:stretch>
+                        <a:fillRect/>
+                      </a:stretch>
+                    </p:blipFill>
+                    <p:spPr>
+                      <a:xfrm>
+                        <a:off x="1588" y="1588"/>
+                        <a:ext cx="1588" cy="1588"/>
+                      </a:xfrm>
+                      <a:prstGeom prst="rect">
+                        <a:avLst/>
+                      </a:prstGeom>
+                    </p:spPr>
+                  </p:pic>
+                </p:oleObj>
+              </mc:Fallback>
+            </mc:AlternateContent>
+          </a:graphicData>
+        </a:graphic>
+      </p:graphicFrame>
+      <p:pic>
+        <p:nvPicPr>
+          <p:cNvPr id="5" name="Pladsholder til indhold 4">
+            <a:extLst>
+              <a:ext uri="{FF2B5EF4-FFF2-40B4-BE49-F238E27FC236}">
+                <a16:creationId xmlns:a16="http://schemas.microsoft.com/office/drawing/2014/main" id="{3F90B2EF-94A9-6ADD-940C-1700EB1EAC82}"/>
+              </a:ext>
+            </a:extLst>
+          </p:cNvPr>
+          <p:cNvPicPr>
+            <a:picLocks noGrp="1" noChangeAspect="1"/>
+          </p:cNvPicPr>
+          <p:nvPr>
+            <p:ph sz="quarter" idx="13"/>
+          </p:nvPr>
+        </p:nvPicPr>
+        <p:blipFill>
+          <a:blip r:embed="rId5">
+            <a:extLst>
+              <a:ext uri="{96DAC541-7B7A-43D3-8B79-37D633B846F1}">
+                <asvg:svgBlip xmlns:asvg="http://schemas.microsoft.com/office/drawing/2016/SVG/main" r:embed="rId6"/>
+              </a:ext>
+            </a:extLst>
+          </a:blip>
+          <a:stretch>
+            <a:fillRect/>
+          </a:stretch>
+        </p:blipFill>
+        <p:spPr>
+          <a:xfrm>
+            <a:off x="2710763" y="0"/>
+            <a:ext cx="6770474" cy="6770474"/>
+          </a:xfrm>
+        </p:spPr>
+      </p:pic>
+    </p:spTree>
+    <p:extLst>
+      <p:ext uri="{BB962C8B-B14F-4D97-AF65-F5344CB8AC3E}">
+        <p14:creationId xmlns:p14="http://schemas.microsoft.com/office/powerpoint/2010/main" val="3397296693"/>
+      </p:ext>
+    </p:extLst>
+  </p:cSld>
+  <p:clrMapOvr>
+    <a:masterClrMapping/>
+  </p:clrMapOvr>
+</p:sld>
+</file>
+
 <file path=ppt/tags/tag1.xml><?xml version="1.0" encoding="utf-8"?>
 <p:tagLst xmlns:a="http://schemas.openxmlformats.org/drawingml/2006/main" xmlns:r="http://schemas.openxmlformats.org/officeDocument/2006/relationships" xmlns:p="http://schemas.openxmlformats.org/presentationml/2006/main">
   <p:tag name="SP_AGENDA" val="SectionNumber SlideNumber"/>
@@ -27036,6 +27213,12 @@
 </file>
 
 <file path=ppt/tags/tag32.xml><?xml version="1.0" encoding="utf-8"?>
+<p:tagLst xmlns:a="http://schemas.openxmlformats.org/drawingml/2006/main" xmlns:r="http://schemas.openxmlformats.org/officeDocument/2006/relationships" xmlns:p="http://schemas.openxmlformats.org/presentationml/2006/main">
+  <p:tag name="THINKCELLSHAPEDONOTDELETE" val="thinkcellActiveDocDoNotDelete"/>
+</p:tagLst>
+</file>
+
+<file path=ppt/tags/tag33.xml><?xml version="1.0" encoding="utf-8"?>
 <p:tagLst xmlns:a="http://schemas.openxmlformats.org/drawingml/2006/main" xmlns:r="http://schemas.openxmlformats.org/officeDocument/2006/relationships" xmlns:p="http://schemas.openxmlformats.org/presentationml/2006/main">
   <p:tag name="THINKCELLSHAPEDONOTDELETE" val="thinkcellActiveDocDoNotDelete"/>
 </p:tagLst>
